--- a/G2M-Case Study.pptx
+++ b/G2M-Case Study.pptx
@@ -10,9 +10,18 @@
     <p:sldId id="269" r:id="rId4"/>
     <p:sldId id="270" r:id="rId5"/>
     <p:sldId id="271" r:id="rId6"/>
-    <p:sldId id="272" r:id="rId7"/>
-    <p:sldId id="273" r:id="rId8"/>
-    <p:sldId id="268" r:id="rId9"/>
+    <p:sldId id="284" r:id="rId7"/>
+    <p:sldId id="274" r:id="rId8"/>
+    <p:sldId id="273" r:id="rId9"/>
+    <p:sldId id="275" r:id="rId10"/>
+    <p:sldId id="276" r:id="rId11"/>
+    <p:sldId id="277" r:id="rId12"/>
+    <p:sldId id="278" r:id="rId13"/>
+    <p:sldId id="279" r:id="rId14"/>
+    <p:sldId id="280" r:id="rId15"/>
+    <p:sldId id="282" r:id="rId16"/>
+    <p:sldId id="283" r:id="rId17"/>
+    <p:sldId id="268" r:id="rId18"/>
   </p:sldIdLst>
   <p:sldSz cx="12192000" cy="6858000"/>
   <p:notesSz cx="6858000" cy="9144000"/>
@@ -256,7 +265,7 @@
           <a:p>
             <a:fld id="{C764DE79-268F-4C1A-8933-263129D2AF90}" type="datetimeFigureOut">
               <a:rPr lang="en-US" dirty="0"/>
-              <a:t>6/25/21</a:t>
+              <a:t>6/26/21</a:t>
             </a:fld>
             <a:endParaRPr lang="en-US"/>
           </a:p>
@@ -424,7 +433,7 @@
           <a:p>
             <a:fld id="{C764DE79-268F-4C1A-8933-263129D2AF90}" type="datetimeFigureOut">
               <a:rPr lang="en-US" dirty="0"/>
-              <a:t>6/25/21</a:t>
+              <a:t>6/26/21</a:t>
             </a:fld>
             <a:endParaRPr lang="en-US"/>
           </a:p>
@@ -602,7 +611,7 @@
           <a:p>
             <a:fld id="{C764DE79-268F-4C1A-8933-263129D2AF90}" type="datetimeFigureOut">
               <a:rPr lang="en-US" dirty="0"/>
-              <a:t>6/25/21</a:t>
+              <a:t>6/26/21</a:t>
             </a:fld>
             <a:endParaRPr lang="en-US"/>
           </a:p>
@@ -770,7 +779,7 @@
           <a:p>
             <a:fld id="{C764DE79-268F-4C1A-8933-263129D2AF90}" type="datetimeFigureOut">
               <a:rPr lang="en-US" dirty="0"/>
-              <a:t>6/25/21</a:t>
+              <a:t>6/26/21</a:t>
             </a:fld>
             <a:endParaRPr lang="en-US"/>
           </a:p>
@@ -1015,7 +1024,7 @@
           <a:p>
             <a:fld id="{C764DE79-268F-4C1A-8933-263129D2AF90}" type="datetimeFigureOut">
               <a:rPr lang="en-US" dirty="0"/>
-              <a:t>6/25/21</a:t>
+              <a:t>6/26/21</a:t>
             </a:fld>
             <a:endParaRPr lang="en-US"/>
           </a:p>
@@ -1244,7 +1253,7 @@
           <a:p>
             <a:fld id="{C764DE79-268F-4C1A-8933-263129D2AF90}" type="datetimeFigureOut">
               <a:rPr lang="en-US" dirty="0"/>
-              <a:t>6/25/21</a:t>
+              <a:t>6/26/21</a:t>
             </a:fld>
             <a:endParaRPr lang="en-US"/>
           </a:p>
@@ -1608,7 +1617,7 @@
           <a:p>
             <a:fld id="{C764DE79-268F-4C1A-8933-263129D2AF90}" type="datetimeFigureOut">
               <a:rPr lang="en-US" dirty="0"/>
-              <a:t>6/25/21</a:t>
+              <a:t>6/26/21</a:t>
             </a:fld>
             <a:endParaRPr lang="en-US"/>
           </a:p>
@@ -1725,7 +1734,7 @@
           <a:p>
             <a:fld id="{C764DE79-268F-4C1A-8933-263129D2AF90}" type="datetimeFigureOut">
               <a:rPr lang="en-US" dirty="0"/>
-              <a:t>6/25/21</a:t>
+              <a:t>6/26/21</a:t>
             </a:fld>
             <a:endParaRPr lang="en-US"/>
           </a:p>
@@ -1820,7 +1829,7 @@
           <a:p>
             <a:fld id="{C764DE79-268F-4C1A-8933-263129D2AF90}" type="datetimeFigureOut">
               <a:rPr lang="en-US" dirty="0"/>
-              <a:t>6/25/21</a:t>
+              <a:t>6/26/21</a:t>
             </a:fld>
             <a:endParaRPr lang="en-US"/>
           </a:p>
@@ -2095,7 +2104,7 @@
           <a:p>
             <a:fld id="{C764DE79-268F-4C1A-8933-263129D2AF90}" type="datetimeFigureOut">
               <a:rPr lang="en-US" dirty="0"/>
-              <a:t>6/25/21</a:t>
+              <a:t>6/26/21</a:t>
             </a:fld>
             <a:endParaRPr lang="en-US"/>
           </a:p>
@@ -2350,7 +2359,7 @@
           <a:p>
             <a:fld id="{C764DE79-268F-4C1A-8933-263129D2AF90}" type="datetimeFigureOut">
               <a:rPr lang="en-US" dirty="0"/>
-              <a:t>6/25/21</a:t>
+              <a:t>6/26/21</a:t>
             </a:fld>
             <a:endParaRPr lang="en-US"/>
           </a:p>
@@ -2561,7 +2570,7 @@
           <a:p>
             <a:fld id="{C764DE79-268F-4C1A-8933-263129D2AF90}" type="datetimeFigureOut">
               <a:rPr lang="en-US" dirty="0"/>
-              <a:t>6/25/21</a:t>
+              <a:t>6/26/21</a:t>
             </a:fld>
             <a:endParaRPr lang="en-US"/>
           </a:p>
@@ -3108,6 +3117,6437 @@
 </p:sld>
 </file>
 
+<file path=ppt/slides/slide10.xml><?xml version="1.0" encoding="utf-8"?>
+<p:sld xmlns:a="http://schemas.openxmlformats.org/drawingml/2006/main" xmlns:r="http://schemas.openxmlformats.org/officeDocument/2006/relationships" xmlns:p="http://schemas.openxmlformats.org/presentationml/2006/main">
+  <p:cSld>
+    <p:bg>
+      <p:bgPr>
+        <a:solidFill>
+          <a:schemeClr val="bg1"/>
+        </a:solidFill>
+        <a:effectLst/>
+      </p:bgPr>
+    </p:bg>
+    <p:spTree>
+      <p:nvGrpSpPr>
+        <p:cNvPr id="1" name=""/>
+        <p:cNvGrpSpPr/>
+        <p:nvPr/>
+      </p:nvGrpSpPr>
+      <p:grpSpPr>
+        <a:xfrm>
+          <a:off x="0" y="0"/>
+          <a:ext cx="0" cy="0"/>
+          <a:chOff x="0" y="0"/>
+          <a:chExt cx="0" cy="0"/>
+        </a:xfrm>
+      </p:grpSpPr>
+      <p:sp>
+        <p:nvSpPr>
+          <p:cNvPr id="14" name="Rectangle 13">
+            <a:extLst>
+              <a:ext uri="{FF2B5EF4-FFF2-40B4-BE49-F238E27FC236}">
+                <a16:creationId xmlns:a16="http://schemas.microsoft.com/office/drawing/2014/main" id="{A7AE9375-4664-4DB2-922D-2782A6E439AC}"/>
+              </a:ext>
+              <a:ext uri="{C183D7F6-B498-43B3-948B-1728B52AA6E4}">
+                <adec:decorative xmlns:adec="http://schemas.microsoft.com/office/drawing/2017/decorative" val="1"/>
+              </a:ext>
+            </a:extLst>
+          </p:cNvPr>
+          <p:cNvSpPr>
+            <a:spLocks noGrp="1" noRot="1" noChangeAspect="1" noMove="1" noResize="1" noEditPoints="1" noAdjustHandles="1" noChangeArrowheads="1" noChangeShapeType="1" noTextEdit="1"/>
+          </p:cNvSpPr>
+          <p:nvPr>
+            <p:extLst>
+              <p:ext uri="{386F3935-93C4-4BCD-93E2-E3B085C9AB24}">
+                <p16:designElem xmlns:p16="http://schemas.microsoft.com/office/powerpoint/2015/main" val="1"/>
+              </p:ext>
+            </p:extLst>
+          </p:nvPr>
+        </p:nvSpPr>
+        <p:spPr>
+          <a:xfrm>
+            <a:off x="-1" y="0"/>
+            <a:ext cx="12192000" cy="6858000"/>
+          </a:xfrm>
+          <a:prstGeom prst="rect">
+            <a:avLst/>
+          </a:prstGeom>
+          <a:solidFill>
+            <a:schemeClr val="tx1">
+              <a:lumMod val="95000"/>
+              <a:lumOff val="5000"/>
+            </a:schemeClr>
+          </a:solidFill>
+          <a:ln>
+            <a:noFill/>
+          </a:ln>
+        </p:spPr>
+        <p:style>
+          <a:lnRef idx="2">
+            <a:schemeClr val="accent1">
+              <a:shade val="50000"/>
+            </a:schemeClr>
+          </a:lnRef>
+          <a:fillRef idx="1">
+            <a:schemeClr val="accent1"/>
+          </a:fillRef>
+          <a:effectRef idx="0">
+            <a:schemeClr val="accent1"/>
+          </a:effectRef>
+          <a:fontRef idx="minor">
+            <a:schemeClr val="lt1"/>
+          </a:fontRef>
+        </p:style>
+        <p:txBody>
+          <a:bodyPr rtlCol="0" anchor="ctr"/>
+          <a:lstStyle/>
+          <a:p>
+            <a:pPr algn="ctr"/>
+            <a:endParaRPr lang="en-US" dirty="0">
+              <a:solidFill>
+                <a:schemeClr val="tx1"/>
+              </a:solidFill>
+            </a:endParaRPr>
+          </a:p>
+        </p:txBody>
+      </p:sp>
+      <p:sp>
+        <p:nvSpPr>
+          <p:cNvPr id="2" name="Title 1">
+            <a:extLst>
+              <a:ext uri="{FF2B5EF4-FFF2-40B4-BE49-F238E27FC236}">
+                <a16:creationId xmlns:a16="http://schemas.microsoft.com/office/drawing/2014/main" id="{19195430-9C5E-504F-87C8-59CF08C4DD1F}"/>
+              </a:ext>
+            </a:extLst>
+          </p:cNvPr>
+          <p:cNvSpPr>
+            <a:spLocks noGrp="1"/>
+          </p:cNvSpPr>
+          <p:nvPr>
+            <p:ph type="title"/>
+          </p:nvPr>
+        </p:nvSpPr>
+        <p:spPr>
+          <a:xfrm>
+            <a:off x="1295400" y="669925"/>
+            <a:ext cx="4800600" cy="1325563"/>
+          </a:xfrm>
+        </p:spPr>
+        <p:txBody>
+          <a:bodyPr anchor="b">
+            <a:normAutofit/>
+          </a:bodyPr>
+          <a:lstStyle/>
+          <a:p>
+            <a:r>
+              <a:rPr lang="en-CA">
+                <a:solidFill>
+                  <a:schemeClr val="bg1"/>
+                </a:solidFill>
+              </a:rPr>
+              <a:t>Profit Analysis by City and Year ($/KM)</a:t>
+            </a:r>
+          </a:p>
+        </p:txBody>
+      </p:sp>
+      <p:cxnSp>
+        <p:nvCxnSpPr>
+          <p:cNvPr id="16" name="Straight Connector 15">
+            <a:extLst>
+              <a:ext uri="{FF2B5EF4-FFF2-40B4-BE49-F238E27FC236}">
+                <a16:creationId xmlns:a16="http://schemas.microsoft.com/office/drawing/2014/main" id="{EE504C98-6397-41C1-A8D8-2D9C4ED307E0}"/>
+              </a:ext>
+              <a:ext uri="{C183D7F6-B498-43B3-948B-1728B52AA6E4}">
+                <adec:decorative xmlns:adec="http://schemas.microsoft.com/office/drawing/2017/decorative" val="1"/>
+              </a:ext>
+            </a:extLst>
+          </p:cNvPr>
+          <p:cNvCxnSpPr>
+            <a:cxnSpLocks noGrp="1" noRot="1" noChangeAspect="1" noMove="1" noResize="1" noEditPoints="1" noAdjustHandles="1" noChangeArrowheads="1" noChangeShapeType="1"/>
+          </p:cNvCxnSpPr>
+          <p:nvPr>
+            <p:extLst>
+              <p:ext uri="{386F3935-93C4-4BCD-93E2-E3B085C9AB24}">
+                <p16:designElem xmlns:p16="http://schemas.microsoft.com/office/powerpoint/2015/main" val="1"/>
+              </p:ext>
+            </p:extLst>
+          </p:nvPr>
+        </p:nvCxnSpPr>
+        <p:spPr>
+          <a:xfrm flipH="1">
+            <a:off x="1" y="2026340"/>
+            <a:ext cx="6095999" cy="0"/>
+          </a:xfrm>
+          <a:prstGeom prst="line">
+            <a:avLst/>
+          </a:prstGeom>
+          <a:ln w="12700">
+            <a:solidFill>
+              <a:schemeClr val="accent2"/>
+            </a:solidFill>
+          </a:ln>
+        </p:spPr>
+        <p:style>
+          <a:lnRef idx="1">
+            <a:schemeClr val="accent1"/>
+          </a:lnRef>
+          <a:fillRef idx="0">
+            <a:schemeClr val="accent1"/>
+          </a:fillRef>
+          <a:effectRef idx="0">
+            <a:schemeClr val="accent1"/>
+          </a:effectRef>
+          <a:fontRef idx="minor">
+            <a:schemeClr val="tx1"/>
+          </a:fontRef>
+        </p:style>
+      </p:cxnSp>
+      <p:sp>
+        <p:nvSpPr>
+          <p:cNvPr id="11" name="Content Placeholder 10">
+            <a:extLst>
+              <a:ext uri="{FF2B5EF4-FFF2-40B4-BE49-F238E27FC236}">
+                <a16:creationId xmlns:a16="http://schemas.microsoft.com/office/drawing/2014/main" id="{125B7CDD-EF88-4343-838F-0EED321CEC4B}"/>
+              </a:ext>
+            </a:extLst>
+          </p:cNvPr>
+          <p:cNvSpPr>
+            <a:spLocks noGrp="1"/>
+          </p:cNvSpPr>
+          <p:nvPr>
+            <p:ph idx="1"/>
+          </p:nvPr>
+        </p:nvSpPr>
+        <p:spPr>
+          <a:xfrm>
+            <a:off x="1295400" y="2288833"/>
+            <a:ext cx="4800600" cy="3711571"/>
+          </a:xfrm>
+        </p:spPr>
+        <p:txBody>
+          <a:bodyPr>
+            <a:normAutofit lnSpcReduction="10000"/>
+          </a:bodyPr>
+          <a:lstStyle/>
+          <a:p>
+            <a:r>
+              <a:rPr lang="en-US" sz="2000" dirty="0">
+                <a:solidFill>
+                  <a:schemeClr val="bg1"/>
+                </a:solidFill>
+              </a:rPr>
+              <a:t>We see that in the span of 3 years, the profit/KM has decreased in 2018 as compared to 2016 &amp; 2017, which were equal. We have already seen that the average cost/KM remained constant, while the price/KM decreased. This resulted in such a trend for the profit/KM feature.</a:t>
+            </a:r>
+          </a:p>
+          <a:p>
+            <a:r>
+              <a:rPr lang="en-US" sz="2000" dirty="0">
+                <a:solidFill>
+                  <a:schemeClr val="bg1"/>
+                </a:solidFill>
+              </a:rPr>
+              <a:t>We see that the Average profit in each city plot has a similar shape to the average price inn each city plot. We also observe that the Yellow company has a higher profit in all cities other than Tucson, where the Pink company just edges it out.</a:t>
+            </a:r>
+          </a:p>
+        </p:txBody>
+      </p:sp>
+      <p:pic>
+        <p:nvPicPr>
+          <p:cNvPr id="5" name="Content Placeholder 4" descr="Chart, line chart&#10;&#10;Description automatically generated">
+            <a:extLst>
+              <a:ext uri="{FF2B5EF4-FFF2-40B4-BE49-F238E27FC236}">
+                <a16:creationId xmlns:a16="http://schemas.microsoft.com/office/drawing/2014/main" id="{406F1773-52C4-204B-9260-6070E13ECAFB}"/>
+              </a:ext>
+            </a:extLst>
+          </p:cNvPr>
+          <p:cNvPicPr>
+            <a:picLocks noChangeAspect="1"/>
+          </p:cNvPicPr>
+          <p:nvPr/>
+        </p:nvPicPr>
+        <p:blipFill>
+          <a:blip r:embed="rId2">
+            <a:extLst>
+              <a:ext uri="{28A0092B-C50C-407E-A947-70E740481C1C}">
+                <a14:useLocalDpi xmlns:a14="http://schemas.microsoft.com/office/drawing/2010/main" val="0"/>
+              </a:ext>
+            </a:extLst>
+          </a:blip>
+          <a:stretch>
+            <a:fillRect/>
+          </a:stretch>
+        </p:blipFill>
+        <p:spPr>
+          <a:xfrm>
+            <a:off x="6431603" y="376721"/>
+            <a:ext cx="3996260" cy="2757419"/>
+          </a:xfrm>
+          <a:prstGeom prst="rect">
+            <a:avLst/>
+          </a:prstGeom>
+        </p:spPr>
+      </p:pic>
+      <p:sp>
+        <p:nvSpPr>
+          <p:cNvPr id="18" name="Rectangle 17">
+            <a:extLst>
+              <a:ext uri="{FF2B5EF4-FFF2-40B4-BE49-F238E27FC236}">
+                <a16:creationId xmlns:a16="http://schemas.microsoft.com/office/drawing/2014/main" id="{C87417AF-190E-4D6E-AFA6-7D3E84B0B430}"/>
+              </a:ext>
+              <a:ext uri="{C183D7F6-B498-43B3-948B-1728B52AA6E4}">
+                <adec:decorative xmlns:adec="http://schemas.microsoft.com/office/drawing/2017/decorative" val="1"/>
+              </a:ext>
+            </a:extLst>
+          </p:cNvPr>
+          <p:cNvSpPr>
+            <a:spLocks noGrp="1" noRot="1" noChangeAspect="1" noMove="1" noResize="1" noEditPoints="1" noAdjustHandles="1" noChangeArrowheads="1" noChangeShapeType="1" noTextEdit="1"/>
+          </p:cNvSpPr>
+          <p:nvPr>
+            <p:extLst>
+              <p:ext uri="{386F3935-93C4-4BCD-93E2-E3B085C9AB24}">
+                <p16:designElem xmlns:p16="http://schemas.microsoft.com/office/powerpoint/2015/main" val="1"/>
+              </p:ext>
+            </p:extLst>
+          </p:nvPr>
+        </p:nvSpPr>
+        <p:spPr>
+          <a:xfrm>
+            <a:off x="6431603" y="182859"/>
+            <a:ext cx="3996261" cy="3177496"/>
+          </a:xfrm>
+          <a:prstGeom prst="rect">
+            <a:avLst/>
+          </a:prstGeom>
+          <a:noFill/>
+          <a:ln w="12700">
+            <a:solidFill>
+              <a:schemeClr val="accent2"/>
+            </a:solidFill>
+          </a:ln>
+        </p:spPr>
+        <p:style>
+          <a:lnRef idx="2">
+            <a:schemeClr val="accent1">
+              <a:shade val="50000"/>
+            </a:schemeClr>
+          </a:lnRef>
+          <a:fillRef idx="1">
+            <a:schemeClr val="accent1"/>
+          </a:fillRef>
+          <a:effectRef idx="0">
+            <a:schemeClr val="accent1"/>
+          </a:effectRef>
+          <a:fontRef idx="minor">
+            <a:schemeClr val="lt1"/>
+          </a:fontRef>
+        </p:style>
+        <p:txBody>
+          <a:bodyPr rtlCol="0" anchor="ctr"/>
+          <a:lstStyle/>
+          <a:p>
+            <a:pPr algn="ctr"/>
+            <a:endParaRPr lang="en-US"/>
+          </a:p>
+        </p:txBody>
+      </p:sp>
+      <p:pic>
+        <p:nvPicPr>
+          <p:cNvPr id="7" name="Picture 6" descr="Line chart&#10;&#10;Description automatically generated">
+            <a:extLst>
+              <a:ext uri="{FF2B5EF4-FFF2-40B4-BE49-F238E27FC236}">
+                <a16:creationId xmlns:a16="http://schemas.microsoft.com/office/drawing/2014/main" id="{6994E853-92D7-024F-914B-5955B39DB1FD}"/>
+              </a:ext>
+            </a:extLst>
+          </p:cNvPr>
+          <p:cNvPicPr>
+            <a:picLocks noChangeAspect="1"/>
+          </p:cNvPicPr>
+          <p:nvPr/>
+        </p:nvPicPr>
+        <p:blipFill>
+          <a:blip r:embed="rId3">
+            <a:extLst>
+              <a:ext uri="{28A0092B-C50C-407E-A947-70E740481C1C}">
+                <a14:useLocalDpi xmlns:a14="http://schemas.microsoft.com/office/drawing/2010/main" val="0"/>
+              </a:ext>
+            </a:extLst>
+          </a:blip>
+          <a:stretch>
+            <a:fillRect/>
+          </a:stretch>
+        </p:blipFill>
+        <p:spPr>
+          <a:xfrm>
+            <a:off x="7825070" y="4013163"/>
+            <a:ext cx="4016221" cy="2218961"/>
+          </a:xfrm>
+          <a:prstGeom prst="rect">
+            <a:avLst/>
+          </a:prstGeom>
+        </p:spPr>
+      </p:pic>
+      <p:sp>
+        <p:nvSpPr>
+          <p:cNvPr id="20" name="Rectangle 19">
+            <a:extLst>
+              <a:ext uri="{FF2B5EF4-FFF2-40B4-BE49-F238E27FC236}">
+                <a16:creationId xmlns:a16="http://schemas.microsoft.com/office/drawing/2014/main" id="{80B30ED8-273E-4C07-8568-2FE5CC5C483D}"/>
+              </a:ext>
+              <a:ext uri="{C183D7F6-B498-43B3-948B-1728B52AA6E4}">
+                <adec:decorative xmlns:adec="http://schemas.microsoft.com/office/drawing/2017/decorative" val="1"/>
+              </a:ext>
+            </a:extLst>
+          </p:cNvPr>
+          <p:cNvSpPr>
+            <a:spLocks noGrp="1" noRot="1" noChangeAspect="1" noMove="1" noResize="1" noEditPoints="1" noAdjustHandles="1" noChangeArrowheads="1" noChangeShapeType="1" noTextEdit="1"/>
+          </p:cNvSpPr>
+          <p:nvPr>
+            <p:extLst>
+              <p:ext uri="{386F3935-93C4-4BCD-93E2-E3B085C9AB24}">
+                <p16:designElem xmlns:p16="http://schemas.microsoft.com/office/powerpoint/2015/main" val="1"/>
+              </p:ext>
+            </p:extLst>
+          </p:nvPr>
+        </p:nvSpPr>
+        <p:spPr>
+          <a:xfrm>
+            <a:off x="7825071" y="3543213"/>
+            <a:ext cx="3996261" cy="3177496"/>
+          </a:xfrm>
+          <a:prstGeom prst="rect">
+            <a:avLst/>
+          </a:prstGeom>
+          <a:noFill/>
+          <a:ln w="12700">
+            <a:solidFill>
+              <a:schemeClr val="accent2"/>
+            </a:solidFill>
+          </a:ln>
+        </p:spPr>
+        <p:style>
+          <a:lnRef idx="2">
+            <a:schemeClr val="accent1">
+              <a:shade val="50000"/>
+            </a:schemeClr>
+          </a:lnRef>
+          <a:fillRef idx="1">
+            <a:schemeClr val="accent1"/>
+          </a:fillRef>
+          <a:effectRef idx="0">
+            <a:schemeClr val="accent1"/>
+          </a:effectRef>
+          <a:fontRef idx="minor">
+            <a:schemeClr val="lt1"/>
+          </a:fontRef>
+        </p:style>
+        <p:txBody>
+          <a:bodyPr rtlCol="0" anchor="ctr"/>
+          <a:lstStyle/>
+          <a:p>
+            <a:pPr algn="ctr"/>
+            <a:endParaRPr lang="en-US"/>
+          </a:p>
+        </p:txBody>
+      </p:sp>
+    </p:spTree>
+    <p:extLst>
+      <p:ext uri="{BB962C8B-B14F-4D97-AF65-F5344CB8AC3E}">
+        <p14:creationId xmlns:p14="http://schemas.microsoft.com/office/powerpoint/2010/main" val="2148777081"/>
+      </p:ext>
+    </p:extLst>
+  </p:cSld>
+  <p:clrMapOvr>
+    <a:masterClrMapping/>
+  </p:clrMapOvr>
+</p:sld>
+</file>
+
+<file path=ppt/slides/slide11.xml><?xml version="1.0" encoding="utf-8"?>
+<p:sld xmlns:a="http://schemas.openxmlformats.org/drawingml/2006/main" xmlns:r="http://schemas.openxmlformats.org/officeDocument/2006/relationships" xmlns:p="http://schemas.openxmlformats.org/presentationml/2006/main">
+  <p:cSld>
+    <p:bg>
+      <p:bgPr>
+        <a:solidFill>
+          <a:schemeClr val="accent2"/>
+        </a:solidFill>
+        <a:effectLst/>
+      </p:bgPr>
+    </p:bg>
+    <p:spTree>
+      <p:nvGrpSpPr>
+        <p:cNvPr id="1" name=""/>
+        <p:cNvGrpSpPr/>
+        <p:nvPr/>
+      </p:nvGrpSpPr>
+      <p:grpSpPr>
+        <a:xfrm>
+          <a:off x="0" y="0"/>
+          <a:ext cx="0" cy="0"/>
+          <a:chOff x="0" y="0"/>
+          <a:chExt cx="0" cy="0"/>
+        </a:xfrm>
+      </p:grpSpPr>
+      <p:sp>
+        <p:nvSpPr>
+          <p:cNvPr id="12" name="Rectangle: Top Corners Rounded 11">
+            <a:extLst>
+              <a:ext uri="{FF2B5EF4-FFF2-40B4-BE49-F238E27FC236}">
+                <a16:creationId xmlns:a16="http://schemas.microsoft.com/office/drawing/2014/main" id="{3BAF1561-20C4-41FD-A35F-BF2B9E727F3E}"/>
+              </a:ext>
+              <a:ext uri="{C183D7F6-B498-43B3-948B-1728B52AA6E4}">
+                <adec:decorative xmlns:adec="http://schemas.microsoft.com/office/drawing/2017/decorative" val="1"/>
+              </a:ext>
+            </a:extLst>
+          </p:cNvPr>
+          <p:cNvSpPr>
+            <a:spLocks noGrp="1" noRot="1" noChangeAspect="1" noMove="1" noResize="1" noEditPoints="1" noAdjustHandles="1" noChangeArrowheads="1" noChangeShapeType="1" noTextEdit="1"/>
+          </p:cNvSpPr>
+          <p:nvPr>
+            <p:extLst>
+              <p:ext uri="{386F3935-93C4-4BCD-93E2-E3B085C9AB24}">
+                <p16:designElem xmlns:p16="http://schemas.microsoft.com/office/powerpoint/2015/main" val="1"/>
+              </p:ext>
+            </p:extLst>
+          </p:nvPr>
+        </p:nvSpPr>
+        <p:spPr>
+          <a:xfrm rot="5400000" flipH="1">
+            <a:off x="-529466" y="996722"/>
+            <a:ext cx="5923488" cy="4864556"/>
+          </a:xfrm>
+          <a:prstGeom prst="round2SameRect">
+            <a:avLst>
+              <a:gd name="adj1" fmla="val 3762"/>
+              <a:gd name="adj2" fmla="val 0"/>
+            </a:avLst>
+          </a:prstGeom>
+          <a:solidFill>
+            <a:schemeClr val="tx1">
+              <a:lumMod val="75000"/>
+              <a:lumOff val="25000"/>
+            </a:schemeClr>
+          </a:solidFill>
+          <a:ln>
+            <a:noFill/>
+          </a:ln>
+        </p:spPr>
+        <p:style>
+          <a:lnRef idx="2">
+            <a:schemeClr val="accent1">
+              <a:shade val="50000"/>
+            </a:schemeClr>
+          </a:lnRef>
+          <a:fillRef idx="1">
+            <a:schemeClr val="accent1"/>
+          </a:fillRef>
+          <a:effectRef idx="0">
+            <a:schemeClr val="accent1"/>
+          </a:effectRef>
+          <a:fontRef idx="minor">
+            <a:schemeClr val="lt1"/>
+          </a:fontRef>
+        </p:style>
+        <p:txBody>
+          <a:bodyPr rtlCol="0" anchor="ctr"/>
+          <a:lstStyle/>
+          <a:p>
+            <a:pPr marL="0" marR="0" lvl="0" indent="0" algn="ctr" defTabSz="914400" rtl="0" eaLnBrk="1" fontAlgn="auto" latinLnBrk="0" hangingPunct="1">
+              <a:lnSpc>
+                <a:spcPct val="100000"/>
+              </a:lnSpc>
+              <a:spcBef>
+                <a:spcPts val="0"/>
+              </a:spcBef>
+              <a:spcAft>
+                <a:spcPts val="0"/>
+              </a:spcAft>
+              <a:buClrTx/>
+              <a:buSzTx/>
+              <a:buFontTx/>
+              <a:buNone/>
+              <a:tabLst/>
+              <a:defRPr/>
+            </a:pPr>
+            <a:endParaRPr kumimoji="0" lang="en-US" sz="1800" b="0" i="0" u="none" strike="noStrike" kern="1200" cap="none" spc="0" normalizeH="0" baseline="0" noProof="0">
+              <a:ln>
+                <a:noFill/>
+              </a:ln>
+              <a:solidFill>
+                <a:prstClr val="white"/>
+              </a:solidFill>
+              <a:effectLst/>
+              <a:uLnTx/>
+              <a:uFillTx/>
+              <a:latin typeface="Calibri" panose="020F0502020204030204"/>
+              <a:ea typeface="+mn-ea"/>
+              <a:cs typeface="+mn-cs"/>
+            </a:endParaRPr>
+          </a:p>
+        </p:txBody>
+      </p:sp>
+      <p:sp>
+        <p:nvSpPr>
+          <p:cNvPr id="14" name="Rectangle: Top Corners Rounded 13">
+            <a:extLst>
+              <a:ext uri="{FF2B5EF4-FFF2-40B4-BE49-F238E27FC236}">
+                <a16:creationId xmlns:a16="http://schemas.microsoft.com/office/drawing/2014/main" id="{839DC788-B140-4F3E-A91E-CB3E70ED940A}"/>
+              </a:ext>
+              <a:ext uri="{C183D7F6-B498-43B3-948B-1728B52AA6E4}">
+                <adec:decorative xmlns:adec="http://schemas.microsoft.com/office/drawing/2017/decorative" val="1"/>
+              </a:ext>
+            </a:extLst>
+          </p:cNvPr>
+          <p:cNvSpPr>
+            <a:spLocks noGrp="1" noRot="1" noChangeAspect="1" noMove="1" noResize="1" noEditPoints="1" noAdjustHandles="1" noChangeArrowheads="1" noChangeShapeType="1" noTextEdit="1"/>
+          </p:cNvSpPr>
+          <p:nvPr>
+            <p:extLst>
+              <p:ext uri="{386F3935-93C4-4BCD-93E2-E3B085C9AB24}">
+                <p16:designElem xmlns:p16="http://schemas.microsoft.com/office/powerpoint/2015/main" val="1"/>
+              </p:ext>
+            </p:extLst>
+          </p:nvPr>
+        </p:nvSpPr>
+        <p:spPr>
+          <a:xfrm rot="5400000" flipH="1">
+            <a:off x="-457200" y="1050468"/>
+            <a:ext cx="5609397" cy="4757058"/>
+          </a:xfrm>
+          <a:prstGeom prst="round2SameRect">
+            <a:avLst>
+              <a:gd name="adj1" fmla="val 2061"/>
+              <a:gd name="adj2" fmla="val 0"/>
+            </a:avLst>
+          </a:prstGeom>
+          <a:noFill/>
+          <a:ln w="50800">
+            <a:solidFill>
+              <a:schemeClr val="bg1"/>
+            </a:solidFill>
+          </a:ln>
+        </p:spPr>
+        <p:style>
+          <a:lnRef idx="2">
+            <a:schemeClr val="accent1">
+              <a:shade val="50000"/>
+            </a:schemeClr>
+          </a:lnRef>
+          <a:fillRef idx="1">
+            <a:schemeClr val="accent1"/>
+          </a:fillRef>
+          <a:effectRef idx="0">
+            <a:schemeClr val="accent1"/>
+          </a:effectRef>
+          <a:fontRef idx="minor">
+            <a:schemeClr val="lt1"/>
+          </a:fontRef>
+        </p:style>
+        <p:txBody>
+          <a:bodyPr rtlCol="0" anchor="ctr"/>
+          <a:lstStyle/>
+          <a:p>
+            <a:pPr marL="0" marR="0" lvl="0" indent="0" algn="ctr" defTabSz="914400" rtl="0" eaLnBrk="1" fontAlgn="auto" latinLnBrk="0" hangingPunct="1">
+              <a:lnSpc>
+                <a:spcPct val="100000"/>
+              </a:lnSpc>
+              <a:spcBef>
+                <a:spcPts val="0"/>
+              </a:spcBef>
+              <a:spcAft>
+                <a:spcPts val="0"/>
+              </a:spcAft>
+              <a:buClrTx/>
+              <a:buSzTx/>
+              <a:buFontTx/>
+              <a:buNone/>
+              <a:tabLst/>
+              <a:defRPr/>
+            </a:pPr>
+            <a:endParaRPr kumimoji="0" lang="en-US" sz="1800" b="0" i="0" u="none" strike="noStrike" kern="1200" cap="none" spc="0" normalizeH="0" baseline="0" noProof="0">
+              <a:ln>
+                <a:noFill/>
+              </a:ln>
+              <a:solidFill>
+                <a:prstClr val="white"/>
+              </a:solidFill>
+              <a:effectLst/>
+              <a:uLnTx/>
+              <a:uFillTx/>
+              <a:latin typeface="Calibri" panose="020F0502020204030204"/>
+              <a:ea typeface="+mn-ea"/>
+              <a:cs typeface="+mn-cs"/>
+            </a:endParaRPr>
+          </a:p>
+        </p:txBody>
+      </p:sp>
+      <p:sp>
+        <p:nvSpPr>
+          <p:cNvPr id="2" name="Title 1">
+            <a:extLst>
+              <a:ext uri="{FF2B5EF4-FFF2-40B4-BE49-F238E27FC236}">
+                <a16:creationId xmlns:a16="http://schemas.microsoft.com/office/drawing/2014/main" id="{8679B912-FFD7-8A49-9DD5-D7C02B8C85BD}"/>
+              </a:ext>
+            </a:extLst>
+          </p:cNvPr>
+          <p:cNvSpPr>
+            <a:spLocks noGrp="1"/>
+          </p:cNvSpPr>
+          <p:nvPr>
+            <p:ph type="title"/>
+          </p:nvPr>
+        </p:nvSpPr>
+        <p:spPr>
+          <a:xfrm>
+            <a:off x="321733" y="981091"/>
+            <a:ext cx="4092951" cy="1624457"/>
+          </a:xfrm>
+        </p:spPr>
+        <p:txBody>
+          <a:bodyPr>
+            <a:normAutofit/>
+          </a:bodyPr>
+          <a:lstStyle/>
+          <a:p>
+            <a:r>
+              <a:rPr lang="en-CA" sz="3600" dirty="0">
+                <a:solidFill>
+                  <a:schemeClr val="bg1"/>
+                </a:solidFill>
+              </a:rPr>
+              <a:t>Average Profit by Gender</a:t>
+            </a:r>
+          </a:p>
+        </p:txBody>
+      </p:sp>
+      <p:cxnSp>
+        <p:nvCxnSpPr>
+          <p:cNvPr id="16" name="Straight Connector 15">
+            <a:extLst>
+              <a:ext uri="{FF2B5EF4-FFF2-40B4-BE49-F238E27FC236}">
+                <a16:creationId xmlns:a16="http://schemas.microsoft.com/office/drawing/2014/main" id="{FC18D930-0EEE-448F-ABF1-2AA3C83DA552}"/>
+              </a:ext>
+              <a:ext uri="{C183D7F6-B498-43B3-948B-1728B52AA6E4}">
+                <adec:decorative xmlns:adec="http://schemas.microsoft.com/office/drawing/2017/decorative" val="1"/>
+              </a:ext>
+            </a:extLst>
+          </p:cNvPr>
+          <p:cNvCxnSpPr>
+            <a:cxnSpLocks noGrp="1" noRot="1" noChangeAspect="1" noMove="1" noResize="1" noEditPoints="1" noAdjustHandles="1" noChangeArrowheads="1" noChangeShapeType="1"/>
+          </p:cNvCxnSpPr>
+          <p:nvPr>
+            <p:extLst>
+              <p:ext uri="{386F3935-93C4-4BCD-93E2-E3B085C9AB24}">
+                <p16:designElem xmlns:p16="http://schemas.microsoft.com/office/powerpoint/2015/main" val="1"/>
+              </p:ext>
+            </p:extLst>
+          </p:nvPr>
+        </p:nvCxnSpPr>
+        <p:spPr>
+          <a:xfrm>
+            <a:off x="524071" y="2705800"/>
+            <a:ext cx="1597456" cy="0"/>
+          </a:xfrm>
+          <a:prstGeom prst="line">
+            <a:avLst/>
+          </a:prstGeom>
+          <a:ln w="50800">
+            <a:solidFill>
+              <a:schemeClr val="bg1">
+                <a:lumMod val="65000"/>
+              </a:schemeClr>
+            </a:solidFill>
+          </a:ln>
+        </p:spPr>
+        <p:style>
+          <a:lnRef idx="1">
+            <a:schemeClr val="accent1"/>
+          </a:lnRef>
+          <a:fillRef idx="0">
+            <a:schemeClr val="accent1"/>
+          </a:fillRef>
+          <a:effectRef idx="0">
+            <a:schemeClr val="accent1"/>
+          </a:effectRef>
+          <a:fontRef idx="minor">
+            <a:schemeClr val="tx1"/>
+          </a:fontRef>
+        </p:style>
+      </p:cxnSp>
+      <p:sp>
+        <p:nvSpPr>
+          <p:cNvPr id="9" name="Content Placeholder 8">
+            <a:extLst>
+              <a:ext uri="{FF2B5EF4-FFF2-40B4-BE49-F238E27FC236}">
+                <a16:creationId xmlns:a16="http://schemas.microsoft.com/office/drawing/2014/main" id="{2A906B24-AFF9-4A0B-AFD7-86FEE1AD0F28}"/>
+              </a:ext>
+            </a:extLst>
+          </p:cNvPr>
+          <p:cNvSpPr>
+            <a:spLocks noGrp="1"/>
+          </p:cNvSpPr>
+          <p:nvPr>
+            <p:ph idx="1"/>
+          </p:nvPr>
+        </p:nvSpPr>
+        <p:spPr>
+          <a:xfrm>
+            <a:off x="321733" y="2834809"/>
+            <a:ext cx="4092951" cy="3042099"/>
+          </a:xfrm>
+        </p:spPr>
+        <p:txBody>
+          <a:bodyPr anchor="t">
+            <a:normAutofit fontScale="92500" lnSpcReduction="20000"/>
+          </a:bodyPr>
+          <a:lstStyle/>
+          <a:p>
+            <a:r>
+              <a:rPr lang="en-US" sz="2000" dirty="0">
+                <a:solidFill>
+                  <a:schemeClr val="bg1"/>
+                </a:solidFill>
+              </a:rPr>
+              <a:t>Here, we can see the average profit figures from each of the years, with male and female passengers counted separately. </a:t>
+            </a:r>
+          </a:p>
+          <a:p>
+            <a:r>
+              <a:rPr lang="en-US" sz="2000" dirty="0">
+                <a:solidFill>
+                  <a:schemeClr val="bg1"/>
+                </a:solidFill>
+              </a:rPr>
+              <a:t>We can see that in 2016, the profit generated from male passengers was slightly higher than the female passengers while in 2017 &amp; 2018, it was the other way around, with female passengers generating a higher average profit than male passengers. This number, however, is almost negligible.</a:t>
+            </a:r>
+          </a:p>
+        </p:txBody>
+      </p:sp>
+      <p:pic>
+        <p:nvPicPr>
+          <p:cNvPr id="5" name="Content Placeholder 4" descr="Chart, bar chart&#10;&#10;Description automatically generated">
+            <a:extLst>
+              <a:ext uri="{FF2B5EF4-FFF2-40B4-BE49-F238E27FC236}">
+                <a16:creationId xmlns:a16="http://schemas.microsoft.com/office/drawing/2014/main" id="{FD6196B8-A621-7C48-8481-93507BE67FF2}"/>
+              </a:ext>
+            </a:extLst>
+          </p:cNvPr>
+          <p:cNvPicPr>
+            <a:picLocks noChangeAspect="1"/>
+          </p:cNvPicPr>
+          <p:nvPr/>
+        </p:nvPicPr>
+        <p:blipFill>
+          <a:blip r:embed="rId2">
+            <a:extLst>
+              <a:ext uri="{28A0092B-C50C-407E-A947-70E740481C1C}">
+                <a14:useLocalDpi xmlns:a14="http://schemas.microsoft.com/office/drawing/2010/main" val="0"/>
+              </a:ext>
+            </a:extLst>
+          </a:blip>
+          <a:stretch>
+            <a:fillRect/>
+          </a:stretch>
+        </p:blipFill>
+        <p:spPr>
+          <a:xfrm>
+            <a:off x="5203767" y="619143"/>
+            <a:ext cx="6542117" cy="5462666"/>
+          </a:xfrm>
+          <a:prstGeom prst="rect">
+            <a:avLst/>
+          </a:prstGeom>
+        </p:spPr>
+      </p:pic>
+    </p:spTree>
+    <p:extLst>
+      <p:ext uri="{BB962C8B-B14F-4D97-AF65-F5344CB8AC3E}">
+        <p14:creationId xmlns:p14="http://schemas.microsoft.com/office/powerpoint/2010/main" val="1487265785"/>
+      </p:ext>
+    </p:extLst>
+  </p:cSld>
+  <p:clrMapOvr>
+    <a:masterClrMapping/>
+  </p:clrMapOvr>
+</p:sld>
+</file>
+
+<file path=ppt/slides/slide12.xml><?xml version="1.0" encoding="utf-8"?>
+<p:sld xmlns:a="http://schemas.openxmlformats.org/drawingml/2006/main" xmlns:r="http://schemas.openxmlformats.org/officeDocument/2006/relationships" xmlns:p="http://schemas.openxmlformats.org/presentationml/2006/main">
+  <p:cSld>
+    <p:bg>
+      <p:bgPr>
+        <a:solidFill>
+          <a:schemeClr val="bg1"/>
+        </a:solidFill>
+        <a:effectLst/>
+      </p:bgPr>
+    </p:bg>
+    <p:spTree>
+      <p:nvGrpSpPr>
+        <p:cNvPr id="1" name=""/>
+        <p:cNvGrpSpPr/>
+        <p:nvPr/>
+      </p:nvGrpSpPr>
+      <p:grpSpPr>
+        <a:xfrm>
+          <a:off x="0" y="0"/>
+          <a:ext cx="0" cy="0"/>
+          <a:chOff x="0" y="0"/>
+          <a:chExt cx="0" cy="0"/>
+        </a:xfrm>
+      </p:grpSpPr>
+      <p:sp useBgFill="1">
+        <p:nvSpPr>
+          <p:cNvPr id="25" name="Rectangle 24">
+            <a:extLst>
+              <a:ext uri="{FF2B5EF4-FFF2-40B4-BE49-F238E27FC236}">
+                <a16:creationId xmlns:a16="http://schemas.microsoft.com/office/drawing/2014/main" id="{B95B9BA8-1D69-4796-85F5-B6D0BD52354B}"/>
+              </a:ext>
+              <a:ext uri="{C183D7F6-B498-43B3-948B-1728B52AA6E4}">
+                <adec:decorative xmlns:adec="http://schemas.microsoft.com/office/drawing/2017/decorative" val="1"/>
+              </a:ext>
+            </a:extLst>
+          </p:cNvPr>
+          <p:cNvSpPr>
+            <a:spLocks noGrp="1" noRot="1" noChangeAspect="1" noMove="1" noResize="1" noEditPoints="1" noAdjustHandles="1" noChangeArrowheads="1" noChangeShapeType="1" noTextEdit="1"/>
+          </p:cNvSpPr>
+          <p:nvPr>
+            <p:extLst>
+              <p:ext uri="{386F3935-93C4-4BCD-93E2-E3B085C9AB24}">
+                <p16:designElem xmlns:p16="http://schemas.microsoft.com/office/powerpoint/2015/main" val="1"/>
+              </p:ext>
+            </p:extLst>
+          </p:nvPr>
+        </p:nvSpPr>
+        <p:spPr>
+          <a:xfrm>
+            <a:off x="0" y="0"/>
+            <a:ext cx="12192000" cy="6858000"/>
+          </a:xfrm>
+          <a:prstGeom prst="rect">
+            <a:avLst/>
+          </a:prstGeom>
+          <a:solidFill>
+            <a:schemeClr val="tx1"/>
+          </a:solidFill>
+          <a:ln w="12700" cap="flat" cmpd="sng" algn="ctr">
+            <a:noFill/>
+            <a:prstDash val="solid"/>
+            <a:miter lim="800000"/>
+          </a:ln>
+          <a:effectLst/>
+        </p:spPr>
+        <p:style>
+          <a:lnRef idx="2">
+            <a:schemeClr val="accent1">
+              <a:shade val="50000"/>
+            </a:schemeClr>
+          </a:lnRef>
+          <a:fillRef idx="1">
+            <a:schemeClr val="accent1"/>
+          </a:fillRef>
+          <a:effectRef idx="0">
+            <a:schemeClr val="accent1"/>
+          </a:effectRef>
+          <a:fontRef idx="minor">
+            <a:schemeClr val="lt1"/>
+          </a:fontRef>
+        </p:style>
+        <p:txBody>
+          <a:bodyPr rtlCol="0" anchor="ctr"/>
+          <a:lstStyle/>
+          <a:p>
+            <a:pPr algn="ctr"/>
+            <a:endParaRPr lang="en-US"/>
+          </a:p>
+        </p:txBody>
+      </p:sp>
+      <p:sp>
+        <p:nvSpPr>
+          <p:cNvPr id="2" name="Title 1">
+            <a:extLst>
+              <a:ext uri="{FF2B5EF4-FFF2-40B4-BE49-F238E27FC236}">
+                <a16:creationId xmlns:a16="http://schemas.microsoft.com/office/drawing/2014/main" id="{0097A4F2-1ACC-6940-B543-A2D8C179CFF8}"/>
+              </a:ext>
+            </a:extLst>
+          </p:cNvPr>
+          <p:cNvSpPr>
+            <a:spLocks noGrp="1"/>
+          </p:cNvSpPr>
+          <p:nvPr>
+            <p:ph type="title"/>
+          </p:nvPr>
+        </p:nvSpPr>
+        <p:spPr>
+          <a:xfrm>
+            <a:off x="838200" y="1641752"/>
+            <a:ext cx="4391025" cy="1323439"/>
+          </a:xfrm>
+        </p:spPr>
+        <p:txBody>
+          <a:bodyPr vert="horz" lIns="91440" tIns="45720" rIns="91440" bIns="45720" rtlCol="0" anchor="t">
+            <a:normAutofit/>
+          </a:bodyPr>
+          <a:lstStyle/>
+          <a:p>
+            <a:r>
+              <a:rPr lang="en-US" sz="3700" kern="1200" dirty="0">
+                <a:solidFill>
+                  <a:schemeClr val="bg1"/>
+                </a:solidFill>
+                <a:latin typeface="+mj-lt"/>
+                <a:ea typeface="+mj-ea"/>
+                <a:cs typeface="+mj-cs"/>
+              </a:rPr>
+              <a:t>Customer Preferences on Holidays</a:t>
+            </a:r>
+          </a:p>
+        </p:txBody>
+      </p:sp>
+      <p:sp>
+        <p:nvSpPr>
+          <p:cNvPr id="22" name="Content Placeholder 21">
+            <a:extLst>
+              <a:ext uri="{FF2B5EF4-FFF2-40B4-BE49-F238E27FC236}">
+                <a16:creationId xmlns:a16="http://schemas.microsoft.com/office/drawing/2014/main" id="{EE23135A-E6F2-4BC2-A4D7-081187C5889B}"/>
+              </a:ext>
+            </a:extLst>
+          </p:cNvPr>
+          <p:cNvSpPr>
+            <a:spLocks noGrp="1"/>
+          </p:cNvSpPr>
+          <p:nvPr>
+            <p:ph idx="1"/>
+          </p:nvPr>
+        </p:nvSpPr>
+        <p:spPr>
+          <a:xfrm>
+            <a:off x="838200" y="3146400"/>
+            <a:ext cx="4391025" cy="2454300"/>
+          </a:xfrm>
+        </p:spPr>
+        <p:txBody>
+          <a:bodyPr>
+            <a:normAutofit fontScale="85000" lnSpcReduction="20000"/>
+          </a:bodyPr>
+          <a:lstStyle/>
+          <a:p>
+            <a:r>
+              <a:rPr lang="en-US" sz="2400" dirty="0">
+                <a:solidFill>
+                  <a:schemeClr val="bg1">
+                    <a:alpha val="80000"/>
+                  </a:schemeClr>
+                </a:solidFill>
+              </a:rPr>
+              <a:t>Here, we see a bar chart, showing us the percentage of users who chose a particular cab on US Federal Holidays.</a:t>
+            </a:r>
+          </a:p>
+          <a:p>
+            <a:r>
+              <a:rPr lang="en-US" sz="2400" dirty="0">
+                <a:solidFill>
+                  <a:schemeClr val="bg1">
+                    <a:alpha val="80000"/>
+                  </a:schemeClr>
+                </a:solidFill>
+              </a:rPr>
+              <a:t>We can see that almost 70-75% of the rides on Holidays are done by the Yellow company.</a:t>
+            </a:r>
+          </a:p>
+          <a:p>
+            <a:r>
+              <a:rPr lang="en-US" sz="2400" dirty="0">
+                <a:solidFill>
+                  <a:schemeClr val="bg1">
+                    <a:alpha val="80000"/>
+                  </a:schemeClr>
+                </a:solidFill>
+              </a:rPr>
+              <a:t>This could be a huge strength as having such a high market share shows true ability and potential.</a:t>
+            </a:r>
+          </a:p>
+        </p:txBody>
+      </p:sp>
+      <p:pic>
+        <p:nvPicPr>
+          <p:cNvPr id="5" name="Content Placeholder 4" descr="Chart, bar chart&#10;&#10;Description automatically generated">
+            <a:extLst>
+              <a:ext uri="{FF2B5EF4-FFF2-40B4-BE49-F238E27FC236}">
+                <a16:creationId xmlns:a16="http://schemas.microsoft.com/office/drawing/2014/main" id="{4B284CF7-1390-BC4F-B811-C9C205CF098A}"/>
+              </a:ext>
+            </a:extLst>
+          </p:cNvPr>
+          <p:cNvPicPr>
+            <a:picLocks noChangeAspect="1"/>
+          </p:cNvPicPr>
+          <p:nvPr/>
+        </p:nvPicPr>
+        <p:blipFill>
+          <a:blip r:embed="rId2">
+            <a:extLst>
+              <a:ext uri="{28A0092B-C50C-407E-A947-70E740481C1C}">
+                <a14:useLocalDpi xmlns:a14="http://schemas.microsoft.com/office/drawing/2010/main" val="0"/>
+              </a:ext>
+            </a:extLst>
+          </a:blip>
+          <a:stretch>
+            <a:fillRect/>
+          </a:stretch>
+        </p:blipFill>
+        <p:spPr>
+          <a:xfrm>
+            <a:off x="6095999" y="1522113"/>
+            <a:ext cx="5260976" cy="3774750"/>
+          </a:xfrm>
+          <a:prstGeom prst="rect">
+            <a:avLst/>
+          </a:prstGeom>
+        </p:spPr>
+      </p:pic>
+    </p:spTree>
+    <p:extLst>
+      <p:ext uri="{BB962C8B-B14F-4D97-AF65-F5344CB8AC3E}">
+        <p14:creationId xmlns:p14="http://schemas.microsoft.com/office/powerpoint/2010/main" val="1601686427"/>
+      </p:ext>
+    </p:extLst>
+  </p:cSld>
+  <p:clrMapOvr>
+    <a:masterClrMapping/>
+  </p:clrMapOvr>
+</p:sld>
+</file>
+
+<file path=ppt/slides/slide13.xml><?xml version="1.0" encoding="utf-8"?>
+<p:sld xmlns:a="http://schemas.openxmlformats.org/drawingml/2006/main" xmlns:r="http://schemas.openxmlformats.org/officeDocument/2006/relationships" xmlns:p="http://schemas.openxmlformats.org/presentationml/2006/main">
+  <p:cSld>
+    <p:bg>
+      <p:bgPr>
+        <a:solidFill>
+          <a:schemeClr val="accent2"/>
+        </a:solidFill>
+        <a:effectLst/>
+      </p:bgPr>
+    </p:bg>
+    <p:spTree>
+      <p:nvGrpSpPr>
+        <p:cNvPr id="1" name=""/>
+        <p:cNvGrpSpPr/>
+        <p:nvPr/>
+      </p:nvGrpSpPr>
+      <p:grpSpPr>
+        <a:xfrm>
+          <a:off x="0" y="0"/>
+          <a:ext cx="0" cy="0"/>
+          <a:chOff x="0" y="0"/>
+          <a:chExt cx="0" cy="0"/>
+        </a:xfrm>
+      </p:grpSpPr>
+      <p:sp useBgFill="1">
+        <p:nvSpPr>
+          <p:cNvPr id="25" name="Rectangle 24">
+            <a:extLst>
+              <a:ext uri="{FF2B5EF4-FFF2-40B4-BE49-F238E27FC236}">
+                <a16:creationId xmlns:a16="http://schemas.microsoft.com/office/drawing/2014/main" id="{C232B152-3720-4D3B-97ED-45CE5483F16F}"/>
+              </a:ext>
+              <a:ext uri="{C183D7F6-B498-43B3-948B-1728B52AA6E4}">
+                <adec:decorative xmlns:adec="http://schemas.microsoft.com/office/drawing/2017/decorative" val="1"/>
+              </a:ext>
+            </a:extLst>
+          </p:cNvPr>
+          <p:cNvSpPr>
+            <a:spLocks noGrp="1" noRot="1" noChangeAspect="1" noMove="1" noResize="1" noEditPoints="1" noAdjustHandles="1" noChangeArrowheads="1" noChangeShapeType="1" noTextEdit="1"/>
+          </p:cNvSpPr>
+          <p:nvPr>
+            <p:extLst>
+              <p:ext uri="{386F3935-93C4-4BCD-93E2-E3B085C9AB24}">
+                <p16:designElem xmlns:p16="http://schemas.microsoft.com/office/powerpoint/2015/main" val="1"/>
+              </p:ext>
+            </p:extLst>
+          </p:nvPr>
+        </p:nvSpPr>
+        <p:spPr>
+          <a:xfrm>
+            <a:off x="0" y="0"/>
+            <a:ext cx="12192000" cy="6858000"/>
+          </a:xfrm>
+          <a:prstGeom prst="rect">
+            <a:avLst/>
+          </a:prstGeom>
+          <a:ln w="12700" cap="flat" cmpd="sng" algn="ctr">
+            <a:noFill/>
+            <a:prstDash val="solid"/>
+            <a:miter lim="800000"/>
+          </a:ln>
+          <a:effectLst/>
+        </p:spPr>
+        <p:style>
+          <a:lnRef idx="2">
+            <a:schemeClr val="accent1">
+              <a:shade val="50000"/>
+            </a:schemeClr>
+          </a:lnRef>
+          <a:fillRef idx="1">
+            <a:schemeClr val="accent1"/>
+          </a:fillRef>
+          <a:effectRef idx="0">
+            <a:schemeClr val="accent1"/>
+          </a:effectRef>
+          <a:fontRef idx="minor">
+            <a:schemeClr val="lt1"/>
+          </a:fontRef>
+        </p:style>
+        <p:txBody>
+          <a:bodyPr rtlCol="0" anchor="ctr"/>
+          <a:lstStyle/>
+          <a:p>
+            <a:pPr algn="ctr"/>
+            <a:endParaRPr lang="en-US"/>
+          </a:p>
+        </p:txBody>
+      </p:sp>
+      <p:sp>
+        <p:nvSpPr>
+          <p:cNvPr id="27" name="Freeform: Shape 26">
+            <a:extLst>
+              <a:ext uri="{FF2B5EF4-FFF2-40B4-BE49-F238E27FC236}">
+                <a16:creationId xmlns:a16="http://schemas.microsoft.com/office/drawing/2014/main" id="{11BAB570-FF10-4E96-8A3F-FA9804702B89}"/>
+              </a:ext>
+              <a:ext uri="{C183D7F6-B498-43B3-948B-1728B52AA6E4}">
+                <adec:decorative xmlns:adec="http://schemas.microsoft.com/office/drawing/2017/decorative" val="1"/>
+              </a:ext>
+            </a:extLst>
+          </p:cNvPr>
+          <p:cNvSpPr>
+            <a:spLocks noGrp="1" noRot="1" noChangeAspect="1" noMove="1" noResize="1" noEditPoints="1" noAdjustHandles="1" noChangeArrowheads="1" noChangeShapeType="1" noTextEdit="1"/>
+          </p:cNvSpPr>
+          <p:nvPr>
+            <p:extLst>
+              <p:ext uri="{386F3935-93C4-4BCD-93E2-E3B085C9AB24}">
+                <p16:designElem xmlns:p16="http://schemas.microsoft.com/office/powerpoint/2015/main" val="1"/>
+              </p:ext>
+            </p:extLst>
+          </p:nvPr>
+        </p:nvSpPr>
+        <p:spPr bwMode="ltGray">
+          <a:xfrm>
+            <a:off x="0" y="0"/>
+            <a:ext cx="4693698" cy="6858000"/>
+          </a:xfrm>
+          <a:custGeom>
+            <a:avLst/>
+            <a:gdLst>
+              <a:gd name="connsiteX0" fmla="*/ 0 w 4693698"/>
+              <a:gd name="connsiteY0" fmla="*/ 0 h 6858000"/>
+              <a:gd name="connsiteX1" fmla="*/ 420914 w 4693698"/>
+              <a:gd name="connsiteY1" fmla="*/ 0 h 6858000"/>
+              <a:gd name="connsiteX2" fmla="*/ 1582057 w 4693698"/>
+              <a:gd name="connsiteY2" fmla="*/ 0 h 6858000"/>
+              <a:gd name="connsiteX3" fmla="*/ 4503903 w 4693698"/>
+              <a:gd name="connsiteY3" fmla="*/ 0 h 6858000"/>
+              <a:gd name="connsiteX4" fmla="*/ 4508943 w 4693698"/>
+              <a:gd name="connsiteY4" fmla="*/ 66675 h 6858000"/>
+              <a:gd name="connsiteX5" fmla="*/ 4517340 w 4693698"/>
+              <a:gd name="connsiteY5" fmla="*/ 122237 h 6858000"/>
+              <a:gd name="connsiteX6" fmla="*/ 4527418 w 4693698"/>
+              <a:gd name="connsiteY6" fmla="*/ 174625 h 6858000"/>
+              <a:gd name="connsiteX7" fmla="*/ 4544214 w 4693698"/>
+              <a:gd name="connsiteY7" fmla="*/ 217487 h 6858000"/>
+              <a:gd name="connsiteX8" fmla="*/ 4561010 w 4693698"/>
+              <a:gd name="connsiteY8" fmla="*/ 260350 h 6858000"/>
+              <a:gd name="connsiteX9" fmla="*/ 4581165 w 4693698"/>
+              <a:gd name="connsiteY9" fmla="*/ 296862 h 6858000"/>
+              <a:gd name="connsiteX10" fmla="*/ 4601320 w 4693698"/>
+              <a:gd name="connsiteY10" fmla="*/ 334962 h 6858000"/>
+              <a:gd name="connsiteX11" fmla="*/ 4619796 w 4693698"/>
+              <a:gd name="connsiteY11" fmla="*/ 369887 h 6858000"/>
+              <a:gd name="connsiteX12" fmla="*/ 4638271 w 4693698"/>
+              <a:gd name="connsiteY12" fmla="*/ 409575 h 6858000"/>
+              <a:gd name="connsiteX13" fmla="*/ 4655067 w 4693698"/>
+              <a:gd name="connsiteY13" fmla="*/ 450850 h 6858000"/>
+              <a:gd name="connsiteX14" fmla="*/ 4670184 w 4693698"/>
+              <a:gd name="connsiteY14" fmla="*/ 496887 h 6858000"/>
+              <a:gd name="connsiteX15" fmla="*/ 4681941 w 4693698"/>
+              <a:gd name="connsiteY15" fmla="*/ 546100 h 6858000"/>
+              <a:gd name="connsiteX16" fmla="*/ 4690339 w 4693698"/>
+              <a:gd name="connsiteY16" fmla="*/ 606425 h 6858000"/>
+              <a:gd name="connsiteX17" fmla="*/ 4693698 w 4693698"/>
+              <a:gd name="connsiteY17" fmla="*/ 673100 h 6858000"/>
+              <a:gd name="connsiteX18" fmla="*/ 4690339 w 4693698"/>
+              <a:gd name="connsiteY18" fmla="*/ 744537 h 6858000"/>
+              <a:gd name="connsiteX19" fmla="*/ 4681941 w 4693698"/>
+              <a:gd name="connsiteY19" fmla="*/ 801687 h 6858000"/>
+              <a:gd name="connsiteX20" fmla="*/ 4670184 w 4693698"/>
+              <a:gd name="connsiteY20" fmla="*/ 854075 h 6858000"/>
+              <a:gd name="connsiteX21" fmla="*/ 4655067 w 4693698"/>
+              <a:gd name="connsiteY21" fmla="*/ 901700 h 6858000"/>
+              <a:gd name="connsiteX22" fmla="*/ 4638271 w 4693698"/>
+              <a:gd name="connsiteY22" fmla="*/ 942975 h 6858000"/>
+              <a:gd name="connsiteX23" fmla="*/ 4618116 w 4693698"/>
+              <a:gd name="connsiteY23" fmla="*/ 981075 h 6858000"/>
+              <a:gd name="connsiteX24" fmla="*/ 4597961 w 4693698"/>
+              <a:gd name="connsiteY24" fmla="*/ 1017587 h 6858000"/>
+              <a:gd name="connsiteX25" fmla="*/ 4577806 w 4693698"/>
+              <a:gd name="connsiteY25" fmla="*/ 1055687 h 6858000"/>
+              <a:gd name="connsiteX26" fmla="*/ 4559330 w 4693698"/>
+              <a:gd name="connsiteY26" fmla="*/ 1095375 h 6858000"/>
+              <a:gd name="connsiteX27" fmla="*/ 4540854 w 4693698"/>
+              <a:gd name="connsiteY27" fmla="*/ 1136650 h 6858000"/>
+              <a:gd name="connsiteX28" fmla="*/ 4525739 w 4693698"/>
+              <a:gd name="connsiteY28" fmla="*/ 1182687 h 6858000"/>
+              <a:gd name="connsiteX29" fmla="*/ 4515661 w 4693698"/>
+              <a:gd name="connsiteY29" fmla="*/ 1235075 h 6858000"/>
+              <a:gd name="connsiteX30" fmla="*/ 4505583 w 4693698"/>
+              <a:gd name="connsiteY30" fmla="*/ 1295400 h 6858000"/>
+              <a:gd name="connsiteX31" fmla="*/ 4503903 w 4693698"/>
+              <a:gd name="connsiteY31" fmla="*/ 1363662 h 6858000"/>
+              <a:gd name="connsiteX32" fmla="*/ 4505583 w 4693698"/>
+              <a:gd name="connsiteY32" fmla="*/ 1431925 h 6858000"/>
+              <a:gd name="connsiteX33" fmla="*/ 4515661 w 4693698"/>
+              <a:gd name="connsiteY33" fmla="*/ 1492250 h 6858000"/>
+              <a:gd name="connsiteX34" fmla="*/ 4525739 w 4693698"/>
+              <a:gd name="connsiteY34" fmla="*/ 1544637 h 6858000"/>
+              <a:gd name="connsiteX35" fmla="*/ 4540854 w 4693698"/>
+              <a:gd name="connsiteY35" fmla="*/ 1589087 h 6858000"/>
+              <a:gd name="connsiteX36" fmla="*/ 4559330 w 4693698"/>
+              <a:gd name="connsiteY36" fmla="*/ 1631950 h 6858000"/>
+              <a:gd name="connsiteX37" fmla="*/ 4577806 w 4693698"/>
+              <a:gd name="connsiteY37" fmla="*/ 1671637 h 6858000"/>
+              <a:gd name="connsiteX38" fmla="*/ 4597961 w 4693698"/>
+              <a:gd name="connsiteY38" fmla="*/ 1708150 h 6858000"/>
+              <a:gd name="connsiteX39" fmla="*/ 4618116 w 4693698"/>
+              <a:gd name="connsiteY39" fmla="*/ 1743075 h 6858000"/>
+              <a:gd name="connsiteX40" fmla="*/ 4638271 w 4693698"/>
+              <a:gd name="connsiteY40" fmla="*/ 1782762 h 6858000"/>
+              <a:gd name="connsiteX41" fmla="*/ 4655067 w 4693698"/>
+              <a:gd name="connsiteY41" fmla="*/ 1824037 h 6858000"/>
+              <a:gd name="connsiteX42" fmla="*/ 4670184 w 4693698"/>
+              <a:gd name="connsiteY42" fmla="*/ 1870075 h 6858000"/>
+              <a:gd name="connsiteX43" fmla="*/ 4681941 w 4693698"/>
+              <a:gd name="connsiteY43" fmla="*/ 1922462 h 6858000"/>
+              <a:gd name="connsiteX44" fmla="*/ 4690339 w 4693698"/>
+              <a:gd name="connsiteY44" fmla="*/ 1982787 h 6858000"/>
+              <a:gd name="connsiteX45" fmla="*/ 4693698 w 4693698"/>
+              <a:gd name="connsiteY45" fmla="*/ 2051050 h 6858000"/>
+              <a:gd name="connsiteX46" fmla="*/ 4690339 w 4693698"/>
+              <a:gd name="connsiteY46" fmla="*/ 2119312 h 6858000"/>
+              <a:gd name="connsiteX47" fmla="*/ 4681941 w 4693698"/>
+              <a:gd name="connsiteY47" fmla="*/ 2179637 h 6858000"/>
+              <a:gd name="connsiteX48" fmla="*/ 4670184 w 4693698"/>
+              <a:gd name="connsiteY48" fmla="*/ 2232025 h 6858000"/>
+              <a:gd name="connsiteX49" fmla="*/ 4655067 w 4693698"/>
+              <a:gd name="connsiteY49" fmla="*/ 2278062 h 6858000"/>
+              <a:gd name="connsiteX50" fmla="*/ 4638271 w 4693698"/>
+              <a:gd name="connsiteY50" fmla="*/ 2319337 h 6858000"/>
+              <a:gd name="connsiteX51" fmla="*/ 4618116 w 4693698"/>
+              <a:gd name="connsiteY51" fmla="*/ 2359025 h 6858000"/>
+              <a:gd name="connsiteX52" fmla="*/ 4597961 w 4693698"/>
+              <a:gd name="connsiteY52" fmla="*/ 2395537 h 6858000"/>
+              <a:gd name="connsiteX53" fmla="*/ 4577806 w 4693698"/>
+              <a:gd name="connsiteY53" fmla="*/ 2433637 h 6858000"/>
+              <a:gd name="connsiteX54" fmla="*/ 4559330 w 4693698"/>
+              <a:gd name="connsiteY54" fmla="*/ 2471737 h 6858000"/>
+              <a:gd name="connsiteX55" fmla="*/ 4540854 w 4693698"/>
+              <a:gd name="connsiteY55" fmla="*/ 2513012 h 6858000"/>
+              <a:gd name="connsiteX56" fmla="*/ 4525739 w 4693698"/>
+              <a:gd name="connsiteY56" fmla="*/ 2560637 h 6858000"/>
+              <a:gd name="connsiteX57" fmla="*/ 4515661 w 4693698"/>
+              <a:gd name="connsiteY57" fmla="*/ 2613025 h 6858000"/>
+              <a:gd name="connsiteX58" fmla="*/ 4505583 w 4693698"/>
+              <a:gd name="connsiteY58" fmla="*/ 2671762 h 6858000"/>
+              <a:gd name="connsiteX59" fmla="*/ 4503903 w 4693698"/>
+              <a:gd name="connsiteY59" fmla="*/ 2741612 h 6858000"/>
+              <a:gd name="connsiteX60" fmla="*/ 4505583 w 4693698"/>
+              <a:gd name="connsiteY60" fmla="*/ 2809875 h 6858000"/>
+              <a:gd name="connsiteX61" fmla="*/ 4515661 w 4693698"/>
+              <a:gd name="connsiteY61" fmla="*/ 2868612 h 6858000"/>
+              <a:gd name="connsiteX62" fmla="*/ 4525739 w 4693698"/>
+              <a:gd name="connsiteY62" fmla="*/ 2922587 h 6858000"/>
+              <a:gd name="connsiteX63" fmla="*/ 4540854 w 4693698"/>
+              <a:gd name="connsiteY63" fmla="*/ 2967037 h 6858000"/>
+              <a:gd name="connsiteX64" fmla="*/ 4559330 w 4693698"/>
+              <a:gd name="connsiteY64" fmla="*/ 3009900 h 6858000"/>
+              <a:gd name="connsiteX65" fmla="*/ 4577806 w 4693698"/>
+              <a:gd name="connsiteY65" fmla="*/ 3046412 h 6858000"/>
+              <a:gd name="connsiteX66" fmla="*/ 4597961 w 4693698"/>
+              <a:gd name="connsiteY66" fmla="*/ 3084512 h 6858000"/>
+              <a:gd name="connsiteX67" fmla="*/ 4618116 w 4693698"/>
+              <a:gd name="connsiteY67" fmla="*/ 3121025 h 6858000"/>
+              <a:gd name="connsiteX68" fmla="*/ 4638271 w 4693698"/>
+              <a:gd name="connsiteY68" fmla="*/ 3160712 h 6858000"/>
+              <a:gd name="connsiteX69" fmla="*/ 4655067 w 4693698"/>
+              <a:gd name="connsiteY69" fmla="*/ 3201987 h 6858000"/>
+              <a:gd name="connsiteX70" fmla="*/ 4670184 w 4693698"/>
+              <a:gd name="connsiteY70" fmla="*/ 3248025 h 6858000"/>
+              <a:gd name="connsiteX71" fmla="*/ 4681941 w 4693698"/>
+              <a:gd name="connsiteY71" fmla="*/ 3300412 h 6858000"/>
+              <a:gd name="connsiteX72" fmla="*/ 4690339 w 4693698"/>
+              <a:gd name="connsiteY72" fmla="*/ 3360737 h 6858000"/>
+              <a:gd name="connsiteX73" fmla="*/ 4693698 w 4693698"/>
+              <a:gd name="connsiteY73" fmla="*/ 3427412 h 6858000"/>
+              <a:gd name="connsiteX74" fmla="*/ 4690339 w 4693698"/>
+              <a:gd name="connsiteY74" fmla="*/ 3497262 h 6858000"/>
+              <a:gd name="connsiteX75" fmla="*/ 4681941 w 4693698"/>
+              <a:gd name="connsiteY75" fmla="*/ 3557587 h 6858000"/>
+              <a:gd name="connsiteX76" fmla="*/ 4670184 w 4693698"/>
+              <a:gd name="connsiteY76" fmla="*/ 3609975 h 6858000"/>
+              <a:gd name="connsiteX77" fmla="*/ 4655067 w 4693698"/>
+              <a:gd name="connsiteY77" fmla="*/ 3656012 h 6858000"/>
+              <a:gd name="connsiteX78" fmla="*/ 4638271 w 4693698"/>
+              <a:gd name="connsiteY78" fmla="*/ 3697287 h 6858000"/>
+              <a:gd name="connsiteX79" fmla="*/ 4618116 w 4693698"/>
+              <a:gd name="connsiteY79" fmla="*/ 3736975 h 6858000"/>
+              <a:gd name="connsiteX80" fmla="*/ 4577806 w 4693698"/>
+              <a:gd name="connsiteY80" fmla="*/ 3811587 h 6858000"/>
+              <a:gd name="connsiteX81" fmla="*/ 4559330 w 4693698"/>
+              <a:gd name="connsiteY81" fmla="*/ 3848100 h 6858000"/>
+              <a:gd name="connsiteX82" fmla="*/ 4540854 w 4693698"/>
+              <a:gd name="connsiteY82" fmla="*/ 3890962 h 6858000"/>
+              <a:gd name="connsiteX83" fmla="*/ 4525739 w 4693698"/>
+              <a:gd name="connsiteY83" fmla="*/ 3935412 h 6858000"/>
+              <a:gd name="connsiteX84" fmla="*/ 4515661 w 4693698"/>
+              <a:gd name="connsiteY84" fmla="*/ 3987800 h 6858000"/>
+              <a:gd name="connsiteX85" fmla="*/ 4505583 w 4693698"/>
+              <a:gd name="connsiteY85" fmla="*/ 4048125 h 6858000"/>
+              <a:gd name="connsiteX86" fmla="*/ 4503903 w 4693698"/>
+              <a:gd name="connsiteY86" fmla="*/ 4116387 h 6858000"/>
+              <a:gd name="connsiteX87" fmla="*/ 4505583 w 4693698"/>
+              <a:gd name="connsiteY87" fmla="*/ 4186237 h 6858000"/>
+              <a:gd name="connsiteX88" fmla="*/ 4515661 w 4693698"/>
+              <a:gd name="connsiteY88" fmla="*/ 4244975 h 6858000"/>
+              <a:gd name="connsiteX89" fmla="*/ 4525739 w 4693698"/>
+              <a:gd name="connsiteY89" fmla="*/ 4297362 h 6858000"/>
+              <a:gd name="connsiteX90" fmla="*/ 4540854 w 4693698"/>
+              <a:gd name="connsiteY90" fmla="*/ 4343400 h 6858000"/>
+              <a:gd name="connsiteX91" fmla="*/ 4559330 w 4693698"/>
+              <a:gd name="connsiteY91" fmla="*/ 4386262 h 6858000"/>
+              <a:gd name="connsiteX92" fmla="*/ 4577806 w 4693698"/>
+              <a:gd name="connsiteY92" fmla="*/ 4424362 h 6858000"/>
+              <a:gd name="connsiteX93" fmla="*/ 4618116 w 4693698"/>
+              <a:gd name="connsiteY93" fmla="*/ 4498975 h 6858000"/>
+              <a:gd name="connsiteX94" fmla="*/ 4638271 w 4693698"/>
+              <a:gd name="connsiteY94" fmla="*/ 4537075 h 6858000"/>
+              <a:gd name="connsiteX95" fmla="*/ 4655067 w 4693698"/>
+              <a:gd name="connsiteY95" fmla="*/ 4579937 h 6858000"/>
+              <a:gd name="connsiteX96" fmla="*/ 4670184 w 4693698"/>
+              <a:gd name="connsiteY96" fmla="*/ 4625975 h 6858000"/>
+              <a:gd name="connsiteX97" fmla="*/ 4681941 w 4693698"/>
+              <a:gd name="connsiteY97" fmla="*/ 4678362 h 6858000"/>
+              <a:gd name="connsiteX98" fmla="*/ 4690339 w 4693698"/>
+              <a:gd name="connsiteY98" fmla="*/ 4738687 h 6858000"/>
+              <a:gd name="connsiteX99" fmla="*/ 4693698 w 4693698"/>
+              <a:gd name="connsiteY99" fmla="*/ 4806950 h 6858000"/>
+              <a:gd name="connsiteX100" fmla="*/ 4690339 w 4693698"/>
+              <a:gd name="connsiteY100" fmla="*/ 4875212 h 6858000"/>
+              <a:gd name="connsiteX101" fmla="*/ 4681941 w 4693698"/>
+              <a:gd name="connsiteY101" fmla="*/ 4935537 h 6858000"/>
+              <a:gd name="connsiteX102" fmla="*/ 4670184 w 4693698"/>
+              <a:gd name="connsiteY102" fmla="*/ 4987925 h 6858000"/>
+              <a:gd name="connsiteX103" fmla="*/ 4655067 w 4693698"/>
+              <a:gd name="connsiteY103" fmla="*/ 5033962 h 6858000"/>
+              <a:gd name="connsiteX104" fmla="*/ 4638271 w 4693698"/>
+              <a:gd name="connsiteY104" fmla="*/ 5075237 h 6858000"/>
+              <a:gd name="connsiteX105" fmla="*/ 4618116 w 4693698"/>
+              <a:gd name="connsiteY105" fmla="*/ 5114925 h 6858000"/>
+              <a:gd name="connsiteX106" fmla="*/ 4597961 w 4693698"/>
+              <a:gd name="connsiteY106" fmla="*/ 5149850 h 6858000"/>
+              <a:gd name="connsiteX107" fmla="*/ 4577806 w 4693698"/>
+              <a:gd name="connsiteY107" fmla="*/ 5186362 h 6858000"/>
+              <a:gd name="connsiteX108" fmla="*/ 4559330 w 4693698"/>
+              <a:gd name="connsiteY108" fmla="*/ 5226050 h 6858000"/>
+              <a:gd name="connsiteX109" fmla="*/ 4540854 w 4693698"/>
+              <a:gd name="connsiteY109" fmla="*/ 5268912 h 6858000"/>
+              <a:gd name="connsiteX110" fmla="*/ 4525739 w 4693698"/>
+              <a:gd name="connsiteY110" fmla="*/ 5313362 h 6858000"/>
+              <a:gd name="connsiteX111" fmla="*/ 4515661 w 4693698"/>
+              <a:gd name="connsiteY111" fmla="*/ 5365750 h 6858000"/>
+              <a:gd name="connsiteX112" fmla="*/ 4505583 w 4693698"/>
+              <a:gd name="connsiteY112" fmla="*/ 5426075 h 6858000"/>
+              <a:gd name="connsiteX113" fmla="*/ 4503903 w 4693698"/>
+              <a:gd name="connsiteY113" fmla="*/ 5494337 h 6858000"/>
+              <a:gd name="connsiteX114" fmla="*/ 4505583 w 4693698"/>
+              <a:gd name="connsiteY114" fmla="*/ 5562600 h 6858000"/>
+              <a:gd name="connsiteX115" fmla="*/ 4515661 w 4693698"/>
+              <a:gd name="connsiteY115" fmla="*/ 5622925 h 6858000"/>
+              <a:gd name="connsiteX116" fmla="*/ 4525739 w 4693698"/>
+              <a:gd name="connsiteY116" fmla="*/ 5675312 h 6858000"/>
+              <a:gd name="connsiteX117" fmla="*/ 4540854 w 4693698"/>
+              <a:gd name="connsiteY117" fmla="*/ 5721350 h 6858000"/>
+              <a:gd name="connsiteX118" fmla="*/ 4559330 w 4693698"/>
+              <a:gd name="connsiteY118" fmla="*/ 5762625 h 6858000"/>
+              <a:gd name="connsiteX119" fmla="*/ 4577806 w 4693698"/>
+              <a:gd name="connsiteY119" fmla="*/ 5802312 h 6858000"/>
+              <a:gd name="connsiteX120" fmla="*/ 4597961 w 4693698"/>
+              <a:gd name="connsiteY120" fmla="*/ 5840412 h 6858000"/>
+              <a:gd name="connsiteX121" fmla="*/ 4618116 w 4693698"/>
+              <a:gd name="connsiteY121" fmla="*/ 5876925 h 6858000"/>
+              <a:gd name="connsiteX122" fmla="*/ 4638271 w 4693698"/>
+              <a:gd name="connsiteY122" fmla="*/ 5915025 h 6858000"/>
+              <a:gd name="connsiteX123" fmla="*/ 4655067 w 4693698"/>
+              <a:gd name="connsiteY123" fmla="*/ 5956300 h 6858000"/>
+              <a:gd name="connsiteX124" fmla="*/ 4670184 w 4693698"/>
+              <a:gd name="connsiteY124" fmla="*/ 6003925 h 6858000"/>
+              <a:gd name="connsiteX125" fmla="*/ 4681941 w 4693698"/>
+              <a:gd name="connsiteY125" fmla="*/ 6056312 h 6858000"/>
+              <a:gd name="connsiteX126" fmla="*/ 4690339 w 4693698"/>
+              <a:gd name="connsiteY126" fmla="*/ 6113462 h 6858000"/>
+              <a:gd name="connsiteX127" fmla="*/ 4693698 w 4693698"/>
+              <a:gd name="connsiteY127" fmla="*/ 6183312 h 6858000"/>
+              <a:gd name="connsiteX128" fmla="*/ 4690339 w 4693698"/>
+              <a:gd name="connsiteY128" fmla="*/ 6251575 h 6858000"/>
+              <a:gd name="connsiteX129" fmla="*/ 4681941 w 4693698"/>
+              <a:gd name="connsiteY129" fmla="*/ 6311900 h 6858000"/>
+              <a:gd name="connsiteX130" fmla="*/ 4670184 w 4693698"/>
+              <a:gd name="connsiteY130" fmla="*/ 6361112 h 6858000"/>
+              <a:gd name="connsiteX131" fmla="*/ 4655067 w 4693698"/>
+              <a:gd name="connsiteY131" fmla="*/ 6407150 h 6858000"/>
+              <a:gd name="connsiteX132" fmla="*/ 4638271 w 4693698"/>
+              <a:gd name="connsiteY132" fmla="*/ 6448425 h 6858000"/>
+              <a:gd name="connsiteX133" fmla="*/ 4619796 w 4693698"/>
+              <a:gd name="connsiteY133" fmla="*/ 6488112 h 6858000"/>
+              <a:gd name="connsiteX134" fmla="*/ 4601320 w 4693698"/>
+              <a:gd name="connsiteY134" fmla="*/ 6523037 h 6858000"/>
+              <a:gd name="connsiteX135" fmla="*/ 4581165 w 4693698"/>
+              <a:gd name="connsiteY135" fmla="*/ 6561137 h 6858000"/>
+              <a:gd name="connsiteX136" fmla="*/ 4561010 w 4693698"/>
+              <a:gd name="connsiteY136" fmla="*/ 6597650 h 6858000"/>
+              <a:gd name="connsiteX137" fmla="*/ 4544214 w 4693698"/>
+              <a:gd name="connsiteY137" fmla="*/ 6640512 h 6858000"/>
+              <a:gd name="connsiteX138" fmla="*/ 4527418 w 4693698"/>
+              <a:gd name="connsiteY138" fmla="*/ 6683375 h 6858000"/>
+              <a:gd name="connsiteX139" fmla="*/ 4517340 w 4693698"/>
+              <a:gd name="connsiteY139" fmla="*/ 6735762 h 6858000"/>
+              <a:gd name="connsiteX140" fmla="*/ 4508943 w 4693698"/>
+              <a:gd name="connsiteY140" fmla="*/ 6791325 h 6858000"/>
+              <a:gd name="connsiteX141" fmla="*/ 4503903 w 4693698"/>
+              <a:gd name="connsiteY141" fmla="*/ 6858000 h 6858000"/>
+              <a:gd name="connsiteX142" fmla="*/ 1582057 w 4693698"/>
+              <a:gd name="connsiteY142" fmla="*/ 6858000 h 6858000"/>
+              <a:gd name="connsiteX143" fmla="*/ 420914 w 4693698"/>
+              <a:gd name="connsiteY143" fmla="*/ 6858000 h 6858000"/>
+              <a:gd name="connsiteX144" fmla="*/ 0 w 4693698"/>
+              <a:gd name="connsiteY144" fmla="*/ 6858000 h 6858000"/>
+            </a:gdLst>
+            <a:ahLst/>
+            <a:cxnLst>
+              <a:cxn ang="0">
+                <a:pos x="connsiteX0" y="connsiteY0"/>
+              </a:cxn>
+              <a:cxn ang="0">
+                <a:pos x="connsiteX1" y="connsiteY1"/>
+              </a:cxn>
+              <a:cxn ang="0">
+                <a:pos x="connsiteX2" y="connsiteY2"/>
+              </a:cxn>
+              <a:cxn ang="0">
+                <a:pos x="connsiteX3" y="connsiteY3"/>
+              </a:cxn>
+              <a:cxn ang="0">
+                <a:pos x="connsiteX4" y="connsiteY4"/>
+              </a:cxn>
+              <a:cxn ang="0">
+                <a:pos x="connsiteX5" y="connsiteY5"/>
+              </a:cxn>
+              <a:cxn ang="0">
+                <a:pos x="connsiteX6" y="connsiteY6"/>
+              </a:cxn>
+              <a:cxn ang="0">
+                <a:pos x="connsiteX7" y="connsiteY7"/>
+              </a:cxn>
+              <a:cxn ang="0">
+                <a:pos x="connsiteX8" y="connsiteY8"/>
+              </a:cxn>
+              <a:cxn ang="0">
+                <a:pos x="connsiteX9" y="connsiteY9"/>
+              </a:cxn>
+              <a:cxn ang="0">
+                <a:pos x="connsiteX10" y="connsiteY10"/>
+              </a:cxn>
+              <a:cxn ang="0">
+                <a:pos x="connsiteX11" y="connsiteY11"/>
+              </a:cxn>
+              <a:cxn ang="0">
+                <a:pos x="connsiteX12" y="connsiteY12"/>
+              </a:cxn>
+              <a:cxn ang="0">
+                <a:pos x="connsiteX13" y="connsiteY13"/>
+              </a:cxn>
+              <a:cxn ang="0">
+                <a:pos x="connsiteX14" y="connsiteY14"/>
+              </a:cxn>
+              <a:cxn ang="0">
+                <a:pos x="connsiteX15" y="connsiteY15"/>
+              </a:cxn>
+              <a:cxn ang="0">
+                <a:pos x="connsiteX16" y="connsiteY16"/>
+              </a:cxn>
+              <a:cxn ang="0">
+                <a:pos x="connsiteX17" y="connsiteY17"/>
+              </a:cxn>
+              <a:cxn ang="0">
+                <a:pos x="connsiteX18" y="connsiteY18"/>
+              </a:cxn>
+              <a:cxn ang="0">
+                <a:pos x="connsiteX19" y="connsiteY19"/>
+              </a:cxn>
+              <a:cxn ang="0">
+                <a:pos x="connsiteX20" y="connsiteY20"/>
+              </a:cxn>
+              <a:cxn ang="0">
+                <a:pos x="connsiteX21" y="connsiteY21"/>
+              </a:cxn>
+              <a:cxn ang="0">
+                <a:pos x="connsiteX22" y="connsiteY22"/>
+              </a:cxn>
+              <a:cxn ang="0">
+                <a:pos x="connsiteX23" y="connsiteY23"/>
+              </a:cxn>
+              <a:cxn ang="0">
+                <a:pos x="connsiteX24" y="connsiteY24"/>
+              </a:cxn>
+              <a:cxn ang="0">
+                <a:pos x="connsiteX25" y="connsiteY25"/>
+              </a:cxn>
+              <a:cxn ang="0">
+                <a:pos x="connsiteX26" y="connsiteY26"/>
+              </a:cxn>
+              <a:cxn ang="0">
+                <a:pos x="connsiteX27" y="connsiteY27"/>
+              </a:cxn>
+              <a:cxn ang="0">
+                <a:pos x="connsiteX28" y="connsiteY28"/>
+              </a:cxn>
+              <a:cxn ang="0">
+                <a:pos x="connsiteX29" y="connsiteY29"/>
+              </a:cxn>
+              <a:cxn ang="0">
+                <a:pos x="connsiteX30" y="connsiteY30"/>
+              </a:cxn>
+              <a:cxn ang="0">
+                <a:pos x="connsiteX31" y="connsiteY31"/>
+              </a:cxn>
+              <a:cxn ang="0">
+                <a:pos x="connsiteX32" y="connsiteY32"/>
+              </a:cxn>
+              <a:cxn ang="0">
+                <a:pos x="connsiteX33" y="connsiteY33"/>
+              </a:cxn>
+              <a:cxn ang="0">
+                <a:pos x="connsiteX34" y="connsiteY34"/>
+              </a:cxn>
+              <a:cxn ang="0">
+                <a:pos x="connsiteX35" y="connsiteY35"/>
+              </a:cxn>
+              <a:cxn ang="0">
+                <a:pos x="connsiteX36" y="connsiteY36"/>
+              </a:cxn>
+              <a:cxn ang="0">
+                <a:pos x="connsiteX37" y="connsiteY37"/>
+              </a:cxn>
+              <a:cxn ang="0">
+                <a:pos x="connsiteX38" y="connsiteY38"/>
+              </a:cxn>
+              <a:cxn ang="0">
+                <a:pos x="connsiteX39" y="connsiteY39"/>
+              </a:cxn>
+              <a:cxn ang="0">
+                <a:pos x="connsiteX40" y="connsiteY40"/>
+              </a:cxn>
+              <a:cxn ang="0">
+                <a:pos x="connsiteX41" y="connsiteY41"/>
+              </a:cxn>
+              <a:cxn ang="0">
+                <a:pos x="connsiteX42" y="connsiteY42"/>
+              </a:cxn>
+              <a:cxn ang="0">
+                <a:pos x="connsiteX43" y="connsiteY43"/>
+              </a:cxn>
+              <a:cxn ang="0">
+                <a:pos x="connsiteX44" y="connsiteY44"/>
+              </a:cxn>
+              <a:cxn ang="0">
+                <a:pos x="connsiteX45" y="connsiteY45"/>
+              </a:cxn>
+              <a:cxn ang="0">
+                <a:pos x="connsiteX46" y="connsiteY46"/>
+              </a:cxn>
+              <a:cxn ang="0">
+                <a:pos x="connsiteX47" y="connsiteY47"/>
+              </a:cxn>
+              <a:cxn ang="0">
+                <a:pos x="connsiteX48" y="connsiteY48"/>
+              </a:cxn>
+              <a:cxn ang="0">
+                <a:pos x="connsiteX49" y="connsiteY49"/>
+              </a:cxn>
+              <a:cxn ang="0">
+                <a:pos x="connsiteX50" y="connsiteY50"/>
+              </a:cxn>
+              <a:cxn ang="0">
+                <a:pos x="connsiteX51" y="connsiteY51"/>
+              </a:cxn>
+              <a:cxn ang="0">
+                <a:pos x="connsiteX52" y="connsiteY52"/>
+              </a:cxn>
+              <a:cxn ang="0">
+                <a:pos x="connsiteX53" y="connsiteY53"/>
+              </a:cxn>
+              <a:cxn ang="0">
+                <a:pos x="connsiteX54" y="connsiteY54"/>
+              </a:cxn>
+              <a:cxn ang="0">
+                <a:pos x="connsiteX55" y="connsiteY55"/>
+              </a:cxn>
+              <a:cxn ang="0">
+                <a:pos x="connsiteX56" y="connsiteY56"/>
+              </a:cxn>
+              <a:cxn ang="0">
+                <a:pos x="connsiteX57" y="connsiteY57"/>
+              </a:cxn>
+              <a:cxn ang="0">
+                <a:pos x="connsiteX58" y="connsiteY58"/>
+              </a:cxn>
+              <a:cxn ang="0">
+                <a:pos x="connsiteX59" y="connsiteY59"/>
+              </a:cxn>
+              <a:cxn ang="0">
+                <a:pos x="connsiteX60" y="connsiteY60"/>
+              </a:cxn>
+              <a:cxn ang="0">
+                <a:pos x="connsiteX61" y="connsiteY61"/>
+              </a:cxn>
+              <a:cxn ang="0">
+                <a:pos x="connsiteX62" y="connsiteY62"/>
+              </a:cxn>
+              <a:cxn ang="0">
+                <a:pos x="connsiteX63" y="connsiteY63"/>
+              </a:cxn>
+              <a:cxn ang="0">
+                <a:pos x="connsiteX64" y="connsiteY64"/>
+              </a:cxn>
+              <a:cxn ang="0">
+                <a:pos x="connsiteX65" y="connsiteY65"/>
+              </a:cxn>
+              <a:cxn ang="0">
+                <a:pos x="connsiteX66" y="connsiteY66"/>
+              </a:cxn>
+              <a:cxn ang="0">
+                <a:pos x="connsiteX67" y="connsiteY67"/>
+              </a:cxn>
+              <a:cxn ang="0">
+                <a:pos x="connsiteX68" y="connsiteY68"/>
+              </a:cxn>
+              <a:cxn ang="0">
+                <a:pos x="connsiteX69" y="connsiteY69"/>
+              </a:cxn>
+              <a:cxn ang="0">
+                <a:pos x="connsiteX70" y="connsiteY70"/>
+              </a:cxn>
+              <a:cxn ang="0">
+                <a:pos x="connsiteX71" y="connsiteY71"/>
+              </a:cxn>
+              <a:cxn ang="0">
+                <a:pos x="connsiteX72" y="connsiteY72"/>
+              </a:cxn>
+              <a:cxn ang="0">
+                <a:pos x="connsiteX73" y="connsiteY73"/>
+              </a:cxn>
+              <a:cxn ang="0">
+                <a:pos x="connsiteX74" y="connsiteY74"/>
+              </a:cxn>
+              <a:cxn ang="0">
+                <a:pos x="connsiteX75" y="connsiteY75"/>
+              </a:cxn>
+              <a:cxn ang="0">
+                <a:pos x="connsiteX76" y="connsiteY76"/>
+              </a:cxn>
+              <a:cxn ang="0">
+                <a:pos x="connsiteX77" y="connsiteY77"/>
+              </a:cxn>
+              <a:cxn ang="0">
+                <a:pos x="connsiteX78" y="connsiteY78"/>
+              </a:cxn>
+              <a:cxn ang="0">
+                <a:pos x="connsiteX79" y="connsiteY79"/>
+              </a:cxn>
+              <a:cxn ang="0">
+                <a:pos x="connsiteX80" y="connsiteY80"/>
+              </a:cxn>
+              <a:cxn ang="0">
+                <a:pos x="connsiteX81" y="connsiteY81"/>
+              </a:cxn>
+              <a:cxn ang="0">
+                <a:pos x="connsiteX82" y="connsiteY82"/>
+              </a:cxn>
+              <a:cxn ang="0">
+                <a:pos x="connsiteX83" y="connsiteY83"/>
+              </a:cxn>
+              <a:cxn ang="0">
+                <a:pos x="connsiteX84" y="connsiteY84"/>
+              </a:cxn>
+              <a:cxn ang="0">
+                <a:pos x="connsiteX85" y="connsiteY85"/>
+              </a:cxn>
+              <a:cxn ang="0">
+                <a:pos x="connsiteX86" y="connsiteY86"/>
+              </a:cxn>
+              <a:cxn ang="0">
+                <a:pos x="connsiteX87" y="connsiteY87"/>
+              </a:cxn>
+              <a:cxn ang="0">
+                <a:pos x="connsiteX88" y="connsiteY88"/>
+              </a:cxn>
+              <a:cxn ang="0">
+                <a:pos x="connsiteX89" y="connsiteY89"/>
+              </a:cxn>
+              <a:cxn ang="0">
+                <a:pos x="connsiteX90" y="connsiteY90"/>
+              </a:cxn>
+              <a:cxn ang="0">
+                <a:pos x="connsiteX91" y="connsiteY91"/>
+              </a:cxn>
+              <a:cxn ang="0">
+                <a:pos x="connsiteX92" y="connsiteY92"/>
+              </a:cxn>
+              <a:cxn ang="0">
+                <a:pos x="connsiteX93" y="connsiteY93"/>
+              </a:cxn>
+              <a:cxn ang="0">
+                <a:pos x="connsiteX94" y="connsiteY94"/>
+              </a:cxn>
+              <a:cxn ang="0">
+                <a:pos x="connsiteX95" y="connsiteY95"/>
+              </a:cxn>
+              <a:cxn ang="0">
+                <a:pos x="connsiteX96" y="connsiteY96"/>
+              </a:cxn>
+              <a:cxn ang="0">
+                <a:pos x="connsiteX97" y="connsiteY97"/>
+              </a:cxn>
+              <a:cxn ang="0">
+                <a:pos x="connsiteX98" y="connsiteY98"/>
+              </a:cxn>
+              <a:cxn ang="0">
+                <a:pos x="connsiteX99" y="connsiteY99"/>
+              </a:cxn>
+              <a:cxn ang="0">
+                <a:pos x="connsiteX100" y="connsiteY100"/>
+              </a:cxn>
+              <a:cxn ang="0">
+                <a:pos x="connsiteX101" y="connsiteY101"/>
+              </a:cxn>
+              <a:cxn ang="0">
+                <a:pos x="connsiteX102" y="connsiteY102"/>
+              </a:cxn>
+              <a:cxn ang="0">
+                <a:pos x="connsiteX103" y="connsiteY103"/>
+              </a:cxn>
+              <a:cxn ang="0">
+                <a:pos x="connsiteX104" y="connsiteY104"/>
+              </a:cxn>
+              <a:cxn ang="0">
+                <a:pos x="connsiteX105" y="connsiteY105"/>
+              </a:cxn>
+              <a:cxn ang="0">
+                <a:pos x="connsiteX106" y="connsiteY106"/>
+              </a:cxn>
+              <a:cxn ang="0">
+                <a:pos x="connsiteX107" y="connsiteY107"/>
+              </a:cxn>
+              <a:cxn ang="0">
+                <a:pos x="connsiteX108" y="connsiteY108"/>
+              </a:cxn>
+              <a:cxn ang="0">
+                <a:pos x="connsiteX109" y="connsiteY109"/>
+              </a:cxn>
+              <a:cxn ang="0">
+                <a:pos x="connsiteX110" y="connsiteY110"/>
+              </a:cxn>
+              <a:cxn ang="0">
+                <a:pos x="connsiteX111" y="connsiteY111"/>
+              </a:cxn>
+              <a:cxn ang="0">
+                <a:pos x="connsiteX112" y="connsiteY112"/>
+              </a:cxn>
+              <a:cxn ang="0">
+                <a:pos x="connsiteX113" y="connsiteY113"/>
+              </a:cxn>
+              <a:cxn ang="0">
+                <a:pos x="connsiteX114" y="connsiteY114"/>
+              </a:cxn>
+              <a:cxn ang="0">
+                <a:pos x="connsiteX115" y="connsiteY115"/>
+              </a:cxn>
+              <a:cxn ang="0">
+                <a:pos x="connsiteX116" y="connsiteY116"/>
+              </a:cxn>
+              <a:cxn ang="0">
+                <a:pos x="connsiteX117" y="connsiteY117"/>
+              </a:cxn>
+              <a:cxn ang="0">
+                <a:pos x="connsiteX118" y="connsiteY118"/>
+              </a:cxn>
+              <a:cxn ang="0">
+                <a:pos x="connsiteX119" y="connsiteY119"/>
+              </a:cxn>
+              <a:cxn ang="0">
+                <a:pos x="connsiteX120" y="connsiteY120"/>
+              </a:cxn>
+              <a:cxn ang="0">
+                <a:pos x="connsiteX121" y="connsiteY121"/>
+              </a:cxn>
+              <a:cxn ang="0">
+                <a:pos x="connsiteX122" y="connsiteY122"/>
+              </a:cxn>
+              <a:cxn ang="0">
+                <a:pos x="connsiteX123" y="connsiteY123"/>
+              </a:cxn>
+              <a:cxn ang="0">
+                <a:pos x="connsiteX124" y="connsiteY124"/>
+              </a:cxn>
+              <a:cxn ang="0">
+                <a:pos x="connsiteX125" y="connsiteY125"/>
+              </a:cxn>
+              <a:cxn ang="0">
+                <a:pos x="connsiteX126" y="connsiteY126"/>
+              </a:cxn>
+              <a:cxn ang="0">
+                <a:pos x="connsiteX127" y="connsiteY127"/>
+              </a:cxn>
+              <a:cxn ang="0">
+                <a:pos x="connsiteX128" y="connsiteY128"/>
+              </a:cxn>
+              <a:cxn ang="0">
+                <a:pos x="connsiteX129" y="connsiteY129"/>
+              </a:cxn>
+              <a:cxn ang="0">
+                <a:pos x="connsiteX130" y="connsiteY130"/>
+              </a:cxn>
+              <a:cxn ang="0">
+                <a:pos x="connsiteX131" y="connsiteY131"/>
+              </a:cxn>
+              <a:cxn ang="0">
+                <a:pos x="connsiteX132" y="connsiteY132"/>
+              </a:cxn>
+              <a:cxn ang="0">
+                <a:pos x="connsiteX133" y="connsiteY133"/>
+              </a:cxn>
+              <a:cxn ang="0">
+                <a:pos x="connsiteX134" y="connsiteY134"/>
+              </a:cxn>
+              <a:cxn ang="0">
+                <a:pos x="connsiteX135" y="connsiteY135"/>
+              </a:cxn>
+              <a:cxn ang="0">
+                <a:pos x="connsiteX136" y="connsiteY136"/>
+              </a:cxn>
+              <a:cxn ang="0">
+                <a:pos x="connsiteX137" y="connsiteY137"/>
+              </a:cxn>
+              <a:cxn ang="0">
+                <a:pos x="connsiteX138" y="connsiteY138"/>
+              </a:cxn>
+              <a:cxn ang="0">
+                <a:pos x="connsiteX139" y="connsiteY139"/>
+              </a:cxn>
+              <a:cxn ang="0">
+                <a:pos x="connsiteX140" y="connsiteY140"/>
+              </a:cxn>
+              <a:cxn ang="0">
+                <a:pos x="connsiteX141" y="connsiteY141"/>
+              </a:cxn>
+              <a:cxn ang="0">
+                <a:pos x="connsiteX142" y="connsiteY142"/>
+              </a:cxn>
+              <a:cxn ang="0">
+                <a:pos x="connsiteX143" y="connsiteY143"/>
+              </a:cxn>
+              <a:cxn ang="0">
+                <a:pos x="connsiteX144" y="connsiteY144"/>
+              </a:cxn>
+            </a:cxnLst>
+            <a:rect l="l" t="t" r="r" b="b"/>
+            <a:pathLst>
+              <a:path w="4693698" h="6858000">
+                <a:moveTo>
+                  <a:pt x="0" y="0"/>
+                </a:moveTo>
+                <a:lnTo>
+                  <a:pt x="420914" y="0"/>
+                </a:lnTo>
+                <a:lnTo>
+                  <a:pt x="1582057" y="0"/>
+                </a:lnTo>
+                <a:lnTo>
+                  <a:pt x="4503903" y="0"/>
+                </a:lnTo>
+                <a:lnTo>
+                  <a:pt x="4508943" y="66675"/>
+                </a:lnTo>
+                <a:lnTo>
+                  <a:pt x="4517340" y="122237"/>
+                </a:lnTo>
+                <a:lnTo>
+                  <a:pt x="4527418" y="174625"/>
+                </a:lnTo>
+                <a:lnTo>
+                  <a:pt x="4544214" y="217487"/>
+                </a:lnTo>
+                <a:lnTo>
+                  <a:pt x="4561010" y="260350"/>
+                </a:lnTo>
+                <a:lnTo>
+                  <a:pt x="4581165" y="296862"/>
+                </a:lnTo>
+                <a:lnTo>
+                  <a:pt x="4601320" y="334962"/>
+                </a:lnTo>
+                <a:lnTo>
+                  <a:pt x="4619796" y="369887"/>
+                </a:lnTo>
+                <a:lnTo>
+                  <a:pt x="4638271" y="409575"/>
+                </a:lnTo>
+                <a:lnTo>
+                  <a:pt x="4655067" y="450850"/>
+                </a:lnTo>
+                <a:lnTo>
+                  <a:pt x="4670184" y="496887"/>
+                </a:lnTo>
+                <a:lnTo>
+                  <a:pt x="4681941" y="546100"/>
+                </a:lnTo>
+                <a:lnTo>
+                  <a:pt x="4690339" y="606425"/>
+                </a:lnTo>
+                <a:lnTo>
+                  <a:pt x="4693698" y="673100"/>
+                </a:lnTo>
+                <a:lnTo>
+                  <a:pt x="4690339" y="744537"/>
+                </a:lnTo>
+                <a:lnTo>
+                  <a:pt x="4681941" y="801687"/>
+                </a:lnTo>
+                <a:lnTo>
+                  <a:pt x="4670184" y="854075"/>
+                </a:lnTo>
+                <a:lnTo>
+                  <a:pt x="4655067" y="901700"/>
+                </a:lnTo>
+                <a:lnTo>
+                  <a:pt x="4638271" y="942975"/>
+                </a:lnTo>
+                <a:lnTo>
+                  <a:pt x="4618116" y="981075"/>
+                </a:lnTo>
+                <a:lnTo>
+                  <a:pt x="4597961" y="1017587"/>
+                </a:lnTo>
+                <a:lnTo>
+                  <a:pt x="4577806" y="1055687"/>
+                </a:lnTo>
+                <a:lnTo>
+                  <a:pt x="4559330" y="1095375"/>
+                </a:lnTo>
+                <a:lnTo>
+                  <a:pt x="4540854" y="1136650"/>
+                </a:lnTo>
+                <a:lnTo>
+                  <a:pt x="4525739" y="1182687"/>
+                </a:lnTo>
+                <a:lnTo>
+                  <a:pt x="4515661" y="1235075"/>
+                </a:lnTo>
+                <a:lnTo>
+                  <a:pt x="4505583" y="1295400"/>
+                </a:lnTo>
+                <a:lnTo>
+                  <a:pt x="4503903" y="1363662"/>
+                </a:lnTo>
+                <a:lnTo>
+                  <a:pt x="4505583" y="1431925"/>
+                </a:lnTo>
+                <a:lnTo>
+                  <a:pt x="4515661" y="1492250"/>
+                </a:lnTo>
+                <a:lnTo>
+                  <a:pt x="4525739" y="1544637"/>
+                </a:lnTo>
+                <a:lnTo>
+                  <a:pt x="4540854" y="1589087"/>
+                </a:lnTo>
+                <a:lnTo>
+                  <a:pt x="4559330" y="1631950"/>
+                </a:lnTo>
+                <a:lnTo>
+                  <a:pt x="4577806" y="1671637"/>
+                </a:lnTo>
+                <a:lnTo>
+                  <a:pt x="4597961" y="1708150"/>
+                </a:lnTo>
+                <a:lnTo>
+                  <a:pt x="4618116" y="1743075"/>
+                </a:lnTo>
+                <a:lnTo>
+                  <a:pt x="4638271" y="1782762"/>
+                </a:lnTo>
+                <a:lnTo>
+                  <a:pt x="4655067" y="1824037"/>
+                </a:lnTo>
+                <a:lnTo>
+                  <a:pt x="4670184" y="1870075"/>
+                </a:lnTo>
+                <a:lnTo>
+                  <a:pt x="4681941" y="1922462"/>
+                </a:lnTo>
+                <a:lnTo>
+                  <a:pt x="4690339" y="1982787"/>
+                </a:lnTo>
+                <a:lnTo>
+                  <a:pt x="4693698" y="2051050"/>
+                </a:lnTo>
+                <a:lnTo>
+                  <a:pt x="4690339" y="2119312"/>
+                </a:lnTo>
+                <a:lnTo>
+                  <a:pt x="4681941" y="2179637"/>
+                </a:lnTo>
+                <a:lnTo>
+                  <a:pt x="4670184" y="2232025"/>
+                </a:lnTo>
+                <a:lnTo>
+                  <a:pt x="4655067" y="2278062"/>
+                </a:lnTo>
+                <a:lnTo>
+                  <a:pt x="4638271" y="2319337"/>
+                </a:lnTo>
+                <a:lnTo>
+                  <a:pt x="4618116" y="2359025"/>
+                </a:lnTo>
+                <a:lnTo>
+                  <a:pt x="4597961" y="2395537"/>
+                </a:lnTo>
+                <a:lnTo>
+                  <a:pt x="4577806" y="2433637"/>
+                </a:lnTo>
+                <a:lnTo>
+                  <a:pt x="4559330" y="2471737"/>
+                </a:lnTo>
+                <a:lnTo>
+                  <a:pt x="4540854" y="2513012"/>
+                </a:lnTo>
+                <a:lnTo>
+                  <a:pt x="4525739" y="2560637"/>
+                </a:lnTo>
+                <a:lnTo>
+                  <a:pt x="4515661" y="2613025"/>
+                </a:lnTo>
+                <a:lnTo>
+                  <a:pt x="4505583" y="2671762"/>
+                </a:lnTo>
+                <a:lnTo>
+                  <a:pt x="4503903" y="2741612"/>
+                </a:lnTo>
+                <a:lnTo>
+                  <a:pt x="4505583" y="2809875"/>
+                </a:lnTo>
+                <a:lnTo>
+                  <a:pt x="4515661" y="2868612"/>
+                </a:lnTo>
+                <a:lnTo>
+                  <a:pt x="4525739" y="2922587"/>
+                </a:lnTo>
+                <a:lnTo>
+                  <a:pt x="4540854" y="2967037"/>
+                </a:lnTo>
+                <a:lnTo>
+                  <a:pt x="4559330" y="3009900"/>
+                </a:lnTo>
+                <a:lnTo>
+                  <a:pt x="4577806" y="3046412"/>
+                </a:lnTo>
+                <a:lnTo>
+                  <a:pt x="4597961" y="3084512"/>
+                </a:lnTo>
+                <a:lnTo>
+                  <a:pt x="4618116" y="3121025"/>
+                </a:lnTo>
+                <a:lnTo>
+                  <a:pt x="4638271" y="3160712"/>
+                </a:lnTo>
+                <a:lnTo>
+                  <a:pt x="4655067" y="3201987"/>
+                </a:lnTo>
+                <a:lnTo>
+                  <a:pt x="4670184" y="3248025"/>
+                </a:lnTo>
+                <a:lnTo>
+                  <a:pt x="4681941" y="3300412"/>
+                </a:lnTo>
+                <a:lnTo>
+                  <a:pt x="4690339" y="3360737"/>
+                </a:lnTo>
+                <a:lnTo>
+                  <a:pt x="4693698" y="3427412"/>
+                </a:lnTo>
+                <a:lnTo>
+                  <a:pt x="4690339" y="3497262"/>
+                </a:lnTo>
+                <a:lnTo>
+                  <a:pt x="4681941" y="3557587"/>
+                </a:lnTo>
+                <a:lnTo>
+                  <a:pt x="4670184" y="3609975"/>
+                </a:lnTo>
+                <a:lnTo>
+                  <a:pt x="4655067" y="3656012"/>
+                </a:lnTo>
+                <a:lnTo>
+                  <a:pt x="4638271" y="3697287"/>
+                </a:lnTo>
+                <a:lnTo>
+                  <a:pt x="4618116" y="3736975"/>
+                </a:lnTo>
+                <a:lnTo>
+                  <a:pt x="4577806" y="3811587"/>
+                </a:lnTo>
+                <a:lnTo>
+                  <a:pt x="4559330" y="3848100"/>
+                </a:lnTo>
+                <a:lnTo>
+                  <a:pt x="4540854" y="3890962"/>
+                </a:lnTo>
+                <a:lnTo>
+                  <a:pt x="4525739" y="3935412"/>
+                </a:lnTo>
+                <a:lnTo>
+                  <a:pt x="4515661" y="3987800"/>
+                </a:lnTo>
+                <a:lnTo>
+                  <a:pt x="4505583" y="4048125"/>
+                </a:lnTo>
+                <a:lnTo>
+                  <a:pt x="4503903" y="4116387"/>
+                </a:lnTo>
+                <a:lnTo>
+                  <a:pt x="4505583" y="4186237"/>
+                </a:lnTo>
+                <a:lnTo>
+                  <a:pt x="4515661" y="4244975"/>
+                </a:lnTo>
+                <a:lnTo>
+                  <a:pt x="4525739" y="4297362"/>
+                </a:lnTo>
+                <a:lnTo>
+                  <a:pt x="4540854" y="4343400"/>
+                </a:lnTo>
+                <a:lnTo>
+                  <a:pt x="4559330" y="4386262"/>
+                </a:lnTo>
+                <a:lnTo>
+                  <a:pt x="4577806" y="4424362"/>
+                </a:lnTo>
+                <a:lnTo>
+                  <a:pt x="4618116" y="4498975"/>
+                </a:lnTo>
+                <a:lnTo>
+                  <a:pt x="4638271" y="4537075"/>
+                </a:lnTo>
+                <a:lnTo>
+                  <a:pt x="4655067" y="4579937"/>
+                </a:lnTo>
+                <a:lnTo>
+                  <a:pt x="4670184" y="4625975"/>
+                </a:lnTo>
+                <a:lnTo>
+                  <a:pt x="4681941" y="4678362"/>
+                </a:lnTo>
+                <a:lnTo>
+                  <a:pt x="4690339" y="4738687"/>
+                </a:lnTo>
+                <a:lnTo>
+                  <a:pt x="4693698" y="4806950"/>
+                </a:lnTo>
+                <a:lnTo>
+                  <a:pt x="4690339" y="4875212"/>
+                </a:lnTo>
+                <a:lnTo>
+                  <a:pt x="4681941" y="4935537"/>
+                </a:lnTo>
+                <a:lnTo>
+                  <a:pt x="4670184" y="4987925"/>
+                </a:lnTo>
+                <a:lnTo>
+                  <a:pt x="4655067" y="5033962"/>
+                </a:lnTo>
+                <a:lnTo>
+                  <a:pt x="4638271" y="5075237"/>
+                </a:lnTo>
+                <a:lnTo>
+                  <a:pt x="4618116" y="5114925"/>
+                </a:lnTo>
+                <a:lnTo>
+                  <a:pt x="4597961" y="5149850"/>
+                </a:lnTo>
+                <a:lnTo>
+                  <a:pt x="4577806" y="5186362"/>
+                </a:lnTo>
+                <a:lnTo>
+                  <a:pt x="4559330" y="5226050"/>
+                </a:lnTo>
+                <a:lnTo>
+                  <a:pt x="4540854" y="5268912"/>
+                </a:lnTo>
+                <a:lnTo>
+                  <a:pt x="4525739" y="5313362"/>
+                </a:lnTo>
+                <a:lnTo>
+                  <a:pt x="4515661" y="5365750"/>
+                </a:lnTo>
+                <a:lnTo>
+                  <a:pt x="4505583" y="5426075"/>
+                </a:lnTo>
+                <a:lnTo>
+                  <a:pt x="4503903" y="5494337"/>
+                </a:lnTo>
+                <a:lnTo>
+                  <a:pt x="4505583" y="5562600"/>
+                </a:lnTo>
+                <a:lnTo>
+                  <a:pt x="4515661" y="5622925"/>
+                </a:lnTo>
+                <a:lnTo>
+                  <a:pt x="4525739" y="5675312"/>
+                </a:lnTo>
+                <a:lnTo>
+                  <a:pt x="4540854" y="5721350"/>
+                </a:lnTo>
+                <a:lnTo>
+                  <a:pt x="4559330" y="5762625"/>
+                </a:lnTo>
+                <a:lnTo>
+                  <a:pt x="4577806" y="5802312"/>
+                </a:lnTo>
+                <a:lnTo>
+                  <a:pt x="4597961" y="5840412"/>
+                </a:lnTo>
+                <a:lnTo>
+                  <a:pt x="4618116" y="5876925"/>
+                </a:lnTo>
+                <a:lnTo>
+                  <a:pt x="4638271" y="5915025"/>
+                </a:lnTo>
+                <a:lnTo>
+                  <a:pt x="4655067" y="5956300"/>
+                </a:lnTo>
+                <a:lnTo>
+                  <a:pt x="4670184" y="6003925"/>
+                </a:lnTo>
+                <a:lnTo>
+                  <a:pt x="4681941" y="6056312"/>
+                </a:lnTo>
+                <a:lnTo>
+                  <a:pt x="4690339" y="6113462"/>
+                </a:lnTo>
+                <a:lnTo>
+                  <a:pt x="4693698" y="6183312"/>
+                </a:lnTo>
+                <a:lnTo>
+                  <a:pt x="4690339" y="6251575"/>
+                </a:lnTo>
+                <a:lnTo>
+                  <a:pt x="4681941" y="6311900"/>
+                </a:lnTo>
+                <a:lnTo>
+                  <a:pt x="4670184" y="6361112"/>
+                </a:lnTo>
+                <a:lnTo>
+                  <a:pt x="4655067" y="6407150"/>
+                </a:lnTo>
+                <a:lnTo>
+                  <a:pt x="4638271" y="6448425"/>
+                </a:lnTo>
+                <a:lnTo>
+                  <a:pt x="4619796" y="6488112"/>
+                </a:lnTo>
+                <a:lnTo>
+                  <a:pt x="4601320" y="6523037"/>
+                </a:lnTo>
+                <a:lnTo>
+                  <a:pt x="4581165" y="6561137"/>
+                </a:lnTo>
+                <a:lnTo>
+                  <a:pt x="4561010" y="6597650"/>
+                </a:lnTo>
+                <a:lnTo>
+                  <a:pt x="4544214" y="6640512"/>
+                </a:lnTo>
+                <a:lnTo>
+                  <a:pt x="4527418" y="6683375"/>
+                </a:lnTo>
+                <a:lnTo>
+                  <a:pt x="4517340" y="6735762"/>
+                </a:lnTo>
+                <a:lnTo>
+                  <a:pt x="4508943" y="6791325"/>
+                </a:lnTo>
+                <a:lnTo>
+                  <a:pt x="4503903" y="6858000"/>
+                </a:lnTo>
+                <a:lnTo>
+                  <a:pt x="1582057" y="6858000"/>
+                </a:lnTo>
+                <a:lnTo>
+                  <a:pt x="420914" y="6858000"/>
+                </a:lnTo>
+                <a:lnTo>
+                  <a:pt x="0" y="6858000"/>
+                </a:lnTo>
+                <a:close/>
+              </a:path>
+            </a:pathLst>
+          </a:custGeom>
+          <a:solidFill>
+            <a:schemeClr val="tx1"/>
+          </a:solidFill>
+          <a:ln w="0">
+            <a:noFill/>
+            <a:prstDash val="solid"/>
+            <a:round/>
+            <a:headEnd/>
+            <a:tailEnd/>
+          </a:ln>
+        </p:spPr>
+        <p:txBody>
+          <a:bodyPr wrap="square">
+            <a:noAutofit/>
+          </a:bodyPr>
+          <a:lstStyle/>
+          <a:p>
+            <a:endParaRPr lang="en-US" dirty="0"/>
+          </a:p>
+        </p:txBody>
+      </p:sp>
+      <p:sp>
+        <p:nvSpPr>
+          <p:cNvPr id="29" name="Freeform: Shape 28">
+            <a:extLst>
+              <a:ext uri="{FF2B5EF4-FFF2-40B4-BE49-F238E27FC236}">
+                <a16:creationId xmlns:a16="http://schemas.microsoft.com/office/drawing/2014/main" id="{4B9FAFB2-BEB5-4848-8018-BCAD99E2E1AA}"/>
+              </a:ext>
+              <a:ext uri="{C183D7F6-B498-43B3-948B-1728B52AA6E4}">
+                <adec:decorative xmlns:adec="http://schemas.microsoft.com/office/drawing/2017/decorative" val="1"/>
+              </a:ext>
+            </a:extLst>
+          </p:cNvPr>
+          <p:cNvSpPr>
+            <a:spLocks noGrp="1" noRot="1" noChangeAspect="1" noMove="1" noResize="1" noEditPoints="1" noAdjustHandles="1" noChangeArrowheads="1" noChangeShapeType="1" noTextEdit="1"/>
+          </p:cNvSpPr>
+          <p:nvPr>
+            <p:extLst>
+              <p:ext uri="{386F3935-93C4-4BCD-93E2-E3B085C9AB24}">
+                <p16:designElem xmlns:p16="http://schemas.microsoft.com/office/powerpoint/2015/main" val="1"/>
+              </p:ext>
+            </p:extLst>
+          </p:nvPr>
+        </p:nvSpPr>
+        <p:spPr>
+          <a:xfrm flipH="1">
+            <a:off x="0" y="0"/>
+            <a:ext cx="4838076" cy="6858000"/>
+          </a:xfrm>
+          <a:custGeom>
+            <a:avLst/>
+            <a:gdLst>
+              <a:gd name="connsiteX0" fmla="*/ 4838076 w 4838076"/>
+              <a:gd name="connsiteY0" fmla="*/ 0 h 6858000"/>
+              <a:gd name="connsiteX1" fmla="*/ 4417162 w 4838076"/>
+              <a:gd name="connsiteY1" fmla="*/ 0 h 6858000"/>
+              <a:gd name="connsiteX2" fmla="*/ 3459219 w 4838076"/>
+              <a:gd name="connsiteY2" fmla="*/ 0 h 6858000"/>
+              <a:gd name="connsiteX3" fmla="*/ 334174 w 4838076"/>
+              <a:gd name="connsiteY3" fmla="*/ 0 h 6858000"/>
+              <a:gd name="connsiteX4" fmla="*/ 334173 w 4838076"/>
+              <a:gd name="connsiteY4" fmla="*/ 0 h 6858000"/>
+              <a:gd name="connsiteX5" fmla="*/ 189795 w 4838076"/>
+              <a:gd name="connsiteY5" fmla="*/ 0 h 6858000"/>
+              <a:gd name="connsiteX6" fmla="*/ 184756 w 4838076"/>
+              <a:gd name="connsiteY6" fmla="*/ 66675 h 6858000"/>
+              <a:gd name="connsiteX7" fmla="*/ 176358 w 4838076"/>
+              <a:gd name="connsiteY7" fmla="*/ 122237 h 6858000"/>
+              <a:gd name="connsiteX8" fmla="*/ 166281 w 4838076"/>
+              <a:gd name="connsiteY8" fmla="*/ 174625 h 6858000"/>
+              <a:gd name="connsiteX9" fmla="*/ 149485 w 4838076"/>
+              <a:gd name="connsiteY9" fmla="*/ 217487 h 6858000"/>
+              <a:gd name="connsiteX10" fmla="*/ 132689 w 4838076"/>
+              <a:gd name="connsiteY10" fmla="*/ 260350 h 6858000"/>
+              <a:gd name="connsiteX11" fmla="*/ 112534 w 4838076"/>
+              <a:gd name="connsiteY11" fmla="*/ 296862 h 6858000"/>
+              <a:gd name="connsiteX12" fmla="*/ 92379 w 4838076"/>
+              <a:gd name="connsiteY12" fmla="*/ 334962 h 6858000"/>
+              <a:gd name="connsiteX13" fmla="*/ 73903 w 4838076"/>
+              <a:gd name="connsiteY13" fmla="*/ 369887 h 6858000"/>
+              <a:gd name="connsiteX14" fmla="*/ 55427 w 4838076"/>
+              <a:gd name="connsiteY14" fmla="*/ 409575 h 6858000"/>
+              <a:gd name="connsiteX15" fmla="*/ 38632 w 4838076"/>
+              <a:gd name="connsiteY15" fmla="*/ 450850 h 6858000"/>
+              <a:gd name="connsiteX16" fmla="*/ 23515 w 4838076"/>
+              <a:gd name="connsiteY16" fmla="*/ 496887 h 6858000"/>
+              <a:gd name="connsiteX17" fmla="*/ 11758 w 4838076"/>
+              <a:gd name="connsiteY17" fmla="*/ 546100 h 6858000"/>
+              <a:gd name="connsiteX18" fmla="*/ 3359 w 4838076"/>
+              <a:gd name="connsiteY18" fmla="*/ 606425 h 6858000"/>
+              <a:gd name="connsiteX19" fmla="*/ 0 w 4838076"/>
+              <a:gd name="connsiteY19" fmla="*/ 673100 h 6858000"/>
+              <a:gd name="connsiteX20" fmla="*/ 3359 w 4838076"/>
+              <a:gd name="connsiteY20" fmla="*/ 744537 h 6858000"/>
+              <a:gd name="connsiteX21" fmla="*/ 11758 w 4838076"/>
+              <a:gd name="connsiteY21" fmla="*/ 801687 h 6858000"/>
+              <a:gd name="connsiteX22" fmla="*/ 23515 w 4838076"/>
+              <a:gd name="connsiteY22" fmla="*/ 854075 h 6858000"/>
+              <a:gd name="connsiteX23" fmla="*/ 38632 w 4838076"/>
+              <a:gd name="connsiteY23" fmla="*/ 901700 h 6858000"/>
+              <a:gd name="connsiteX24" fmla="*/ 55427 w 4838076"/>
+              <a:gd name="connsiteY24" fmla="*/ 942975 h 6858000"/>
+              <a:gd name="connsiteX25" fmla="*/ 75583 w 4838076"/>
+              <a:gd name="connsiteY25" fmla="*/ 981075 h 6858000"/>
+              <a:gd name="connsiteX26" fmla="*/ 95738 w 4838076"/>
+              <a:gd name="connsiteY26" fmla="*/ 1017587 h 6858000"/>
+              <a:gd name="connsiteX27" fmla="*/ 115893 w 4838076"/>
+              <a:gd name="connsiteY27" fmla="*/ 1055687 h 6858000"/>
+              <a:gd name="connsiteX28" fmla="*/ 134368 w 4838076"/>
+              <a:gd name="connsiteY28" fmla="*/ 1095375 h 6858000"/>
+              <a:gd name="connsiteX29" fmla="*/ 152844 w 4838076"/>
+              <a:gd name="connsiteY29" fmla="*/ 1136650 h 6858000"/>
+              <a:gd name="connsiteX30" fmla="*/ 167960 w 4838076"/>
+              <a:gd name="connsiteY30" fmla="*/ 1182687 h 6858000"/>
+              <a:gd name="connsiteX31" fmla="*/ 178038 w 4838076"/>
+              <a:gd name="connsiteY31" fmla="*/ 1235075 h 6858000"/>
+              <a:gd name="connsiteX32" fmla="*/ 188115 w 4838076"/>
+              <a:gd name="connsiteY32" fmla="*/ 1295400 h 6858000"/>
+              <a:gd name="connsiteX33" fmla="*/ 189795 w 4838076"/>
+              <a:gd name="connsiteY33" fmla="*/ 1363662 h 6858000"/>
+              <a:gd name="connsiteX34" fmla="*/ 188115 w 4838076"/>
+              <a:gd name="connsiteY34" fmla="*/ 1431925 h 6858000"/>
+              <a:gd name="connsiteX35" fmla="*/ 178038 w 4838076"/>
+              <a:gd name="connsiteY35" fmla="*/ 1492250 h 6858000"/>
+              <a:gd name="connsiteX36" fmla="*/ 167960 w 4838076"/>
+              <a:gd name="connsiteY36" fmla="*/ 1544637 h 6858000"/>
+              <a:gd name="connsiteX37" fmla="*/ 152844 w 4838076"/>
+              <a:gd name="connsiteY37" fmla="*/ 1589087 h 6858000"/>
+              <a:gd name="connsiteX38" fmla="*/ 134368 w 4838076"/>
+              <a:gd name="connsiteY38" fmla="*/ 1631950 h 6858000"/>
+              <a:gd name="connsiteX39" fmla="*/ 115893 w 4838076"/>
+              <a:gd name="connsiteY39" fmla="*/ 1671637 h 6858000"/>
+              <a:gd name="connsiteX40" fmla="*/ 95738 w 4838076"/>
+              <a:gd name="connsiteY40" fmla="*/ 1708150 h 6858000"/>
+              <a:gd name="connsiteX41" fmla="*/ 75583 w 4838076"/>
+              <a:gd name="connsiteY41" fmla="*/ 1743075 h 6858000"/>
+              <a:gd name="connsiteX42" fmla="*/ 55427 w 4838076"/>
+              <a:gd name="connsiteY42" fmla="*/ 1782762 h 6858000"/>
+              <a:gd name="connsiteX43" fmla="*/ 38632 w 4838076"/>
+              <a:gd name="connsiteY43" fmla="*/ 1824037 h 6858000"/>
+              <a:gd name="connsiteX44" fmla="*/ 23515 w 4838076"/>
+              <a:gd name="connsiteY44" fmla="*/ 1870075 h 6858000"/>
+              <a:gd name="connsiteX45" fmla="*/ 11758 w 4838076"/>
+              <a:gd name="connsiteY45" fmla="*/ 1922462 h 6858000"/>
+              <a:gd name="connsiteX46" fmla="*/ 3359 w 4838076"/>
+              <a:gd name="connsiteY46" fmla="*/ 1982787 h 6858000"/>
+              <a:gd name="connsiteX47" fmla="*/ 0 w 4838076"/>
+              <a:gd name="connsiteY47" fmla="*/ 2051050 h 6858000"/>
+              <a:gd name="connsiteX48" fmla="*/ 3359 w 4838076"/>
+              <a:gd name="connsiteY48" fmla="*/ 2119312 h 6858000"/>
+              <a:gd name="connsiteX49" fmla="*/ 11758 w 4838076"/>
+              <a:gd name="connsiteY49" fmla="*/ 2179637 h 6858000"/>
+              <a:gd name="connsiteX50" fmla="*/ 23515 w 4838076"/>
+              <a:gd name="connsiteY50" fmla="*/ 2232025 h 6858000"/>
+              <a:gd name="connsiteX51" fmla="*/ 38632 w 4838076"/>
+              <a:gd name="connsiteY51" fmla="*/ 2278062 h 6858000"/>
+              <a:gd name="connsiteX52" fmla="*/ 55427 w 4838076"/>
+              <a:gd name="connsiteY52" fmla="*/ 2319337 h 6858000"/>
+              <a:gd name="connsiteX53" fmla="*/ 75583 w 4838076"/>
+              <a:gd name="connsiteY53" fmla="*/ 2359025 h 6858000"/>
+              <a:gd name="connsiteX54" fmla="*/ 95738 w 4838076"/>
+              <a:gd name="connsiteY54" fmla="*/ 2395537 h 6858000"/>
+              <a:gd name="connsiteX55" fmla="*/ 115893 w 4838076"/>
+              <a:gd name="connsiteY55" fmla="*/ 2433637 h 6858000"/>
+              <a:gd name="connsiteX56" fmla="*/ 134368 w 4838076"/>
+              <a:gd name="connsiteY56" fmla="*/ 2471737 h 6858000"/>
+              <a:gd name="connsiteX57" fmla="*/ 152844 w 4838076"/>
+              <a:gd name="connsiteY57" fmla="*/ 2513012 h 6858000"/>
+              <a:gd name="connsiteX58" fmla="*/ 167960 w 4838076"/>
+              <a:gd name="connsiteY58" fmla="*/ 2560637 h 6858000"/>
+              <a:gd name="connsiteX59" fmla="*/ 178038 w 4838076"/>
+              <a:gd name="connsiteY59" fmla="*/ 2613025 h 6858000"/>
+              <a:gd name="connsiteX60" fmla="*/ 188115 w 4838076"/>
+              <a:gd name="connsiteY60" fmla="*/ 2671762 h 6858000"/>
+              <a:gd name="connsiteX61" fmla="*/ 189795 w 4838076"/>
+              <a:gd name="connsiteY61" fmla="*/ 2741612 h 6858000"/>
+              <a:gd name="connsiteX62" fmla="*/ 188115 w 4838076"/>
+              <a:gd name="connsiteY62" fmla="*/ 2809875 h 6858000"/>
+              <a:gd name="connsiteX63" fmla="*/ 178038 w 4838076"/>
+              <a:gd name="connsiteY63" fmla="*/ 2868612 h 6858000"/>
+              <a:gd name="connsiteX64" fmla="*/ 167960 w 4838076"/>
+              <a:gd name="connsiteY64" fmla="*/ 2922587 h 6858000"/>
+              <a:gd name="connsiteX65" fmla="*/ 152844 w 4838076"/>
+              <a:gd name="connsiteY65" fmla="*/ 2967037 h 6858000"/>
+              <a:gd name="connsiteX66" fmla="*/ 134368 w 4838076"/>
+              <a:gd name="connsiteY66" fmla="*/ 3009900 h 6858000"/>
+              <a:gd name="connsiteX67" fmla="*/ 115893 w 4838076"/>
+              <a:gd name="connsiteY67" fmla="*/ 3046412 h 6858000"/>
+              <a:gd name="connsiteX68" fmla="*/ 95738 w 4838076"/>
+              <a:gd name="connsiteY68" fmla="*/ 3084512 h 6858000"/>
+              <a:gd name="connsiteX69" fmla="*/ 75583 w 4838076"/>
+              <a:gd name="connsiteY69" fmla="*/ 3121025 h 6858000"/>
+              <a:gd name="connsiteX70" fmla="*/ 55427 w 4838076"/>
+              <a:gd name="connsiteY70" fmla="*/ 3160712 h 6858000"/>
+              <a:gd name="connsiteX71" fmla="*/ 38632 w 4838076"/>
+              <a:gd name="connsiteY71" fmla="*/ 3201987 h 6858000"/>
+              <a:gd name="connsiteX72" fmla="*/ 23515 w 4838076"/>
+              <a:gd name="connsiteY72" fmla="*/ 3248025 h 6858000"/>
+              <a:gd name="connsiteX73" fmla="*/ 11758 w 4838076"/>
+              <a:gd name="connsiteY73" fmla="*/ 3300412 h 6858000"/>
+              <a:gd name="connsiteX74" fmla="*/ 3359 w 4838076"/>
+              <a:gd name="connsiteY74" fmla="*/ 3360737 h 6858000"/>
+              <a:gd name="connsiteX75" fmla="*/ 0 w 4838076"/>
+              <a:gd name="connsiteY75" fmla="*/ 3427412 h 6858000"/>
+              <a:gd name="connsiteX76" fmla="*/ 3359 w 4838076"/>
+              <a:gd name="connsiteY76" fmla="*/ 3497262 h 6858000"/>
+              <a:gd name="connsiteX77" fmla="*/ 11758 w 4838076"/>
+              <a:gd name="connsiteY77" fmla="*/ 3557587 h 6858000"/>
+              <a:gd name="connsiteX78" fmla="*/ 23515 w 4838076"/>
+              <a:gd name="connsiteY78" fmla="*/ 3609975 h 6858000"/>
+              <a:gd name="connsiteX79" fmla="*/ 38632 w 4838076"/>
+              <a:gd name="connsiteY79" fmla="*/ 3656012 h 6858000"/>
+              <a:gd name="connsiteX80" fmla="*/ 55427 w 4838076"/>
+              <a:gd name="connsiteY80" fmla="*/ 3697287 h 6858000"/>
+              <a:gd name="connsiteX81" fmla="*/ 75583 w 4838076"/>
+              <a:gd name="connsiteY81" fmla="*/ 3736975 h 6858000"/>
+              <a:gd name="connsiteX82" fmla="*/ 115893 w 4838076"/>
+              <a:gd name="connsiteY82" fmla="*/ 3811587 h 6858000"/>
+              <a:gd name="connsiteX83" fmla="*/ 134368 w 4838076"/>
+              <a:gd name="connsiteY83" fmla="*/ 3848100 h 6858000"/>
+              <a:gd name="connsiteX84" fmla="*/ 152844 w 4838076"/>
+              <a:gd name="connsiteY84" fmla="*/ 3890962 h 6858000"/>
+              <a:gd name="connsiteX85" fmla="*/ 167960 w 4838076"/>
+              <a:gd name="connsiteY85" fmla="*/ 3935412 h 6858000"/>
+              <a:gd name="connsiteX86" fmla="*/ 178038 w 4838076"/>
+              <a:gd name="connsiteY86" fmla="*/ 3987800 h 6858000"/>
+              <a:gd name="connsiteX87" fmla="*/ 188115 w 4838076"/>
+              <a:gd name="connsiteY87" fmla="*/ 4048125 h 6858000"/>
+              <a:gd name="connsiteX88" fmla="*/ 189795 w 4838076"/>
+              <a:gd name="connsiteY88" fmla="*/ 4116387 h 6858000"/>
+              <a:gd name="connsiteX89" fmla="*/ 188115 w 4838076"/>
+              <a:gd name="connsiteY89" fmla="*/ 4186237 h 6858000"/>
+              <a:gd name="connsiteX90" fmla="*/ 178038 w 4838076"/>
+              <a:gd name="connsiteY90" fmla="*/ 4244975 h 6858000"/>
+              <a:gd name="connsiteX91" fmla="*/ 167960 w 4838076"/>
+              <a:gd name="connsiteY91" fmla="*/ 4297362 h 6858000"/>
+              <a:gd name="connsiteX92" fmla="*/ 152844 w 4838076"/>
+              <a:gd name="connsiteY92" fmla="*/ 4343400 h 6858000"/>
+              <a:gd name="connsiteX93" fmla="*/ 134368 w 4838076"/>
+              <a:gd name="connsiteY93" fmla="*/ 4386262 h 6858000"/>
+              <a:gd name="connsiteX94" fmla="*/ 115893 w 4838076"/>
+              <a:gd name="connsiteY94" fmla="*/ 4424362 h 6858000"/>
+              <a:gd name="connsiteX95" fmla="*/ 75583 w 4838076"/>
+              <a:gd name="connsiteY95" fmla="*/ 4498975 h 6858000"/>
+              <a:gd name="connsiteX96" fmla="*/ 55427 w 4838076"/>
+              <a:gd name="connsiteY96" fmla="*/ 4537075 h 6858000"/>
+              <a:gd name="connsiteX97" fmla="*/ 38632 w 4838076"/>
+              <a:gd name="connsiteY97" fmla="*/ 4579937 h 6858000"/>
+              <a:gd name="connsiteX98" fmla="*/ 23515 w 4838076"/>
+              <a:gd name="connsiteY98" fmla="*/ 4625975 h 6858000"/>
+              <a:gd name="connsiteX99" fmla="*/ 11758 w 4838076"/>
+              <a:gd name="connsiteY99" fmla="*/ 4678362 h 6858000"/>
+              <a:gd name="connsiteX100" fmla="*/ 3359 w 4838076"/>
+              <a:gd name="connsiteY100" fmla="*/ 4738687 h 6858000"/>
+              <a:gd name="connsiteX101" fmla="*/ 0 w 4838076"/>
+              <a:gd name="connsiteY101" fmla="*/ 4806950 h 6858000"/>
+              <a:gd name="connsiteX102" fmla="*/ 3359 w 4838076"/>
+              <a:gd name="connsiteY102" fmla="*/ 4875212 h 6858000"/>
+              <a:gd name="connsiteX103" fmla="*/ 11758 w 4838076"/>
+              <a:gd name="connsiteY103" fmla="*/ 4935537 h 6858000"/>
+              <a:gd name="connsiteX104" fmla="*/ 23515 w 4838076"/>
+              <a:gd name="connsiteY104" fmla="*/ 4987925 h 6858000"/>
+              <a:gd name="connsiteX105" fmla="*/ 38632 w 4838076"/>
+              <a:gd name="connsiteY105" fmla="*/ 5033962 h 6858000"/>
+              <a:gd name="connsiteX106" fmla="*/ 55427 w 4838076"/>
+              <a:gd name="connsiteY106" fmla="*/ 5075237 h 6858000"/>
+              <a:gd name="connsiteX107" fmla="*/ 75583 w 4838076"/>
+              <a:gd name="connsiteY107" fmla="*/ 5114925 h 6858000"/>
+              <a:gd name="connsiteX108" fmla="*/ 95738 w 4838076"/>
+              <a:gd name="connsiteY108" fmla="*/ 5149850 h 6858000"/>
+              <a:gd name="connsiteX109" fmla="*/ 115893 w 4838076"/>
+              <a:gd name="connsiteY109" fmla="*/ 5186362 h 6858000"/>
+              <a:gd name="connsiteX110" fmla="*/ 134368 w 4838076"/>
+              <a:gd name="connsiteY110" fmla="*/ 5226050 h 6858000"/>
+              <a:gd name="connsiteX111" fmla="*/ 152844 w 4838076"/>
+              <a:gd name="connsiteY111" fmla="*/ 5268912 h 6858000"/>
+              <a:gd name="connsiteX112" fmla="*/ 167960 w 4838076"/>
+              <a:gd name="connsiteY112" fmla="*/ 5313362 h 6858000"/>
+              <a:gd name="connsiteX113" fmla="*/ 178038 w 4838076"/>
+              <a:gd name="connsiteY113" fmla="*/ 5365750 h 6858000"/>
+              <a:gd name="connsiteX114" fmla="*/ 188115 w 4838076"/>
+              <a:gd name="connsiteY114" fmla="*/ 5426075 h 6858000"/>
+              <a:gd name="connsiteX115" fmla="*/ 189795 w 4838076"/>
+              <a:gd name="connsiteY115" fmla="*/ 5494337 h 6858000"/>
+              <a:gd name="connsiteX116" fmla="*/ 188115 w 4838076"/>
+              <a:gd name="connsiteY116" fmla="*/ 5562600 h 6858000"/>
+              <a:gd name="connsiteX117" fmla="*/ 178038 w 4838076"/>
+              <a:gd name="connsiteY117" fmla="*/ 5622925 h 6858000"/>
+              <a:gd name="connsiteX118" fmla="*/ 167960 w 4838076"/>
+              <a:gd name="connsiteY118" fmla="*/ 5675312 h 6858000"/>
+              <a:gd name="connsiteX119" fmla="*/ 152844 w 4838076"/>
+              <a:gd name="connsiteY119" fmla="*/ 5721350 h 6858000"/>
+              <a:gd name="connsiteX120" fmla="*/ 134368 w 4838076"/>
+              <a:gd name="connsiteY120" fmla="*/ 5762625 h 6858000"/>
+              <a:gd name="connsiteX121" fmla="*/ 115893 w 4838076"/>
+              <a:gd name="connsiteY121" fmla="*/ 5802312 h 6858000"/>
+              <a:gd name="connsiteX122" fmla="*/ 95738 w 4838076"/>
+              <a:gd name="connsiteY122" fmla="*/ 5840412 h 6858000"/>
+              <a:gd name="connsiteX123" fmla="*/ 75583 w 4838076"/>
+              <a:gd name="connsiteY123" fmla="*/ 5876925 h 6858000"/>
+              <a:gd name="connsiteX124" fmla="*/ 55427 w 4838076"/>
+              <a:gd name="connsiteY124" fmla="*/ 5915025 h 6858000"/>
+              <a:gd name="connsiteX125" fmla="*/ 38632 w 4838076"/>
+              <a:gd name="connsiteY125" fmla="*/ 5956300 h 6858000"/>
+              <a:gd name="connsiteX126" fmla="*/ 23515 w 4838076"/>
+              <a:gd name="connsiteY126" fmla="*/ 6003925 h 6858000"/>
+              <a:gd name="connsiteX127" fmla="*/ 11758 w 4838076"/>
+              <a:gd name="connsiteY127" fmla="*/ 6056312 h 6858000"/>
+              <a:gd name="connsiteX128" fmla="*/ 3359 w 4838076"/>
+              <a:gd name="connsiteY128" fmla="*/ 6113462 h 6858000"/>
+              <a:gd name="connsiteX129" fmla="*/ 0 w 4838076"/>
+              <a:gd name="connsiteY129" fmla="*/ 6183312 h 6858000"/>
+              <a:gd name="connsiteX130" fmla="*/ 3359 w 4838076"/>
+              <a:gd name="connsiteY130" fmla="*/ 6251575 h 6858000"/>
+              <a:gd name="connsiteX131" fmla="*/ 11758 w 4838076"/>
+              <a:gd name="connsiteY131" fmla="*/ 6311900 h 6858000"/>
+              <a:gd name="connsiteX132" fmla="*/ 23515 w 4838076"/>
+              <a:gd name="connsiteY132" fmla="*/ 6361112 h 6858000"/>
+              <a:gd name="connsiteX133" fmla="*/ 38632 w 4838076"/>
+              <a:gd name="connsiteY133" fmla="*/ 6407150 h 6858000"/>
+              <a:gd name="connsiteX134" fmla="*/ 55427 w 4838076"/>
+              <a:gd name="connsiteY134" fmla="*/ 6448425 h 6858000"/>
+              <a:gd name="connsiteX135" fmla="*/ 73903 w 4838076"/>
+              <a:gd name="connsiteY135" fmla="*/ 6488112 h 6858000"/>
+              <a:gd name="connsiteX136" fmla="*/ 92379 w 4838076"/>
+              <a:gd name="connsiteY136" fmla="*/ 6523037 h 6858000"/>
+              <a:gd name="connsiteX137" fmla="*/ 112534 w 4838076"/>
+              <a:gd name="connsiteY137" fmla="*/ 6561137 h 6858000"/>
+              <a:gd name="connsiteX138" fmla="*/ 132689 w 4838076"/>
+              <a:gd name="connsiteY138" fmla="*/ 6597650 h 6858000"/>
+              <a:gd name="connsiteX139" fmla="*/ 149485 w 4838076"/>
+              <a:gd name="connsiteY139" fmla="*/ 6640512 h 6858000"/>
+              <a:gd name="connsiteX140" fmla="*/ 166281 w 4838076"/>
+              <a:gd name="connsiteY140" fmla="*/ 6683375 h 6858000"/>
+              <a:gd name="connsiteX141" fmla="*/ 176358 w 4838076"/>
+              <a:gd name="connsiteY141" fmla="*/ 6735762 h 6858000"/>
+              <a:gd name="connsiteX142" fmla="*/ 184756 w 4838076"/>
+              <a:gd name="connsiteY142" fmla="*/ 6791325 h 6858000"/>
+              <a:gd name="connsiteX143" fmla="*/ 189795 w 4838076"/>
+              <a:gd name="connsiteY143" fmla="*/ 6858000 h 6858000"/>
+              <a:gd name="connsiteX144" fmla="*/ 334173 w 4838076"/>
+              <a:gd name="connsiteY144" fmla="*/ 6858000 h 6858000"/>
+              <a:gd name="connsiteX145" fmla="*/ 334174 w 4838076"/>
+              <a:gd name="connsiteY145" fmla="*/ 6858000 h 6858000"/>
+              <a:gd name="connsiteX146" fmla="*/ 3459219 w 4838076"/>
+              <a:gd name="connsiteY146" fmla="*/ 6858000 h 6858000"/>
+              <a:gd name="connsiteX147" fmla="*/ 4417162 w 4838076"/>
+              <a:gd name="connsiteY147" fmla="*/ 6858000 h 6858000"/>
+              <a:gd name="connsiteX148" fmla="*/ 4838076 w 4838076"/>
+              <a:gd name="connsiteY148" fmla="*/ 6858000 h 6858000"/>
+            </a:gdLst>
+            <a:ahLst/>
+            <a:cxnLst>
+              <a:cxn ang="0">
+                <a:pos x="connsiteX0" y="connsiteY0"/>
+              </a:cxn>
+              <a:cxn ang="0">
+                <a:pos x="connsiteX1" y="connsiteY1"/>
+              </a:cxn>
+              <a:cxn ang="0">
+                <a:pos x="connsiteX2" y="connsiteY2"/>
+              </a:cxn>
+              <a:cxn ang="0">
+                <a:pos x="connsiteX3" y="connsiteY3"/>
+              </a:cxn>
+              <a:cxn ang="0">
+                <a:pos x="connsiteX4" y="connsiteY4"/>
+              </a:cxn>
+              <a:cxn ang="0">
+                <a:pos x="connsiteX5" y="connsiteY5"/>
+              </a:cxn>
+              <a:cxn ang="0">
+                <a:pos x="connsiteX6" y="connsiteY6"/>
+              </a:cxn>
+              <a:cxn ang="0">
+                <a:pos x="connsiteX7" y="connsiteY7"/>
+              </a:cxn>
+              <a:cxn ang="0">
+                <a:pos x="connsiteX8" y="connsiteY8"/>
+              </a:cxn>
+              <a:cxn ang="0">
+                <a:pos x="connsiteX9" y="connsiteY9"/>
+              </a:cxn>
+              <a:cxn ang="0">
+                <a:pos x="connsiteX10" y="connsiteY10"/>
+              </a:cxn>
+              <a:cxn ang="0">
+                <a:pos x="connsiteX11" y="connsiteY11"/>
+              </a:cxn>
+              <a:cxn ang="0">
+                <a:pos x="connsiteX12" y="connsiteY12"/>
+              </a:cxn>
+              <a:cxn ang="0">
+                <a:pos x="connsiteX13" y="connsiteY13"/>
+              </a:cxn>
+              <a:cxn ang="0">
+                <a:pos x="connsiteX14" y="connsiteY14"/>
+              </a:cxn>
+              <a:cxn ang="0">
+                <a:pos x="connsiteX15" y="connsiteY15"/>
+              </a:cxn>
+              <a:cxn ang="0">
+                <a:pos x="connsiteX16" y="connsiteY16"/>
+              </a:cxn>
+              <a:cxn ang="0">
+                <a:pos x="connsiteX17" y="connsiteY17"/>
+              </a:cxn>
+              <a:cxn ang="0">
+                <a:pos x="connsiteX18" y="connsiteY18"/>
+              </a:cxn>
+              <a:cxn ang="0">
+                <a:pos x="connsiteX19" y="connsiteY19"/>
+              </a:cxn>
+              <a:cxn ang="0">
+                <a:pos x="connsiteX20" y="connsiteY20"/>
+              </a:cxn>
+              <a:cxn ang="0">
+                <a:pos x="connsiteX21" y="connsiteY21"/>
+              </a:cxn>
+              <a:cxn ang="0">
+                <a:pos x="connsiteX22" y="connsiteY22"/>
+              </a:cxn>
+              <a:cxn ang="0">
+                <a:pos x="connsiteX23" y="connsiteY23"/>
+              </a:cxn>
+              <a:cxn ang="0">
+                <a:pos x="connsiteX24" y="connsiteY24"/>
+              </a:cxn>
+              <a:cxn ang="0">
+                <a:pos x="connsiteX25" y="connsiteY25"/>
+              </a:cxn>
+              <a:cxn ang="0">
+                <a:pos x="connsiteX26" y="connsiteY26"/>
+              </a:cxn>
+              <a:cxn ang="0">
+                <a:pos x="connsiteX27" y="connsiteY27"/>
+              </a:cxn>
+              <a:cxn ang="0">
+                <a:pos x="connsiteX28" y="connsiteY28"/>
+              </a:cxn>
+              <a:cxn ang="0">
+                <a:pos x="connsiteX29" y="connsiteY29"/>
+              </a:cxn>
+              <a:cxn ang="0">
+                <a:pos x="connsiteX30" y="connsiteY30"/>
+              </a:cxn>
+              <a:cxn ang="0">
+                <a:pos x="connsiteX31" y="connsiteY31"/>
+              </a:cxn>
+              <a:cxn ang="0">
+                <a:pos x="connsiteX32" y="connsiteY32"/>
+              </a:cxn>
+              <a:cxn ang="0">
+                <a:pos x="connsiteX33" y="connsiteY33"/>
+              </a:cxn>
+              <a:cxn ang="0">
+                <a:pos x="connsiteX34" y="connsiteY34"/>
+              </a:cxn>
+              <a:cxn ang="0">
+                <a:pos x="connsiteX35" y="connsiteY35"/>
+              </a:cxn>
+              <a:cxn ang="0">
+                <a:pos x="connsiteX36" y="connsiteY36"/>
+              </a:cxn>
+              <a:cxn ang="0">
+                <a:pos x="connsiteX37" y="connsiteY37"/>
+              </a:cxn>
+              <a:cxn ang="0">
+                <a:pos x="connsiteX38" y="connsiteY38"/>
+              </a:cxn>
+              <a:cxn ang="0">
+                <a:pos x="connsiteX39" y="connsiteY39"/>
+              </a:cxn>
+              <a:cxn ang="0">
+                <a:pos x="connsiteX40" y="connsiteY40"/>
+              </a:cxn>
+              <a:cxn ang="0">
+                <a:pos x="connsiteX41" y="connsiteY41"/>
+              </a:cxn>
+              <a:cxn ang="0">
+                <a:pos x="connsiteX42" y="connsiteY42"/>
+              </a:cxn>
+              <a:cxn ang="0">
+                <a:pos x="connsiteX43" y="connsiteY43"/>
+              </a:cxn>
+              <a:cxn ang="0">
+                <a:pos x="connsiteX44" y="connsiteY44"/>
+              </a:cxn>
+              <a:cxn ang="0">
+                <a:pos x="connsiteX45" y="connsiteY45"/>
+              </a:cxn>
+              <a:cxn ang="0">
+                <a:pos x="connsiteX46" y="connsiteY46"/>
+              </a:cxn>
+              <a:cxn ang="0">
+                <a:pos x="connsiteX47" y="connsiteY47"/>
+              </a:cxn>
+              <a:cxn ang="0">
+                <a:pos x="connsiteX48" y="connsiteY48"/>
+              </a:cxn>
+              <a:cxn ang="0">
+                <a:pos x="connsiteX49" y="connsiteY49"/>
+              </a:cxn>
+              <a:cxn ang="0">
+                <a:pos x="connsiteX50" y="connsiteY50"/>
+              </a:cxn>
+              <a:cxn ang="0">
+                <a:pos x="connsiteX51" y="connsiteY51"/>
+              </a:cxn>
+              <a:cxn ang="0">
+                <a:pos x="connsiteX52" y="connsiteY52"/>
+              </a:cxn>
+              <a:cxn ang="0">
+                <a:pos x="connsiteX53" y="connsiteY53"/>
+              </a:cxn>
+              <a:cxn ang="0">
+                <a:pos x="connsiteX54" y="connsiteY54"/>
+              </a:cxn>
+              <a:cxn ang="0">
+                <a:pos x="connsiteX55" y="connsiteY55"/>
+              </a:cxn>
+              <a:cxn ang="0">
+                <a:pos x="connsiteX56" y="connsiteY56"/>
+              </a:cxn>
+              <a:cxn ang="0">
+                <a:pos x="connsiteX57" y="connsiteY57"/>
+              </a:cxn>
+              <a:cxn ang="0">
+                <a:pos x="connsiteX58" y="connsiteY58"/>
+              </a:cxn>
+              <a:cxn ang="0">
+                <a:pos x="connsiteX59" y="connsiteY59"/>
+              </a:cxn>
+              <a:cxn ang="0">
+                <a:pos x="connsiteX60" y="connsiteY60"/>
+              </a:cxn>
+              <a:cxn ang="0">
+                <a:pos x="connsiteX61" y="connsiteY61"/>
+              </a:cxn>
+              <a:cxn ang="0">
+                <a:pos x="connsiteX62" y="connsiteY62"/>
+              </a:cxn>
+              <a:cxn ang="0">
+                <a:pos x="connsiteX63" y="connsiteY63"/>
+              </a:cxn>
+              <a:cxn ang="0">
+                <a:pos x="connsiteX64" y="connsiteY64"/>
+              </a:cxn>
+              <a:cxn ang="0">
+                <a:pos x="connsiteX65" y="connsiteY65"/>
+              </a:cxn>
+              <a:cxn ang="0">
+                <a:pos x="connsiteX66" y="connsiteY66"/>
+              </a:cxn>
+              <a:cxn ang="0">
+                <a:pos x="connsiteX67" y="connsiteY67"/>
+              </a:cxn>
+              <a:cxn ang="0">
+                <a:pos x="connsiteX68" y="connsiteY68"/>
+              </a:cxn>
+              <a:cxn ang="0">
+                <a:pos x="connsiteX69" y="connsiteY69"/>
+              </a:cxn>
+              <a:cxn ang="0">
+                <a:pos x="connsiteX70" y="connsiteY70"/>
+              </a:cxn>
+              <a:cxn ang="0">
+                <a:pos x="connsiteX71" y="connsiteY71"/>
+              </a:cxn>
+              <a:cxn ang="0">
+                <a:pos x="connsiteX72" y="connsiteY72"/>
+              </a:cxn>
+              <a:cxn ang="0">
+                <a:pos x="connsiteX73" y="connsiteY73"/>
+              </a:cxn>
+              <a:cxn ang="0">
+                <a:pos x="connsiteX74" y="connsiteY74"/>
+              </a:cxn>
+              <a:cxn ang="0">
+                <a:pos x="connsiteX75" y="connsiteY75"/>
+              </a:cxn>
+              <a:cxn ang="0">
+                <a:pos x="connsiteX76" y="connsiteY76"/>
+              </a:cxn>
+              <a:cxn ang="0">
+                <a:pos x="connsiteX77" y="connsiteY77"/>
+              </a:cxn>
+              <a:cxn ang="0">
+                <a:pos x="connsiteX78" y="connsiteY78"/>
+              </a:cxn>
+              <a:cxn ang="0">
+                <a:pos x="connsiteX79" y="connsiteY79"/>
+              </a:cxn>
+              <a:cxn ang="0">
+                <a:pos x="connsiteX80" y="connsiteY80"/>
+              </a:cxn>
+              <a:cxn ang="0">
+                <a:pos x="connsiteX81" y="connsiteY81"/>
+              </a:cxn>
+              <a:cxn ang="0">
+                <a:pos x="connsiteX82" y="connsiteY82"/>
+              </a:cxn>
+              <a:cxn ang="0">
+                <a:pos x="connsiteX83" y="connsiteY83"/>
+              </a:cxn>
+              <a:cxn ang="0">
+                <a:pos x="connsiteX84" y="connsiteY84"/>
+              </a:cxn>
+              <a:cxn ang="0">
+                <a:pos x="connsiteX85" y="connsiteY85"/>
+              </a:cxn>
+              <a:cxn ang="0">
+                <a:pos x="connsiteX86" y="connsiteY86"/>
+              </a:cxn>
+              <a:cxn ang="0">
+                <a:pos x="connsiteX87" y="connsiteY87"/>
+              </a:cxn>
+              <a:cxn ang="0">
+                <a:pos x="connsiteX88" y="connsiteY88"/>
+              </a:cxn>
+              <a:cxn ang="0">
+                <a:pos x="connsiteX89" y="connsiteY89"/>
+              </a:cxn>
+              <a:cxn ang="0">
+                <a:pos x="connsiteX90" y="connsiteY90"/>
+              </a:cxn>
+              <a:cxn ang="0">
+                <a:pos x="connsiteX91" y="connsiteY91"/>
+              </a:cxn>
+              <a:cxn ang="0">
+                <a:pos x="connsiteX92" y="connsiteY92"/>
+              </a:cxn>
+              <a:cxn ang="0">
+                <a:pos x="connsiteX93" y="connsiteY93"/>
+              </a:cxn>
+              <a:cxn ang="0">
+                <a:pos x="connsiteX94" y="connsiteY94"/>
+              </a:cxn>
+              <a:cxn ang="0">
+                <a:pos x="connsiteX95" y="connsiteY95"/>
+              </a:cxn>
+              <a:cxn ang="0">
+                <a:pos x="connsiteX96" y="connsiteY96"/>
+              </a:cxn>
+              <a:cxn ang="0">
+                <a:pos x="connsiteX97" y="connsiteY97"/>
+              </a:cxn>
+              <a:cxn ang="0">
+                <a:pos x="connsiteX98" y="connsiteY98"/>
+              </a:cxn>
+              <a:cxn ang="0">
+                <a:pos x="connsiteX99" y="connsiteY99"/>
+              </a:cxn>
+              <a:cxn ang="0">
+                <a:pos x="connsiteX100" y="connsiteY100"/>
+              </a:cxn>
+              <a:cxn ang="0">
+                <a:pos x="connsiteX101" y="connsiteY101"/>
+              </a:cxn>
+              <a:cxn ang="0">
+                <a:pos x="connsiteX102" y="connsiteY102"/>
+              </a:cxn>
+              <a:cxn ang="0">
+                <a:pos x="connsiteX103" y="connsiteY103"/>
+              </a:cxn>
+              <a:cxn ang="0">
+                <a:pos x="connsiteX104" y="connsiteY104"/>
+              </a:cxn>
+              <a:cxn ang="0">
+                <a:pos x="connsiteX105" y="connsiteY105"/>
+              </a:cxn>
+              <a:cxn ang="0">
+                <a:pos x="connsiteX106" y="connsiteY106"/>
+              </a:cxn>
+              <a:cxn ang="0">
+                <a:pos x="connsiteX107" y="connsiteY107"/>
+              </a:cxn>
+              <a:cxn ang="0">
+                <a:pos x="connsiteX108" y="connsiteY108"/>
+              </a:cxn>
+              <a:cxn ang="0">
+                <a:pos x="connsiteX109" y="connsiteY109"/>
+              </a:cxn>
+              <a:cxn ang="0">
+                <a:pos x="connsiteX110" y="connsiteY110"/>
+              </a:cxn>
+              <a:cxn ang="0">
+                <a:pos x="connsiteX111" y="connsiteY111"/>
+              </a:cxn>
+              <a:cxn ang="0">
+                <a:pos x="connsiteX112" y="connsiteY112"/>
+              </a:cxn>
+              <a:cxn ang="0">
+                <a:pos x="connsiteX113" y="connsiteY113"/>
+              </a:cxn>
+              <a:cxn ang="0">
+                <a:pos x="connsiteX114" y="connsiteY114"/>
+              </a:cxn>
+              <a:cxn ang="0">
+                <a:pos x="connsiteX115" y="connsiteY115"/>
+              </a:cxn>
+              <a:cxn ang="0">
+                <a:pos x="connsiteX116" y="connsiteY116"/>
+              </a:cxn>
+              <a:cxn ang="0">
+                <a:pos x="connsiteX117" y="connsiteY117"/>
+              </a:cxn>
+              <a:cxn ang="0">
+                <a:pos x="connsiteX118" y="connsiteY118"/>
+              </a:cxn>
+              <a:cxn ang="0">
+                <a:pos x="connsiteX119" y="connsiteY119"/>
+              </a:cxn>
+              <a:cxn ang="0">
+                <a:pos x="connsiteX120" y="connsiteY120"/>
+              </a:cxn>
+              <a:cxn ang="0">
+                <a:pos x="connsiteX121" y="connsiteY121"/>
+              </a:cxn>
+              <a:cxn ang="0">
+                <a:pos x="connsiteX122" y="connsiteY122"/>
+              </a:cxn>
+              <a:cxn ang="0">
+                <a:pos x="connsiteX123" y="connsiteY123"/>
+              </a:cxn>
+              <a:cxn ang="0">
+                <a:pos x="connsiteX124" y="connsiteY124"/>
+              </a:cxn>
+              <a:cxn ang="0">
+                <a:pos x="connsiteX125" y="connsiteY125"/>
+              </a:cxn>
+              <a:cxn ang="0">
+                <a:pos x="connsiteX126" y="connsiteY126"/>
+              </a:cxn>
+              <a:cxn ang="0">
+                <a:pos x="connsiteX127" y="connsiteY127"/>
+              </a:cxn>
+              <a:cxn ang="0">
+                <a:pos x="connsiteX128" y="connsiteY128"/>
+              </a:cxn>
+              <a:cxn ang="0">
+                <a:pos x="connsiteX129" y="connsiteY129"/>
+              </a:cxn>
+              <a:cxn ang="0">
+                <a:pos x="connsiteX130" y="connsiteY130"/>
+              </a:cxn>
+              <a:cxn ang="0">
+                <a:pos x="connsiteX131" y="connsiteY131"/>
+              </a:cxn>
+              <a:cxn ang="0">
+                <a:pos x="connsiteX132" y="connsiteY132"/>
+              </a:cxn>
+              <a:cxn ang="0">
+                <a:pos x="connsiteX133" y="connsiteY133"/>
+              </a:cxn>
+              <a:cxn ang="0">
+                <a:pos x="connsiteX134" y="connsiteY134"/>
+              </a:cxn>
+              <a:cxn ang="0">
+                <a:pos x="connsiteX135" y="connsiteY135"/>
+              </a:cxn>
+              <a:cxn ang="0">
+                <a:pos x="connsiteX136" y="connsiteY136"/>
+              </a:cxn>
+              <a:cxn ang="0">
+                <a:pos x="connsiteX137" y="connsiteY137"/>
+              </a:cxn>
+              <a:cxn ang="0">
+                <a:pos x="connsiteX138" y="connsiteY138"/>
+              </a:cxn>
+              <a:cxn ang="0">
+                <a:pos x="connsiteX139" y="connsiteY139"/>
+              </a:cxn>
+              <a:cxn ang="0">
+                <a:pos x="connsiteX140" y="connsiteY140"/>
+              </a:cxn>
+              <a:cxn ang="0">
+                <a:pos x="connsiteX141" y="connsiteY141"/>
+              </a:cxn>
+              <a:cxn ang="0">
+                <a:pos x="connsiteX142" y="connsiteY142"/>
+              </a:cxn>
+              <a:cxn ang="0">
+                <a:pos x="connsiteX143" y="connsiteY143"/>
+              </a:cxn>
+              <a:cxn ang="0">
+                <a:pos x="connsiteX144" y="connsiteY144"/>
+              </a:cxn>
+              <a:cxn ang="0">
+                <a:pos x="connsiteX145" y="connsiteY145"/>
+              </a:cxn>
+              <a:cxn ang="0">
+                <a:pos x="connsiteX146" y="connsiteY146"/>
+              </a:cxn>
+              <a:cxn ang="0">
+                <a:pos x="connsiteX147" y="connsiteY147"/>
+              </a:cxn>
+              <a:cxn ang="0">
+                <a:pos x="connsiteX148" y="connsiteY148"/>
+              </a:cxn>
+            </a:cxnLst>
+            <a:rect l="l" t="t" r="r" b="b"/>
+            <a:pathLst>
+              <a:path w="4838076" h="6858000">
+                <a:moveTo>
+                  <a:pt x="4838076" y="0"/>
+                </a:moveTo>
+                <a:lnTo>
+                  <a:pt x="4417162" y="0"/>
+                </a:lnTo>
+                <a:lnTo>
+                  <a:pt x="3459219" y="0"/>
+                </a:lnTo>
+                <a:lnTo>
+                  <a:pt x="334174" y="0"/>
+                </a:lnTo>
+                <a:lnTo>
+                  <a:pt x="334173" y="0"/>
+                </a:lnTo>
+                <a:lnTo>
+                  <a:pt x="189795" y="0"/>
+                </a:lnTo>
+                <a:lnTo>
+                  <a:pt x="184756" y="66675"/>
+                </a:lnTo>
+                <a:lnTo>
+                  <a:pt x="176358" y="122237"/>
+                </a:lnTo>
+                <a:lnTo>
+                  <a:pt x="166281" y="174625"/>
+                </a:lnTo>
+                <a:lnTo>
+                  <a:pt x="149485" y="217487"/>
+                </a:lnTo>
+                <a:lnTo>
+                  <a:pt x="132689" y="260350"/>
+                </a:lnTo>
+                <a:lnTo>
+                  <a:pt x="112534" y="296862"/>
+                </a:lnTo>
+                <a:lnTo>
+                  <a:pt x="92379" y="334962"/>
+                </a:lnTo>
+                <a:lnTo>
+                  <a:pt x="73903" y="369887"/>
+                </a:lnTo>
+                <a:lnTo>
+                  <a:pt x="55427" y="409575"/>
+                </a:lnTo>
+                <a:lnTo>
+                  <a:pt x="38632" y="450850"/>
+                </a:lnTo>
+                <a:lnTo>
+                  <a:pt x="23515" y="496887"/>
+                </a:lnTo>
+                <a:lnTo>
+                  <a:pt x="11758" y="546100"/>
+                </a:lnTo>
+                <a:lnTo>
+                  <a:pt x="3359" y="606425"/>
+                </a:lnTo>
+                <a:lnTo>
+                  <a:pt x="0" y="673100"/>
+                </a:lnTo>
+                <a:lnTo>
+                  <a:pt x="3359" y="744537"/>
+                </a:lnTo>
+                <a:lnTo>
+                  <a:pt x="11758" y="801687"/>
+                </a:lnTo>
+                <a:lnTo>
+                  <a:pt x="23515" y="854075"/>
+                </a:lnTo>
+                <a:lnTo>
+                  <a:pt x="38632" y="901700"/>
+                </a:lnTo>
+                <a:lnTo>
+                  <a:pt x="55427" y="942975"/>
+                </a:lnTo>
+                <a:lnTo>
+                  <a:pt x="75583" y="981075"/>
+                </a:lnTo>
+                <a:lnTo>
+                  <a:pt x="95738" y="1017587"/>
+                </a:lnTo>
+                <a:lnTo>
+                  <a:pt x="115893" y="1055687"/>
+                </a:lnTo>
+                <a:lnTo>
+                  <a:pt x="134368" y="1095375"/>
+                </a:lnTo>
+                <a:lnTo>
+                  <a:pt x="152844" y="1136650"/>
+                </a:lnTo>
+                <a:lnTo>
+                  <a:pt x="167960" y="1182687"/>
+                </a:lnTo>
+                <a:lnTo>
+                  <a:pt x="178038" y="1235075"/>
+                </a:lnTo>
+                <a:lnTo>
+                  <a:pt x="188115" y="1295400"/>
+                </a:lnTo>
+                <a:lnTo>
+                  <a:pt x="189795" y="1363662"/>
+                </a:lnTo>
+                <a:lnTo>
+                  <a:pt x="188115" y="1431925"/>
+                </a:lnTo>
+                <a:lnTo>
+                  <a:pt x="178038" y="1492250"/>
+                </a:lnTo>
+                <a:lnTo>
+                  <a:pt x="167960" y="1544637"/>
+                </a:lnTo>
+                <a:lnTo>
+                  <a:pt x="152844" y="1589087"/>
+                </a:lnTo>
+                <a:lnTo>
+                  <a:pt x="134368" y="1631950"/>
+                </a:lnTo>
+                <a:lnTo>
+                  <a:pt x="115893" y="1671637"/>
+                </a:lnTo>
+                <a:lnTo>
+                  <a:pt x="95738" y="1708150"/>
+                </a:lnTo>
+                <a:lnTo>
+                  <a:pt x="75583" y="1743075"/>
+                </a:lnTo>
+                <a:lnTo>
+                  <a:pt x="55427" y="1782762"/>
+                </a:lnTo>
+                <a:lnTo>
+                  <a:pt x="38632" y="1824037"/>
+                </a:lnTo>
+                <a:lnTo>
+                  <a:pt x="23515" y="1870075"/>
+                </a:lnTo>
+                <a:lnTo>
+                  <a:pt x="11758" y="1922462"/>
+                </a:lnTo>
+                <a:lnTo>
+                  <a:pt x="3359" y="1982787"/>
+                </a:lnTo>
+                <a:lnTo>
+                  <a:pt x="0" y="2051050"/>
+                </a:lnTo>
+                <a:lnTo>
+                  <a:pt x="3359" y="2119312"/>
+                </a:lnTo>
+                <a:lnTo>
+                  <a:pt x="11758" y="2179637"/>
+                </a:lnTo>
+                <a:lnTo>
+                  <a:pt x="23515" y="2232025"/>
+                </a:lnTo>
+                <a:lnTo>
+                  <a:pt x="38632" y="2278062"/>
+                </a:lnTo>
+                <a:lnTo>
+                  <a:pt x="55427" y="2319337"/>
+                </a:lnTo>
+                <a:lnTo>
+                  <a:pt x="75583" y="2359025"/>
+                </a:lnTo>
+                <a:lnTo>
+                  <a:pt x="95738" y="2395537"/>
+                </a:lnTo>
+                <a:lnTo>
+                  <a:pt x="115893" y="2433637"/>
+                </a:lnTo>
+                <a:lnTo>
+                  <a:pt x="134368" y="2471737"/>
+                </a:lnTo>
+                <a:lnTo>
+                  <a:pt x="152844" y="2513012"/>
+                </a:lnTo>
+                <a:lnTo>
+                  <a:pt x="167960" y="2560637"/>
+                </a:lnTo>
+                <a:lnTo>
+                  <a:pt x="178038" y="2613025"/>
+                </a:lnTo>
+                <a:lnTo>
+                  <a:pt x="188115" y="2671762"/>
+                </a:lnTo>
+                <a:lnTo>
+                  <a:pt x="189795" y="2741612"/>
+                </a:lnTo>
+                <a:lnTo>
+                  <a:pt x="188115" y="2809875"/>
+                </a:lnTo>
+                <a:lnTo>
+                  <a:pt x="178038" y="2868612"/>
+                </a:lnTo>
+                <a:lnTo>
+                  <a:pt x="167960" y="2922587"/>
+                </a:lnTo>
+                <a:lnTo>
+                  <a:pt x="152844" y="2967037"/>
+                </a:lnTo>
+                <a:lnTo>
+                  <a:pt x="134368" y="3009900"/>
+                </a:lnTo>
+                <a:lnTo>
+                  <a:pt x="115893" y="3046412"/>
+                </a:lnTo>
+                <a:lnTo>
+                  <a:pt x="95738" y="3084512"/>
+                </a:lnTo>
+                <a:lnTo>
+                  <a:pt x="75583" y="3121025"/>
+                </a:lnTo>
+                <a:lnTo>
+                  <a:pt x="55427" y="3160712"/>
+                </a:lnTo>
+                <a:lnTo>
+                  <a:pt x="38632" y="3201987"/>
+                </a:lnTo>
+                <a:lnTo>
+                  <a:pt x="23515" y="3248025"/>
+                </a:lnTo>
+                <a:lnTo>
+                  <a:pt x="11758" y="3300412"/>
+                </a:lnTo>
+                <a:lnTo>
+                  <a:pt x="3359" y="3360737"/>
+                </a:lnTo>
+                <a:lnTo>
+                  <a:pt x="0" y="3427412"/>
+                </a:lnTo>
+                <a:lnTo>
+                  <a:pt x="3359" y="3497262"/>
+                </a:lnTo>
+                <a:lnTo>
+                  <a:pt x="11758" y="3557587"/>
+                </a:lnTo>
+                <a:lnTo>
+                  <a:pt x="23515" y="3609975"/>
+                </a:lnTo>
+                <a:lnTo>
+                  <a:pt x="38632" y="3656012"/>
+                </a:lnTo>
+                <a:lnTo>
+                  <a:pt x="55427" y="3697287"/>
+                </a:lnTo>
+                <a:lnTo>
+                  <a:pt x="75583" y="3736975"/>
+                </a:lnTo>
+                <a:lnTo>
+                  <a:pt x="115893" y="3811587"/>
+                </a:lnTo>
+                <a:lnTo>
+                  <a:pt x="134368" y="3848100"/>
+                </a:lnTo>
+                <a:lnTo>
+                  <a:pt x="152844" y="3890962"/>
+                </a:lnTo>
+                <a:lnTo>
+                  <a:pt x="167960" y="3935412"/>
+                </a:lnTo>
+                <a:lnTo>
+                  <a:pt x="178038" y="3987800"/>
+                </a:lnTo>
+                <a:lnTo>
+                  <a:pt x="188115" y="4048125"/>
+                </a:lnTo>
+                <a:lnTo>
+                  <a:pt x="189795" y="4116387"/>
+                </a:lnTo>
+                <a:lnTo>
+                  <a:pt x="188115" y="4186237"/>
+                </a:lnTo>
+                <a:lnTo>
+                  <a:pt x="178038" y="4244975"/>
+                </a:lnTo>
+                <a:lnTo>
+                  <a:pt x="167960" y="4297362"/>
+                </a:lnTo>
+                <a:lnTo>
+                  <a:pt x="152844" y="4343400"/>
+                </a:lnTo>
+                <a:lnTo>
+                  <a:pt x="134368" y="4386262"/>
+                </a:lnTo>
+                <a:lnTo>
+                  <a:pt x="115893" y="4424362"/>
+                </a:lnTo>
+                <a:lnTo>
+                  <a:pt x="75583" y="4498975"/>
+                </a:lnTo>
+                <a:lnTo>
+                  <a:pt x="55427" y="4537075"/>
+                </a:lnTo>
+                <a:lnTo>
+                  <a:pt x="38632" y="4579937"/>
+                </a:lnTo>
+                <a:lnTo>
+                  <a:pt x="23515" y="4625975"/>
+                </a:lnTo>
+                <a:lnTo>
+                  <a:pt x="11758" y="4678362"/>
+                </a:lnTo>
+                <a:lnTo>
+                  <a:pt x="3359" y="4738687"/>
+                </a:lnTo>
+                <a:lnTo>
+                  <a:pt x="0" y="4806950"/>
+                </a:lnTo>
+                <a:lnTo>
+                  <a:pt x="3359" y="4875212"/>
+                </a:lnTo>
+                <a:lnTo>
+                  <a:pt x="11758" y="4935537"/>
+                </a:lnTo>
+                <a:lnTo>
+                  <a:pt x="23515" y="4987925"/>
+                </a:lnTo>
+                <a:lnTo>
+                  <a:pt x="38632" y="5033962"/>
+                </a:lnTo>
+                <a:lnTo>
+                  <a:pt x="55427" y="5075237"/>
+                </a:lnTo>
+                <a:lnTo>
+                  <a:pt x="75583" y="5114925"/>
+                </a:lnTo>
+                <a:lnTo>
+                  <a:pt x="95738" y="5149850"/>
+                </a:lnTo>
+                <a:lnTo>
+                  <a:pt x="115893" y="5186362"/>
+                </a:lnTo>
+                <a:lnTo>
+                  <a:pt x="134368" y="5226050"/>
+                </a:lnTo>
+                <a:lnTo>
+                  <a:pt x="152844" y="5268912"/>
+                </a:lnTo>
+                <a:lnTo>
+                  <a:pt x="167960" y="5313362"/>
+                </a:lnTo>
+                <a:lnTo>
+                  <a:pt x="178038" y="5365750"/>
+                </a:lnTo>
+                <a:lnTo>
+                  <a:pt x="188115" y="5426075"/>
+                </a:lnTo>
+                <a:lnTo>
+                  <a:pt x="189795" y="5494337"/>
+                </a:lnTo>
+                <a:lnTo>
+                  <a:pt x="188115" y="5562600"/>
+                </a:lnTo>
+                <a:lnTo>
+                  <a:pt x="178038" y="5622925"/>
+                </a:lnTo>
+                <a:lnTo>
+                  <a:pt x="167960" y="5675312"/>
+                </a:lnTo>
+                <a:lnTo>
+                  <a:pt x="152844" y="5721350"/>
+                </a:lnTo>
+                <a:lnTo>
+                  <a:pt x="134368" y="5762625"/>
+                </a:lnTo>
+                <a:lnTo>
+                  <a:pt x="115893" y="5802312"/>
+                </a:lnTo>
+                <a:lnTo>
+                  <a:pt x="95738" y="5840412"/>
+                </a:lnTo>
+                <a:lnTo>
+                  <a:pt x="75583" y="5876925"/>
+                </a:lnTo>
+                <a:lnTo>
+                  <a:pt x="55427" y="5915025"/>
+                </a:lnTo>
+                <a:lnTo>
+                  <a:pt x="38632" y="5956300"/>
+                </a:lnTo>
+                <a:lnTo>
+                  <a:pt x="23515" y="6003925"/>
+                </a:lnTo>
+                <a:lnTo>
+                  <a:pt x="11758" y="6056312"/>
+                </a:lnTo>
+                <a:lnTo>
+                  <a:pt x="3359" y="6113462"/>
+                </a:lnTo>
+                <a:lnTo>
+                  <a:pt x="0" y="6183312"/>
+                </a:lnTo>
+                <a:lnTo>
+                  <a:pt x="3359" y="6251575"/>
+                </a:lnTo>
+                <a:lnTo>
+                  <a:pt x="11758" y="6311900"/>
+                </a:lnTo>
+                <a:lnTo>
+                  <a:pt x="23515" y="6361112"/>
+                </a:lnTo>
+                <a:lnTo>
+                  <a:pt x="38632" y="6407150"/>
+                </a:lnTo>
+                <a:lnTo>
+                  <a:pt x="55427" y="6448425"/>
+                </a:lnTo>
+                <a:lnTo>
+                  <a:pt x="73903" y="6488112"/>
+                </a:lnTo>
+                <a:lnTo>
+                  <a:pt x="92379" y="6523037"/>
+                </a:lnTo>
+                <a:lnTo>
+                  <a:pt x="112534" y="6561137"/>
+                </a:lnTo>
+                <a:lnTo>
+                  <a:pt x="132689" y="6597650"/>
+                </a:lnTo>
+                <a:lnTo>
+                  <a:pt x="149485" y="6640512"/>
+                </a:lnTo>
+                <a:lnTo>
+                  <a:pt x="166281" y="6683375"/>
+                </a:lnTo>
+                <a:lnTo>
+                  <a:pt x="176358" y="6735762"/>
+                </a:lnTo>
+                <a:lnTo>
+                  <a:pt x="184756" y="6791325"/>
+                </a:lnTo>
+                <a:lnTo>
+                  <a:pt x="189795" y="6858000"/>
+                </a:lnTo>
+                <a:lnTo>
+                  <a:pt x="334173" y="6858000"/>
+                </a:lnTo>
+                <a:lnTo>
+                  <a:pt x="334174" y="6858000"/>
+                </a:lnTo>
+                <a:lnTo>
+                  <a:pt x="3459219" y="6858000"/>
+                </a:lnTo>
+                <a:lnTo>
+                  <a:pt x="4417162" y="6858000"/>
+                </a:lnTo>
+                <a:lnTo>
+                  <a:pt x="4838076" y="6858000"/>
+                </a:lnTo>
+                <a:close/>
+              </a:path>
+            </a:pathLst>
+          </a:custGeom>
+          <a:solidFill>
+            <a:schemeClr val="accent1">
+              <a:lumMod val="50000"/>
+              <a:alpha val="25000"/>
+            </a:schemeClr>
+          </a:solidFill>
+          <a:ln>
+            <a:noFill/>
+          </a:ln>
+        </p:spPr>
+        <p:style>
+          <a:lnRef idx="2">
+            <a:schemeClr val="accent1">
+              <a:shade val="50000"/>
+            </a:schemeClr>
+          </a:lnRef>
+          <a:fillRef idx="1">
+            <a:schemeClr val="accent1"/>
+          </a:fillRef>
+          <a:effectRef idx="0">
+            <a:schemeClr val="accent1"/>
+          </a:effectRef>
+          <a:fontRef idx="minor">
+            <a:schemeClr val="lt1"/>
+          </a:fontRef>
+        </p:style>
+        <p:txBody>
+          <a:bodyPr wrap="square" rtlCol="0" anchor="ctr">
+            <a:noAutofit/>
+          </a:bodyPr>
+          <a:lstStyle/>
+          <a:p>
+            <a:pPr algn="ctr"/>
+            <a:endParaRPr lang="en-US" dirty="0"/>
+          </a:p>
+        </p:txBody>
+      </p:sp>
+      <p:sp>
+        <p:nvSpPr>
+          <p:cNvPr id="2" name="Title 1">
+            <a:extLst>
+              <a:ext uri="{FF2B5EF4-FFF2-40B4-BE49-F238E27FC236}">
+                <a16:creationId xmlns:a16="http://schemas.microsoft.com/office/drawing/2014/main" id="{B93A6346-F403-F34E-A06E-A478DEC9074F}"/>
+              </a:ext>
+            </a:extLst>
+          </p:cNvPr>
+          <p:cNvSpPr>
+            <a:spLocks noGrp="1"/>
+          </p:cNvSpPr>
+          <p:nvPr>
+            <p:ph type="title"/>
+          </p:nvPr>
+        </p:nvSpPr>
+        <p:spPr>
+          <a:xfrm>
+            <a:off x="765051" y="662400"/>
+            <a:ext cx="3384000" cy="1492132"/>
+          </a:xfrm>
+        </p:spPr>
+        <p:txBody>
+          <a:bodyPr anchor="t">
+            <a:normAutofit/>
+          </a:bodyPr>
+          <a:lstStyle/>
+          <a:p>
+            <a:r>
+              <a:rPr lang="en-CA" sz="3400" dirty="0">
+                <a:solidFill>
+                  <a:schemeClr val="bg1"/>
+                </a:solidFill>
+              </a:rPr>
+              <a:t>Customer Preference by State</a:t>
+            </a:r>
+          </a:p>
+        </p:txBody>
+      </p:sp>
+      <p:sp>
+        <p:nvSpPr>
+          <p:cNvPr id="9" name="Content Placeholder 8">
+            <a:extLst>
+              <a:ext uri="{FF2B5EF4-FFF2-40B4-BE49-F238E27FC236}">
+                <a16:creationId xmlns:a16="http://schemas.microsoft.com/office/drawing/2014/main" id="{8A2390E5-77E2-4EBA-B33C-A2C3669B7408}"/>
+              </a:ext>
+            </a:extLst>
+          </p:cNvPr>
+          <p:cNvSpPr>
+            <a:spLocks noGrp="1"/>
+          </p:cNvSpPr>
+          <p:nvPr>
+            <p:ph idx="1"/>
+          </p:nvPr>
+        </p:nvSpPr>
+        <p:spPr>
+          <a:xfrm>
+            <a:off x="765051" y="2286000"/>
+            <a:ext cx="3384000" cy="3844800"/>
+          </a:xfrm>
+        </p:spPr>
+        <p:txBody>
+          <a:bodyPr>
+            <a:normAutofit/>
+          </a:bodyPr>
+          <a:lstStyle/>
+          <a:p>
+            <a:r>
+              <a:rPr lang="en-US" sz="2000" dirty="0">
+                <a:solidFill>
+                  <a:schemeClr val="bg1">
+                    <a:alpha val="60000"/>
+                  </a:schemeClr>
+                </a:solidFill>
+              </a:rPr>
+              <a:t>Here, we see the percentage of customers who rode in each of the cabs in each state. </a:t>
+            </a:r>
+          </a:p>
+          <a:p>
+            <a:r>
+              <a:rPr lang="en-US" sz="2000" dirty="0">
+                <a:solidFill>
+                  <a:schemeClr val="bg1">
+                    <a:alpha val="60000"/>
+                  </a:schemeClr>
+                </a:solidFill>
+              </a:rPr>
+              <a:t>It is observed that the Yellow company has more than 50% of the rides in most states, excepting only Tennessee and Pennsylvania, which have a slightly higher or almost equal percentage of Pink Company rides.   </a:t>
+            </a:r>
+          </a:p>
+        </p:txBody>
+      </p:sp>
+      <p:pic>
+        <p:nvPicPr>
+          <p:cNvPr id="5" name="Content Placeholder 4" descr="Chart, bar chart&#10;&#10;Description automatically generated">
+            <a:extLst>
+              <a:ext uri="{FF2B5EF4-FFF2-40B4-BE49-F238E27FC236}">
+                <a16:creationId xmlns:a16="http://schemas.microsoft.com/office/drawing/2014/main" id="{EA7692C6-5A2E-734A-8F63-1DA36B3E4FC9}"/>
+              </a:ext>
+            </a:extLst>
+          </p:cNvPr>
+          <p:cNvPicPr>
+            <a:picLocks noChangeAspect="1"/>
+          </p:cNvPicPr>
+          <p:nvPr/>
+        </p:nvPicPr>
+        <p:blipFill>
+          <a:blip r:embed="rId2">
+            <a:extLst>
+              <a:ext uri="{28A0092B-C50C-407E-A947-70E740481C1C}">
+                <a14:useLocalDpi xmlns:a14="http://schemas.microsoft.com/office/drawing/2010/main" val="0"/>
+              </a:ext>
+            </a:extLst>
+          </a:blip>
+          <a:stretch>
+            <a:fillRect/>
+          </a:stretch>
+        </p:blipFill>
+        <p:spPr>
+          <a:xfrm>
+            <a:off x="5411053" y="1835241"/>
+            <a:ext cx="6014185" cy="3187517"/>
+          </a:xfrm>
+          <a:prstGeom prst="rect">
+            <a:avLst/>
+          </a:prstGeom>
+        </p:spPr>
+      </p:pic>
+    </p:spTree>
+    <p:extLst>
+      <p:ext uri="{BB962C8B-B14F-4D97-AF65-F5344CB8AC3E}">
+        <p14:creationId xmlns:p14="http://schemas.microsoft.com/office/powerpoint/2010/main" val="3819601482"/>
+      </p:ext>
+    </p:extLst>
+  </p:cSld>
+  <p:clrMapOvr>
+    <a:masterClrMapping/>
+  </p:clrMapOvr>
+</p:sld>
+</file>
+
+<file path=ppt/slides/slide14.xml><?xml version="1.0" encoding="utf-8"?>
+<p:sld xmlns:a="http://schemas.openxmlformats.org/drawingml/2006/main" xmlns:r="http://schemas.openxmlformats.org/officeDocument/2006/relationships" xmlns:p="http://schemas.openxmlformats.org/presentationml/2006/main">
+  <p:cSld>
+    <p:bg>
+      <p:bgPr>
+        <a:solidFill>
+          <a:schemeClr val="accent2"/>
+        </a:solidFill>
+        <a:effectLst/>
+      </p:bgPr>
+    </p:bg>
+    <p:spTree>
+      <p:nvGrpSpPr>
+        <p:cNvPr id="1" name=""/>
+        <p:cNvGrpSpPr/>
+        <p:nvPr/>
+      </p:nvGrpSpPr>
+      <p:grpSpPr>
+        <a:xfrm>
+          <a:off x="0" y="0"/>
+          <a:ext cx="0" cy="0"/>
+          <a:chOff x="0" y="0"/>
+          <a:chExt cx="0" cy="0"/>
+        </a:xfrm>
+      </p:grpSpPr>
+      <p:sp>
+        <p:nvSpPr>
+          <p:cNvPr id="12" name="Rectangle 11">
+            <a:extLst>
+              <a:ext uri="{FF2B5EF4-FFF2-40B4-BE49-F238E27FC236}">
+                <a16:creationId xmlns:a16="http://schemas.microsoft.com/office/drawing/2014/main" id="{CEB41C5C-0F34-4DDA-9D7C-5E717F35F60C}"/>
+              </a:ext>
+              <a:ext uri="{C183D7F6-B498-43B3-948B-1728B52AA6E4}">
+                <adec:decorative xmlns:adec="http://schemas.microsoft.com/office/drawing/2017/decorative" val="1"/>
+              </a:ext>
+            </a:extLst>
+          </p:cNvPr>
+          <p:cNvSpPr>
+            <a:spLocks noGrp="1" noRot="1" noChangeAspect="1" noMove="1" noResize="1" noEditPoints="1" noAdjustHandles="1" noChangeArrowheads="1" noChangeShapeType="1" noTextEdit="1"/>
+          </p:cNvSpPr>
+          <p:nvPr>
+            <p:extLst>
+              <p:ext uri="{386F3935-93C4-4BCD-93E2-E3B085C9AB24}">
+                <p16:designElem xmlns:p16="http://schemas.microsoft.com/office/powerpoint/2015/main" val="1"/>
+              </p:ext>
+            </p:extLst>
+          </p:nvPr>
+        </p:nvSpPr>
+        <p:spPr bwMode="ltGray">
+          <a:xfrm>
+            <a:off x="336384" y="303591"/>
+            <a:ext cx="4334256" cy="5896743"/>
+          </a:xfrm>
+          <a:prstGeom prst="rect">
+            <a:avLst/>
+          </a:prstGeom>
+          <a:solidFill>
+            <a:schemeClr val="tx1">
+              <a:lumMod val="75000"/>
+              <a:lumOff val="25000"/>
+            </a:schemeClr>
+          </a:solidFill>
+          <a:ln w="127000" cap="sq" cmpd="thinThick">
+            <a:solidFill>
+              <a:schemeClr val="tx1">
+                <a:lumMod val="75000"/>
+                <a:lumOff val="25000"/>
+              </a:schemeClr>
+            </a:solidFill>
+          </a:ln>
+        </p:spPr>
+        <p:style>
+          <a:lnRef idx="2">
+            <a:schemeClr val="accent1">
+              <a:shade val="50000"/>
+            </a:schemeClr>
+          </a:lnRef>
+          <a:fillRef idx="1">
+            <a:schemeClr val="accent1"/>
+          </a:fillRef>
+          <a:effectRef idx="0">
+            <a:schemeClr val="accent1"/>
+          </a:effectRef>
+          <a:fontRef idx="minor">
+            <a:schemeClr val="lt1"/>
+          </a:fontRef>
+        </p:style>
+        <p:txBody>
+          <a:bodyPr rtlCol="0" anchor="ctr"/>
+          <a:lstStyle/>
+          <a:p>
+            <a:pPr algn="ctr"/>
+            <a:endParaRPr lang="en-US"/>
+          </a:p>
+        </p:txBody>
+      </p:sp>
+      <p:sp>
+        <p:nvSpPr>
+          <p:cNvPr id="2" name="Title 1">
+            <a:extLst>
+              <a:ext uri="{FF2B5EF4-FFF2-40B4-BE49-F238E27FC236}">
+                <a16:creationId xmlns:a16="http://schemas.microsoft.com/office/drawing/2014/main" id="{A2368B47-03CA-1542-9E69-B61FEEB28C07}"/>
+              </a:ext>
+            </a:extLst>
+          </p:cNvPr>
+          <p:cNvSpPr>
+            <a:spLocks noGrp="1"/>
+          </p:cNvSpPr>
+          <p:nvPr>
+            <p:ph type="title"/>
+          </p:nvPr>
+        </p:nvSpPr>
+        <p:spPr>
+          <a:xfrm>
+            <a:off x="594360" y="640263"/>
+            <a:ext cx="3822192" cy="1344975"/>
+          </a:xfrm>
+        </p:spPr>
+        <p:txBody>
+          <a:bodyPr>
+            <a:normAutofit/>
+          </a:bodyPr>
+          <a:lstStyle/>
+          <a:p>
+            <a:r>
+              <a:rPr lang="en-CA" sz="3600">
+                <a:solidFill>
+                  <a:schemeClr val="bg1"/>
+                </a:solidFill>
+              </a:rPr>
+              <a:t>Average Profit by Year</a:t>
+            </a:r>
+          </a:p>
+        </p:txBody>
+      </p:sp>
+      <p:cxnSp>
+        <p:nvCxnSpPr>
+          <p:cNvPr id="14" name="Straight Connector 13">
+            <a:extLst>
+              <a:ext uri="{FF2B5EF4-FFF2-40B4-BE49-F238E27FC236}">
+                <a16:creationId xmlns:a16="http://schemas.microsoft.com/office/drawing/2014/main" id="{57E1E5E6-F385-4E9C-B201-BA5BDE5CAD52}"/>
+              </a:ext>
+              <a:ext uri="{C183D7F6-B498-43B3-948B-1728B52AA6E4}">
+                <adec:decorative xmlns:adec="http://schemas.microsoft.com/office/drawing/2017/decorative" val="1"/>
+              </a:ext>
+            </a:extLst>
+          </p:cNvPr>
+          <p:cNvCxnSpPr>
+            <a:cxnSpLocks noGrp="1" noRot="1" noChangeAspect="1" noMove="1" noResize="1" noEditPoints="1" noAdjustHandles="1" noChangeArrowheads="1" noChangeShapeType="1"/>
+          </p:cNvCxnSpPr>
+          <p:nvPr>
+            <p:extLst>
+              <p:ext uri="{386F3935-93C4-4BCD-93E2-E3B085C9AB24}">
+                <p16:designElem xmlns:p16="http://schemas.microsoft.com/office/powerpoint/2015/main" val="1"/>
+              </p:ext>
+            </p:extLst>
+          </p:nvPr>
+        </p:nvCxnSpPr>
+        <p:spPr>
+          <a:xfrm>
+            <a:off x="704088" y="2050687"/>
+            <a:ext cx="3685032" cy="0"/>
+          </a:xfrm>
+          <a:prstGeom prst="line">
+            <a:avLst/>
+          </a:prstGeom>
+          <a:ln w="22225">
+            <a:solidFill>
+              <a:srgbClr val="E7E6E6"/>
+            </a:solidFill>
+          </a:ln>
+        </p:spPr>
+        <p:style>
+          <a:lnRef idx="1">
+            <a:schemeClr val="accent1"/>
+          </a:lnRef>
+          <a:fillRef idx="0">
+            <a:schemeClr val="accent1"/>
+          </a:fillRef>
+          <a:effectRef idx="0">
+            <a:schemeClr val="accent1"/>
+          </a:effectRef>
+          <a:fontRef idx="minor">
+            <a:schemeClr val="tx1"/>
+          </a:fontRef>
+        </p:style>
+      </p:cxnSp>
+      <p:sp>
+        <p:nvSpPr>
+          <p:cNvPr id="9" name="Content Placeholder 8">
+            <a:extLst>
+              <a:ext uri="{FF2B5EF4-FFF2-40B4-BE49-F238E27FC236}">
+                <a16:creationId xmlns:a16="http://schemas.microsoft.com/office/drawing/2014/main" id="{D4A626E8-E248-4909-A95A-AB624C9E7707}"/>
+              </a:ext>
+            </a:extLst>
+          </p:cNvPr>
+          <p:cNvSpPr>
+            <a:spLocks noGrp="1"/>
+          </p:cNvSpPr>
+          <p:nvPr>
+            <p:ph idx="1"/>
+          </p:nvPr>
+        </p:nvSpPr>
+        <p:spPr>
+          <a:xfrm>
+            <a:off x="593610" y="2121763"/>
+            <a:ext cx="3822192" cy="3773010"/>
+          </a:xfrm>
+        </p:spPr>
+        <p:txBody>
+          <a:bodyPr>
+            <a:normAutofit/>
+          </a:bodyPr>
+          <a:lstStyle/>
+          <a:p>
+            <a:r>
+              <a:rPr lang="en-US" sz="2000" dirty="0">
+                <a:solidFill>
+                  <a:schemeClr val="bg1"/>
+                </a:solidFill>
+              </a:rPr>
+              <a:t>Finally, we see the average profit earned by each company in each of the 3 years.</a:t>
+            </a:r>
+          </a:p>
+          <a:p>
+            <a:r>
+              <a:rPr lang="en-US" sz="2000" dirty="0">
+                <a:solidFill>
+                  <a:schemeClr val="bg1"/>
+                </a:solidFill>
+              </a:rPr>
+              <a:t>We see that the Yellow company has a very high average profit compared to the Pink company, exceeding it by almost $95/ride.</a:t>
+            </a:r>
+          </a:p>
+          <a:p>
+            <a:r>
+              <a:rPr lang="en-US" sz="2000" dirty="0">
+                <a:solidFill>
+                  <a:schemeClr val="bg1"/>
+                </a:solidFill>
+              </a:rPr>
+              <a:t>This is quite strange and surprising, since their average cost was much higher than that of the Pink company.</a:t>
+            </a:r>
+          </a:p>
+        </p:txBody>
+      </p:sp>
+      <p:pic>
+        <p:nvPicPr>
+          <p:cNvPr id="5" name="Content Placeholder 4" descr="Chart, bar chart&#10;&#10;Description automatically generated">
+            <a:extLst>
+              <a:ext uri="{FF2B5EF4-FFF2-40B4-BE49-F238E27FC236}">
+                <a16:creationId xmlns:a16="http://schemas.microsoft.com/office/drawing/2014/main" id="{D70C0E9C-2DCA-A649-B4F0-ED3C3301AF25}"/>
+              </a:ext>
+            </a:extLst>
+          </p:cNvPr>
+          <p:cNvPicPr>
+            <a:picLocks noChangeAspect="1"/>
+          </p:cNvPicPr>
+          <p:nvPr/>
+        </p:nvPicPr>
+        <p:blipFill>
+          <a:blip r:embed="rId2">
+            <a:extLst>
+              <a:ext uri="{28A0092B-C50C-407E-A947-70E740481C1C}">
+                <a14:useLocalDpi xmlns:a14="http://schemas.microsoft.com/office/drawing/2010/main" val="0"/>
+              </a:ext>
+            </a:extLst>
+          </a:blip>
+          <a:stretch>
+            <a:fillRect/>
+          </a:stretch>
+        </p:blipFill>
+        <p:spPr>
+          <a:xfrm>
+            <a:off x="5110716" y="696124"/>
+            <a:ext cx="6596652" cy="5310303"/>
+          </a:xfrm>
+          <a:prstGeom prst="rect">
+            <a:avLst/>
+          </a:prstGeom>
+        </p:spPr>
+      </p:pic>
+    </p:spTree>
+    <p:extLst>
+      <p:ext uri="{BB962C8B-B14F-4D97-AF65-F5344CB8AC3E}">
+        <p14:creationId xmlns:p14="http://schemas.microsoft.com/office/powerpoint/2010/main" val="2716808953"/>
+      </p:ext>
+    </p:extLst>
+  </p:cSld>
+  <p:clrMapOvr>
+    <a:masterClrMapping/>
+  </p:clrMapOvr>
+</p:sld>
+</file>
+
+<file path=ppt/slides/slide15.xml><?xml version="1.0" encoding="utf-8"?>
+<p:sld xmlns:a="http://schemas.openxmlformats.org/drawingml/2006/main" xmlns:r="http://schemas.openxmlformats.org/officeDocument/2006/relationships" xmlns:p="http://schemas.openxmlformats.org/presentationml/2006/main">
+  <p:cSld>
+    <p:bg>
+      <p:bgPr>
+        <a:solidFill>
+          <a:schemeClr val="tx1"/>
+        </a:solidFill>
+        <a:effectLst/>
+      </p:bgPr>
+    </p:bg>
+    <p:spTree>
+      <p:nvGrpSpPr>
+        <p:cNvPr id="1" name=""/>
+        <p:cNvGrpSpPr/>
+        <p:nvPr/>
+      </p:nvGrpSpPr>
+      <p:grpSpPr>
+        <a:xfrm>
+          <a:off x="0" y="0"/>
+          <a:ext cx="0" cy="0"/>
+          <a:chOff x="0" y="0"/>
+          <a:chExt cx="0" cy="0"/>
+        </a:xfrm>
+      </p:grpSpPr>
+      <p:sp useBgFill="1">
+        <p:nvSpPr>
+          <p:cNvPr id="8" name="Rectangle 7">
+            <a:extLst>
+              <a:ext uri="{FF2B5EF4-FFF2-40B4-BE49-F238E27FC236}">
+                <a16:creationId xmlns:a16="http://schemas.microsoft.com/office/drawing/2014/main" id="{AC17DE74-01C9-4859-B65A-85CF999E8580}"/>
+              </a:ext>
+              <a:ext uri="{C183D7F6-B498-43B3-948B-1728B52AA6E4}">
+                <adec:decorative xmlns:adec="http://schemas.microsoft.com/office/drawing/2017/decorative" val="1"/>
+              </a:ext>
+            </a:extLst>
+          </p:cNvPr>
+          <p:cNvSpPr>
+            <a:spLocks noGrp="1" noRot="1" noChangeAspect="1" noMove="1" noResize="1" noEditPoints="1" noAdjustHandles="1" noChangeArrowheads="1" noChangeShapeType="1" noTextEdit="1"/>
+          </p:cNvSpPr>
+          <p:nvPr>
+            <p:extLst>
+              <p:ext uri="{386F3935-93C4-4BCD-93E2-E3B085C9AB24}">
+                <p16:designElem xmlns:p16="http://schemas.microsoft.com/office/powerpoint/2015/main" val="1"/>
+              </p:ext>
+            </p:extLst>
+          </p:nvPr>
+        </p:nvSpPr>
+        <p:spPr>
+          <a:xfrm>
+            <a:off x="0" y="0"/>
+            <a:ext cx="12188952" cy="6858000"/>
+          </a:xfrm>
+          <a:prstGeom prst="rect">
+            <a:avLst/>
+          </a:prstGeom>
+          <a:ln>
+            <a:noFill/>
+          </a:ln>
+        </p:spPr>
+        <p:style>
+          <a:lnRef idx="2">
+            <a:schemeClr val="accent1">
+              <a:shade val="50000"/>
+            </a:schemeClr>
+          </a:lnRef>
+          <a:fillRef idx="1">
+            <a:schemeClr val="accent1"/>
+          </a:fillRef>
+          <a:effectRef idx="0">
+            <a:schemeClr val="accent1"/>
+          </a:effectRef>
+          <a:fontRef idx="minor">
+            <a:schemeClr val="lt1"/>
+          </a:fontRef>
+        </p:style>
+        <p:txBody>
+          <a:bodyPr rtlCol="0" anchor="ctr"/>
+          <a:lstStyle/>
+          <a:p>
+            <a:pPr algn="ctr"/>
+            <a:endParaRPr lang="en-US"/>
+          </a:p>
+        </p:txBody>
+      </p:sp>
+      <p:sp>
+        <p:nvSpPr>
+          <p:cNvPr id="10" name="Freeform: Shape 9">
+            <a:extLst>
+              <a:ext uri="{FF2B5EF4-FFF2-40B4-BE49-F238E27FC236}">
+                <a16:creationId xmlns:a16="http://schemas.microsoft.com/office/drawing/2014/main" id="{068C0432-0E90-4CC1-8CD3-D44A90DF07EF}"/>
+              </a:ext>
+              <a:ext uri="{C183D7F6-B498-43B3-948B-1728B52AA6E4}">
+                <adec:decorative xmlns:adec="http://schemas.microsoft.com/office/drawing/2017/decorative" val="1"/>
+              </a:ext>
+            </a:extLst>
+          </p:cNvPr>
+          <p:cNvSpPr>
+            <a:spLocks noGrp="1" noRot="1" noChangeAspect="1" noMove="1" noResize="1" noEditPoints="1" noAdjustHandles="1" noChangeArrowheads="1" noChangeShapeType="1" noTextEdit="1"/>
+          </p:cNvSpPr>
+          <p:nvPr>
+            <p:extLst>
+              <p:ext uri="{386F3935-93C4-4BCD-93E2-E3B085C9AB24}">
+                <p16:designElem xmlns:p16="http://schemas.microsoft.com/office/powerpoint/2015/main" val="1"/>
+              </p:ext>
+            </p:extLst>
+          </p:nvPr>
+        </p:nvSpPr>
+        <p:spPr>
+          <a:xfrm>
+            <a:off x="0" y="0"/>
+            <a:ext cx="12192000" cy="2347414"/>
+          </a:xfrm>
+          <a:custGeom>
+            <a:avLst/>
+            <a:gdLst>
+              <a:gd name="connsiteX0" fmla="*/ 0 w 12192000"/>
+              <a:gd name="connsiteY0" fmla="*/ 0 h 2347414"/>
+              <a:gd name="connsiteX1" fmla="*/ 12192000 w 12192000"/>
+              <a:gd name="connsiteY1" fmla="*/ 0 h 2347414"/>
+              <a:gd name="connsiteX2" fmla="*/ 12192000 w 12192000"/>
+              <a:gd name="connsiteY2" fmla="*/ 1736458 h 2347414"/>
+              <a:gd name="connsiteX3" fmla="*/ 11967601 w 12192000"/>
+              <a:gd name="connsiteY3" fmla="*/ 1784034 h 2347414"/>
+              <a:gd name="connsiteX4" fmla="*/ 10829000 w 12192000"/>
+              <a:gd name="connsiteY4" fmla="*/ 1983294 h 2347414"/>
+              <a:gd name="connsiteX5" fmla="*/ 10743779 w 12192000"/>
+              <a:gd name="connsiteY5" fmla="*/ 1996027 h 2347414"/>
+              <a:gd name="connsiteX6" fmla="*/ 10829254 w 12192000"/>
+              <a:gd name="connsiteY6" fmla="*/ 1987751 h 2347414"/>
+              <a:gd name="connsiteX7" fmla="*/ 10847162 w 12192000"/>
+              <a:gd name="connsiteY7" fmla="*/ 1988388 h 2347414"/>
+              <a:gd name="connsiteX8" fmla="*/ 11575155 w 12192000"/>
+              <a:gd name="connsiteY8" fmla="*/ 1921415 h 2347414"/>
+              <a:gd name="connsiteX9" fmla="*/ 12192000 w 12192000"/>
+              <a:gd name="connsiteY9" fmla="*/ 1851213 h 2347414"/>
+              <a:gd name="connsiteX10" fmla="*/ 12192000 w 12192000"/>
+              <a:gd name="connsiteY10" fmla="*/ 1907356 h 2347414"/>
+              <a:gd name="connsiteX11" fmla="*/ 12035532 w 12192000"/>
+              <a:gd name="connsiteY11" fmla="*/ 1927033 h 2347414"/>
+              <a:gd name="connsiteX12" fmla="*/ 11576932 w 12192000"/>
+              <a:gd name="connsiteY12" fmla="*/ 1976291 h 2347414"/>
+              <a:gd name="connsiteX13" fmla="*/ 10627316 w 12192000"/>
+              <a:gd name="connsiteY13" fmla="*/ 2061470 h 2347414"/>
+              <a:gd name="connsiteX14" fmla="*/ 9804196 w 12192000"/>
+              <a:gd name="connsiteY14" fmla="*/ 2123478 h 2347414"/>
+              <a:gd name="connsiteX15" fmla="*/ 9243851 w 12192000"/>
+              <a:gd name="connsiteY15" fmla="*/ 2180008 h 2347414"/>
+              <a:gd name="connsiteX16" fmla="*/ 8731259 w 12192000"/>
+              <a:gd name="connsiteY16" fmla="*/ 2225081 h 2347414"/>
+              <a:gd name="connsiteX17" fmla="*/ 8065752 w 12192000"/>
+              <a:gd name="connsiteY17" fmla="*/ 2271681 h 2347414"/>
+              <a:gd name="connsiteX18" fmla="*/ 7658065 w 12192000"/>
+              <a:gd name="connsiteY18" fmla="*/ 2292562 h 2347414"/>
+              <a:gd name="connsiteX19" fmla="*/ 6531024 w 12192000"/>
+              <a:gd name="connsiteY19" fmla="*/ 2324138 h 2347414"/>
+              <a:gd name="connsiteX20" fmla="*/ 6178331 w 12192000"/>
+              <a:gd name="connsiteY20" fmla="*/ 2345655 h 2347414"/>
+              <a:gd name="connsiteX21" fmla="*/ 5977282 w 12192000"/>
+              <a:gd name="connsiteY21" fmla="*/ 2344127 h 2347414"/>
+              <a:gd name="connsiteX22" fmla="*/ 5367658 w 12192000"/>
+              <a:gd name="connsiteY22" fmla="*/ 2329230 h 2347414"/>
+              <a:gd name="connsiteX23" fmla="*/ 4387306 w 12192000"/>
+              <a:gd name="connsiteY23" fmla="*/ 2288614 h 2347414"/>
+              <a:gd name="connsiteX24" fmla="*/ 4180287 w 12192000"/>
+              <a:gd name="connsiteY24" fmla="*/ 2280211 h 2347414"/>
+              <a:gd name="connsiteX25" fmla="*/ 3842199 w 12192000"/>
+              <a:gd name="connsiteY25" fmla="*/ 2257039 h 2347414"/>
+              <a:gd name="connsiteX26" fmla="*/ 3730309 w 12192000"/>
+              <a:gd name="connsiteY26" fmla="*/ 2251182 h 2347414"/>
+              <a:gd name="connsiteX27" fmla="*/ 3425496 w 12192000"/>
+              <a:gd name="connsiteY27" fmla="*/ 2231320 h 2347414"/>
+              <a:gd name="connsiteX28" fmla="*/ 3076106 w 12192000"/>
+              <a:gd name="connsiteY28" fmla="*/ 2201781 h 2347414"/>
+              <a:gd name="connsiteX29" fmla="*/ 2819682 w 12192000"/>
+              <a:gd name="connsiteY29" fmla="*/ 2182427 h 2347414"/>
+              <a:gd name="connsiteX30" fmla="*/ 2525539 w 12192000"/>
+              <a:gd name="connsiteY30" fmla="*/ 2152888 h 2347414"/>
+              <a:gd name="connsiteX31" fmla="*/ 2311915 w 12192000"/>
+              <a:gd name="connsiteY31" fmla="*/ 2133536 h 2347414"/>
+              <a:gd name="connsiteX32" fmla="*/ 2054223 w 12192000"/>
+              <a:gd name="connsiteY32" fmla="*/ 2104760 h 2347414"/>
+              <a:gd name="connsiteX33" fmla="*/ 1865367 w 12192000"/>
+              <a:gd name="connsiteY33" fmla="*/ 2084770 h 2347414"/>
+              <a:gd name="connsiteX34" fmla="*/ 1629263 w 12192000"/>
+              <a:gd name="connsiteY34" fmla="*/ 2055996 h 2347414"/>
+              <a:gd name="connsiteX35" fmla="*/ 1458823 w 12192000"/>
+              <a:gd name="connsiteY35" fmla="*/ 2035751 h 2347414"/>
+              <a:gd name="connsiteX36" fmla="*/ 1241390 w 12192000"/>
+              <a:gd name="connsiteY36" fmla="*/ 2007103 h 2347414"/>
+              <a:gd name="connsiteX37" fmla="*/ 1047453 w 12192000"/>
+              <a:gd name="connsiteY37" fmla="*/ 1980748 h 2347414"/>
+              <a:gd name="connsiteX38" fmla="*/ 814907 w 12192000"/>
+              <a:gd name="connsiteY38" fmla="*/ 1949045 h 2347414"/>
+              <a:gd name="connsiteX39" fmla="*/ 592649 w 12192000"/>
+              <a:gd name="connsiteY39" fmla="*/ 1913776 h 2347414"/>
+              <a:gd name="connsiteX40" fmla="*/ 343591 w 12192000"/>
+              <a:gd name="connsiteY40" fmla="*/ 1872650 h 2347414"/>
+              <a:gd name="connsiteX41" fmla="*/ 35731 w 12192000"/>
+              <a:gd name="connsiteY41" fmla="*/ 1821722 h 2347414"/>
+              <a:gd name="connsiteX42" fmla="*/ 0 w 12192000"/>
+              <a:gd name="connsiteY42" fmla="*/ 1814848 h 2347414"/>
+              <a:gd name="connsiteX43" fmla="*/ 0 w 12192000"/>
+              <a:gd name="connsiteY43" fmla="*/ 1758489 h 2347414"/>
+              <a:gd name="connsiteX44" fmla="*/ 274248 w 12192000"/>
+              <a:gd name="connsiteY44" fmla="*/ 1808735 h 2347414"/>
+              <a:gd name="connsiteX45" fmla="*/ 498157 w 12192000"/>
+              <a:gd name="connsiteY45" fmla="*/ 1846167 h 2347414"/>
+              <a:gd name="connsiteX46" fmla="*/ 722828 w 12192000"/>
+              <a:gd name="connsiteY46" fmla="*/ 1878635 h 2347414"/>
+              <a:gd name="connsiteX47" fmla="*/ 949913 w 12192000"/>
+              <a:gd name="connsiteY47" fmla="*/ 1912375 h 2347414"/>
+              <a:gd name="connsiteX48" fmla="*/ 1195414 w 12192000"/>
+              <a:gd name="connsiteY48" fmla="*/ 1947516 h 2347414"/>
+              <a:gd name="connsiteX49" fmla="*/ 1342867 w 12192000"/>
+              <a:gd name="connsiteY49" fmla="*/ 1968397 h 2347414"/>
+              <a:gd name="connsiteX50" fmla="*/ 1518007 w 12192000"/>
+              <a:gd name="connsiteY50" fmla="*/ 1988006 h 2347414"/>
+              <a:gd name="connsiteX51" fmla="*/ 1701403 w 12192000"/>
+              <a:gd name="connsiteY51" fmla="*/ 2010669 h 2347414"/>
+              <a:gd name="connsiteX52" fmla="*/ 1879210 w 12192000"/>
+              <a:gd name="connsiteY52" fmla="*/ 2031167 h 2347414"/>
+              <a:gd name="connsiteX53" fmla="*/ 2068702 w 12192000"/>
+              <a:gd name="connsiteY53" fmla="*/ 2052940 h 2347414"/>
+              <a:gd name="connsiteX54" fmla="*/ 2212090 w 12192000"/>
+              <a:gd name="connsiteY54" fmla="*/ 2067583 h 2347414"/>
+              <a:gd name="connsiteX55" fmla="*/ 2416949 w 12192000"/>
+              <a:gd name="connsiteY55" fmla="*/ 2089609 h 2347414"/>
+              <a:gd name="connsiteX56" fmla="*/ 2582055 w 12192000"/>
+              <a:gd name="connsiteY56" fmla="*/ 2105397 h 2347414"/>
+              <a:gd name="connsiteX57" fmla="*/ 2802282 w 12192000"/>
+              <a:gd name="connsiteY57" fmla="*/ 2126405 h 2347414"/>
+              <a:gd name="connsiteX58" fmla="*/ 2984916 w 12192000"/>
+              <a:gd name="connsiteY58" fmla="*/ 2141684 h 2347414"/>
+              <a:gd name="connsiteX59" fmla="*/ 3241847 w 12192000"/>
+              <a:gd name="connsiteY59" fmla="*/ 2164094 h 2347414"/>
+              <a:gd name="connsiteX60" fmla="*/ 3439848 w 12192000"/>
+              <a:gd name="connsiteY60" fmla="*/ 2176826 h 2347414"/>
+              <a:gd name="connsiteX61" fmla="*/ 3658678 w 12192000"/>
+              <a:gd name="connsiteY61" fmla="*/ 2194523 h 2347414"/>
+              <a:gd name="connsiteX62" fmla="*/ 3881317 w 12192000"/>
+              <a:gd name="connsiteY62" fmla="*/ 2206491 h 2347414"/>
+              <a:gd name="connsiteX63" fmla="*/ 4148916 w 12192000"/>
+              <a:gd name="connsiteY63" fmla="*/ 2225081 h 2347414"/>
+              <a:gd name="connsiteX64" fmla="*/ 4468337 w 12192000"/>
+              <a:gd name="connsiteY64" fmla="*/ 2237813 h 2347414"/>
+              <a:gd name="connsiteX65" fmla="*/ 4605375 w 12192000"/>
+              <a:gd name="connsiteY65" fmla="*/ 2240232 h 2347414"/>
+              <a:gd name="connsiteX66" fmla="*/ 4527647 w 12192000"/>
+              <a:gd name="connsiteY66" fmla="*/ 2236412 h 2347414"/>
+              <a:gd name="connsiteX67" fmla="*/ 4175589 w 12192000"/>
+              <a:gd name="connsiteY67" fmla="*/ 2212985 h 2347414"/>
+              <a:gd name="connsiteX68" fmla="*/ 3988255 w 12192000"/>
+              <a:gd name="connsiteY68" fmla="*/ 2200253 h 2347414"/>
+              <a:gd name="connsiteX69" fmla="*/ 3686492 w 12192000"/>
+              <a:gd name="connsiteY69" fmla="*/ 2176062 h 2347414"/>
+              <a:gd name="connsiteX70" fmla="*/ 3517320 w 12192000"/>
+              <a:gd name="connsiteY70" fmla="*/ 2163330 h 2347414"/>
+              <a:gd name="connsiteX71" fmla="*/ 3258357 w 12192000"/>
+              <a:gd name="connsiteY71" fmla="*/ 2139519 h 2347414"/>
+              <a:gd name="connsiteX72" fmla="*/ 3101506 w 12192000"/>
+              <a:gd name="connsiteY72" fmla="*/ 2126787 h 2347414"/>
+              <a:gd name="connsiteX73" fmla="*/ 2809395 w 12192000"/>
+              <a:gd name="connsiteY73" fmla="*/ 2097502 h 2347414"/>
+              <a:gd name="connsiteX74" fmla="*/ 2598566 w 12192000"/>
+              <a:gd name="connsiteY74" fmla="*/ 2078532 h 2347414"/>
+              <a:gd name="connsiteX75" fmla="*/ 2337444 w 12192000"/>
+              <a:gd name="connsiteY75" fmla="*/ 2048611 h 2347414"/>
+              <a:gd name="connsiteX76" fmla="*/ 2091054 w 12192000"/>
+              <a:gd name="connsiteY76" fmla="*/ 2023146 h 2347414"/>
+              <a:gd name="connsiteX77" fmla="*/ 1755761 w 12192000"/>
+              <a:gd name="connsiteY77" fmla="*/ 1981384 h 2347414"/>
+              <a:gd name="connsiteX78" fmla="*/ 1441169 w 12192000"/>
+              <a:gd name="connsiteY78" fmla="*/ 1943824 h 2347414"/>
+              <a:gd name="connsiteX79" fmla="*/ 1017607 w 12192000"/>
+              <a:gd name="connsiteY79" fmla="*/ 1883345 h 2347414"/>
+              <a:gd name="connsiteX80" fmla="*/ 594427 w 12192000"/>
+              <a:gd name="connsiteY80" fmla="*/ 1821849 h 2347414"/>
+              <a:gd name="connsiteX81" fmla="*/ 200711 w 12192000"/>
+              <a:gd name="connsiteY81" fmla="*/ 1755132 h 2347414"/>
+              <a:gd name="connsiteX82" fmla="*/ 0 w 12192000"/>
+              <a:gd name="connsiteY82" fmla="*/ 1718743 h 2347414"/>
+            </a:gdLst>
+            <a:ahLst/>
+            <a:cxnLst>
+              <a:cxn ang="0">
+                <a:pos x="connsiteX0" y="connsiteY0"/>
+              </a:cxn>
+              <a:cxn ang="0">
+                <a:pos x="connsiteX1" y="connsiteY1"/>
+              </a:cxn>
+              <a:cxn ang="0">
+                <a:pos x="connsiteX2" y="connsiteY2"/>
+              </a:cxn>
+              <a:cxn ang="0">
+                <a:pos x="connsiteX3" y="connsiteY3"/>
+              </a:cxn>
+              <a:cxn ang="0">
+                <a:pos x="connsiteX4" y="connsiteY4"/>
+              </a:cxn>
+              <a:cxn ang="0">
+                <a:pos x="connsiteX5" y="connsiteY5"/>
+              </a:cxn>
+              <a:cxn ang="0">
+                <a:pos x="connsiteX6" y="connsiteY6"/>
+              </a:cxn>
+              <a:cxn ang="0">
+                <a:pos x="connsiteX7" y="connsiteY7"/>
+              </a:cxn>
+              <a:cxn ang="0">
+                <a:pos x="connsiteX8" y="connsiteY8"/>
+              </a:cxn>
+              <a:cxn ang="0">
+                <a:pos x="connsiteX9" y="connsiteY9"/>
+              </a:cxn>
+              <a:cxn ang="0">
+                <a:pos x="connsiteX10" y="connsiteY10"/>
+              </a:cxn>
+              <a:cxn ang="0">
+                <a:pos x="connsiteX11" y="connsiteY11"/>
+              </a:cxn>
+              <a:cxn ang="0">
+                <a:pos x="connsiteX12" y="connsiteY12"/>
+              </a:cxn>
+              <a:cxn ang="0">
+                <a:pos x="connsiteX13" y="connsiteY13"/>
+              </a:cxn>
+              <a:cxn ang="0">
+                <a:pos x="connsiteX14" y="connsiteY14"/>
+              </a:cxn>
+              <a:cxn ang="0">
+                <a:pos x="connsiteX15" y="connsiteY15"/>
+              </a:cxn>
+              <a:cxn ang="0">
+                <a:pos x="connsiteX16" y="connsiteY16"/>
+              </a:cxn>
+              <a:cxn ang="0">
+                <a:pos x="connsiteX17" y="connsiteY17"/>
+              </a:cxn>
+              <a:cxn ang="0">
+                <a:pos x="connsiteX18" y="connsiteY18"/>
+              </a:cxn>
+              <a:cxn ang="0">
+                <a:pos x="connsiteX19" y="connsiteY19"/>
+              </a:cxn>
+              <a:cxn ang="0">
+                <a:pos x="connsiteX20" y="connsiteY20"/>
+              </a:cxn>
+              <a:cxn ang="0">
+                <a:pos x="connsiteX21" y="connsiteY21"/>
+              </a:cxn>
+              <a:cxn ang="0">
+                <a:pos x="connsiteX22" y="connsiteY22"/>
+              </a:cxn>
+              <a:cxn ang="0">
+                <a:pos x="connsiteX23" y="connsiteY23"/>
+              </a:cxn>
+              <a:cxn ang="0">
+                <a:pos x="connsiteX24" y="connsiteY24"/>
+              </a:cxn>
+              <a:cxn ang="0">
+                <a:pos x="connsiteX25" y="connsiteY25"/>
+              </a:cxn>
+              <a:cxn ang="0">
+                <a:pos x="connsiteX26" y="connsiteY26"/>
+              </a:cxn>
+              <a:cxn ang="0">
+                <a:pos x="connsiteX27" y="connsiteY27"/>
+              </a:cxn>
+              <a:cxn ang="0">
+                <a:pos x="connsiteX28" y="connsiteY28"/>
+              </a:cxn>
+              <a:cxn ang="0">
+                <a:pos x="connsiteX29" y="connsiteY29"/>
+              </a:cxn>
+              <a:cxn ang="0">
+                <a:pos x="connsiteX30" y="connsiteY30"/>
+              </a:cxn>
+              <a:cxn ang="0">
+                <a:pos x="connsiteX31" y="connsiteY31"/>
+              </a:cxn>
+              <a:cxn ang="0">
+                <a:pos x="connsiteX32" y="connsiteY32"/>
+              </a:cxn>
+              <a:cxn ang="0">
+                <a:pos x="connsiteX33" y="connsiteY33"/>
+              </a:cxn>
+              <a:cxn ang="0">
+                <a:pos x="connsiteX34" y="connsiteY34"/>
+              </a:cxn>
+              <a:cxn ang="0">
+                <a:pos x="connsiteX35" y="connsiteY35"/>
+              </a:cxn>
+              <a:cxn ang="0">
+                <a:pos x="connsiteX36" y="connsiteY36"/>
+              </a:cxn>
+              <a:cxn ang="0">
+                <a:pos x="connsiteX37" y="connsiteY37"/>
+              </a:cxn>
+              <a:cxn ang="0">
+                <a:pos x="connsiteX38" y="connsiteY38"/>
+              </a:cxn>
+              <a:cxn ang="0">
+                <a:pos x="connsiteX39" y="connsiteY39"/>
+              </a:cxn>
+              <a:cxn ang="0">
+                <a:pos x="connsiteX40" y="connsiteY40"/>
+              </a:cxn>
+              <a:cxn ang="0">
+                <a:pos x="connsiteX41" y="connsiteY41"/>
+              </a:cxn>
+              <a:cxn ang="0">
+                <a:pos x="connsiteX42" y="connsiteY42"/>
+              </a:cxn>
+              <a:cxn ang="0">
+                <a:pos x="connsiteX43" y="connsiteY43"/>
+              </a:cxn>
+              <a:cxn ang="0">
+                <a:pos x="connsiteX44" y="connsiteY44"/>
+              </a:cxn>
+              <a:cxn ang="0">
+                <a:pos x="connsiteX45" y="connsiteY45"/>
+              </a:cxn>
+              <a:cxn ang="0">
+                <a:pos x="connsiteX46" y="connsiteY46"/>
+              </a:cxn>
+              <a:cxn ang="0">
+                <a:pos x="connsiteX47" y="connsiteY47"/>
+              </a:cxn>
+              <a:cxn ang="0">
+                <a:pos x="connsiteX48" y="connsiteY48"/>
+              </a:cxn>
+              <a:cxn ang="0">
+                <a:pos x="connsiteX49" y="connsiteY49"/>
+              </a:cxn>
+              <a:cxn ang="0">
+                <a:pos x="connsiteX50" y="connsiteY50"/>
+              </a:cxn>
+              <a:cxn ang="0">
+                <a:pos x="connsiteX51" y="connsiteY51"/>
+              </a:cxn>
+              <a:cxn ang="0">
+                <a:pos x="connsiteX52" y="connsiteY52"/>
+              </a:cxn>
+              <a:cxn ang="0">
+                <a:pos x="connsiteX53" y="connsiteY53"/>
+              </a:cxn>
+              <a:cxn ang="0">
+                <a:pos x="connsiteX54" y="connsiteY54"/>
+              </a:cxn>
+              <a:cxn ang="0">
+                <a:pos x="connsiteX55" y="connsiteY55"/>
+              </a:cxn>
+              <a:cxn ang="0">
+                <a:pos x="connsiteX56" y="connsiteY56"/>
+              </a:cxn>
+              <a:cxn ang="0">
+                <a:pos x="connsiteX57" y="connsiteY57"/>
+              </a:cxn>
+              <a:cxn ang="0">
+                <a:pos x="connsiteX58" y="connsiteY58"/>
+              </a:cxn>
+              <a:cxn ang="0">
+                <a:pos x="connsiteX59" y="connsiteY59"/>
+              </a:cxn>
+              <a:cxn ang="0">
+                <a:pos x="connsiteX60" y="connsiteY60"/>
+              </a:cxn>
+              <a:cxn ang="0">
+                <a:pos x="connsiteX61" y="connsiteY61"/>
+              </a:cxn>
+              <a:cxn ang="0">
+                <a:pos x="connsiteX62" y="connsiteY62"/>
+              </a:cxn>
+              <a:cxn ang="0">
+                <a:pos x="connsiteX63" y="connsiteY63"/>
+              </a:cxn>
+              <a:cxn ang="0">
+                <a:pos x="connsiteX64" y="connsiteY64"/>
+              </a:cxn>
+              <a:cxn ang="0">
+                <a:pos x="connsiteX65" y="connsiteY65"/>
+              </a:cxn>
+              <a:cxn ang="0">
+                <a:pos x="connsiteX66" y="connsiteY66"/>
+              </a:cxn>
+              <a:cxn ang="0">
+                <a:pos x="connsiteX67" y="connsiteY67"/>
+              </a:cxn>
+              <a:cxn ang="0">
+                <a:pos x="connsiteX68" y="connsiteY68"/>
+              </a:cxn>
+              <a:cxn ang="0">
+                <a:pos x="connsiteX69" y="connsiteY69"/>
+              </a:cxn>
+              <a:cxn ang="0">
+                <a:pos x="connsiteX70" y="connsiteY70"/>
+              </a:cxn>
+              <a:cxn ang="0">
+                <a:pos x="connsiteX71" y="connsiteY71"/>
+              </a:cxn>
+              <a:cxn ang="0">
+                <a:pos x="connsiteX72" y="connsiteY72"/>
+              </a:cxn>
+              <a:cxn ang="0">
+                <a:pos x="connsiteX73" y="connsiteY73"/>
+              </a:cxn>
+              <a:cxn ang="0">
+                <a:pos x="connsiteX74" y="connsiteY74"/>
+              </a:cxn>
+              <a:cxn ang="0">
+                <a:pos x="connsiteX75" y="connsiteY75"/>
+              </a:cxn>
+              <a:cxn ang="0">
+                <a:pos x="connsiteX76" y="connsiteY76"/>
+              </a:cxn>
+              <a:cxn ang="0">
+                <a:pos x="connsiteX77" y="connsiteY77"/>
+              </a:cxn>
+              <a:cxn ang="0">
+                <a:pos x="connsiteX78" y="connsiteY78"/>
+              </a:cxn>
+              <a:cxn ang="0">
+                <a:pos x="connsiteX79" y="connsiteY79"/>
+              </a:cxn>
+              <a:cxn ang="0">
+                <a:pos x="connsiteX80" y="connsiteY80"/>
+              </a:cxn>
+              <a:cxn ang="0">
+                <a:pos x="connsiteX81" y="connsiteY81"/>
+              </a:cxn>
+              <a:cxn ang="0">
+                <a:pos x="connsiteX82" y="connsiteY82"/>
+              </a:cxn>
+            </a:cxnLst>
+            <a:rect l="l" t="t" r="r" b="b"/>
+            <a:pathLst>
+              <a:path w="12192000" h="2347414">
+                <a:moveTo>
+                  <a:pt x="0" y="0"/>
+                </a:moveTo>
+                <a:lnTo>
+                  <a:pt x="12192000" y="0"/>
+                </a:lnTo>
+                <a:lnTo>
+                  <a:pt x="12192000" y="1736458"/>
+                </a:lnTo>
+                <a:lnTo>
+                  <a:pt x="11967601" y="1784034"/>
+                </a:lnTo>
+                <a:cubicBezTo>
+                  <a:pt x="11589888" y="1859409"/>
+                  <a:pt x="11209762" y="1923961"/>
+                  <a:pt x="10829000" y="1983294"/>
+                </a:cubicBezTo>
+                <a:lnTo>
+                  <a:pt x="10743779" y="1996027"/>
+                </a:lnTo>
+                <a:cubicBezTo>
+                  <a:pt x="10772495" y="1996778"/>
+                  <a:pt x="10801211" y="1993989"/>
+                  <a:pt x="10829254" y="1987751"/>
+                </a:cubicBezTo>
+                <a:cubicBezTo>
+                  <a:pt x="10835198" y="1988337"/>
+                  <a:pt x="10841180" y="1988553"/>
+                  <a:pt x="10847162" y="1988388"/>
+                </a:cubicBezTo>
+                <a:cubicBezTo>
+                  <a:pt x="11090123" y="1968907"/>
+                  <a:pt x="11332703" y="1945734"/>
+                  <a:pt x="11575155" y="1921415"/>
+                </a:cubicBezTo>
+                <a:lnTo>
+                  <a:pt x="12192000" y="1851213"/>
+                </a:lnTo>
+                <a:lnTo>
+                  <a:pt x="12192000" y="1907356"/>
+                </a:lnTo>
+                <a:lnTo>
+                  <a:pt x="12035532" y="1927033"/>
+                </a:lnTo>
+                <a:cubicBezTo>
+                  <a:pt x="11882793" y="1944747"/>
+                  <a:pt x="11729910" y="1961077"/>
+                  <a:pt x="11576932" y="1976291"/>
+                </a:cubicBezTo>
+                <a:cubicBezTo>
+                  <a:pt x="11260690" y="2008122"/>
+                  <a:pt x="10944193" y="2037279"/>
+                  <a:pt x="10627316" y="2061470"/>
+                </a:cubicBezTo>
+                <a:cubicBezTo>
+                  <a:pt x="10352985" y="2082351"/>
+                  <a:pt x="10078401" y="2100431"/>
+                  <a:pt x="9804196" y="2123478"/>
+                </a:cubicBezTo>
+                <a:cubicBezTo>
+                  <a:pt x="9617118" y="2139137"/>
+                  <a:pt x="9430675" y="2161674"/>
+                  <a:pt x="9243851" y="2180008"/>
+                </a:cubicBezTo>
+                <a:cubicBezTo>
+                  <a:pt x="9073157" y="2196433"/>
+                  <a:pt x="8902207" y="2211966"/>
+                  <a:pt x="8731259" y="2225081"/>
+                </a:cubicBezTo>
+                <a:cubicBezTo>
+                  <a:pt x="8509507" y="2242054"/>
+                  <a:pt x="8287667" y="2257586"/>
+                  <a:pt x="8065752" y="2271681"/>
+                </a:cubicBezTo>
+                <a:cubicBezTo>
+                  <a:pt x="7929984" y="2280466"/>
+                  <a:pt x="7793961" y="2285814"/>
+                  <a:pt x="7658065" y="2292562"/>
+                </a:cubicBezTo>
+                <a:cubicBezTo>
+                  <a:pt x="7282640" y="2311661"/>
+                  <a:pt x="6906704" y="2314208"/>
+                  <a:pt x="6531024" y="2324138"/>
+                </a:cubicBezTo>
+                <a:cubicBezTo>
+                  <a:pt x="6413417" y="2327322"/>
+                  <a:pt x="6295937" y="2338399"/>
+                  <a:pt x="6178331" y="2345655"/>
+                </a:cubicBezTo>
+                <a:cubicBezTo>
+                  <a:pt x="6111271" y="2349730"/>
+                  <a:pt x="6044342" y="2345655"/>
+                  <a:pt x="5977282" y="2344127"/>
+                </a:cubicBezTo>
+                <a:cubicBezTo>
+                  <a:pt x="5774073" y="2338908"/>
+                  <a:pt x="5570866" y="2334960"/>
+                  <a:pt x="5367658" y="2329230"/>
+                </a:cubicBezTo>
+                <a:cubicBezTo>
+                  <a:pt x="5040746" y="2319809"/>
+                  <a:pt x="4713963" y="2306274"/>
+                  <a:pt x="4387306" y="2288614"/>
+                </a:cubicBezTo>
+                <a:cubicBezTo>
+                  <a:pt x="4318342" y="2284796"/>
+                  <a:pt x="4249253" y="2284286"/>
+                  <a:pt x="4180287" y="2280211"/>
+                </a:cubicBezTo>
+                <a:cubicBezTo>
+                  <a:pt x="4067634" y="2273463"/>
+                  <a:pt x="3954980" y="2265060"/>
+                  <a:pt x="3842199" y="2257039"/>
+                </a:cubicBezTo>
+                <a:cubicBezTo>
+                  <a:pt x="3804988" y="2254492"/>
+                  <a:pt x="3767648" y="2254620"/>
+                  <a:pt x="3730309" y="2251182"/>
+                </a:cubicBezTo>
+                <a:cubicBezTo>
+                  <a:pt x="3628704" y="2242142"/>
+                  <a:pt x="3527101" y="2238449"/>
+                  <a:pt x="3425496" y="2231320"/>
+                </a:cubicBezTo>
+                <a:cubicBezTo>
+                  <a:pt x="3308906" y="2222534"/>
+                  <a:pt x="3192569" y="2211330"/>
+                  <a:pt x="3076106" y="2201781"/>
+                </a:cubicBezTo>
+                <a:cubicBezTo>
+                  <a:pt x="2990757" y="2194905"/>
+                  <a:pt x="2905157" y="2190067"/>
+                  <a:pt x="2819682" y="2182427"/>
+                </a:cubicBezTo>
+                <a:cubicBezTo>
+                  <a:pt x="2721507" y="2173515"/>
+                  <a:pt x="2623586" y="2162311"/>
+                  <a:pt x="2525539" y="2152888"/>
+                </a:cubicBezTo>
+                <a:cubicBezTo>
+                  <a:pt x="2454289" y="2145886"/>
+                  <a:pt x="2383038" y="2140920"/>
+                  <a:pt x="2311915" y="2133536"/>
+                </a:cubicBezTo>
+                <a:cubicBezTo>
+                  <a:pt x="2225933" y="2124749"/>
+                  <a:pt x="2140204" y="2114182"/>
+                  <a:pt x="2054223" y="2104760"/>
+                </a:cubicBezTo>
+                <a:cubicBezTo>
+                  <a:pt x="1990719" y="2097758"/>
+                  <a:pt x="1928233" y="2092028"/>
+                  <a:pt x="1865367" y="2084770"/>
+                </a:cubicBezTo>
+                <a:cubicBezTo>
+                  <a:pt x="1786622" y="2075603"/>
+                  <a:pt x="1708006" y="2065545"/>
+                  <a:pt x="1629263" y="2055996"/>
+                </a:cubicBezTo>
+                <a:cubicBezTo>
+                  <a:pt x="1572492" y="2049120"/>
+                  <a:pt x="1515595" y="2043264"/>
+                  <a:pt x="1458823" y="2035751"/>
+                </a:cubicBezTo>
+                <a:cubicBezTo>
+                  <a:pt x="1386303" y="2026585"/>
+                  <a:pt x="1313784" y="2016780"/>
+                  <a:pt x="1241390" y="2007103"/>
+                </a:cubicBezTo>
+                <a:lnTo>
+                  <a:pt x="1047453" y="1980748"/>
+                </a:lnTo>
+                <a:cubicBezTo>
+                  <a:pt x="969980" y="1970180"/>
+                  <a:pt x="892254" y="1960377"/>
+                  <a:pt x="814907" y="1949045"/>
+                </a:cubicBezTo>
+                <a:cubicBezTo>
+                  <a:pt x="740609" y="1938094"/>
+                  <a:pt x="666692" y="1925744"/>
+                  <a:pt x="592649" y="1913776"/>
+                </a:cubicBezTo>
+                <a:cubicBezTo>
+                  <a:pt x="509587" y="1900280"/>
+                  <a:pt x="426653" y="1886274"/>
+                  <a:pt x="343591" y="1872650"/>
+                </a:cubicBezTo>
+                <a:cubicBezTo>
+                  <a:pt x="240972" y="1855716"/>
+                  <a:pt x="138225" y="1839673"/>
+                  <a:pt x="35731" y="1821722"/>
+                </a:cubicBezTo>
+                <a:lnTo>
+                  <a:pt x="0" y="1814848"/>
+                </a:lnTo>
+                <a:lnTo>
+                  <a:pt x="0" y="1758489"/>
+                </a:lnTo>
+                <a:lnTo>
+                  <a:pt x="274248" y="1808735"/>
+                </a:lnTo>
+                <a:cubicBezTo>
+                  <a:pt x="348926" y="1821467"/>
+                  <a:pt x="423604" y="1832798"/>
+                  <a:pt x="498157" y="1846167"/>
+                </a:cubicBezTo>
+                <a:cubicBezTo>
+                  <a:pt x="572708" y="1859536"/>
+                  <a:pt x="647896" y="1867813"/>
+                  <a:pt x="722828" y="1878635"/>
+                </a:cubicBezTo>
+                <a:cubicBezTo>
+                  <a:pt x="797762" y="1889457"/>
+                  <a:pt x="874219" y="1901426"/>
+                  <a:pt x="949913" y="1912375"/>
+                </a:cubicBezTo>
+                <a:cubicBezTo>
+                  <a:pt x="1031704" y="1924343"/>
+                  <a:pt x="1113496" y="1935802"/>
+                  <a:pt x="1195414" y="1947516"/>
+                </a:cubicBezTo>
+                <a:cubicBezTo>
+                  <a:pt x="1244566" y="1954519"/>
+                  <a:pt x="1293589" y="1962285"/>
+                  <a:pt x="1342867" y="1968397"/>
+                </a:cubicBezTo>
+                <a:cubicBezTo>
+                  <a:pt x="1401162" y="1975656"/>
+                  <a:pt x="1459712" y="1981130"/>
+                  <a:pt x="1518007" y="1988006"/>
+                </a:cubicBezTo>
+                <a:cubicBezTo>
+                  <a:pt x="1579224" y="1995263"/>
+                  <a:pt x="1640186" y="2003411"/>
+                  <a:pt x="1701403" y="2010669"/>
+                </a:cubicBezTo>
+                <a:cubicBezTo>
+                  <a:pt x="1762618" y="2017926"/>
+                  <a:pt x="1820279" y="2024292"/>
+                  <a:pt x="1879210" y="2031167"/>
+                </a:cubicBezTo>
+                <a:cubicBezTo>
+                  <a:pt x="1942712" y="2038425"/>
+                  <a:pt x="2006214" y="2046064"/>
+                  <a:pt x="2068702" y="2052940"/>
+                </a:cubicBezTo>
+                <a:cubicBezTo>
+                  <a:pt x="2116455" y="2058160"/>
+                  <a:pt x="2164335" y="2062362"/>
+                  <a:pt x="2212090" y="2067583"/>
+                </a:cubicBezTo>
+                <a:cubicBezTo>
+                  <a:pt x="2280419" y="2074967"/>
+                  <a:pt x="2348493" y="2085152"/>
+                  <a:pt x="2416949" y="2089609"/>
+                </a:cubicBezTo>
+                <a:cubicBezTo>
+                  <a:pt x="2472070" y="2093302"/>
+                  <a:pt x="2526936" y="2099540"/>
+                  <a:pt x="2582055" y="2105397"/>
+                </a:cubicBezTo>
+                <a:cubicBezTo>
+                  <a:pt x="2655337" y="2113291"/>
+                  <a:pt x="2729001" y="2119785"/>
+                  <a:pt x="2802282" y="2126405"/>
+                </a:cubicBezTo>
+                <a:cubicBezTo>
+                  <a:pt x="2862991" y="2131753"/>
+                  <a:pt x="2924207" y="2136337"/>
+                  <a:pt x="2984916" y="2141684"/>
+                </a:cubicBezTo>
+                <a:cubicBezTo>
+                  <a:pt x="3070516" y="2149324"/>
+                  <a:pt x="3156373" y="2152888"/>
+                  <a:pt x="3241847" y="2164094"/>
+                </a:cubicBezTo>
+                <a:cubicBezTo>
+                  <a:pt x="3307255" y="2172624"/>
+                  <a:pt x="3374060" y="2169822"/>
+                  <a:pt x="3439848" y="2176826"/>
+                </a:cubicBezTo>
+                <a:cubicBezTo>
+                  <a:pt x="3512622" y="2184592"/>
+                  <a:pt x="3585777" y="2186247"/>
+                  <a:pt x="3658678" y="2194523"/>
+                </a:cubicBezTo>
+                <a:cubicBezTo>
+                  <a:pt x="3731578" y="2202800"/>
+                  <a:pt x="3807019" y="2201781"/>
+                  <a:pt x="3881317" y="2206491"/>
+                </a:cubicBezTo>
+                <a:cubicBezTo>
+                  <a:pt x="3970222" y="2212094"/>
+                  <a:pt x="4059124" y="2223552"/>
+                  <a:pt x="4148916" y="2225081"/>
+                </a:cubicBezTo>
+                <a:cubicBezTo>
+                  <a:pt x="4255600" y="2226736"/>
+                  <a:pt x="4361779" y="2236539"/>
+                  <a:pt x="4468337" y="2237813"/>
+                </a:cubicBezTo>
+                <a:cubicBezTo>
+                  <a:pt x="4511390" y="2238577"/>
+                  <a:pt x="4554190" y="2246852"/>
+                  <a:pt x="4605375" y="2240232"/>
+                </a:cubicBezTo>
+                <a:cubicBezTo>
+                  <a:pt x="4574131" y="2238704"/>
+                  <a:pt x="4550762" y="2237940"/>
+                  <a:pt x="4527647" y="2236412"/>
+                </a:cubicBezTo>
+                <a:cubicBezTo>
+                  <a:pt x="4410293" y="2228773"/>
+                  <a:pt x="4292942" y="2220751"/>
+                  <a:pt x="4175589" y="2212985"/>
+                </a:cubicBezTo>
+                <a:cubicBezTo>
+                  <a:pt x="4113101" y="2208783"/>
+                  <a:pt x="4050615" y="2205219"/>
+                  <a:pt x="3988255" y="2200253"/>
+                </a:cubicBezTo>
+                <a:cubicBezTo>
+                  <a:pt x="3887668" y="2192487"/>
+                  <a:pt x="3787079" y="2184082"/>
+                  <a:pt x="3686492" y="2176062"/>
+                </a:cubicBezTo>
+                <a:cubicBezTo>
+                  <a:pt x="3630102" y="2171605"/>
+                  <a:pt x="3573711" y="2168040"/>
+                  <a:pt x="3517320" y="2163330"/>
+                </a:cubicBezTo>
+                <a:cubicBezTo>
+                  <a:pt x="3430958" y="2155689"/>
+                  <a:pt x="3344721" y="2147159"/>
+                  <a:pt x="3258357" y="2139519"/>
+                </a:cubicBezTo>
+                <a:cubicBezTo>
+                  <a:pt x="3206031" y="2134809"/>
+                  <a:pt x="3153705" y="2131371"/>
+                  <a:pt x="3101506" y="2126787"/>
+                </a:cubicBezTo>
+                <a:cubicBezTo>
+                  <a:pt x="3004220" y="2117365"/>
+                  <a:pt x="2907061" y="2106798"/>
+                  <a:pt x="2809395" y="2097502"/>
+                </a:cubicBezTo>
+                <a:cubicBezTo>
+                  <a:pt x="2739161" y="2090628"/>
+                  <a:pt x="2668673" y="2085916"/>
+                  <a:pt x="2598566" y="2078532"/>
+                </a:cubicBezTo>
+                <a:cubicBezTo>
+                  <a:pt x="2511441" y="2069365"/>
+                  <a:pt x="2424569" y="2058160"/>
+                  <a:pt x="2337444" y="2048611"/>
+                </a:cubicBezTo>
+                <a:cubicBezTo>
+                  <a:pt x="2255399" y="2039699"/>
+                  <a:pt x="2173099" y="2032950"/>
+                  <a:pt x="2091054" y="2023146"/>
+                </a:cubicBezTo>
+                <a:cubicBezTo>
+                  <a:pt x="1979162" y="2010414"/>
+                  <a:pt x="1867524" y="1995008"/>
+                  <a:pt x="1755761" y="1981384"/>
+                </a:cubicBezTo>
+                <a:cubicBezTo>
+                  <a:pt x="1650982" y="1968652"/>
+                  <a:pt x="1545821" y="1957830"/>
+                  <a:pt x="1441169" y="1943824"/>
+                </a:cubicBezTo>
+                <a:cubicBezTo>
+                  <a:pt x="1299813" y="1924980"/>
+                  <a:pt x="1158837" y="1903718"/>
+                  <a:pt x="1017607" y="1883345"/>
+                </a:cubicBezTo>
+                <a:cubicBezTo>
+                  <a:pt x="876378" y="1862974"/>
+                  <a:pt x="735402" y="1844003"/>
+                  <a:pt x="594427" y="1821849"/>
+                </a:cubicBezTo>
+                <a:cubicBezTo>
+                  <a:pt x="462850" y="1801222"/>
+                  <a:pt x="331526" y="1778304"/>
+                  <a:pt x="200711" y="1755132"/>
+                </a:cubicBezTo>
+                <a:lnTo>
+                  <a:pt x="0" y="1718743"/>
+                </a:lnTo>
+                <a:close/>
+              </a:path>
+            </a:pathLst>
+          </a:custGeom>
+          <a:solidFill>
+            <a:schemeClr val="accent2"/>
+          </a:solidFill>
+          <a:ln w="8199" cap="flat">
+            <a:noFill/>
+            <a:prstDash val="solid"/>
+            <a:miter/>
+          </a:ln>
+        </p:spPr>
+        <p:txBody>
+          <a:bodyPr rtlCol="0" anchor="ctr"/>
+          <a:lstStyle/>
+          <a:p>
+            <a:endParaRPr lang="en-US"/>
+          </a:p>
+        </p:txBody>
+      </p:sp>
+      <p:sp>
+        <p:nvSpPr>
+          <p:cNvPr id="2" name="Title 1">
+            <a:extLst>
+              <a:ext uri="{FF2B5EF4-FFF2-40B4-BE49-F238E27FC236}">
+                <a16:creationId xmlns:a16="http://schemas.microsoft.com/office/drawing/2014/main" id="{310B4006-291B-8C41-82C7-6E5CFDAFE76C}"/>
+              </a:ext>
+            </a:extLst>
+          </p:cNvPr>
+          <p:cNvSpPr>
+            <a:spLocks noGrp="1"/>
+          </p:cNvSpPr>
+          <p:nvPr>
+            <p:ph type="title"/>
+          </p:nvPr>
+        </p:nvSpPr>
+        <p:spPr>
+          <a:xfrm>
+            <a:off x="838200" y="401221"/>
+            <a:ext cx="10515600" cy="1348065"/>
+          </a:xfrm>
+        </p:spPr>
+        <p:txBody>
+          <a:bodyPr>
+            <a:noAutofit/>
+          </a:bodyPr>
+          <a:lstStyle/>
+          <a:p>
+            <a:r>
+              <a:rPr lang="en-US" sz="4800" dirty="0">
+                <a:solidFill>
+                  <a:srgbClr val="FFFFFF"/>
+                </a:solidFill>
+              </a:rPr>
+              <a:t>Exploratory Data Analysis (EDA) Summary</a:t>
+            </a:r>
+          </a:p>
+        </p:txBody>
+      </p:sp>
+      <p:sp>
+        <p:nvSpPr>
+          <p:cNvPr id="3" name="Content Placeholder 2">
+            <a:extLst>
+              <a:ext uri="{FF2B5EF4-FFF2-40B4-BE49-F238E27FC236}">
+                <a16:creationId xmlns:a16="http://schemas.microsoft.com/office/drawing/2014/main" id="{C79D2B30-3DD8-384D-B266-061A5BABA5D6}"/>
+              </a:ext>
+            </a:extLst>
+          </p:cNvPr>
+          <p:cNvSpPr>
+            <a:spLocks noGrp="1"/>
+          </p:cNvSpPr>
+          <p:nvPr>
+            <p:ph idx="1"/>
+          </p:nvPr>
+        </p:nvSpPr>
+        <p:spPr>
+          <a:xfrm>
+            <a:off x="838200" y="2586789"/>
+            <a:ext cx="10515600" cy="3590174"/>
+          </a:xfrm>
+        </p:spPr>
+        <p:txBody>
+          <a:bodyPr>
+            <a:normAutofit/>
+          </a:bodyPr>
+          <a:lstStyle/>
+          <a:p>
+            <a:r>
+              <a:rPr lang="en-US" sz="2200" dirty="0">
+                <a:solidFill>
+                  <a:schemeClr val="bg1"/>
+                </a:solidFill>
+              </a:rPr>
+              <a:t>After going through the plots, we see that the Yellow company has a higher cost per ride, higher price per ride and higher profit per ride. A higher price might lead us to the conclusion that it is the unpopular choice. </a:t>
+            </a:r>
+          </a:p>
+          <a:p>
+            <a:r>
+              <a:rPr lang="en-US" sz="2200" dirty="0">
+                <a:solidFill>
+                  <a:schemeClr val="bg1"/>
+                </a:solidFill>
+              </a:rPr>
+              <a:t>This, however, isn’t the case at all. In 11 out of 13 states, majority of rides were done by the Yellow company. It is also the preferred cab out of the 2 on all Federal US Holidays.</a:t>
+            </a:r>
+          </a:p>
+          <a:p>
+            <a:r>
+              <a:rPr lang="en-US" sz="2200" dirty="0">
+                <a:solidFill>
+                  <a:schemeClr val="bg1"/>
+                </a:solidFill>
+              </a:rPr>
+              <a:t>At the beginning of the analysis, the significantly higher average cost per ride of the Yellow company was a bit concerning. But now, this isn’t a concern anymore. The higher cost per ride could be attributed to many factors such as Premium Cars used, better maintenance of the vehicles and higher wages for the drivers. </a:t>
+            </a:r>
+          </a:p>
+        </p:txBody>
+      </p:sp>
+    </p:spTree>
+    <p:extLst>
+      <p:ext uri="{BB962C8B-B14F-4D97-AF65-F5344CB8AC3E}">
+        <p14:creationId xmlns:p14="http://schemas.microsoft.com/office/powerpoint/2010/main" val="832886428"/>
+      </p:ext>
+    </p:extLst>
+  </p:cSld>
+  <p:clrMapOvr>
+    <a:masterClrMapping/>
+  </p:clrMapOvr>
+</p:sld>
+</file>
+
+<file path=ppt/slides/slide16.xml><?xml version="1.0" encoding="utf-8"?>
+<p:sld xmlns:a="http://schemas.openxmlformats.org/drawingml/2006/main" xmlns:r="http://schemas.openxmlformats.org/officeDocument/2006/relationships" xmlns:p="http://schemas.openxmlformats.org/presentationml/2006/main">
+  <p:cSld>
+    <p:bg>
+      <p:bgPr>
+        <a:solidFill>
+          <a:schemeClr val="tx1"/>
+        </a:solidFill>
+        <a:effectLst/>
+      </p:bgPr>
+    </p:bg>
+    <p:spTree>
+      <p:nvGrpSpPr>
+        <p:cNvPr id="1" name=""/>
+        <p:cNvGrpSpPr/>
+        <p:nvPr/>
+      </p:nvGrpSpPr>
+      <p:grpSpPr>
+        <a:xfrm>
+          <a:off x="0" y="0"/>
+          <a:ext cx="0" cy="0"/>
+          <a:chOff x="0" y="0"/>
+          <a:chExt cx="0" cy="0"/>
+        </a:xfrm>
+      </p:grpSpPr>
+      <p:sp useBgFill="1">
+        <p:nvSpPr>
+          <p:cNvPr id="8" name="Rectangle 7">
+            <a:extLst>
+              <a:ext uri="{FF2B5EF4-FFF2-40B4-BE49-F238E27FC236}">
+                <a16:creationId xmlns:a16="http://schemas.microsoft.com/office/drawing/2014/main" id="{AC17DE74-01C9-4859-B65A-85CF999E8580}"/>
+              </a:ext>
+              <a:ext uri="{C183D7F6-B498-43B3-948B-1728B52AA6E4}">
+                <adec:decorative xmlns:adec="http://schemas.microsoft.com/office/drawing/2017/decorative" val="1"/>
+              </a:ext>
+            </a:extLst>
+          </p:cNvPr>
+          <p:cNvSpPr>
+            <a:spLocks noGrp="1" noRot="1" noChangeAspect="1" noMove="1" noResize="1" noEditPoints="1" noAdjustHandles="1" noChangeArrowheads="1" noChangeShapeType="1" noTextEdit="1"/>
+          </p:cNvSpPr>
+          <p:nvPr>
+            <p:extLst>
+              <p:ext uri="{386F3935-93C4-4BCD-93E2-E3B085C9AB24}">
+                <p16:designElem xmlns:p16="http://schemas.microsoft.com/office/powerpoint/2015/main" val="1"/>
+              </p:ext>
+            </p:extLst>
+          </p:nvPr>
+        </p:nvSpPr>
+        <p:spPr>
+          <a:xfrm>
+            <a:off x="0" y="0"/>
+            <a:ext cx="12188952" cy="6858000"/>
+          </a:xfrm>
+          <a:prstGeom prst="rect">
+            <a:avLst/>
+          </a:prstGeom>
+          <a:ln>
+            <a:noFill/>
+          </a:ln>
+        </p:spPr>
+        <p:style>
+          <a:lnRef idx="2">
+            <a:schemeClr val="accent1">
+              <a:shade val="50000"/>
+            </a:schemeClr>
+          </a:lnRef>
+          <a:fillRef idx="1">
+            <a:schemeClr val="accent1"/>
+          </a:fillRef>
+          <a:effectRef idx="0">
+            <a:schemeClr val="accent1"/>
+          </a:effectRef>
+          <a:fontRef idx="minor">
+            <a:schemeClr val="lt1"/>
+          </a:fontRef>
+        </p:style>
+        <p:txBody>
+          <a:bodyPr rtlCol="0" anchor="ctr"/>
+          <a:lstStyle/>
+          <a:p>
+            <a:pPr algn="ctr"/>
+            <a:endParaRPr lang="en-US"/>
+          </a:p>
+        </p:txBody>
+      </p:sp>
+      <p:sp>
+        <p:nvSpPr>
+          <p:cNvPr id="10" name="Freeform: Shape 9">
+            <a:extLst>
+              <a:ext uri="{FF2B5EF4-FFF2-40B4-BE49-F238E27FC236}">
+                <a16:creationId xmlns:a16="http://schemas.microsoft.com/office/drawing/2014/main" id="{068C0432-0E90-4CC1-8CD3-D44A90DF07EF}"/>
+              </a:ext>
+              <a:ext uri="{C183D7F6-B498-43B3-948B-1728B52AA6E4}">
+                <adec:decorative xmlns:adec="http://schemas.microsoft.com/office/drawing/2017/decorative" val="1"/>
+              </a:ext>
+            </a:extLst>
+          </p:cNvPr>
+          <p:cNvSpPr>
+            <a:spLocks noGrp="1" noRot="1" noChangeAspect="1" noMove="1" noResize="1" noEditPoints="1" noAdjustHandles="1" noChangeArrowheads="1" noChangeShapeType="1" noTextEdit="1"/>
+          </p:cNvSpPr>
+          <p:nvPr>
+            <p:extLst>
+              <p:ext uri="{386F3935-93C4-4BCD-93E2-E3B085C9AB24}">
+                <p16:designElem xmlns:p16="http://schemas.microsoft.com/office/powerpoint/2015/main" val="1"/>
+              </p:ext>
+            </p:extLst>
+          </p:nvPr>
+        </p:nvSpPr>
+        <p:spPr>
+          <a:xfrm>
+            <a:off x="0" y="0"/>
+            <a:ext cx="12192000" cy="2347414"/>
+          </a:xfrm>
+          <a:custGeom>
+            <a:avLst/>
+            <a:gdLst>
+              <a:gd name="connsiteX0" fmla="*/ 0 w 12192000"/>
+              <a:gd name="connsiteY0" fmla="*/ 0 h 2347414"/>
+              <a:gd name="connsiteX1" fmla="*/ 12192000 w 12192000"/>
+              <a:gd name="connsiteY1" fmla="*/ 0 h 2347414"/>
+              <a:gd name="connsiteX2" fmla="*/ 12192000 w 12192000"/>
+              <a:gd name="connsiteY2" fmla="*/ 1736458 h 2347414"/>
+              <a:gd name="connsiteX3" fmla="*/ 11967601 w 12192000"/>
+              <a:gd name="connsiteY3" fmla="*/ 1784034 h 2347414"/>
+              <a:gd name="connsiteX4" fmla="*/ 10829000 w 12192000"/>
+              <a:gd name="connsiteY4" fmla="*/ 1983294 h 2347414"/>
+              <a:gd name="connsiteX5" fmla="*/ 10743779 w 12192000"/>
+              <a:gd name="connsiteY5" fmla="*/ 1996027 h 2347414"/>
+              <a:gd name="connsiteX6" fmla="*/ 10829254 w 12192000"/>
+              <a:gd name="connsiteY6" fmla="*/ 1987751 h 2347414"/>
+              <a:gd name="connsiteX7" fmla="*/ 10847162 w 12192000"/>
+              <a:gd name="connsiteY7" fmla="*/ 1988388 h 2347414"/>
+              <a:gd name="connsiteX8" fmla="*/ 11575155 w 12192000"/>
+              <a:gd name="connsiteY8" fmla="*/ 1921415 h 2347414"/>
+              <a:gd name="connsiteX9" fmla="*/ 12192000 w 12192000"/>
+              <a:gd name="connsiteY9" fmla="*/ 1851213 h 2347414"/>
+              <a:gd name="connsiteX10" fmla="*/ 12192000 w 12192000"/>
+              <a:gd name="connsiteY10" fmla="*/ 1907356 h 2347414"/>
+              <a:gd name="connsiteX11" fmla="*/ 12035532 w 12192000"/>
+              <a:gd name="connsiteY11" fmla="*/ 1927033 h 2347414"/>
+              <a:gd name="connsiteX12" fmla="*/ 11576932 w 12192000"/>
+              <a:gd name="connsiteY12" fmla="*/ 1976291 h 2347414"/>
+              <a:gd name="connsiteX13" fmla="*/ 10627316 w 12192000"/>
+              <a:gd name="connsiteY13" fmla="*/ 2061470 h 2347414"/>
+              <a:gd name="connsiteX14" fmla="*/ 9804196 w 12192000"/>
+              <a:gd name="connsiteY14" fmla="*/ 2123478 h 2347414"/>
+              <a:gd name="connsiteX15" fmla="*/ 9243851 w 12192000"/>
+              <a:gd name="connsiteY15" fmla="*/ 2180008 h 2347414"/>
+              <a:gd name="connsiteX16" fmla="*/ 8731259 w 12192000"/>
+              <a:gd name="connsiteY16" fmla="*/ 2225081 h 2347414"/>
+              <a:gd name="connsiteX17" fmla="*/ 8065752 w 12192000"/>
+              <a:gd name="connsiteY17" fmla="*/ 2271681 h 2347414"/>
+              <a:gd name="connsiteX18" fmla="*/ 7658065 w 12192000"/>
+              <a:gd name="connsiteY18" fmla="*/ 2292562 h 2347414"/>
+              <a:gd name="connsiteX19" fmla="*/ 6531024 w 12192000"/>
+              <a:gd name="connsiteY19" fmla="*/ 2324138 h 2347414"/>
+              <a:gd name="connsiteX20" fmla="*/ 6178331 w 12192000"/>
+              <a:gd name="connsiteY20" fmla="*/ 2345655 h 2347414"/>
+              <a:gd name="connsiteX21" fmla="*/ 5977282 w 12192000"/>
+              <a:gd name="connsiteY21" fmla="*/ 2344127 h 2347414"/>
+              <a:gd name="connsiteX22" fmla="*/ 5367658 w 12192000"/>
+              <a:gd name="connsiteY22" fmla="*/ 2329230 h 2347414"/>
+              <a:gd name="connsiteX23" fmla="*/ 4387306 w 12192000"/>
+              <a:gd name="connsiteY23" fmla="*/ 2288614 h 2347414"/>
+              <a:gd name="connsiteX24" fmla="*/ 4180287 w 12192000"/>
+              <a:gd name="connsiteY24" fmla="*/ 2280211 h 2347414"/>
+              <a:gd name="connsiteX25" fmla="*/ 3842199 w 12192000"/>
+              <a:gd name="connsiteY25" fmla="*/ 2257039 h 2347414"/>
+              <a:gd name="connsiteX26" fmla="*/ 3730309 w 12192000"/>
+              <a:gd name="connsiteY26" fmla="*/ 2251182 h 2347414"/>
+              <a:gd name="connsiteX27" fmla="*/ 3425496 w 12192000"/>
+              <a:gd name="connsiteY27" fmla="*/ 2231320 h 2347414"/>
+              <a:gd name="connsiteX28" fmla="*/ 3076106 w 12192000"/>
+              <a:gd name="connsiteY28" fmla="*/ 2201781 h 2347414"/>
+              <a:gd name="connsiteX29" fmla="*/ 2819682 w 12192000"/>
+              <a:gd name="connsiteY29" fmla="*/ 2182427 h 2347414"/>
+              <a:gd name="connsiteX30" fmla="*/ 2525539 w 12192000"/>
+              <a:gd name="connsiteY30" fmla="*/ 2152888 h 2347414"/>
+              <a:gd name="connsiteX31" fmla="*/ 2311915 w 12192000"/>
+              <a:gd name="connsiteY31" fmla="*/ 2133536 h 2347414"/>
+              <a:gd name="connsiteX32" fmla="*/ 2054223 w 12192000"/>
+              <a:gd name="connsiteY32" fmla="*/ 2104760 h 2347414"/>
+              <a:gd name="connsiteX33" fmla="*/ 1865367 w 12192000"/>
+              <a:gd name="connsiteY33" fmla="*/ 2084770 h 2347414"/>
+              <a:gd name="connsiteX34" fmla="*/ 1629263 w 12192000"/>
+              <a:gd name="connsiteY34" fmla="*/ 2055996 h 2347414"/>
+              <a:gd name="connsiteX35" fmla="*/ 1458823 w 12192000"/>
+              <a:gd name="connsiteY35" fmla="*/ 2035751 h 2347414"/>
+              <a:gd name="connsiteX36" fmla="*/ 1241390 w 12192000"/>
+              <a:gd name="connsiteY36" fmla="*/ 2007103 h 2347414"/>
+              <a:gd name="connsiteX37" fmla="*/ 1047453 w 12192000"/>
+              <a:gd name="connsiteY37" fmla="*/ 1980748 h 2347414"/>
+              <a:gd name="connsiteX38" fmla="*/ 814907 w 12192000"/>
+              <a:gd name="connsiteY38" fmla="*/ 1949045 h 2347414"/>
+              <a:gd name="connsiteX39" fmla="*/ 592649 w 12192000"/>
+              <a:gd name="connsiteY39" fmla="*/ 1913776 h 2347414"/>
+              <a:gd name="connsiteX40" fmla="*/ 343591 w 12192000"/>
+              <a:gd name="connsiteY40" fmla="*/ 1872650 h 2347414"/>
+              <a:gd name="connsiteX41" fmla="*/ 35731 w 12192000"/>
+              <a:gd name="connsiteY41" fmla="*/ 1821722 h 2347414"/>
+              <a:gd name="connsiteX42" fmla="*/ 0 w 12192000"/>
+              <a:gd name="connsiteY42" fmla="*/ 1814848 h 2347414"/>
+              <a:gd name="connsiteX43" fmla="*/ 0 w 12192000"/>
+              <a:gd name="connsiteY43" fmla="*/ 1758489 h 2347414"/>
+              <a:gd name="connsiteX44" fmla="*/ 274248 w 12192000"/>
+              <a:gd name="connsiteY44" fmla="*/ 1808735 h 2347414"/>
+              <a:gd name="connsiteX45" fmla="*/ 498157 w 12192000"/>
+              <a:gd name="connsiteY45" fmla="*/ 1846167 h 2347414"/>
+              <a:gd name="connsiteX46" fmla="*/ 722828 w 12192000"/>
+              <a:gd name="connsiteY46" fmla="*/ 1878635 h 2347414"/>
+              <a:gd name="connsiteX47" fmla="*/ 949913 w 12192000"/>
+              <a:gd name="connsiteY47" fmla="*/ 1912375 h 2347414"/>
+              <a:gd name="connsiteX48" fmla="*/ 1195414 w 12192000"/>
+              <a:gd name="connsiteY48" fmla="*/ 1947516 h 2347414"/>
+              <a:gd name="connsiteX49" fmla="*/ 1342867 w 12192000"/>
+              <a:gd name="connsiteY49" fmla="*/ 1968397 h 2347414"/>
+              <a:gd name="connsiteX50" fmla="*/ 1518007 w 12192000"/>
+              <a:gd name="connsiteY50" fmla="*/ 1988006 h 2347414"/>
+              <a:gd name="connsiteX51" fmla="*/ 1701403 w 12192000"/>
+              <a:gd name="connsiteY51" fmla="*/ 2010669 h 2347414"/>
+              <a:gd name="connsiteX52" fmla="*/ 1879210 w 12192000"/>
+              <a:gd name="connsiteY52" fmla="*/ 2031167 h 2347414"/>
+              <a:gd name="connsiteX53" fmla="*/ 2068702 w 12192000"/>
+              <a:gd name="connsiteY53" fmla="*/ 2052940 h 2347414"/>
+              <a:gd name="connsiteX54" fmla="*/ 2212090 w 12192000"/>
+              <a:gd name="connsiteY54" fmla="*/ 2067583 h 2347414"/>
+              <a:gd name="connsiteX55" fmla="*/ 2416949 w 12192000"/>
+              <a:gd name="connsiteY55" fmla="*/ 2089609 h 2347414"/>
+              <a:gd name="connsiteX56" fmla="*/ 2582055 w 12192000"/>
+              <a:gd name="connsiteY56" fmla="*/ 2105397 h 2347414"/>
+              <a:gd name="connsiteX57" fmla="*/ 2802282 w 12192000"/>
+              <a:gd name="connsiteY57" fmla="*/ 2126405 h 2347414"/>
+              <a:gd name="connsiteX58" fmla="*/ 2984916 w 12192000"/>
+              <a:gd name="connsiteY58" fmla="*/ 2141684 h 2347414"/>
+              <a:gd name="connsiteX59" fmla="*/ 3241847 w 12192000"/>
+              <a:gd name="connsiteY59" fmla="*/ 2164094 h 2347414"/>
+              <a:gd name="connsiteX60" fmla="*/ 3439848 w 12192000"/>
+              <a:gd name="connsiteY60" fmla="*/ 2176826 h 2347414"/>
+              <a:gd name="connsiteX61" fmla="*/ 3658678 w 12192000"/>
+              <a:gd name="connsiteY61" fmla="*/ 2194523 h 2347414"/>
+              <a:gd name="connsiteX62" fmla="*/ 3881317 w 12192000"/>
+              <a:gd name="connsiteY62" fmla="*/ 2206491 h 2347414"/>
+              <a:gd name="connsiteX63" fmla="*/ 4148916 w 12192000"/>
+              <a:gd name="connsiteY63" fmla="*/ 2225081 h 2347414"/>
+              <a:gd name="connsiteX64" fmla="*/ 4468337 w 12192000"/>
+              <a:gd name="connsiteY64" fmla="*/ 2237813 h 2347414"/>
+              <a:gd name="connsiteX65" fmla="*/ 4605375 w 12192000"/>
+              <a:gd name="connsiteY65" fmla="*/ 2240232 h 2347414"/>
+              <a:gd name="connsiteX66" fmla="*/ 4527647 w 12192000"/>
+              <a:gd name="connsiteY66" fmla="*/ 2236412 h 2347414"/>
+              <a:gd name="connsiteX67" fmla="*/ 4175589 w 12192000"/>
+              <a:gd name="connsiteY67" fmla="*/ 2212985 h 2347414"/>
+              <a:gd name="connsiteX68" fmla="*/ 3988255 w 12192000"/>
+              <a:gd name="connsiteY68" fmla="*/ 2200253 h 2347414"/>
+              <a:gd name="connsiteX69" fmla="*/ 3686492 w 12192000"/>
+              <a:gd name="connsiteY69" fmla="*/ 2176062 h 2347414"/>
+              <a:gd name="connsiteX70" fmla="*/ 3517320 w 12192000"/>
+              <a:gd name="connsiteY70" fmla="*/ 2163330 h 2347414"/>
+              <a:gd name="connsiteX71" fmla="*/ 3258357 w 12192000"/>
+              <a:gd name="connsiteY71" fmla="*/ 2139519 h 2347414"/>
+              <a:gd name="connsiteX72" fmla="*/ 3101506 w 12192000"/>
+              <a:gd name="connsiteY72" fmla="*/ 2126787 h 2347414"/>
+              <a:gd name="connsiteX73" fmla="*/ 2809395 w 12192000"/>
+              <a:gd name="connsiteY73" fmla="*/ 2097502 h 2347414"/>
+              <a:gd name="connsiteX74" fmla="*/ 2598566 w 12192000"/>
+              <a:gd name="connsiteY74" fmla="*/ 2078532 h 2347414"/>
+              <a:gd name="connsiteX75" fmla="*/ 2337444 w 12192000"/>
+              <a:gd name="connsiteY75" fmla="*/ 2048611 h 2347414"/>
+              <a:gd name="connsiteX76" fmla="*/ 2091054 w 12192000"/>
+              <a:gd name="connsiteY76" fmla="*/ 2023146 h 2347414"/>
+              <a:gd name="connsiteX77" fmla="*/ 1755761 w 12192000"/>
+              <a:gd name="connsiteY77" fmla="*/ 1981384 h 2347414"/>
+              <a:gd name="connsiteX78" fmla="*/ 1441169 w 12192000"/>
+              <a:gd name="connsiteY78" fmla="*/ 1943824 h 2347414"/>
+              <a:gd name="connsiteX79" fmla="*/ 1017607 w 12192000"/>
+              <a:gd name="connsiteY79" fmla="*/ 1883345 h 2347414"/>
+              <a:gd name="connsiteX80" fmla="*/ 594427 w 12192000"/>
+              <a:gd name="connsiteY80" fmla="*/ 1821849 h 2347414"/>
+              <a:gd name="connsiteX81" fmla="*/ 200711 w 12192000"/>
+              <a:gd name="connsiteY81" fmla="*/ 1755132 h 2347414"/>
+              <a:gd name="connsiteX82" fmla="*/ 0 w 12192000"/>
+              <a:gd name="connsiteY82" fmla="*/ 1718743 h 2347414"/>
+            </a:gdLst>
+            <a:ahLst/>
+            <a:cxnLst>
+              <a:cxn ang="0">
+                <a:pos x="connsiteX0" y="connsiteY0"/>
+              </a:cxn>
+              <a:cxn ang="0">
+                <a:pos x="connsiteX1" y="connsiteY1"/>
+              </a:cxn>
+              <a:cxn ang="0">
+                <a:pos x="connsiteX2" y="connsiteY2"/>
+              </a:cxn>
+              <a:cxn ang="0">
+                <a:pos x="connsiteX3" y="connsiteY3"/>
+              </a:cxn>
+              <a:cxn ang="0">
+                <a:pos x="connsiteX4" y="connsiteY4"/>
+              </a:cxn>
+              <a:cxn ang="0">
+                <a:pos x="connsiteX5" y="connsiteY5"/>
+              </a:cxn>
+              <a:cxn ang="0">
+                <a:pos x="connsiteX6" y="connsiteY6"/>
+              </a:cxn>
+              <a:cxn ang="0">
+                <a:pos x="connsiteX7" y="connsiteY7"/>
+              </a:cxn>
+              <a:cxn ang="0">
+                <a:pos x="connsiteX8" y="connsiteY8"/>
+              </a:cxn>
+              <a:cxn ang="0">
+                <a:pos x="connsiteX9" y="connsiteY9"/>
+              </a:cxn>
+              <a:cxn ang="0">
+                <a:pos x="connsiteX10" y="connsiteY10"/>
+              </a:cxn>
+              <a:cxn ang="0">
+                <a:pos x="connsiteX11" y="connsiteY11"/>
+              </a:cxn>
+              <a:cxn ang="0">
+                <a:pos x="connsiteX12" y="connsiteY12"/>
+              </a:cxn>
+              <a:cxn ang="0">
+                <a:pos x="connsiteX13" y="connsiteY13"/>
+              </a:cxn>
+              <a:cxn ang="0">
+                <a:pos x="connsiteX14" y="connsiteY14"/>
+              </a:cxn>
+              <a:cxn ang="0">
+                <a:pos x="connsiteX15" y="connsiteY15"/>
+              </a:cxn>
+              <a:cxn ang="0">
+                <a:pos x="connsiteX16" y="connsiteY16"/>
+              </a:cxn>
+              <a:cxn ang="0">
+                <a:pos x="connsiteX17" y="connsiteY17"/>
+              </a:cxn>
+              <a:cxn ang="0">
+                <a:pos x="connsiteX18" y="connsiteY18"/>
+              </a:cxn>
+              <a:cxn ang="0">
+                <a:pos x="connsiteX19" y="connsiteY19"/>
+              </a:cxn>
+              <a:cxn ang="0">
+                <a:pos x="connsiteX20" y="connsiteY20"/>
+              </a:cxn>
+              <a:cxn ang="0">
+                <a:pos x="connsiteX21" y="connsiteY21"/>
+              </a:cxn>
+              <a:cxn ang="0">
+                <a:pos x="connsiteX22" y="connsiteY22"/>
+              </a:cxn>
+              <a:cxn ang="0">
+                <a:pos x="connsiteX23" y="connsiteY23"/>
+              </a:cxn>
+              <a:cxn ang="0">
+                <a:pos x="connsiteX24" y="connsiteY24"/>
+              </a:cxn>
+              <a:cxn ang="0">
+                <a:pos x="connsiteX25" y="connsiteY25"/>
+              </a:cxn>
+              <a:cxn ang="0">
+                <a:pos x="connsiteX26" y="connsiteY26"/>
+              </a:cxn>
+              <a:cxn ang="0">
+                <a:pos x="connsiteX27" y="connsiteY27"/>
+              </a:cxn>
+              <a:cxn ang="0">
+                <a:pos x="connsiteX28" y="connsiteY28"/>
+              </a:cxn>
+              <a:cxn ang="0">
+                <a:pos x="connsiteX29" y="connsiteY29"/>
+              </a:cxn>
+              <a:cxn ang="0">
+                <a:pos x="connsiteX30" y="connsiteY30"/>
+              </a:cxn>
+              <a:cxn ang="0">
+                <a:pos x="connsiteX31" y="connsiteY31"/>
+              </a:cxn>
+              <a:cxn ang="0">
+                <a:pos x="connsiteX32" y="connsiteY32"/>
+              </a:cxn>
+              <a:cxn ang="0">
+                <a:pos x="connsiteX33" y="connsiteY33"/>
+              </a:cxn>
+              <a:cxn ang="0">
+                <a:pos x="connsiteX34" y="connsiteY34"/>
+              </a:cxn>
+              <a:cxn ang="0">
+                <a:pos x="connsiteX35" y="connsiteY35"/>
+              </a:cxn>
+              <a:cxn ang="0">
+                <a:pos x="connsiteX36" y="connsiteY36"/>
+              </a:cxn>
+              <a:cxn ang="0">
+                <a:pos x="connsiteX37" y="connsiteY37"/>
+              </a:cxn>
+              <a:cxn ang="0">
+                <a:pos x="connsiteX38" y="connsiteY38"/>
+              </a:cxn>
+              <a:cxn ang="0">
+                <a:pos x="connsiteX39" y="connsiteY39"/>
+              </a:cxn>
+              <a:cxn ang="0">
+                <a:pos x="connsiteX40" y="connsiteY40"/>
+              </a:cxn>
+              <a:cxn ang="0">
+                <a:pos x="connsiteX41" y="connsiteY41"/>
+              </a:cxn>
+              <a:cxn ang="0">
+                <a:pos x="connsiteX42" y="connsiteY42"/>
+              </a:cxn>
+              <a:cxn ang="0">
+                <a:pos x="connsiteX43" y="connsiteY43"/>
+              </a:cxn>
+              <a:cxn ang="0">
+                <a:pos x="connsiteX44" y="connsiteY44"/>
+              </a:cxn>
+              <a:cxn ang="0">
+                <a:pos x="connsiteX45" y="connsiteY45"/>
+              </a:cxn>
+              <a:cxn ang="0">
+                <a:pos x="connsiteX46" y="connsiteY46"/>
+              </a:cxn>
+              <a:cxn ang="0">
+                <a:pos x="connsiteX47" y="connsiteY47"/>
+              </a:cxn>
+              <a:cxn ang="0">
+                <a:pos x="connsiteX48" y="connsiteY48"/>
+              </a:cxn>
+              <a:cxn ang="0">
+                <a:pos x="connsiteX49" y="connsiteY49"/>
+              </a:cxn>
+              <a:cxn ang="0">
+                <a:pos x="connsiteX50" y="connsiteY50"/>
+              </a:cxn>
+              <a:cxn ang="0">
+                <a:pos x="connsiteX51" y="connsiteY51"/>
+              </a:cxn>
+              <a:cxn ang="0">
+                <a:pos x="connsiteX52" y="connsiteY52"/>
+              </a:cxn>
+              <a:cxn ang="0">
+                <a:pos x="connsiteX53" y="connsiteY53"/>
+              </a:cxn>
+              <a:cxn ang="0">
+                <a:pos x="connsiteX54" y="connsiteY54"/>
+              </a:cxn>
+              <a:cxn ang="0">
+                <a:pos x="connsiteX55" y="connsiteY55"/>
+              </a:cxn>
+              <a:cxn ang="0">
+                <a:pos x="connsiteX56" y="connsiteY56"/>
+              </a:cxn>
+              <a:cxn ang="0">
+                <a:pos x="connsiteX57" y="connsiteY57"/>
+              </a:cxn>
+              <a:cxn ang="0">
+                <a:pos x="connsiteX58" y="connsiteY58"/>
+              </a:cxn>
+              <a:cxn ang="0">
+                <a:pos x="connsiteX59" y="connsiteY59"/>
+              </a:cxn>
+              <a:cxn ang="0">
+                <a:pos x="connsiteX60" y="connsiteY60"/>
+              </a:cxn>
+              <a:cxn ang="0">
+                <a:pos x="connsiteX61" y="connsiteY61"/>
+              </a:cxn>
+              <a:cxn ang="0">
+                <a:pos x="connsiteX62" y="connsiteY62"/>
+              </a:cxn>
+              <a:cxn ang="0">
+                <a:pos x="connsiteX63" y="connsiteY63"/>
+              </a:cxn>
+              <a:cxn ang="0">
+                <a:pos x="connsiteX64" y="connsiteY64"/>
+              </a:cxn>
+              <a:cxn ang="0">
+                <a:pos x="connsiteX65" y="connsiteY65"/>
+              </a:cxn>
+              <a:cxn ang="0">
+                <a:pos x="connsiteX66" y="connsiteY66"/>
+              </a:cxn>
+              <a:cxn ang="0">
+                <a:pos x="connsiteX67" y="connsiteY67"/>
+              </a:cxn>
+              <a:cxn ang="0">
+                <a:pos x="connsiteX68" y="connsiteY68"/>
+              </a:cxn>
+              <a:cxn ang="0">
+                <a:pos x="connsiteX69" y="connsiteY69"/>
+              </a:cxn>
+              <a:cxn ang="0">
+                <a:pos x="connsiteX70" y="connsiteY70"/>
+              </a:cxn>
+              <a:cxn ang="0">
+                <a:pos x="connsiteX71" y="connsiteY71"/>
+              </a:cxn>
+              <a:cxn ang="0">
+                <a:pos x="connsiteX72" y="connsiteY72"/>
+              </a:cxn>
+              <a:cxn ang="0">
+                <a:pos x="connsiteX73" y="connsiteY73"/>
+              </a:cxn>
+              <a:cxn ang="0">
+                <a:pos x="connsiteX74" y="connsiteY74"/>
+              </a:cxn>
+              <a:cxn ang="0">
+                <a:pos x="connsiteX75" y="connsiteY75"/>
+              </a:cxn>
+              <a:cxn ang="0">
+                <a:pos x="connsiteX76" y="connsiteY76"/>
+              </a:cxn>
+              <a:cxn ang="0">
+                <a:pos x="connsiteX77" y="connsiteY77"/>
+              </a:cxn>
+              <a:cxn ang="0">
+                <a:pos x="connsiteX78" y="connsiteY78"/>
+              </a:cxn>
+              <a:cxn ang="0">
+                <a:pos x="connsiteX79" y="connsiteY79"/>
+              </a:cxn>
+              <a:cxn ang="0">
+                <a:pos x="connsiteX80" y="connsiteY80"/>
+              </a:cxn>
+              <a:cxn ang="0">
+                <a:pos x="connsiteX81" y="connsiteY81"/>
+              </a:cxn>
+              <a:cxn ang="0">
+                <a:pos x="connsiteX82" y="connsiteY82"/>
+              </a:cxn>
+            </a:cxnLst>
+            <a:rect l="l" t="t" r="r" b="b"/>
+            <a:pathLst>
+              <a:path w="12192000" h="2347414">
+                <a:moveTo>
+                  <a:pt x="0" y="0"/>
+                </a:moveTo>
+                <a:lnTo>
+                  <a:pt x="12192000" y="0"/>
+                </a:lnTo>
+                <a:lnTo>
+                  <a:pt x="12192000" y="1736458"/>
+                </a:lnTo>
+                <a:lnTo>
+                  <a:pt x="11967601" y="1784034"/>
+                </a:lnTo>
+                <a:cubicBezTo>
+                  <a:pt x="11589888" y="1859409"/>
+                  <a:pt x="11209762" y="1923961"/>
+                  <a:pt x="10829000" y="1983294"/>
+                </a:cubicBezTo>
+                <a:lnTo>
+                  <a:pt x="10743779" y="1996027"/>
+                </a:lnTo>
+                <a:cubicBezTo>
+                  <a:pt x="10772495" y="1996778"/>
+                  <a:pt x="10801211" y="1993989"/>
+                  <a:pt x="10829254" y="1987751"/>
+                </a:cubicBezTo>
+                <a:cubicBezTo>
+                  <a:pt x="10835198" y="1988337"/>
+                  <a:pt x="10841180" y="1988553"/>
+                  <a:pt x="10847162" y="1988388"/>
+                </a:cubicBezTo>
+                <a:cubicBezTo>
+                  <a:pt x="11090123" y="1968907"/>
+                  <a:pt x="11332703" y="1945734"/>
+                  <a:pt x="11575155" y="1921415"/>
+                </a:cubicBezTo>
+                <a:lnTo>
+                  <a:pt x="12192000" y="1851213"/>
+                </a:lnTo>
+                <a:lnTo>
+                  <a:pt x="12192000" y="1907356"/>
+                </a:lnTo>
+                <a:lnTo>
+                  <a:pt x="12035532" y="1927033"/>
+                </a:lnTo>
+                <a:cubicBezTo>
+                  <a:pt x="11882793" y="1944747"/>
+                  <a:pt x="11729910" y="1961077"/>
+                  <a:pt x="11576932" y="1976291"/>
+                </a:cubicBezTo>
+                <a:cubicBezTo>
+                  <a:pt x="11260690" y="2008122"/>
+                  <a:pt x="10944193" y="2037279"/>
+                  <a:pt x="10627316" y="2061470"/>
+                </a:cubicBezTo>
+                <a:cubicBezTo>
+                  <a:pt x="10352985" y="2082351"/>
+                  <a:pt x="10078401" y="2100431"/>
+                  <a:pt x="9804196" y="2123478"/>
+                </a:cubicBezTo>
+                <a:cubicBezTo>
+                  <a:pt x="9617118" y="2139137"/>
+                  <a:pt x="9430675" y="2161674"/>
+                  <a:pt x="9243851" y="2180008"/>
+                </a:cubicBezTo>
+                <a:cubicBezTo>
+                  <a:pt x="9073157" y="2196433"/>
+                  <a:pt x="8902207" y="2211966"/>
+                  <a:pt x="8731259" y="2225081"/>
+                </a:cubicBezTo>
+                <a:cubicBezTo>
+                  <a:pt x="8509507" y="2242054"/>
+                  <a:pt x="8287667" y="2257586"/>
+                  <a:pt x="8065752" y="2271681"/>
+                </a:cubicBezTo>
+                <a:cubicBezTo>
+                  <a:pt x="7929984" y="2280466"/>
+                  <a:pt x="7793961" y="2285814"/>
+                  <a:pt x="7658065" y="2292562"/>
+                </a:cubicBezTo>
+                <a:cubicBezTo>
+                  <a:pt x="7282640" y="2311661"/>
+                  <a:pt x="6906704" y="2314208"/>
+                  <a:pt x="6531024" y="2324138"/>
+                </a:cubicBezTo>
+                <a:cubicBezTo>
+                  <a:pt x="6413417" y="2327322"/>
+                  <a:pt x="6295937" y="2338399"/>
+                  <a:pt x="6178331" y="2345655"/>
+                </a:cubicBezTo>
+                <a:cubicBezTo>
+                  <a:pt x="6111271" y="2349730"/>
+                  <a:pt x="6044342" y="2345655"/>
+                  <a:pt x="5977282" y="2344127"/>
+                </a:cubicBezTo>
+                <a:cubicBezTo>
+                  <a:pt x="5774073" y="2338908"/>
+                  <a:pt x="5570866" y="2334960"/>
+                  <a:pt x="5367658" y="2329230"/>
+                </a:cubicBezTo>
+                <a:cubicBezTo>
+                  <a:pt x="5040746" y="2319809"/>
+                  <a:pt x="4713963" y="2306274"/>
+                  <a:pt x="4387306" y="2288614"/>
+                </a:cubicBezTo>
+                <a:cubicBezTo>
+                  <a:pt x="4318342" y="2284796"/>
+                  <a:pt x="4249253" y="2284286"/>
+                  <a:pt x="4180287" y="2280211"/>
+                </a:cubicBezTo>
+                <a:cubicBezTo>
+                  <a:pt x="4067634" y="2273463"/>
+                  <a:pt x="3954980" y="2265060"/>
+                  <a:pt x="3842199" y="2257039"/>
+                </a:cubicBezTo>
+                <a:cubicBezTo>
+                  <a:pt x="3804988" y="2254492"/>
+                  <a:pt x="3767648" y="2254620"/>
+                  <a:pt x="3730309" y="2251182"/>
+                </a:cubicBezTo>
+                <a:cubicBezTo>
+                  <a:pt x="3628704" y="2242142"/>
+                  <a:pt x="3527101" y="2238449"/>
+                  <a:pt x="3425496" y="2231320"/>
+                </a:cubicBezTo>
+                <a:cubicBezTo>
+                  <a:pt x="3308906" y="2222534"/>
+                  <a:pt x="3192569" y="2211330"/>
+                  <a:pt x="3076106" y="2201781"/>
+                </a:cubicBezTo>
+                <a:cubicBezTo>
+                  <a:pt x="2990757" y="2194905"/>
+                  <a:pt x="2905157" y="2190067"/>
+                  <a:pt x="2819682" y="2182427"/>
+                </a:cubicBezTo>
+                <a:cubicBezTo>
+                  <a:pt x="2721507" y="2173515"/>
+                  <a:pt x="2623586" y="2162311"/>
+                  <a:pt x="2525539" y="2152888"/>
+                </a:cubicBezTo>
+                <a:cubicBezTo>
+                  <a:pt x="2454289" y="2145886"/>
+                  <a:pt x="2383038" y="2140920"/>
+                  <a:pt x="2311915" y="2133536"/>
+                </a:cubicBezTo>
+                <a:cubicBezTo>
+                  <a:pt x="2225933" y="2124749"/>
+                  <a:pt x="2140204" y="2114182"/>
+                  <a:pt x="2054223" y="2104760"/>
+                </a:cubicBezTo>
+                <a:cubicBezTo>
+                  <a:pt x="1990719" y="2097758"/>
+                  <a:pt x="1928233" y="2092028"/>
+                  <a:pt x="1865367" y="2084770"/>
+                </a:cubicBezTo>
+                <a:cubicBezTo>
+                  <a:pt x="1786622" y="2075603"/>
+                  <a:pt x="1708006" y="2065545"/>
+                  <a:pt x="1629263" y="2055996"/>
+                </a:cubicBezTo>
+                <a:cubicBezTo>
+                  <a:pt x="1572492" y="2049120"/>
+                  <a:pt x="1515595" y="2043264"/>
+                  <a:pt x="1458823" y="2035751"/>
+                </a:cubicBezTo>
+                <a:cubicBezTo>
+                  <a:pt x="1386303" y="2026585"/>
+                  <a:pt x="1313784" y="2016780"/>
+                  <a:pt x="1241390" y="2007103"/>
+                </a:cubicBezTo>
+                <a:lnTo>
+                  <a:pt x="1047453" y="1980748"/>
+                </a:lnTo>
+                <a:cubicBezTo>
+                  <a:pt x="969980" y="1970180"/>
+                  <a:pt x="892254" y="1960377"/>
+                  <a:pt x="814907" y="1949045"/>
+                </a:cubicBezTo>
+                <a:cubicBezTo>
+                  <a:pt x="740609" y="1938094"/>
+                  <a:pt x="666692" y="1925744"/>
+                  <a:pt x="592649" y="1913776"/>
+                </a:cubicBezTo>
+                <a:cubicBezTo>
+                  <a:pt x="509587" y="1900280"/>
+                  <a:pt x="426653" y="1886274"/>
+                  <a:pt x="343591" y="1872650"/>
+                </a:cubicBezTo>
+                <a:cubicBezTo>
+                  <a:pt x="240972" y="1855716"/>
+                  <a:pt x="138225" y="1839673"/>
+                  <a:pt x="35731" y="1821722"/>
+                </a:cubicBezTo>
+                <a:lnTo>
+                  <a:pt x="0" y="1814848"/>
+                </a:lnTo>
+                <a:lnTo>
+                  <a:pt x="0" y="1758489"/>
+                </a:lnTo>
+                <a:lnTo>
+                  <a:pt x="274248" y="1808735"/>
+                </a:lnTo>
+                <a:cubicBezTo>
+                  <a:pt x="348926" y="1821467"/>
+                  <a:pt x="423604" y="1832798"/>
+                  <a:pt x="498157" y="1846167"/>
+                </a:cubicBezTo>
+                <a:cubicBezTo>
+                  <a:pt x="572708" y="1859536"/>
+                  <a:pt x="647896" y="1867813"/>
+                  <a:pt x="722828" y="1878635"/>
+                </a:cubicBezTo>
+                <a:cubicBezTo>
+                  <a:pt x="797762" y="1889457"/>
+                  <a:pt x="874219" y="1901426"/>
+                  <a:pt x="949913" y="1912375"/>
+                </a:cubicBezTo>
+                <a:cubicBezTo>
+                  <a:pt x="1031704" y="1924343"/>
+                  <a:pt x="1113496" y="1935802"/>
+                  <a:pt x="1195414" y="1947516"/>
+                </a:cubicBezTo>
+                <a:cubicBezTo>
+                  <a:pt x="1244566" y="1954519"/>
+                  <a:pt x="1293589" y="1962285"/>
+                  <a:pt x="1342867" y="1968397"/>
+                </a:cubicBezTo>
+                <a:cubicBezTo>
+                  <a:pt x="1401162" y="1975656"/>
+                  <a:pt x="1459712" y="1981130"/>
+                  <a:pt x="1518007" y="1988006"/>
+                </a:cubicBezTo>
+                <a:cubicBezTo>
+                  <a:pt x="1579224" y="1995263"/>
+                  <a:pt x="1640186" y="2003411"/>
+                  <a:pt x="1701403" y="2010669"/>
+                </a:cubicBezTo>
+                <a:cubicBezTo>
+                  <a:pt x="1762618" y="2017926"/>
+                  <a:pt x="1820279" y="2024292"/>
+                  <a:pt x="1879210" y="2031167"/>
+                </a:cubicBezTo>
+                <a:cubicBezTo>
+                  <a:pt x="1942712" y="2038425"/>
+                  <a:pt x="2006214" y="2046064"/>
+                  <a:pt x="2068702" y="2052940"/>
+                </a:cubicBezTo>
+                <a:cubicBezTo>
+                  <a:pt x="2116455" y="2058160"/>
+                  <a:pt x="2164335" y="2062362"/>
+                  <a:pt x="2212090" y="2067583"/>
+                </a:cubicBezTo>
+                <a:cubicBezTo>
+                  <a:pt x="2280419" y="2074967"/>
+                  <a:pt x="2348493" y="2085152"/>
+                  <a:pt x="2416949" y="2089609"/>
+                </a:cubicBezTo>
+                <a:cubicBezTo>
+                  <a:pt x="2472070" y="2093302"/>
+                  <a:pt x="2526936" y="2099540"/>
+                  <a:pt x="2582055" y="2105397"/>
+                </a:cubicBezTo>
+                <a:cubicBezTo>
+                  <a:pt x="2655337" y="2113291"/>
+                  <a:pt x="2729001" y="2119785"/>
+                  <a:pt x="2802282" y="2126405"/>
+                </a:cubicBezTo>
+                <a:cubicBezTo>
+                  <a:pt x="2862991" y="2131753"/>
+                  <a:pt x="2924207" y="2136337"/>
+                  <a:pt x="2984916" y="2141684"/>
+                </a:cubicBezTo>
+                <a:cubicBezTo>
+                  <a:pt x="3070516" y="2149324"/>
+                  <a:pt x="3156373" y="2152888"/>
+                  <a:pt x="3241847" y="2164094"/>
+                </a:cubicBezTo>
+                <a:cubicBezTo>
+                  <a:pt x="3307255" y="2172624"/>
+                  <a:pt x="3374060" y="2169822"/>
+                  <a:pt x="3439848" y="2176826"/>
+                </a:cubicBezTo>
+                <a:cubicBezTo>
+                  <a:pt x="3512622" y="2184592"/>
+                  <a:pt x="3585777" y="2186247"/>
+                  <a:pt x="3658678" y="2194523"/>
+                </a:cubicBezTo>
+                <a:cubicBezTo>
+                  <a:pt x="3731578" y="2202800"/>
+                  <a:pt x="3807019" y="2201781"/>
+                  <a:pt x="3881317" y="2206491"/>
+                </a:cubicBezTo>
+                <a:cubicBezTo>
+                  <a:pt x="3970222" y="2212094"/>
+                  <a:pt x="4059124" y="2223552"/>
+                  <a:pt x="4148916" y="2225081"/>
+                </a:cubicBezTo>
+                <a:cubicBezTo>
+                  <a:pt x="4255600" y="2226736"/>
+                  <a:pt x="4361779" y="2236539"/>
+                  <a:pt x="4468337" y="2237813"/>
+                </a:cubicBezTo>
+                <a:cubicBezTo>
+                  <a:pt x="4511390" y="2238577"/>
+                  <a:pt x="4554190" y="2246852"/>
+                  <a:pt x="4605375" y="2240232"/>
+                </a:cubicBezTo>
+                <a:cubicBezTo>
+                  <a:pt x="4574131" y="2238704"/>
+                  <a:pt x="4550762" y="2237940"/>
+                  <a:pt x="4527647" y="2236412"/>
+                </a:cubicBezTo>
+                <a:cubicBezTo>
+                  <a:pt x="4410293" y="2228773"/>
+                  <a:pt x="4292942" y="2220751"/>
+                  <a:pt x="4175589" y="2212985"/>
+                </a:cubicBezTo>
+                <a:cubicBezTo>
+                  <a:pt x="4113101" y="2208783"/>
+                  <a:pt x="4050615" y="2205219"/>
+                  <a:pt x="3988255" y="2200253"/>
+                </a:cubicBezTo>
+                <a:cubicBezTo>
+                  <a:pt x="3887668" y="2192487"/>
+                  <a:pt x="3787079" y="2184082"/>
+                  <a:pt x="3686492" y="2176062"/>
+                </a:cubicBezTo>
+                <a:cubicBezTo>
+                  <a:pt x="3630102" y="2171605"/>
+                  <a:pt x="3573711" y="2168040"/>
+                  <a:pt x="3517320" y="2163330"/>
+                </a:cubicBezTo>
+                <a:cubicBezTo>
+                  <a:pt x="3430958" y="2155689"/>
+                  <a:pt x="3344721" y="2147159"/>
+                  <a:pt x="3258357" y="2139519"/>
+                </a:cubicBezTo>
+                <a:cubicBezTo>
+                  <a:pt x="3206031" y="2134809"/>
+                  <a:pt x="3153705" y="2131371"/>
+                  <a:pt x="3101506" y="2126787"/>
+                </a:cubicBezTo>
+                <a:cubicBezTo>
+                  <a:pt x="3004220" y="2117365"/>
+                  <a:pt x="2907061" y="2106798"/>
+                  <a:pt x="2809395" y="2097502"/>
+                </a:cubicBezTo>
+                <a:cubicBezTo>
+                  <a:pt x="2739161" y="2090628"/>
+                  <a:pt x="2668673" y="2085916"/>
+                  <a:pt x="2598566" y="2078532"/>
+                </a:cubicBezTo>
+                <a:cubicBezTo>
+                  <a:pt x="2511441" y="2069365"/>
+                  <a:pt x="2424569" y="2058160"/>
+                  <a:pt x="2337444" y="2048611"/>
+                </a:cubicBezTo>
+                <a:cubicBezTo>
+                  <a:pt x="2255399" y="2039699"/>
+                  <a:pt x="2173099" y="2032950"/>
+                  <a:pt x="2091054" y="2023146"/>
+                </a:cubicBezTo>
+                <a:cubicBezTo>
+                  <a:pt x="1979162" y="2010414"/>
+                  <a:pt x="1867524" y="1995008"/>
+                  <a:pt x="1755761" y="1981384"/>
+                </a:cubicBezTo>
+                <a:cubicBezTo>
+                  <a:pt x="1650982" y="1968652"/>
+                  <a:pt x="1545821" y="1957830"/>
+                  <a:pt x="1441169" y="1943824"/>
+                </a:cubicBezTo>
+                <a:cubicBezTo>
+                  <a:pt x="1299813" y="1924980"/>
+                  <a:pt x="1158837" y="1903718"/>
+                  <a:pt x="1017607" y="1883345"/>
+                </a:cubicBezTo>
+                <a:cubicBezTo>
+                  <a:pt x="876378" y="1862974"/>
+                  <a:pt x="735402" y="1844003"/>
+                  <a:pt x="594427" y="1821849"/>
+                </a:cubicBezTo>
+                <a:cubicBezTo>
+                  <a:pt x="462850" y="1801222"/>
+                  <a:pt x="331526" y="1778304"/>
+                  <a:pt x="200711" y="1755132"/>
+                </a:cubicBezTo>
+                <a:lnTo>
+                  <a:pt x="0" y="1718743"/>
+                </a:lnTo>
+                <a:close/>
+              </a:path>
+            </a:pathLst>
+          </a:custGeom>
+          <a:solidFill>
+            <a:schemeClr val="accent2"/>
+          </a:solidFill>
+          <a:ln w="8199" cap="flat">
+            <a:noFill/>
+            <a:prstDash val="solid"/>
+            <a:miter/>
+          </a:ln>
+        </p:spPr>
+        <p:txBody>
+          <a:bodyPr rtlCol="0" anchor="ctr"/>
+          <a:lstStyle/>
+          <a:p>
+            <a:endParaRPr lang="en-US"/>
+          </a:p>
+        </p:txBody>
+      </p:sp>
+      <p:sp>
+        <p:nvSpPr>
+          <p:cNvPr id="2" name="Title 1">
+            <a:extLst>
+              <a:ext uri="{FF2B5EF4-FFF2-40B4-BE49-F238E27FC236}">
+                <a16:creationId xmlns:a16="http://schemas.microsoft.com/office/drawing/2014/main" id="{310B4006-291B-8C41-82C7-6E5CFDAFE76C}"/>
+              </a:ext>
+            </a:extLst>
+          </p:cNvPr>
+          <p:cNvSpPr>
+            <a:spLocks noGrp="1"/>
+          </p:cNvSpPr>
+          <p:nvPr>
+            <p:ph type="title"/>
+          </p:nvPr>
+        </p:nvSpPr>
+        <p:spPr>
+          <a:xfrm>
+            <a:off x="838200" y="401221"/>
+            <a:ext cx="10515600" cy="1348065"/>
+          </a:xfrm>
+        </p:spPr>
+        <p:txBody>
+          <a:bodyPr>
+            <a:noAutofit/>
+          </a:bodyPr>
+          <a:lstStyle/>
+          <a:p>
+            <a:r>
+              <a:rPr lang="en-US" sz="4800" dirty="0">
+                <a:solidFill>
+                  <a:srgbClr val="FFFFFF"/>
+                </a:solidFill>
+              </a:rPr>
+              <a:t>Recommendations</a:t>
+            </a:r>
+          </a:p>
+        </p:txBody>
+      </p:sp>
+      <p:sp>
+        <p:nvSpPr>
+          <p:cNvPr id="3" name="Content Placeholder 2">
+            <a:extLst>
+              <a:ext uri="{FF2B5EF4-FFF2-40B4-BE49-F238E27FC236}">
+                <a16:creationId xmlns:a16="http://schemas.microsoft.com/office/drawing/2014/main" id="{C79D2B30-3DD8-384D-B266-061A5BABA5D6}"/>
+              </a:ext>
+            </a:extLst>
+          </p:cNvPr>
+          <p:cNvSpPr>
+            <a:spLocks noGrp="1"/>
+          </p:cNvSpPr>
+          <p:nvPr>
+            <p:ph idx="1"/>
+          </p:nvPr>
+        </p:nvSpPr>
+        <p:spPr>
+          <a:xfrm>
+            <a:off x="838200" y="2586789"/>
+            <a:ext cx="10515600" cy="3590174"/>
+          </a:xfrm>
+        </p:spPr>
+        <p:txBody>
+          <a:bodyPr>
+            <a:normAutofit fontScale="92500"/>
+          </a:bodyPr>
+          <a:lstStyle/>
+          <a:p>
+            <a:r>
+              <a:rPr lang="en-US" sz="2200" b="1" dirty="0">
+                <a:solidFill>
+                  <a:schemeClr val="bg1"/>
+                </a:solidFill>
+              </a:rPr>
+              <a:t>NOTE:</a:t>
+            </a:r>
+            <a:r>
+              <a:rPr lang="en-US" sz="2200" dirty="0">
+                <a:solidFill>
+                  <a:schemeClr val="bg1"/>
+                </a:solidFill>
+              </a:rPr>
+              <a:t> This recommendation is only based on profit and cost analysis. A final decision cannot be taken before looking at each of their Financial Statements to ensure that XYZ is investing in the right company.</a:t>
+            </a:r>
+          </a:p>
+          <a:p>
+            <a:r>
+              <a:rPr lang="en-US" sz="2200" dirty="0">
+                <a:solidFill>
+                  <a:schemeClr val="bg1"/>
+                </a:solidFill>
+              </a:rPr>
+              <a:t>After seeing the trends that the data showed us, we can clearly say that the </a:t>
+            </a:r>
+            <a:r>
+              <a:rPr lang="en-US" sz="2200" b="1" dirty="0">
+                <a:solidFill>
+                  <a:schemeClr val="bg1"/>
+                </a:solidFill>
+              </a:rPr>
+              <a:t>Yellow Company</a:t>
+            </a:r>
+            <a:r>
+              <a:rPr lang="en-US" sz="2200" dirty="0">
+                <a:solidFill>
+                  <a:schemeClr val="bg1"/>
+                </a:solidFill>
+              </a:rPr>
+              <a:t>  is the right choice for XYZ to make an investment as part of their Go-to-Market (G2M) strategy.</a:t>
+            </a:r>
+          </a:p>
+          <a:p>
+            <a:r>
+              <a:rPr lang="en-US" sz="2200" dirty="0">
+                <a:solidFill>
+                  <a:schemeClr val="bg1"/>
+                </a:solidFill>
+              </a:rPr>
+              <a:t>We see that the Yellow Company has a higher average profit compared to the Pink company. Not only this, but they also undertake a significantly greater number of rides than the Pink company. </a:t>
+            </a:r>
+          </a:p>
+          <a:p>
+            <a:r>
+              <a:rPr lang="en-US" sz="2200" dirty="0">
+                <a:solidFill>
+                  <a:schemeClr val="bg1"/>
+                </a:solidFill>
+              </a:rPr>
+              <a:t>Apart from this, we also know that they are the go-to cab in the market at this point and with additional investment and guidance, could improve their reputation to hold a monopoly over the Cab Industry.</a:t>
+            </a:r>
+          </a:p>
+          <a:p>
+            <a:pPr marL="0" indent="0">
+              <a:buNone/>
+            </a:pPr>
+            <a:endParaRPr lang="en-US" sz="2200" dirty="0">
+              <a:solidFill>
+                <a:schemeClr val="bg1"/>
+              </a:solidFill>
+            </a:endParaRPr>
+          </a:p>
+        </p:txBody>
+      </p:sp>
+    </p:spTree>
+    <p:extLst>
+      <p:ext uri="{BB962C8B-B14F-4D97-AF65-F5344CB8AC3E}">
+        <p14:creationId xmlns:p14="http://schemas.microsoft.com/office/powerpoint/2010/main" val="1173678264"/>
+      </p:ext>
+    </p:extLst>
+  </p:cSld>
+  <p:clrMapOvr>
+    <a:masterClrMapping/>
+  </p:clrMapOvr>
+</p:sld>
+</file>
+
+<file path=ppt/slides/slide17.xml><?xml version="1.0" encoding="utf-8"?>
+<p:sld xmlns:a="http://schemas.openxmlformats.org/drawingml/2006/main" xmlns:r="http://schemas.openxmlformats.org/officeDocument/2006/relationships" xmlns:p="http://schemas.openxmlformats.org/presentationml/2006/main">
+  <p:cSld>
+    <p:spTree>
+      <p:nvGrpSpPr>
+        <p:cNvPr id="1" name=""/>
+        <p:cNvGrpSpPr/>
+        <p:nvPr/>
+      </p:nvGrpSpPr>
+      <p:grpSpPr>
+        <a:xfrm>
+          <a:off x="0" y="0"/>
+          <a:ext cx="0" cy="0"/>
+          <a:chOff x="0" y="0"/>
+          <a:chExt cx="0" cy="0"/>
+        </a:xfrm>
+      </p:grpSpPr>
+      <p:sp>
+        <p:nvSpPr>
+          <p:cNvPr id="2" name="Title 1">
+            <a:extLst>
+              <a:ext uri="{FF2B5EF4-FFF2-40B4-BE49-F238E27FC236}">
+                <a16:creationId xmlns:a16="http://schemas.microsoft.com/office/drawing/2014/main" id="{E8B8F26E-9345-4747-9094-972E38700A17}"/>
+              </a:ext>
+            </a:extLst>
+          </p:cNvPr>
+          <p:cNvSpPr>
+            <a:spLocks noGrp="1"/>
+          </p:cNvSpPr>
+          <p:nvPr>
+            <p:ph type="ctrTitle"/>
+          </p:nvPr>
+        </p:nvSpPr>
+        <p:spPr>
+          <a:xfrm rot="5400000">
+            <a:off x="-562431" y="562430"/>
+            <a:ext cx="6858002" cy="5733142"/>
+          </a:xfrm>
+          <a:solidFill>
+            <a:srgbClr val="3B3B3B"/>
+          </a:solidFill>
+        </p:spPr>
+        <p:txBody>
+          <a:bodyPr vert="vert270" anchor="t" anchorCtr="0"/>
+          <a:lstStyle/>
+          <a:p>
+            <a:endParaRPr lang="en-US" b="1" dirty="0">
+              <a:solidFill>
+                <a:srgbClr val="FF6600"/>
+              </a:solidFill>
+            </a:endParaRPr>
+          </a:p>
+        </p:txBody>
+      </p:sp>
+      <p:pic>
+        <p:nvPicPr>
+          <p:cNvPr id="4" name="Picture 3">
+            <a:extLst>
+              <a:ext uri="{FF2B5EF4-FFF2-40B4-BE49-F238E27FC236}">
+                <a16:creationId xmlns:a16="http://schemas.microsoft.com/office/drawing/2014/main" id="{7A465064-0714-5743-882B-8875105A7023}"/>
+              </a:ext>
+            </a:extLst>
+          </p:cNvPr>
+          <p:cNvPicPr>
+            <a:picLocks noChangeAspect="1"/>
+          </p:cNvPicPr>
+          <p:nvPr/>
+        </p:nvPicPr>
+        <p:blipFill>
+          <a:blip r:embed="rId2">
+            <a:extLst>
+              <a:ext uri="{28A0092B-C50C-407E-A947-70E740481C1C}">
+                <a14:useLocalDpi xmlns:a14="http://schemas.microsoft.com/office/drawing/2010/main" val="0"/>
+              </a:ext>
+            </a:extLst>
+          </a:blip>
+          <a:stretch>
+            <a:fillRect/>
+          </a:stretch>
+        </p:blipFill>
+        <p:spPr>
+          <a:xfrm>
+            <a:off x="0" y="5863771"/>
+            <a:ext cx="1654627" cy="994232"/>
+          </a:xfrm>
+          <a:prstGeom prst="rect">
+            <a:avLst/>
+          </a:prstGeom>
+        </p:spPr>
+      </p:pic>
+      <p:sp>
+        <p:nvSpPr>
+          <p:cNvPr id="6" name="Subtitle 5">
+            <a:extLst>
+              <a:ext uri="{FF2B5EF4-FFF2-40B4-BE49-F238E27FC236}">
+                <a16:creationId xmlns:a16="http://schemas.microsoft.com/office/drawing/2014/main" id="{2D4BA697-580E-5544-8F2F-194AD99B859F}"/>
+              </a:ext>
+            </a:extLst>
+          </p:cNvPr>
+          <p:cNvSpPr>
+            <a:spLocks noGrp="1"/>
+          </p:cNvSpPr>
+          <p:nvPr>
+            <p:ph type="subTitle" idx="1"/>
+          </p:nvPr>
+        </p:nvSpPr>
+        <p:spPr>
+          <a:xfrm>
+            <a:off x="6324422" y="3085624"/>
+            <a:ext cx="5558973" cy="1655762"/>
+          </a:xfrm>
+        </p:spPr>
+        <p:txBody>
+          <a:bodyPr>
+            <a:normAutofit/>
+          </a:bodyPr>
+          <a:lstStyle/>
+          <a:p>
+            <a:r>
+              <a:rPr lang="en-US" sz="6600" dirty="0">
+                <a:solidFill>
+                  <a:srgbClr val="FF6600"/>
+                </a:solidFill>
+              </a:rPr>
+              <a:t>Thank You</a:t>
+            </a:r>
+          </a:p>
+          <a:p>
+            <a:endParaRPr lang="en-US" sz="6600" dirty="0">
+              <a:solidFill>
+                <a:srgbClr val="FF6600"/>
+              </a:solidFill>
+            </a:endParaRPr>
+          </a:p>
+        </p:txBody>
+      </p:sp>
+    </p:spTree>
+    <p:extLst>
+      <p:ext uri="{BB962C8B-B14F-4D97-AF65-F5344CB8AC3E}">
+        <p14:creationId xmlns:p14="http://schemas.microsoft.com/office/powerpoint/2010/main" val="116821060"/>
+      </p:ext>
+    </p:extLst>
+  </p:cSld>
+  <p:clrMapOvr>
+    <a:masterClrMapping/>
+  </p:clrMapOvr>
+</p:sld>
+</file>
+
 <file path=ppt/slides/slide2.xml><?xml version="1.0" encoding="utf-8"?>
 <p:sld xmlns:a="http://schemas.openxmlformats.org/drawingml/2006/main" xmlns:r="http://schemas.openxmlformats.org/officeDocument/2006/relationships" xmlns:p="http://schemas.openxmlformats.org/presentationml/2006/main">
   <p:cSld>
@@ -3202,7 +9642,8 @@
           </a:bodyPr>
           <a:lstStyle/>
           <a:p>
-            <a:endParaRPr lang="en-US" dirty="0">
+            <a:pPr algn="just"/>
+            <a:endParaRPr lang="en-US" sz="1400" dirty="0">
               <a:solidFill>
                 <a:srgbClr val="FF6600"/>
               </a:solidFill>
@@ -3210,14 +9651,11 @@
           </a:p>
           <a:p>
             <a:pPr algn="just"/>
-            <a:r>
-              <a:rPr lang="en-US" dirty="0">
-                <a:solidFill>
-                  <a:srgbClr val="FF6600"/>
-                </a:solidFill>
-              </a:rPr>
-              <a:t>   </a:t>
-            </a:r>
+            <a:endParaRPr lang="en-US" sz="1400" dirty="0">
+              <a:solidFill>
+                <a:srgbClr val="FF6600"/>
+              </a:solidFill>
+            </a:endParaRPr>
           </a:p>
           <a:p>
             <a:pPr algn="just"/>
@@ -3229,6 +9667,20 @@
               </a:rPr>
               <a:t>         </a:t>
             </a:r>
+            <a:r>
+              <a:rPr lang="en-US" sz="2800" dirty="0">
+                <a:solidFill>
+                  <a:srgbClr val="FF6600"/>
+                </a:solidFill>
+                <a:hlinkClick r:id="rId2" action="ppaction://hlinksldjump"/>
+              </a:rPr>
+              <a:t>Executive Summary</a:t>
+            </a:r>
+            <a:endParaRPr lang="en-US" sz="2800" dirty="0">
+              <a:solidFill>
+                <a:srgbClr val="FF6600"/>
+              </a:solidFill>
+            </a:endParaRPr>
           </a:p>
           <a:p>
             <a:pPr algn="just"/>
@@ -3238,8 +9690,22 @@
                   <a:srgbClr val="FF6600"/>
                 </a:solidFill>
               </a:rPr>
-              <a:t>         Executive Summary</a:t>
-            </a:r>
+              <a:t>         </a:t>
+            </a:r>
+            <a:r>
+              <a:rPr lang="en-US" sz="2800" dirty="0">
+                <a:solidFill>
+                  <a:srgbClr val="FF6600"/>
+                </a:solidFill>
+                <a:hlinkClick r:id="rId3" action="ppaction://hlinksldjump"/>
+              </a:rPr>
+              <a:t>Data Sets</a:t>
+            </a:r>
+            <a:endParaRPr lang="en-US" sz="2800" dirty="0">
+              <a:solidFill>
+                <a:srgbClr val="FF6600"/>
+              </a:solidFill>
+            </a:endParaRPr>
           </a:p>
           <a:p>
             <a:pPr algn="just"/>
@@ -3249,8 +9715,22 @@
                   <a:srgbClr val="FF6600"/>
                 </a:solidFill>
               </a:rPr>
-              <a:t>         Problem Statement</a:t>
-            </a:r>
+              <a:t>         </a:t>
+            </a:r>
+            <a:r>
+              <a:rPr lang="en-US" sz="2800" dirty="0">
+                <a:solidFill>
+                  <a:srgbClr val="FF6600"/>
+                </a:solidFill>
+                <a:hlinkClick r:id="rId4" action="ppaction://hlinksldjump"/>
+              </a:rPr>
+              <a:t>Data Cleaning &amp; Combining</a:t>
+            </a:r>
+            <a:endParaRPr lang="en-US" sz="2800" dirty="0">
+              <a:solidFill>
+                <a:srgbClr val="FF6600"/>
+              </a:solidFill>
+            </a:endParaRPr>
           </a:p>
           <a:p>
             <a:pPr algn="just"/>
@@ -3260,8 +9740,22 @@
                   <a:srgbClr val="FF6600"/>
                 </a:solidFill>
               </a:rPr>
-              <a:t>         Approach</a:t>
-            </a:r>
+              <a:t>         </a:t>
+            </a:r>
+            <a:r>
+              <a:rPr lang="en-US" sz="2800" dirty="0">
+                <a:solidFill>
+                  <a:srgbClr val="FF6600"/>
+                </a:solidFill>
+                <a:hlinkClick r:id="rId5" action="ppaction://hlinksldjump"/>
+              </a:rPr>
+              <a:t>Exploratory Data Analysis (EDA)</a:t>
+            </a:r>
+            <a:endParaRPr lang="en-US" sz="2800" dirty="0">
+              <a:solidFill>
+                <a:srgbClr val="FF6600"/>
+              </a:solidFill>
+            </a:endParaRPr>
           </a:p>
           <a:p>
             <a:pPr algn="just"/>
@@ -3271,8 +9765,22 @@
                   <a:srgbClr val="FF6600"/>
                 </a:solidFill>
               </a:rPr>
-              <a:t>         EDA</a:t>
-            </a:r>
+              <a:t>         </a:t>
+            </a:r>
+            <a:r>
+              <a:rPr lang="en-US" sz="2800" dirty="0">
+                <a:solidFill>
+                  <a:srgbClr val="FF6600"/>
+                </a:solidFill>
+                <a:hlinkClick r:id="rId6" action="ppaction://hlinksldjump"/>
+              </a:rPr>
+              <a:t>Ride Analysis</a:t>
+            </a:r>
+            <a:endParaRPr lang="en-US" sz="2800" dirty="0">
+              <a:solidFill>
+                <a:srgbClr val="FF6600"/>
+              </a:solidFill>
+            </a:endParaRPr>
           </a:p>
           <a:p>
             <a:pPr algn="just"/>
@@ -3282,8 +9790,22 @@
                   <a:srgbClr val="FF6600"/>
                 </a:solidFill>
               </a:rPr>
-              <a:t>         EDA Summary</a:t>
-            </a:r>
+              <a:t>         </a:t>
+            </a:r>
+            <a:r>
+              <a:rPr lang="en-US" sz="2800" dirty="0">
+                <a:solidFill>
+                  <a:srgbClr val="FF6600"/>
+                </a:solidFill>
+                <a:hlinkClick r:id="rId7" action="ppaction://hlinksldjump"/>
+              </a:rPr>
+              <a:t>Cost, Price and Profit Analysis</a:t>
+            </a:r>
+            <a:endParaRPr lang="en-US" sz="2800" dirty="0">
+              <a:solidFill>
+                <a:srgbClr val="FF6600"/>
+              </a:solidFill>
+            </a:endParaRPr>
           </a:p>
           <a:p>
             <a:pPr algn="just"/>
@@ -3293,7 +9815,124 @@
                   <a:srgbClr val="FF6600"/>
                 </a:solidFill>
               </a:rPr>
-              <a:t>         Recommendations</a:t>
+              <a:t>         </a:t>
+            </a:r>
+            <a:r>
+              <a:rPr lang="en-US" sz="2800" dirty="0">
+                <a:solidFill>
+                  <a:srgbClr val="FF6600"/>
+                </a:solidFill>
+                <a:hlinkClick r:id="rId8" action="ppaction://hlinksldjump"/>
+              </a:rPr>
+              <a:t>Average Profit by Gender</a:t>
+            </a:r>
+            <a:endParaRPr lang="en-US" sz="2800" dirty="0">
+              <a:solidFill>
+                <a:srgbClr val="FF6600"/>
+              </a:solidFill>
+            </a:endParaRPr>
+          </a:p>
+          <a:p>
+            <a:pPr algn="just"/>
+            <a:r>
+              <a:rPr lang="en-US" sz="2800" dirty="0">
+                <a:solidFill>
+                  <a:srgbClr val="FF6600"/>
+                </a:solidFill>
+              </a:rPr>
+              <a:t>         </a:t>
+            </a:r>
+            <a:r>
+              <a:rPr lang="en-US" sz="2800" dirty="0">
+                <a:solidFill>
+                  <a:srgbClr val="FF6600"/>
+                </a:solidFill>
+                <a:hlinkClick r:id="rId9" action="ppaction://hlinksldjump"/>
+              </a:rPr>
+              <a:t>Customer Preferences</a:t>
+            </a:r>
+            <a:endParaRPr lang="en-US" sz="2800" dirty="0">
+              <a:solidFill>
+                <a:srgbClr val="FF6600"/>
+              </a:solidFill>
+            </a:endParaRPr>
+          </a:p>
+          <a:p>
+            <a:pPr algn="just"/>
+            <a:r>
+              <a:rPr lang="en-US" sz="2800" dirty="0">
+                <a:solidFill>
+                  <a:srgbClr val="FF6600"/>
+                </a:solidFill>
+              </a:rPr>
+              <a:t>         </a:t>
+            </a:r>
+            <a:r>
+              <a:rPr lang="en-US" sz="2800" dirty="0">
+                <a:solidFill>
+                  <a:srgbClr val="FF6600"/>
+                </a:solidFill>
+                <a:hlinkClick r:id="rId10" action="ppaction://hlinksldjump"/>
+              </a:rPr>
+              <a:t>Average Profit by Year</a:t>
+            </a:r>
+            <a:endParaRPr lang="en-US" sz="2800" dirty="0">
+              <a:solidFill>
+                <a:srgbClr val="FF6600"/>
+              </a:solidFill>
+            </a:endParaRPr>
+          </a:p>
+          <a:p>
+            <a:pPr algn="just"/>
+            <a:r>
+              <a:rPr lang="en-US" sz="2800" dirty="0">
+                <a:solidFill>
+                  <a:srgbClr val="FF6600"/>
+                </a:solidFill>
+              </a:rPr>
+              <a:t>         </a:t>
+            </a:r>
+            <a:r>
+              <a:rPr lang="en-US" sz="2800" dirty="0">
+                <a:solidFill>
+                  <a:srgbClr val="FF6600"/>
+                </a:solidFill>
+                <a:hlinkClick r:id="rId11" action="ppaction://hlinksldjump"/>
+              </a:rPr>
+              <a:t>Exploratory Data Analysis Summary</a:t>
+            </a:r>
+            <a:endParaRPr lang="en-US" sz="2800" dirty="0">
+              <a:solidFill>
+                <a:srgbClr val="FF6600"/>
+              </a:solidFill>
+            </a:endParaRPr>
+          </a:p>
+          <a:p>
+            <a:pPr algn="just"/>
+            <a:r>
+              <a:rPr lang="en-US" sz="2800" dirty="0">
+                <a:solidFill>
+                  <a:srgbClr val="FF6600"/>
+                </a:solidFill>
+              </a:rPr>
+              <a:t>         </a:t>
+            </a:r>
+            <a:r>
+              <a:rPr lang="en-US" sz="2800" dirty="0">
+                <a:solidFill>
+                  <a:srgbClr val="FF6600"/>
+                </a:solidFill>
+                <a:hlinkClick r:id="rId12" action="ppaction://hlinksldjump"/>
+              </a:rPr>
+              <a:t>Recommendations</a:t>
+            </a:r>
+            <a:r>
+              <a:rPr lang="en-US" sz="2800" dirty="0">
+                <a:solidFill>
+                  <a:srgbClr val="FF6600"/>
+                </a:solidFill>
+              </a:rPr>
+              <a:t> </a:t>
             </a:r>
           </a:p>
           <a:p>
@@ -3334,7 +9973,7 @@
           <p:nvPr/>
         </p:nvPicPr>
         <p:blipFill>
-          <a:blip r:embed="rId2">
+          <a:blip r:embed="rId13">
             <a:extLst>
               <a:ext uri="{28A0092B-C50C-407E-A947-70E740481C1C}">
                 <a14:useLocalDpi xmlns:a14="http://schemas.microsoft.com/office/drawing/2010/main" val="0"/>
@@ -6645,7 +13284,7 @@
                   <a:srgbClr val="FFFFFF"/>
                 </a:solidFill>
               </a:rPr>
-              <a:t>Exploratory Data Analysis (EDA)</a:t>
+              <a:t>Data Cleaning &amp; Combining</a:t>
             </a:r>
           </a:p>
         </p:txBody>
@@ -6795,7 +13434,7 @@
     <p:bg>
       <p:bgPr>
         <a:solidFill>
-          <a:schemeClr val="bg1"/>
+          <a:schemeClr val="accent2"/>
         </a:solidFill>
         <a:effectLst/>
       </p:bgPr>
@@ -6814,12 +13453,12 @@
           <a:chExt cx="0" cy="0"/>
         </a:xfrm>
       </p:grpSpPr>
-      <p:sp useBgFill="1">
+      <p:sp>
         <p:nvSpPr>
-          <p:cNvPr id="51" name="Rectangle 50">
+          <p:cNvPr id="10" name="Rectangle 9">
             <a:extLst>
               <a:ext uri="{FF2B5EF4-FFF2-40B4-BE49-F238E27FC236}">
-                <a16:creationId xmlns:a16="http://schemas.microsoft.com/office/drawing/2014/main" id="{33CD251C-A887-4D2F-925B-FC097198538B}"/>
+                <a16:creationId xmlns:a16="http://schemas.microsoft.com/office/drawing/2014/main" id="{5B32A67F-3598-4A13-8552-DA884FFCCE57}"/>
               </a:ext>
               <a:ext uri="{C183D7F6-B498-43B3-948B-1728B52AA6E4}">
                 <adec:decorative xmlns:adec="http://schemas.microsoft.com/office/drawing/2017/decorative" val="1"/>
@@ -6845,6 +13484,12 @@
           <a:prstGeom prst="rect">
             <a:avLst/>
           </a:prstGeom>
+          <a:solidFill>
+            <a:schemeClr val="tx1">
+              <a:lumMod val="75000"/>
+              <a:lumOff val="25000"/>
+            </a:schemeClr>
+          </a:solidFill>
           <a:ln>
             <a:noFill/>
           </a:ln>
@@ -6876,10 +13521,52 @@
       </p:sp>
       <p:sp>
         <p:nvSpPr>
-          <p:cNvPr id="53" name="Freeform: Shape 52">
+          <p:cNvPr id="2" name="Title 1">
             <a:extLst>
               <a:ext uri="{FF2B5EF4-FFF2-40B4-BE49-F238E27FC236}">
-                <a16:creationId xmlns:a16="http://schemas.microsoft.com/office/drawing/2014/main" id="{3B2069EE-A08E-44F0-B3F9-3CF8CC2DCAD5}"/>
+                <a16:creationId xmlns:a16="http://schemas.microsoft.com/office/drawing/2014/main" id="{9CB9A606-CBE2-2C4D-B7EC-F45D8A1496EC}"/>
+              </a:ext>
+            </a:extLst>
+          </p:cNvPr>
+          <p:cNvSpPr>
+            <a:spLocks noGrp="1"/>
+          </p:cNvSpPr>
+          <p:nvPr>
+            <p:ph type="title"/>
+          </p:nvPr>
+        </p:nvSpPr>
+        <p:spPr>
+          <a:xfrm>
+            <a:off x="804673" y="3320859"/>
+            <a:ext cx="4573475" cy="2076333"/>
+          </a:xfrm>
+        </p:spPr>
+        <p:txBody>
+          <a:bodyPr vert="horz" lIns="91440" tIns="45720" rIns="91440" bIns="45720" rtlCol="0" anchor="t">
+            <a:normAutofit/>
+          </a:bodyPr>
+          <a:lstStyle/>
+          <a:p>
+            <a:r>
+              <a:rPr lang="en-US" sz="4800" kern="1200" dirty="0">
+                <a:solidFill>
+                  <a:schemeClr val="accent2"/>
+                </a:solidFill>
+                <a:latin typeface="+mj-lt"/>
+                <a:ea typeface="+mj-ea"/>
+                <a:cs typeface="+mj-cs"/>
+              </a:rPr>
+              <a:t>Exploratory Data Analysis</a:t>
+            </a:r>
+          </a:p>
+        </p:txBody>
+      </p:sp>
+      <p:sp>
+        <p:nvSpPr>
+          <p:cNvPr id="12" name="Freeform: Shape 11">
+            <a:extLst>
+              <a:ext uri="{FF2B5EF4-FFF2-40B4-BE49-F238E27FC236}">
+                <a16:creationId xmlns:a16="http://schemas.microsoft.com/office/drawing/2014/main" id="{BCC55ACC-A2F6-403C-A3A4-D59B3734D45F}"/>
               </a:ext>
               <a:ext uri="{C183D7F6-B498-43B3-948B-1728B52AA6E4}">
                 <adec:decorative xmlns:adec="http://schemas.microsoft.com/office/drawing/2017/decorative" val="1"/>
@@ -6899,28 +13586,34 @@
         </p:nvSpPr>
         <p:spPr>
           <a:xfrm>
-            <a:off x="0" y="0"/>
-            <a:ext cx="6126740" cy="6857542"/>
+            <a:off x="5857312" y="381000"/>
+            <a:ext cx="6334689" cy="6477000"/>
           </a:xfrm>
           <a:custGeom>
             <a:avLst/>
             <a:gdLst>
-              <a:gd name="connsiteX0" fmla="*/ 0 w 6126740"/>
-              <a:gd name="connsiteY0" fmla="*/ 0 h 6857542"/>
-              <a:gd name="connsiteX1" fmla="*/ 4980067 w 6126740"/>
-              <a:gd name="connsiteY1" fmla="*/ 0 h 6857542"/>
-              <a:gd name="connsiteX2" fmla="*/ 4992714 w 6126740"/>
-              <a:gd name="connsiteY2" fmla="*/ 31774 h 6857542"/>
-              <a:gd name="connsiteX3" fmla="*/ 6047722 w 6126740"/>
-              <a:gd name="connsiteY3" fmla="*/ 2682457 h 6857542"/>
-              <a:gd name="connsiteX4" fmla="*/ 6047722 w 6126740"/>
-              <a:gd name="connsiteY4" fmla="*/ 3752208 h 6857542"/>
-              <a:gd name="connsiteX5" fmla="*/ 4890218 w 6126740"/>
-              <a:gd name="connsiteY5" fmla="*/ 6660411 h 6857542"/>
-              <a:gd name="connsiteX6" fmla="*/ 4811756 w 6126740"/>
-              <a:gd name="connsiteY6" fmla="*/ 6857542 h 6857542"/>
-              <a:gd name="connsiteX7" fmla="*/ 0 w 6126740"/>
-              <a:gd name="connsiteY7" fmla="*/ 6857542 h 6857542"/>
+              <a:gd name="connsiteX0" fmla="*/ 3561588 w 6334689"/>
+              <a:gd name="connsiteY0" fmla="*/ 0 h 6477000"/>
+              <a:gd name="connsiteX1" fmla="*/ 6309883 w 6334689"/>
+              <a:gd name="connsiteY1" fmla="*/ 1296087 h 6477000"/>
+              <a:gd name="connsiteX2" fmla="*/ 6334689 w 6334689"/>
+              <a:gd name="connsiteY2" fmla="*/ 1329261 h 6477000"/>
+              <a:gd name="connsiteX3" fmla="*/ 6334689 w 6334689"/>
+              <a:gd name="connsiteY3" fmla="*/ 5793916 h 6477000"/>
+              <a:gd name="connsiteX4" fmla="*/ 6309883 w 6334689"/>
+              <a:gd name="connsiteY4" fmla="*/ 5827089 h 6477000"/>
+              <a:gd name="connsiteX5" fmla="*/ 5760467 w 6334689"/>
+              <a:gd name="connsiteY5" fmla="*/ 6363539 h 6477000"/>
+              <a:gd name="connsiteX6" fmla="*/ 5607796 w 6334689"/>
+              <a:gd name="connsiteY6" fmla="*/ 6477000 h 6477000"/>
+              <a:gd name="connsiteX7" fmla="*/ 1519571 w 6334689"/>
+              <a:gd name="connsiteY7" fmla="*/ 6477000 h 6477000"/>
+              <a:gd name="connsiteX8" fmla="*/ 1296088 w 6334689"/>
+              <a:gd name="connsiteY8" fmla="*/ 6309883 h 6477000"/>
+              <a:gd name="connsiteX9" fmla="*/ 0 w 6334689"/>
+              <a:gd name="connsiteY9" fmla="*/ 3561588 h 6477000"/>
+              <a:gd name="connsiteX10" fmla="*/ 3561588 w 6334689"/>
+              <a:gd name="connsiteY10" fmla="*/ 0 h 6477000"/>
             </a:gdLst>
             <a:ahLst/>
             <a:cxnLst>
@@ -6948,46 +13641,68 @@
               <a:cxn ang="0">
                 <a:pos x="connsiteX7" y="connsiteY7"/>
               </a:cxn>
+              <a:cxn ang="0">
+                <a:pos x="connsiteX8" y="connsiteY8"/>
+              </a:cxn>
+              <a:cxn ang="0">
+                <a:pos x="connsiteX9" y="connsiteY9"/>
+              </a:cxn>
+              <a:cxn ang="0">
+                <a:pos x="connsiteX10" y="connsiteY10"/>
+              </a:cxn>
             </a:cxnLst>
             <a:rect l="l" t="t" r="r" b="b"/>
             <a:pathLst>
-              <a:path w="6126740" h="6857542">
+              <a:path w="6334689" h="6477000">
                 <a:moveTo>
-                  <a:pt x="0" y="0"/>
+                  <a:pt x="3561588" y="0"/>
                 </a:moveTo>
-                <a:lnTo>
-                  <a:pt x="4980067" y="0"/>
-                </a:lnTo>
-                <a:lnTo>
-                  <a:pt x="4992714" y="31774"/>
-                </a:lnTo>
-                <a:cubicBezTo>
-                  <a:pt x="6047722" y="2682457"/>
-                  <a:pt x="6047722" y="2682457"/>
-                  <a:pt x="6047722" y="2682457"/>
-                </a:cubicBezTo>
-                <a:cubicBezTo>
-                  <a:pt x="6153080" y="2988100"/>
-                  <a:pt x="6153080" y="3446565"/>
-                  <a:pt x="6047722" y="3752208"/>
-                </a:cubicBezTo>
-                <a:cubicBezTo>
-                  <a:pt x="5563735" y="4968215"/>
-                  <a:pt x="5185620" y="5918220"/>
-                  <a:pt x="4890218" y="6660411"/>
-                </a:cubicBezTo>
-                <a:lnTo>
-                  <a:pt x="4811756" y="6857542"/>
-                </a:lnTo>
-                <a:lnTo>
-                  <a:pt x="0" y="6857542"/>
-                </a:lnTo>
+                <a:cubicBezTo>
+                  <a:pt x="4668032" y="0"/>
+                  <a:pt x="5656635" y="504534"/>
+                  <a:pt x="6309883" y="1296087"/>
+                </a:cubicBezTo>
+                <a:lnTo>
+                  <a:pt x="6334689" y="1329261"/>
+                </a:lnTo>
+                <a:lnTo>
+                  <a:pt x="6334689" y="5793916"/>
+                </a:lnTo>
+                <a:lnTo>
+                  <a:pt x="6309883" y="5827089"/>
+                </a:lnTo>
+                <a:cubicBezTo>
+                  <a:pt x="6146571" y="6024977"/>
+                  <a:pt x="5962299" y="6204927"/>
+                  <a:pt x="5760467" y="6363539"/>
+                </a:cubicBezTo>
+                <a:lnTo>
+                  <a:pt x="5607796" y="6477000"/>
+                </a:lnTo>
+                <a:lnTo>
+                  <a:pt x="1519571" y="6477000"/>
+                </a:lnTo>
+                <a:lnTo>
+                  <a:pt x="1296088" y="6309883"/>
+                </a:lnTo>
+                <a:cubicBezTo>
+                  <a:pt x="504535" y="5656635"/>
+                  <a:pt x="0" y="4668032"/>
+                  <a:pt x="0" y="3561588"/>
+                </a:cubicBezTo>
+                <a:cubicBezTo>
+                  <a:pt x="0" y="1594577"/>
+                  <a:pt x="1594577" y="0"/>
+                  <a:pt x="3561588" y="0"/>
+                </a:cubicBezTo>
                 <a:close/>
               </a:path>
             </a:pathLst>
           </a:custGeom>
           <a:solidFill>
-            <a:schemeClr val="tx1"/>
+            <a:schemeClr val="bg1">
+              <a:alpha val="80000"/>
+            </a:schemeClr>
           </a:solidFill>
           <a:ln>
             <a:noFill/>
@@ -7010,13 +13725,416 @@
           </a:fontRef>
         </p:style>
         <p:txBody>
-          <a:bodyPr wrap="square" rtlCol="0" anchor="ctr">
-            <a:noAutofit/>
-          </a:bodyPr>
+          <a:bodyPr rtlCol="0" anchor="ctr"/>
           <a:lstStyle/>
           <a:p>
-            <a:pPr algn="ctr"/>
-            <a:endParaRPr lang="en-US"/>
+            <a:pPr marL="0" marR="0" lvl="0" indent="0" algn="ctr" defTabSz="914400" rtl="0" eaLnBrk="1" fontAlgn="auto" latinLnBrk="0" hangingPunct="1">
+              <a:lnSpc>
+                <a:spcPct val="100000"/>
+              </a:lnSpc>
+              <a:spcBef>
+                <a:spcPts val="0"/>
+              </a:spcBef>
+              <a:spcAft>
+                <a:spcPts val="0"/>
+              </a:spcAft>
+              <a:buClrTx/>
+              <a:buSzTx/>
+              <a:buFontTx/>
+              <a:buNone/>
+              <a:tabLst/>
+              <a:defRPr/>
+            </a:pPr>
+            <a:endParaRPr kumimoji="0" lang="en-US" sz="1800" b="0" i="0" u="none" strike="noStrike" kern="1200" cap="none" spc="0" normalizeH="0" baseline="0" noProof="0">
+              <a:ln>
+                <a:noFill/>
+              </a:ln>
+              <a:solidFill>
+                <a:prstClr val="white"/>
+              </a:solidFill>
+              <a:effectLst/>
+              <a:uLnTx/>
+              <a:uFillTx/>
+              <a:latin typeface="Calibri" panose="020F0502020204030204"/>
+              <a:ea typeface="+mn-ea"/>
+              <a:cs typeface="+mn-cs"/>
+            </a:endParaRPr>
+          </a:p>
+        </p:txBody>
+      </p:sp>
+      <p:sp>
+        <p:nvSpPr>
+          <p:cNvPr id="14" name="Freeform: Shape 13">
+            <a:extLst>
+              <a:ext uri="{FF2B5EF4-FFF2-40B4-BE49-F238E27FC236}">
+                <a16:creationId xmlns:a16="http://schemas.microsoft.com/office/drawing/2014/main" id="{598EBA13-C937-430B-9523-439FE21096E6}"/>
+              </a:ext>
+              <a:ext uri="{C183D7F6-B498-43B3-948B-1728B52AA6E4}">
+                <adec:decorative xmlns:adec="http://schemas.microsoft.com/office/drawing/2017/decorative" val="1"/>
+              </a:ext>
+            </a:extLst>
+          </p:cNvPr>
+          <p:cNvSpPr>
+            <a:spLocks noGrp="1" noRot="1" noChangeAspect="1" noMove="1" noResize="1" noEditPoints="1" noAdjustHandles="1" noChangeArrowheads="1" noChangeShapeType="1" noTextEdit="1"/>
+          </p:cNvSpPr>
+          <p:nvPr>
+            <p:extLst>
+              <p:ext uri="{386F3935-93C4-4BCD-93E2-E3B085C9AB24}">
+                <p16:designElem xmlns:p16="http://schemas.microsoft.com/office/powerpoint/2015/main" val="1"/>
+              </p:ext>
+            </p:extLst>
+          </p:nvPr>
+        </p:nvSpPr>
+        <p:spPr>
+          <a:xfrm>
+            <a:off x="6021086" y="544777"/>
+            <a:ext cx="6170914" cy="6313225"/>
+          </a:xfrm>
+          <a:custGeom>
+            <a:avLst/>
+            <a:gdLst>
+              <a:gd name="connsiteX0" fmla="*/ 3397813 w 6170914"/>
+              <a:gd name="connsiteY0" fmla="*/ 0 h 6313225"/>
+              <a:gd name="connsiteX1" fmla="*/ 6019731 w 6170914"/>
+              <a:gd name="connsiteY1" fmla="*/ 1236489 h 6313225"/>
+              <a:gd name="connsiteX2" fmla="*/ 6170914 w 6170914"/>
+              <a:gd name="connsiteY2" fmla="*/ 1438663 h 6313225"/>
+              <a:gd name="connsiteX3" fmla="*/ 6170914 w 6170914"/>
+              <a:gd name="connsiteY3" fmla="*/ 5356963 h 6313225"/>
+              <a:gd name="connsiteX4" fmla="*/ 6019731 w 6170914"/>
+              <a:gd name="connsiteY4" fmla="*/ 5559138 h 6313225"/>
+              <a:gd name="connsiteX5" fmla="*/ 5194591 w 6170914"/>
+              <a:gd name="connsiteY5" fmla="*/ 6282226 h 6313225"/>
+              <a:gd name="connsiteX6" fmla="*/ 5141791 w 6170914"/>
+              <a:gd name="connsiteY6" fmla="*/ 6313225 h 6313225"/>
+              <a:gd name="connsiteX7" fmla="*/ 1659199 w 6170914"/>
+              <a:gd name="connsiteY7" fmla="*/ 6313225 h 6313225"/>
+              <a:gd name="connsiteX8" fmla="*/ 1498064 w 6170914"/>
+              <a:gd name="connsiteY8" fmla="*/ 6215333 h 6313225"/>
+              <a:gd name="connsiteX9" fmla="*/ 0 w 6170914"/>
+              <a:gd name="connsiteY9" fmla="*/ 3397813 h 6313225"/>
+              <a:gd name="connsiteX10" fmla="*/ 3397813 w 6170914"/>
+              <a:gd name="connsiteY10" fmla="*/ 0 h 6313225"/>
+            </a:gdLst>
+            <a:ahLst/>
+            <a:cxnLst>
+              <a:cxn ang="0">
+                <a:pos x="connsiteX0" y="connsiteY0"/>
+              </a:cxn>
+              <a:cxn ang="0">
+                <a:pos x="connsiteX1" y="connsiteY1"/>
+              </a:cxn>
+              <a:cxn ang="0">
+                <a:pos x="connsiteX2" y="connsiteY2"/>
+              </a:cxn>
+              <a:cxn ang="0">
+                <a:pos x="connsiteX3" y="connsiteY3"/>
+              </a:cxn>
+              <a:cxn ang="0">
+                <a:pos x="connsiteX4" y="connsiteY4"/>
+              </a:cxn>
+              <a:cxn ang="0">
+                <a:pos x="connsiteX5" y="connsiteY5"/>
+              </a:cxn>
+              <a:cxn ang="0">
+                <a:pos x="connsiteX6" y="connsiteY6"/>
+              </a:cxn>
+              <a:cxn ang="0">
+                <a:pos x="connsiteX7" y="connsiteY7"/>
+              </a:cxn>
+              <a:cxn ang="0">
+                <a:pos x="connsiteX8" y="connsiteY8"/>
+              </a:cxn>
+              <a:cxn ang="0">
+                <a:pos x="connsiteX9" y="connsiteY9"/>
+              </a:cxn>
+              <a:cxn ang="0">
+                <a:pos x="connsiteX10" y="connsiteY10"/>
+              </a:cxn>
+            </a:cxnLst>
+            <a:rect l="l" t="t" r="r" b="b"/>
+            <a:pathLst>
+              <a:path w="6170914" h="6313225">
+                <a:moveTo>
+                  <a:pt x="3397813" y="0"/>
+                </a:moveTo>
+                <a:cubicBezTo>
+                  <a:pt x="4453378" y="0"/>
+                  <a:pt x="5396522" y="481334"/>
+                  <a:pt x="6019731" y="1236489"/>
+                </a:cubicBezTo>
+                <a:lnTo>
+                  <a:pt x="6170914" y="1438663"/>
+                </a:lnTo>
+                <a:lnTo>
+                  <a:pt x="6170914" y="5356963"/>
+                </a:lnTo>
+                <a:lnTo>
+                  <a:pt x="6019731" y="5559138"/>
+                </a:lnTo>
+                <a:cubicBezTo>
+                  <a:pt x="5786028" y="5842321"/>
+                  <a:pt x="5507333" y="6086998"/>
+                  <a:pt x="5194591" y="6282226"/>
+                </a:cubicBezTo>
+                <a:lnTo>
+                  <a:pt x="5141791" y="6313225"/>
+                </a:lnTo>
+                <a:lnTo>
+                  <a:pt x="1659199" y="6313225"/>
+                </a:lnTo>
+                <a:lnTo>
+                  <a:pt x="1498064" y="6215333"/>
+                </a:lnTo>
+                <a:cubicBezTo>
+                  <a:pt x="594240" y="5604721"/>
+                  <a:pt x="0" y="4570663"/>
+                  <a:pt x="0" y="3397813"/>
+                </a:cubicBezTo>
+                <a:cubicBezTo>
+                  <a:pt x="0" y="1521253"/>
+                  <a:pt x="1521253" y="0"/>
+                  <a:pt x="3397813" y="0"/>
+                </a:cubicBezTo>
+                <a:close/>
+              </a:path>
+            </a:pathLst>
+          </a:custGeom>
+          <a:solidFill>
+            <a:schemeClr val="bg1"/>
+          </a:solidFill>
+          <a:ln>
+            <a:noFill/>
+          </a:ln>
+        </p:spPr>
+        <p:style>
+          <a:lnRef idx="2">
+            <a:schemeClr val="accent1">
+              <a:shade val="50000"/>
+            </a:schemeClr>
+          </a:lnRef>
+          <a:fillRef idx="1">
+            <a:schemeClr val="accent1"/>
+          </a:fillRef>
+          <a:effectRef idx="0">
+            <a:schemeClr val="accent1"/>
+          </a:effectRef>
+          <a:fontRef idx="minor">
+            <a:schemeClr val="lt1"/>
+          </a:fontRef>
+        </p:style>
+        <p:txBody>
+          <a:bodyPr rtlCol="0" anchor="ctr"/>
+          <a:lstStyle/>
+          <a:p>
+            <a:pPr marL="0" marR="0" lvl="0" indent="0" algn="ctr" defTabSz="914400" rtl="0" eaLnBrk="1" fontAlgn="auto" latinLnBrk="0" hangingPunct="1">
+              <a:lnSpc>
+                <a:spcPct val="100000"/>
+              </a:lnSpc>
+              <a:spcBef>
+                <a:spcPts val="0"/>
+              </a:spcBef>
+              <a:spcAft>
+                <a:spcPts val="0"/>
+              </a:spcAft>
+              <a:buClrTx/>
+              <a:buSzTx/>
+              <a:buFontTx/>
+              <a:buNone/>
+              <a:tabLst/>
+              <a:defRPr/>
+            </a:pPr>
+            <a:endParaRPr kumimoji="0" lang="en-US" sz="1800" b="0" i="0" u="none" strike="noStrike" kern="1200" cap="none" spc="0" normalizeH="0" baseline="0" noProof="0">
+              <a:ln>
+                <a:noFill/>
+              </a:ln>
+              <a:solidFill>
+                <a:prstClr val="white"/>
+              </a:solidFill>
+              <a:effectLst/>
+              <a:uLnTx/>
+              <a:uFillTx/>
+              <a:latin typeface="Calibri" panose="020F0502020204030204"/>
+              <a:ea typeface="+mn-ea"/>
+              <a:cs typeface="+mn-cs"/>
+            </a:endParaRPr>
+          </a:p>
+        </p:txBody>
+      </p:sp>
+      <p:pic>
+        <p:nvPicPr>
+          <p:cNvPr id="7" name="Graphic 6" descr="Bar chart">
+            <a:extLst>
+              <a:ext uri="{FF2B5EF4-FFF2-40B4-BE49-F238E27FC236}">
+                <a16:creationId xmlns:a16="http://schemas.microsoft.com/office/drawing/2014/main" id="{445C6F2F-FF1F-43CB-9F48-4E21AFA18391}"/>
+              </a:ext>
+            </a:extLst>
+          </p:cNvPr>
+          <p:cNvPicPr>
+            <a:picLocks noChangeAspect="1"/>
+          </p:cNvPicPr>
+          <p:nvPr/>
+        </p:nvPicPr>
+        <p:blipFill>
+          <a:blip r:embed="rId2">
+            <a:extLst>
+              <a:ext uri="{28A0092B-C50C-407E-A947-70E740481C1C}">
+                <a14:useLocalDpi xmlns:a14="http://schemas.microsoft.com/office/drawing/2010/main" val="0"/>
+              </a:ext>
+              <a:ext uri="{96DAC541-7B7A-43D3-8B79-37D633B846F1}">
+                <asvg:svgBlip xmlns:asvg="http://schemas.microsoft.com/office/drawing/2016/SVG/main" r:embed="rId3"/>
+              </a:ext>
+            </a:extLst>
+          </a:blip>
+          <a:stretch>
+            <a:fillRect/>
+          </a:stretch>
+        </p:blipFill>
+        <p:spPr>
+          <a:xfrm>
+            <a:off x="7210424" y="1845770"/>
+            <a:ext cx="4333875" cy="4333875"/>
+          </a:xfrm>
+          <a:prstGeom prst="rect">
+            <a:avLst/>
+          </a:prstGeom>
+        </p:spPr>
+      </p:pic>
+    </p:spTree>
+    <p:extLst>
+      <p:ext uri="{BB962C8B-B14F-4D97-AF65-F5344CB8AC3E}">
+        <p14:creationId xmlns:p14="http://schemas.microsoft.com/office/powerpoint/2010/main" val="1902453401"/>
+      </p:ext>
+    </p:extLst>
+  </p:cSld>
+  <p:clrMapOvr>
+    <a:masterClrMapping/>
+  </p:clrMapOvr>
+</p:sld>
+</file>
+
+<file path=ppt/slides/slide7.xml><?xml version="1.0" encoding="utf-8"?>
+<p:sld xmlns:a="http://schemas.openxmlformats.org/drawingml/2006/main" xmlns:r="http://schemas.openxmlformats.org/officeDocument/2006/relationships" xmlns:p="http://schemas.openxmlformats.org/presentationml/2006/main">
+  <p:cSld>
+    <p:bg>
+      <p:bgPr>
+        <a:solidFill>
+          <a:schemeClr val="accent2"/>
+        </a:solidFill>
+        <a:effectLst/>
+      </p:bgPr>
+    </p:bg>
+    <p:spTree>
+      <p:nvGrpSpPr>
+        <p:cNvPr id="1" name=""/>
+        <p:cNvGrpSpPr/>
+        <p:nvPr/>
+      </p:nvGrpSpPr>
+      <p:grpSpPr>
+        <a:xfrm>
+          <a:off x="0" y="0"/>
+          <a:ext cx="0" cy="0"/>
+          <a:chOff x="0" y="0"/>
+          <a:chExt cx="0" cy="0"/>
+        </a:xfrm>
+      </p:grpSpPr>
+      <p:sp>
+        <p:nvSpPr>
+          <p:cNvPr id="14" name="Rectangle 13">
+            <a:extLst>
+              <a:ext uri="{FF2B5EF4-FFF2-40B4-BE49-F238E27FC236}">
+                <a16:creationId xmlns:a16="http://schemas.microsoft.com/office/drawing/2014/main" id="{5E52985E-2553-471E-82AA-5ED7A329890A}"/>
+              </a:ext>
+              <a:ext uri="{C183D7F6-B498-43B3-948B-1728B52AA6E4}">
+                <adec:decorative xmlns:adec="http://schemas.microsoft.com/office/drawing/2017/decorative" val="1"/>
+              </a:ext>
+            </a:extLst>
+          </p:cNvPr>
+          <p:cNvSpPr>
+            <a:spLocks noGrp="1" noRot="1" noChangeAspect="1" noMove="1" noResize="1" noEditPoints="1" noAdjustHandles="1" noChangeArrowheads="1" noChangeShapeType="1" noTextEdit="1"/>
+          </p:cNvSpPr>
+          <p:nvPr>
+            <p:extLst>
+              <p:ext uri="{386F3935-93C4-4BCD-93E2-E3B085C9AB24}">
+                <p16:designElem xmlns:p16="http://schemas.microsoft.com/office/powerpoint/2015/main" val="1"/>
+              </p:ext>
+            </p:extLst>
+          </p:nvPr>
+        </p:nvSpPr>
+        <p:spPr bwMode="ltGray">
+          <a:xfrm>
+            <a:off x="393308" y="352931"/>
+            <a:ext cx="11438793" cy="1844256"/>
+          </a:xfrm>
+          <a:prstGeom prst="rect">
+            <a:avLst/>
+          </a:prstGeom>
+          <a:solidFill>
+            <a:schemeClr val="tx1">
+              <a:lumMod val="75000"/>
+              <a:lumOff val="25000"/>
+            </a:schemeClr>
+          </a:solidFill>
+          <a:ln w="127000" cap="sq" cmpd="thinThick">
+            <a:solidFill>
+              <a:schemeClr val="tx1">
+                <a:lumMod val="75000"/>
+                <a:lumOff val="25000"/>
+              </a:schemeClr>
+            </a:solidFill>
+          </a:ln>
+        </p:spPr>
+        <p:style>
+          <a:lnRef idx="2">
+            <a:schemeClr val="accent1">
+              <a:shade val="50000"/>
+            </a:schemeClr>
+          </a:lnRef>
+          <a:fillRef idx="1">
+            <a:schemeClr val="accent1"/>
+          </a:fillRef>
+          <a:effectRef idx="0">
+            <a:schemeClr val="accent1"/>
+          </a:effectRef>
+          <a:fontRef idx="minor">
+            <a:schemeClr val="lt1"/>
+          </a:fontRef>
+        </p:style>
+        <p:txBody>
+          <a:bodyPr rtlCol="0" anchor="ctr"/>
+          <a:lstStyle/>
+          <a:p>
+            <a:pPr marL="0" marR="0" lvl="0" indent="0" algn="ctr" defTabSz="914400" rtl="0" eaLnBrk="1" fontAlgn="auto" latinLnBrk="0" hangingPunct="1">
+              <a:lnSpc>
+                <a:spcPct val="100000"/>
+              </a:lnSpc>
+              <a:spcBef>
+                <a:spcPts val="0"/>
+              </a:spcBef>
+              <a:spcAft>
+                <a:spcPts val="0"/>
+              </a:spcAft>
+              <a:buClrTx/>
+              <a:buSzTx/>
+              <a:buFontTx/>
+              <a:buNone/>
+              <a:tabLst/>
+              <a:defRPr/>
+            </a:pPr>
+            <a:endParaRPr kumimoji="0" lang="en-US" sz="1800" b="0" i="0" u="none" strike="noStrike" kern="1200" cap="none" spc="0" normalizeH="0" baseline="0" noProof="0">
+              <a:ln>
+                <a:noFill/>
+              </a:ln>
+              <a:solidFill>
+                <a:prstClr val="white"/>
+              </a:solidFill>
+              <a:effectLst/>
+              <a:uLnTx/>
+              <a:uFillTx/>
+              <a:latin typeface="Calibri" panose="020F0502020204030204"/>
+              <a:ea typeface="+mn-ea"/>
+              <a:cs typeface="+mn-cs"/>
+            </a:endParaRPr>
           </a:p>
         </p:txBody>
       </p:sp>
@@ -7025,7 +14143,7 @@
           <p:cNvPr id="2" name="Title 1">
             <a:extLst>
               <a:ext uri="{FF2B5EF4-FFF2-40B4-BE49-F238E27FC236}">
-                <a16:creationId xmlns:a16="http://schemas.microsoft.com/office/drawing/2014/main" id="{310B4006-291B-8C41-82C7-6E5CFDAFE76C}"/>
+                <a16:creationId xmlns:a16="http://schemas.microsoft.com/office/drawing/2014/main" id="{24AEFAE4-65E1-DC46-8184-B196A1173242}"/>
               </a:ext>
             </a:extLst>
           </p:cNvPr>
@@ -7038,42 +14156,43 @@
         </p:nvSpPr>
         <p:spPr>
           <a:xfrm>
-            <a:off x="1053536" y="1413277"/>
-            <a:ext cx="4220967" cy="1907840"/>
+            <a:off x="649270" y="506727"/>
+            <a:ext cx="3885141" cy="1526741"/>
           </a:xfrm>
         </p:spPr>
         <p:txBody>
-          <a:bodyPr anchor="b">
+          <a:bodyPr>
             <a:normAutofit/>
           </a:bodyPr>
           <a:lstStyle/>
           <a:p>
-            <a:r>
-              <a:rPr lang="en-US" dirty="0">
+            <a:pPr algn="r"/>
+            <a:r>
+              <a:rPr lang="en-US" sz="3000" dirty="0">
                 <a:solidFill>
-                  <a:srgbClr val="FF6600"/>
+                  <a:schemeClr val="bg1"/>
                 </a:solidFill>
               </a:rPr>
-              <a:t>Analysis by Year (2016, 2017 &amp; 2018)</a:t>
+              <a:t>Ride Analysis</a:t>
             </a:r>
           </a:p>
         </p:txBody>
       </p:sp>
-      <p:grpSp>
-        <p:nvGrpSpPr>
-          <p:cNvPr id="55" name="Group 54">
+      <p:cxnSp>
+        <p:nvCxnSpPr>
+          <p:cNvPr id="16" name="Straight Connector 15">
             <a:extLst>
               <a:ext uri="{FF2B5EF4-FFF2-40B4-BE49-F238E27FC236}">
-                <a16:creationId xmlns:a16="http://schemas.microsoft.com/office/drawing/2014/main" id="{9C6E8597-0CCE-4A8A-9326-AA52691A1C81}"/>
+                <a16:creationId xmlns:a16="http://schemas.microsoft.com/office/drawing/2014/main" id="{DAE3ABC6-4042-4293-A7DF-F01181363B7E}"/>
               </a:ext>
               <a:ext uri="{C183D7F6-B498-43B3-948B-1728B52AA6E4}">
                 <adec:decorative xmlns:adec="http://schemas.microsoft.com/office/drawing/2017/decorative" val="1"/>
               </a:ext>
             </a:extLst>
           </p:cNvPr>
-          <p:cNvGrpSpPr>
-            <a:grpSpLocks noGrp="1" noUngrp="1" noRot="1" noChangeAspect="1" noMove="1" noResize="1"/>
-          </p:cNvGrpSpPr>
+          <p:cNvCxnSpPr>
+            <a:cxnSpLocks noGrp="1" noRot="1" noChangeAspect="1" noMove="1" noResize="1" noEditPoints="1" noAdjustHandles="1" noChangeArrowheads="1" noChangeShapeType="1"/>
+          </p:cNvCxnSpPr>
           <p:nvPr>
             <p:extLst>
               <p:ext uri="{386F3935-93C4-4BCD-93E2-E3B085C9AB24}">
@@ -7081,396 +14200,109 @@
               </p:ext>
             </p:extLst>
           </p:nvPr>
-        </p:nvGrpSpPr>
-        <p:grpSpPr>
+        </p:nvCxnSpPr>
+        <p:spPr>
+          <a:xfrm flipV="1">
+            <a:off x="4739873" y="580963"/>
+            <a:ext cx="0" cy="1371600"/>
+          </a:xfrm>
+          <a:prstGeom prst="line">
+            <a:avLst/>
+          </a:prstGeom>
+          <a:ln w="19050">
+            <a:solidFill>
+              <a:schemeClr val="bg1">
+                <a:alpha val="75000"/>
+              </a:schemeClr>
+            </a:solidFill>
+          </a:ln>
+        </p:spPr>
+        <p:style>
+          <a:lnRef idx="1">
+            <a:schemeClr val="accent1"/>
+          </a:lnRef>
+          <a:fillRef idx="0">
+            <a:schemeClr val="accent1"/>
+          </a:fillRef>
+          <a:effectRef idx="0">
+            <a:schemeClr val="accent1"/>
+          </a:effectRef>
+          <a:fontRef idx="minor">
+            <a:schemeClr val="tx1"/>
+          </a:fontRef>
+        </p:style>
+      </p:cxnSp>
+      <p:sp>
+        <p:nvSpPr>
+          <p:cNvPr id="11" name="Content Placeholder 10">
+            <a:extLst>
+              <a:ext uri="{FF2B5EF4-FFF2-40B4-BE49-F238E27FC236}">
+                <a16:creationId xmlns:a16="http://schemas.microsoft.com/office/drawing/2014/main" id="{39EC5F3F-7914-4BBD-9506-795A9CBC32EB}"/>
+              </a:ext>
+            </a:extLst>
+          </p:cNvPr>
+          <p:cNvSpPr>
+            <a:spLocks noGrp="1"/>
+          </p:cNvSpPr>
+          <p:nvPr>
+            <p:ph idx="1"/>
+          </p:nvPr>
+        </p:nvSpPr>
+        <p:spPr>
           <a:xfrm>
-            <a:off x="640080" y="640080"/>
-            <a:ext cx="1128382" cy="847206"/>
-            <a:chOff x="5307830" y="325570"/>
-            <a:chExt cx="1128382" cy="847206"/>
+            <a:off x="4945336" y="506727"/>
+            <a:ext cx="6609921" cy="1526741"/>
           </a:xfrm>
-        </p:grpSpPr>
-        <p:sp>
-          <p:nvSpPr>
-            <p:cNvPr id="56" name="Freeform 5">
-              <a:extLst>
-                <a:ext uri="{FF2B5EF4-FFF2-40B4-BE49-F238E27FC236}">
-                  <a16:creationId xmlns:a16="http://schemas.microsoft.com/office/drawing/2014/main" id="{E78FE76E-DF1D-420B-957F-8ECE93C02B85}"/>
-                </a:ext>
-                <a:ext uri="{C183D7F6-B498-43B3-948B-1728B52AA6E4}">
-                  <adec:decorative xmlns:adec="http://schemas.microsoft.com/office/drawing/2017/decorative" val="1"/>
-                </a:ext>
-              </a:extLst>
-            </p:cNvPr>
-            <p:cNvSpPr>
-              <a:spLocks/>
-            </p:cNvSpPr>
-            <p:nvPr>
-              <p:extLst>
-                <p:ext uri="{386F3935-93C4-4BCD-93E2-E3B085C9AB24}">
-                  <p16:designElem xmlns:p16="http://schemas.microsoft.com/office/powerpoint/2015/main" val="1"/>
-                </p:ext>
-              </p:extLst>
-            </p:nvPr>
-          </p:nvSpPr>
-          <p:spPr bwMode="auto">
-            <a:xfrm>
-              <a:off x="5307830" y="577396"/>
-              <a:ext cx="675351" cy="595380"/>
-            </a:xfrm>
-            <a:custGeom>
-              <a:avLst/>
-              <a:gdLst>
-                <a:gd name="T0" fmla="*/ 225 w 785"/>
-                <a:gd name="T1" fmla="*/ 692 h 692"/>
-                <a:gd name="T2" fmla="*/ 177 w 785"/>
-                <a:gd name="T3" fmla="*/ 665 h 692"/>
-                <a:gd name="T4" fmla="*/ 9 w 785"/>
-                <a:gd name="T5" fmla="*/ 374 h 692"/>
-                <a:gd name="T6" fmla="*/ 9 w 785"/>
-                <a:gd name="T7" fmla="*/ 318 h 692"/>
-                <a:gd name="T8" fmla="*/ 177 w 785"/>
-                <a:gd name="T9" fmla="*/ 27 h 692"/>
-                <a:gd name="T10" fmla="*/ 225 w 785"/>
-                <a:gd name="T11" fmla="*/ 0 h 692"/>
-                <a:gd name="T12" fmla="*/ 561 w 785"/>
-                <a:gd name="T13" fmla="*/ 0 h 692"/>
-                <a:gd name="T14" fmla="*/ 609 w 785"/>
-                <a:gd name="T15" fmla="*/ 27 h 692"/>
-                <a:gd name="T16" fmla="*/ 777 w 785"/>
-                <a:gd name="T17" fmla="*/ 318 h 692"/>
-                <a:gd name="T18" fmla="*/ 777 w 785"/>
-                <a:gd name="T19" fmla="*/ 374 h 692"/>
-                <a:gd name="T20" fmla="*/ 609 w 785"/>
-                <a:gd name="T21" fmla="*/ 665 h 692"/>
-                <a:gd name="T22" fmla="*/ 561 w 785"/>
-                <a:gd name="T23" fmla="*/ 692 h 692"/>
-                <a:gd name="T24" fmla="*/ 225 w 785"/>
-                <a:gd name="T25" fmla="*/ 692 h 692"/>
-              </a:gdLst>
-              <a:ahLst/>
-              <a:cxnLst>
-                <a:cxn ang="0">
-                  <a:pos x="T0" y="T1"/>
-                </a:cxn>
-                <a:cxn ang="0">
-                  <a:pos x="T2" y="T3"/>
-                </a:cxn>
-                <a:cxn ang="0">
-                  <a:pos x="T4" y="T5"/>
-                </a:cxn>
-                <a:cxn ang="0">
-                  <a:pos x="T6" y="T7"/>
-                </a:cxn>
-                <a:cxn ang="0">
-                  <a:pos x="T8" y="T9"/>
-                </a:cxn>
-                <a:cxn ang="0">
-                  <a:pos x="T10" y="T11"/>
-                </a:cxn>
-                <a:cxn ang="0">
-                  <a:pos x="T12" y="T13"/>
-                </a:cxn>
-                <a:cxn ang="0">
-                  <a:pos x="T14" y="T15"/>
-                </a:cxn>
-                <a:cxn ang="0">
-                  <a:pos x="T16" y="T17"/>
-                </a:cxn>
-                <a:cxn ang="0">
-                  <a:pos x="T18" y="T19"/>
-                </a:cxn>
-                <a:cxn ang="0">
-                  <a:pos x="T20" y="T21"/>
-                </a:cxn>
-                <a:cxn ang="0">
-                  <a:pos x="T22" y="T23"/>
-                </a:cxn>
-                <a:cxn ang="0">
-                  <a:pos x="T24" y="T25"/>
-                </a:cxn>
-              </a:cxnLst>
-              <a:rect l="0" t="0" r="r" b="b"/>
-              <a:pathLst>
-                <a:path w="785" h="692">
-                  <a:moveTo>
-                    <a:pt x="225" y="692"/>
-                  </a:moveTo>
-                  <a:cubicBezTo>
-                    <a:pt x="207" y="692"/>
-                    <a:pt x="185" y="680"/>
-                    <a:pt x="177" y="665"/>
-                  </a:cubicBezTo>
-                  <a:cubicBezTo>
-                    <a:pt x="9" y="374"/>
-                    <a:pt x="9" y="374"/>
-                    <a:pt x="9" y="374"/>
-                  </a:cubicBezTo>
-                  <a:cubicBezTo>
-                    <a:pt x="0" y="358"/>
-                    <a:pt x="0" y="334"/>
-                    <a:pt x="9" y="318"/>
-                  </a:cubicBezTo>
-                  <a:cubicBezTo>
-                    <a:pt x="177" y="27"/>
-                    <a:pt x="177" y="27"/>
-                    <a:pt x="177" y="27"/>
-                  </a:cubicBezTo>
-                  <a:cubicBezTo>
-                    <a:pt x="185" y="12"/>
-                    <a:pt x="207" y="0"/>
-                    <a:pt x="225" y="0"/>
-                  </a:cubicBezTo>
-                  <a:cubicBezTo>
-                    <a:pt x="561" y="0"/>
-                    <a:pt x="561" y="0"/>
-                    <a:pt x="561" y="0"/>
-                  </a:cubicBezTo>
-                  <a:cubicBezTo>
-                    <a:pt x="578" y="0"/>
-                    <a:pt x="600" y="12"/>
-                    <a:pt x="609" y="27"/>
-                  </a:cubicBezTo>
-                  <a:cubicBezTo>
-                    <a:pt x="777" y="318"/>
-                    <a:pt x="777" y="318"/>
-                    <a:pt x="777" y="318"/>
-                  </a:cubicBezTo>
-                  <a:cubicBezTo>
-                    <a:pt x="785" y="334"/>
-                    <a:pt x="785" y="358"/>
-                    <a:pt x="777" y="374"/>
-                  </a:cubicBezTo>
-                  <a:cubicBezTo>
-                    <a:pt x="609" y="665"/>
-                    <a:pt x="609" y="665"/>
-                    <a:pt x="609" y="665"/>
-                  </a:cubicBezTo>
-                  <a:cubicBezTo>
-                    <a:pt x="600" y="680"/>
-                    <a:pt x="578" y="692"/>
-                    <a:pt x="561" y="692"/>
-                  </a:cubicBezTo>
-                  <a:lnTo>
-                    <a:pt x="225" y="692"/>
-                  </a:lnTo>
-                  <a:close/>
-                </a:path>
-              </a:pathLst>
-            </a:custGeom>
-            <a:noFill/>
-            <a:ln w="28575" cmpd="sng">
-              <a:solidFill>
-                <a:schemeClr val="bg1"/>
-              </a:solidFill>
-            </a:ln>
-          </p:spPr>
-          <p:txBody>
-            <a:bodyPr vert="horz" wrap="square" lIns="91440" tIns="45720" rIns="91440" bIns="45720" numCol="1" anchor="t" anchorCtr="0" compatLnSpc="1">
-              <a:prstTxWarp prst="textNoShape">
-                <a:avLst/>
-              </a:prstTxWarp>
-            </a:bodyPr>
-            <a:lstStyle/>
-            <a:p>
-              <a:endParaRPr lang="en-US"/>
-            </a:p>
-          </p:txBody>
-        </p:sp>
-        <p:sp>
-          <p:nvSpPr>
-            <p:cNvPr id="57" name="Freeform 5">
-              <a:extLst>
-                <a:ext uri="{FF2B5EF4-FFF2-40B4-BE49-F238E27FC236}">
-                  <a16:creationId xmlns:a16="http://schemas.microsoft.com/office/drawing/2014/main" id="{CF2F61F0-9758-4DEF-AC08-7B00F04A4639}"/>
-                </a:ext>
-                <a:ext uri="{C183D7F6-B498-43B3-948B-1728B52AA6E4}">
-                  <adec:decorative xmlns:adec="http://schemas.microsoft.com/office/drawing/2017/decorative" val="1"/>
-                </a:ext>
-              </a:extLst>
-            </p:cNvPr>
-            <p:cNvSpPr>
-              <a:spLocks/>
-            </p:cNvSpPr>
-            <p:nvPr>
-              <p:extLst>
-                <p:ext uri="{386F3935-93C4-4BCD-93E2-E3B085C9AB24}">
-                  <p16:designElem xmlns:p16="http://schemas.microsoft.com/office/powerpoint/2015/main" val="1"/>
-                </p:ext>
-              </p:extLst>
-            </p:nvPr>
-          </p:nvSpPr>
-          <p:spPr bwMode="auto">
-            <a:xfrm>
-              <a:off x="5885720" y="325570"/>
-              <a:ext cx="550492" cy="485306"/>
-            </a:xfrm>
-            <a:custGeom>
-              <a:avLst/>
-              <a:gdLst>
-                <a:gd name="T0" fmla="*/ 225 w 785"/>
-                <a:gd name="T1" fmla="*/ 692 h 692"/>
-                <a:gd name="T2" fmla="*/ 177 w 785"/>
-                <a:gd name="T3" fmla="*/ 665 h 692"/>
-                <a:gd name="T4" fmla="*/ 9 w 785"/>
-                <a:gd name="T5" fmla="*/ 374 h 692"/>
-                <a:gd name="T6" fmla="*/ 9 w 785"/>
-                <a:gd name="T7" fmla="*/ 318 h 692"/>
-                <a:gd name="T8" fmla="*/ 177 w 785"/>
-                <a:gd name="T9" fmla="*/ 27 h 692"/>
-                <a:gd name="T10" fmla="*/ 225 w 785"/>
-                <a:gd name="T11" fmla="*/ 0 h 692"/>
-                <a:gd name="T12" fmla="*/ 561 w 785"/>
-                <a:gd name="T13" fmla="*/ 0 h 692"/>
-                <a:gd name="T14" fmla="*/ 609 w 785"/>
-                <a:gd name="T15" fmla="*/ 27 h 692"/>
-                <a:gd name="T16" fmla="*/ 777 w 785"/>
-                <a:gd name="T17" fmla="*/ 318 h 692"/>
-                <a:gd name="T18" fmla="*/ 777 w 785"/>
-                <a:gd name="T19" fmla="*/ 374 h 692"/>
-                <a:gd name="T20" fmla="*/ 609 w 785"/>
-                <a:gd name="T21" fmla="*/ 665 h 692"/>
-                <a:gd name="T22" fmla="*/ 561 w 785"/>
-                <a:gd name="T23" fmla="*/ 692 h 692"/>
-                <a:gd name="T24" fmla="*/ 225 w 785"/>
-                <a:gd name="T25" fmla="*/ 692 h 692"/>
-              </a:gdLst>
-              <a:ahLst/>
-              <a:cxnLst>
-                <a:cxn ang="0">
-                  <a:pos x="T0" y="T1"/>
-                </a:cxn>
-                <a:cxn ang="0">
-                  <a:pos x="T2" y="T3"/>
-                </a:cxn>
-                <a:cxn ang="0">
-                  <a:pos x="T4" y="T5"/>
-                </a:cxn>
-                <a:cxn ang="0">
-                  <a:pos x="T6" y="T7"/>
-                </a:cxn>
-                <a:cxn ang="0">
-                  <a:pos x="T8" y="T9"/>
-                </a:cxn>
-                <a:cxn ang="0">
-                  <a:pos x="T10" y="T11"/>
-                </a:cxn>
-                <a:cxn ang="0">
-                  <a:pos x="T12" y="T13"/>
-                </a:cxn>
-                <a:cxn ang="0">
-                  <a:pos x="T14" y="T15"/>
-                </a:cxn>
-                <a:cxn ang="0">
-                  <a:pos x="T16" y="T17"/>
-                </a:cxn>
-                <a:cxn ang="0">
-                  <a:pos x="T18" y="T19"/>
-                </a:cxn>
-                <a:cxn ang="0">
-                  <a:pos x="T20" y="T21"/>
-                </a:cxn>
-                <a:cxn ang="0">
-                  <a:pos x="T22" y="T23"/>
-                </a:cxn>
-                <a:cxn ang="0">
-                  <a:pos x="T24" y="T25"/>
-                </a:cxn>
-              </a:cxnLst>
-              <a:rect l="0" t="0" r="r" b="b"/>
-              <a:pathLst>
-                <a:path w="785" h="692">
-                  <a:moveTo>
-                    <a:pt x="225" y="692"/>
-                  </a:moveTo>
-                  <a:cubicBezTo>
-                    <a:pt x="207" y="692"/>
-                    <a:pt x="185" y="680"/>
-                    <a:pt x="177" y="665"/>
-                  </a:cubicBezTo>
-                  <a:cubicBezTo>
-                    <a:pt x="9" y="374"/>
-                    <a:pt x="9" y="374"/>
-                    <a:pt x="9" y="374"/>
-                  </a:cubicBezTo>
-                  <a:cubicBezTo>
-                    <a:pt x="0" y="358"/>
-                    <a:pt x="0" y="334"/>
-                    <a:pt x="9" y="318"/>
-                  </a:cubicBezTo>
-                  <a:cubicBezTo>
-                    <a:pt x="177" y="27"/>
-                    <a:pt x="177" y="27"/>
-                    <a:pt x="177" y="27"/>
-                  </a:cubicBezTo>
-                  <a:cubicBezTo>
-                    <a:pt x="185" y="12"/>
-                    <a:pt x="207" y="0"/>
-                    <a:pt x="225" y="0"/>
-                  </a:cubicBezTo>
-                  <a:cubicBezTo>
-                    <a:pt x="561" y="0"/>
-                    <a:pt x="561" y="0"/>
-                    <a:pt x="561" y="0"/>
-                  </a:cubicBezTo>
-                  <a:cubicBezTo>
-                    <a:pt x="578" y="0"/>
-                    <a:pt x="600" y="12"/>
-                    <a:pt x="609" y="27"/>
-                  </a:cubicBezTo>
-                  <a:cubicBezTo>
-                    <a:pt x="777" y="318"/>
-                    <a:pt x="777" y="318"/>
-                    <a:pt x="777" y="318"/>
-                  </a:cubicBezTo>
-                  <a:cubicBezTo>
-                    <a:pt x="785" y="334"/>
-                    <a:pt x="785" y="358"/>
-                    <a:pt x="777" y="374"/>
-                  </a:cubicBezTo>
-                  <a:cubicBezTo>
-                    <a:pt x="609" y="665"/>
-                    <a:pt x="609" y="665"/>
-                    <a:pt x="609" y="665"/>
-                  </a:cubicBezTo>
-                  <a:cubicBezTo>
-                    <a:pt x="600" y="680"/>
-                    <a:pt x="578" y="692"/>
-                    <a:pt x="561" y="692"/>
-                  </a:cubicBezTo>
-                  <a:lnTo>
-                    <a:pt x="225" y="692"/>
-                  </a:lnTo>
-                  <a:close/>
-                </a:path>
-              </a:pathLst>
-            </a:custGeom>
-            <a:noFill/>
-            <a:ln w="28575" cmpd="sng">
-              <a:solidFill>
-                <a:schemeClr val="bg1"/>
-              </a:solidFill>
-            </a:ln>
-          </p:spPr>
-          <p:txBody>
-            <a:bodyPr vert="horz" wrap="square" lIns="91440" tIns="45720" rIns="91440" bIns="45720" numCol="1" anchor="t" anchorCtr="0" compatLnSpc="1">
-              <a:prstTxWarp prst="textNoShape">
-                <a:avLst/>
-              </a:prstTxWarp>
-            </a:bodyPr>
-            <a:lstStyle/>
-            <a:p>
-              <a:endParaRPr lang="en-US"/>
-            </a:p>
-          </p:txBody>
-        </p:sp>
-      </p:grpSp>
+        </p:spPr>
+        <p:txBody>
+          <a:bodyPr anchor="ctr">
+            <a:normAutofit lnSpcReduction="10000"/>
+          </a:bodyPr>
+          <a:lstStyle/>
+          <a:p>
+            <a:r>
+              <a:rPr lang="en-US" sz="1200" dirty="0">
+                <a:solidFill>
+                  <a:schemeClr val="bg1"/>
+                </a:solidFill>
+              </a:rPr>
+              <a:t>It is seen that the Yellow Company has more than double the number of rides each year as compared to the Pink Cab. This trend can be seen continuing in the month wise split of rides. Both the companies have a similar trend of starting off the year with lesser number of rides, but as the year goes on, we see that this number increases to almost 200% of that at the starting of the year.</a:t>
+            </a:r>
+          </a:p>
+          <a:p>
+            <a:r>
+              <a:rPr lang="en-US" sz="1200" dirty="0">
+                <a:solidFill>
+                  <a:schemeClr val="bg1"/>
+                </a:solidFill>
+              </a:rPr>
+              <a:t>The main reason for such a trend is more likely to be a customer </a:t>
+            </a:r>
+            <a:r>
+              <a:rPr lang="en-US" sz="1200" dirty="0" err="1">
+                <a:solidFill>
+                  <a:schemeClr val="bg1"/>
+                </a:solidFill>
+              </a:rPr>
+              <a:t>behaviour</a:t>
+            </a:r>
+            <a:r>
+              <a:rPr lang="en-US" sz="1200" dirty="0">
+                <a:solidFill>
+                  <a:schemeClr val="bg1"/>
+                </a:solidFill>
+              </a:rPr>
+              <a:t> pattern rather than company policies. For example, people would want to start the year of healthy and therefore, would prefer walking to taking a cab. As the year goes on, this becomes less important for them, and thus, the number of cab rides increases. The number of rides could depend on a lot more factors.</a:t>
+            </a:r>
+          </a:p>
+        </p:txBody>
+      </p:sp>
       <p:pic>
         <p:nvPicPr>
-          <p:cNvPr id="5" name="Content Placeholder 4" descr="Chart, bar chart&#10;&#10;Description automatically generated">
+          <p:cNvPr id="7" name="Picture 6" descr="Chart, bar chart&#10;&#10;Description automatically generated">
             <a:extLst>
               <a:ext uri="{FF2B5EF4-FFF2-40B4-BE49-F238E27FC236}">
-                <a16:creationId xmlns:a16="http://schemas.microsoft.com/office/drawing/2014/main" id="{5A251631-A327-6E4E-9F61-E5C4EF897D55}"/>
+                <a16:creationId xmlns:a16="http://schemas.microsoft.com/office/drawing/2014/main" id="{9A908303-4494-144B-937A-4A40DEA9475A}"/>
               </a:ext>
             </a:extLst>
           </p:cNvPr>
@@ -7493,72 +14325,20 @@
         </p:blipFill>
         <p:spPr>
           <a:xfrm>
-            <a:off x="7524047" y="891906"/>
-            <a:ext cx="2951837" cy="2376229"/>
+            <a:off x="191585" y="3429000"/>
+            <a:ext cx="7204824" cy="2089399"/>
           </a:xfrm>
           <a:prstGeom prst="rect">
             <a:avLst/>
           </a:prstGeom>
-          <a:solidFill>
-            <a:srgbClr val="FF6600"/>
-          </a:solidFill>
         </p:spPr>
       </p:pic>
-      <p:sp>
-        <p:nvSpPr>
-          <p:cNvPr id="14" name="Content Placeholder 13">
+      <p:pic>
+        <p:nvPicPr>
+          <p:cNvPr id="5" name="Content Placeholder 4" descr="Chart, line chart&#10;&#10;Description automatically generated">
             <a:extLst>
               <a:ext uri="{FF2B5EF4-FFF2-40B4-BE49-F238E27FC236}">
-                <a16:creationId xmlns:a16="http://schemas.microsoft.com/office/drawing/2014/main" id="{BB16509F-DB43-4ED5-A3B9-4B668D4A9A17}"/>
-              </a:ext>
-            </a:extLst>
-          </p:cNvPr>
-          <p:cNvSpPr>
-            <a:spLocks noGrp="1"/>
-          </p:cNvSpPr>
-          <p:nvPr>
-            <p:ph idx="1"/>
-          </p:nvPr>
-        </p:nvSpPr>
-        <p:spPr>
-          <a:xfrm>
-            <a:off x="640080" y="3609008"/>
-            <a:ext cx="4075054" cy="2741213"/>
-          </a:xfrm>
-        </p:spPr>
-        <p:txBody>
-          <a:bodyPr anchor="t">
-            <a:normAutofit/>
-          </a:bodyPr>
-          <a:lstStyle/>
-          <a:p>
-            <a:r>
-              <a:rPr lang="en-US" sz="1800" dirty="0">
-                <a:solidFill>
-                  <a:schemeClr val="bg1"/>
-                </a:solidFill>
-              </a:rPr>
-              <a:t>When we look at the plots on the right, we see that the Average Yearly Profit earned by the Yellow Company is more than double than that of the Pink Company.</a:t>
-            </a:r>
-          </a:p>
-          <a:p>
-            <a:r>
-              <a:rPr lang="en-US" sz="1800" dirty="0">
-                <a:solidFill>
-                  <a:schemeClr val="bg1"/>
-                </a:solidFill>
-              </a:rPr>
-              <a:t>A possible reason for this could be the lack of resources to do more rides. We can see that the Yellow Company is doing more than double the Pink Company’s rides as well.</a:t>
-            </a:r>
-          </a:p>
-        </p:txBody>
-      </p:sp>
-      <p:pic>
-        <p:nvPicPr>
-          <p:cNvPr id="7" name="Picture 6" descr="Chart, bar chart&#10;&#10;Description automatically generated">
-            <a:extLst>
-              <a:ext uri="{FF2B5EF4-FFF2-40B4-BE49-F238E27FC236}">
-                <a16:creationId xmlns:a16="http://schemas.microsoft.com/office/drawing/2014/main" id="{1BF8A110-D9AE-8C42-A8CF-8B2D7BEF40F9}"/>
+                <a16:creationId xmlns:a16="http://schemas.microsoft.com/office/drawing/2014/main" id="{1C744427-2220-814F-A4C3-6661FF33EBB1}"/>
               </a:ext>
             </a:extLst>
           </p:cNvPr>
@@ -7581,21 +14361,18 @@
         </p:blipFill>
         <p:spPr>
           <a:xfrm>
-            <a:off x="6585046" y="4036127"/>
-            <a:ext cx="4837061" cy="1402747"/>
+            <a:off x="7709340" y="2998513"/>
+            <a:ext cx="3733977" cy="2865826"/>
           </a:xfrm>
           <a:prstGeom prst="rect">
             <a:avLst/>
           </a:prstGeom>
-          <a:solidFill>
-            <a:srgbClr val="FF6600"/>
-          </a:solidFill>
         </p:spPr>
       </p:pic>
     </p:spTree>
     <p:extLst>
       <p:ext uri="{BB962C8B-B14F-4D97-AF65-F5344CB8AC3E}">
-        <p14:creationId xmlns:p14="http://schemas.microsoft.com/office/powerpoint/2010/main" val="3867359033"/>
+        <p14:creationId xmlns:p14="http://schemas.microsoft.com/office/powerpoint/2010/main" val="1928622636"/>
       </p:ext>
     </p:extLst>
   </p:cSld>
@@ -7605,7 +14382,7 @@
 </p:sld>
 </file>
 
-<file path=ppt/slides/slide7.xml><?xml version="1.0" encoding="utf-8"?>
+<file path=ppt/slides/slide8.xml><?xml version="1.0" encoding="utf-8"?>
 <p:sld xmlns:a="http://schemas.openxmlformats.org/drawingml/2006/main" xmlns:r="http://schemas.openxmlformats.org/officeDocument/2006/relationships" xmlns:p="http://schemas.openxmlformats.org/presentationml/2006/main">
   <p:cSld>
     <p:bg>
@@ -7632,10 +14409,10 @@
       </p:grpSpPr>
       <p:sp>
         <p:nvSpPr>
-          <p:cNvPr id="40" name="Rectangle 39">
+          <p:cNvPr id="49" name="Rectangle 48">
             <a:extLst>
               <a:ext uri="{FF2B5EF4-FFF2-40B4-BE49-F238E27FC236}">
-                <a16:creationId xmlns:a16="http://schemas.microsoft.com/office/drawing/2014/main" id="{68A4132F-DEC6-4332-A00C-A11AD4519B6C}"/>
+                <a16:creationId xmlns:a16="http://schemas.microsoft.com/office/drawing/2014/main" id="{A7AE9375-4664-4DB2-922D-2782A6E439AC}"/>
               </a:ext>
               <a:ext uri="{C183D7F6-B498-43B3-948B-1728B52AA6E4}">
                 <adec:decorative xmlns:adec="http://schemas.microsoft.com/office/drawing/2017/decorative" val="1"/>
@@ -7655,14 +14432,17 @@
         </p:nvSpPr>
         <p:spPr>
           <a:xfrm>
-            <a:off x="3048" y="0"/>
-            <a:ext cx="12188952" cy="6858000"/>
+            <a:off x="-1" y="0"/>
+            <a:ext cx="12192000" cy="6858000"/>
           </a:xfrm>
           <a:prstGeom prst="rect">
             <a:avLst/>
           </a:prstGeom>
           <a:solidFill>
-            <a:schemeClr val="tx1"/>
+            <a:schemeClr val="tx1">
+              <a:lumMod val="95000"/>
+              <a:lumOff val="5000"/>
+            </a:schemeClr>
           </a:solidFill>
           <a:ln>
             <a:noFill/>
@@ -7689,230 +14469,11 @@
           <a:lstStyle/>
           <a:p>
             <a:pPr algn="ctr"/>
-            <a:endParaRPr lang="en-US"/>
-          </a:p>
-        </p:txBody>
-      </p:sp>
-      <p:sp>
-        <p:nvSpPr>
-          <p:cNvPr id="42" name="Freeform: Shape 41">
-            <a:extLst>
-              <a:ext uri="{FF2B5EF4-FFF2-40B4-BE49-F238E27FC236}">
-                <a16:creationId xmlns:a16="http://schemas.microsoft.com/office/drawing/2014/main" id="{64965EAE-E41A-435F-B993-07E824B6C977}"/>
-              </a:ext>
-              <a:ext uri="{C183D7F6-B498-43B3-948B-1728B52AA6E4}">
-                <adec:decorative xmlns:adec="http://schemas.microsoft.com/office/drawing/2017/decorative" val="1"/>
-              </a:ext>
-            </a:extLst>
-          </p:cNvPr>
-          <p:cNvSpPr>
-            <a:spLocks noGrp="1" noRot="1" noChangeAspect="1" noMove="1" noResize="1" noEditPoints="1" noAdjustHandles="1" noChangeArrowheads="1" noChangeShapeType="1" noTextEdit="1"/>
-          </p:cNvSpPr>
-          <p:nvPr>
-            <p:extLst>
-              <p:ext uri="{386F3935-93C4-4BCD-93E2-E3B085C9AB24}">
-                <p16:designElem xmlns:p16="http://schemas.microsoft.com/office/powerpoint/2015/main" val="1"/>
-              </p:ext>
-            </p:extLst>
-          </p:nvPr>
-        </p:nvSpPr>
-        <p:spPr>
-          <a:xfrm flipV="1">
-            <a:off x="1" y="0"/>
-            <a:ext cx="7539895" cy="6858000"/>
-          </a:xfrm>
-          <a:custGeom>
-            <a:avLst/>
-            <a:gdLst>
-              <a:gd name="connsiteX0" fmla="*/ 7539895 w 7539895"/>
-              <a:gd name="connsiteY0" fmla="*/ 6858000 h 6858000"/>
-              <a:gd name="connsiteX1" fmla="*/ 0 w 7539895"/>
-              <a:gd name="connsiteY1" fmla="*/ 6858000 h 6858000"/>
-              <a:gd name="connsiteX2" fmla="*/ 0 w 7539895"/>
-              <a:gd name="connsiteY2" fmla="*/ 0 h 6858000"/>
-              <a:gd name="connsiteX3" fmla="*/ 4363741 w 7539895"/>
-              <a:gd name="connsiteY3" fmla="*/ 0 h 6858000"/>
-            </a:gdLst>
-            <a:ahLst/>
-            <a:cxnLst>
-              <a:cxn ang="0">
-                <a:pos x="connsiteX0" y="connsiteY0"/>
-              </a:cxn>
-              <a:cxn ang="0">
-                <a:pos x="connsiteX1" y="connsiteY1"/>
-              </a:cxn>
-              <a:cxn ang="0">
-                <a:pos x="connsiteX2" y="connsiteY2"/>
-              </a:cxn>
-              <a:cxn ang="0">
-                <a:pos x="connsiteX3" y="connsiteY3"/>
-              </a:cxn>
-            </a:cxnLst>
-            <a:rect l="l" t="t" r="r" b="b"/>
-            <a:pathLst>
-              <a:path w="7539895" h="6858000">
-                <a:moveTo>
-                  <a:pt x="7539895" y="6858000"/>
-                </a:moveTo>
-                <a:lnTo>
-                  <a:pt x="0" y="6858000"/>
-                </a:lnTo>
-                <a:lnTo>
-                  <a:pt x="0" y="0"/>
-                </a:lnTo>
-                <a:lnTo>
-                  <a:pt x="4363741" y="0"/>
-                </a:lnTo>
-                <a:close/>
-              </a:path>
-            </a:pathLst>
-          </a:custGeom>
-          <a:solidFill>
-            <a:schemeClr val="bg1">
-              <a:lumMod val="85000"/>
-              <a:lumOff val="15000"/>
-              <a:alpha val="70000"/>
-            </a:schemeClr>
-          </a:solidFill>
-          <a:ln>
-            <a:noFill/>
-          </a:ln>
-        </p:spPr>
-        <p:style>
-          <a:lnRef idx="2">
-            <a:schemeClr val="accent1">
-              <a:shade val="50000"/>
-            </a:schemeClr>
-          </a:lnRef>
-          <a:fillRef idx="1">
-            <a:schemeClr val="accent1"/>
-          </a:fillRef>
-          <a:effectRef idx="0">
-            <a:schemeClr val="accent1"/>
-          </a:effectRef>
-          <a:fontRef idx="minor">
-            <a:schemeClr val="lt1"/>
-          </a:fontRef>
-        </p:style>
-        <p:txBody>
-          <a:bodyPr wrap="square" rtlCol="0" anchor="ctr">
-            <a:noAutofit/>
-          </a:bodyPr>
-          <a:lstStyle/>
-          <a:p>
-            <a:pPr algn="ctr"/>
-            <a:endParaRPr lang="en-US"/>
-          </a:p>
-        </p:txBody>
-      </p:sp>
-      <p:sp>
-        <p:nvSpPr>
-          <p:cNvPr id="44" name="Freeform: Shape 43">
-            <a:extLst>
-              <a:ext uri="{FF2B5EF4-FFF2-40B4-BE49-F238E27FC236}">
-                <a16:creationId xmlns:a16="http://schemas.microsoft.com/office/drawing/2014/main" id="{152F8994-E6D4-4311-9548-C3607BC43645}"/>
-              </a:ext>
-              <a:ext uri="{C183D7F6-B498-43B3-948B-1728B52AA6E4}">
-                <adec:decorative xmlns:adec="http://schemas.microsoft.com/office/drawing/2017/decorative" val="1"/>
-              </a:ext>
-            </a:extLst>
-          </p:cNvPr>
-          <p:cNvSpPr>
-            <a:spLocks noGrp="1" noRot="1" noChangeAspect="1" noMove="1" noResize="1" noEditPoints="1" noAdjustHandles="1" noChangeArrowheads="1" noChangeShapeType="1" noTextEdit="1"/>
-          </p:cNvSpPr>
-          <p:nvPr>
-            <p:extLst>
-              <p:ext uri="{386F3935-93C4-4BCD-93E2-E3B085C9AB24}">
-                <p16:designElem xmlns:p16="http://schemas.microsoft.com/office/powerpoint/2015/main" val="1"/>
-              </p:ext>
-            </p:extLst>
-          </p:nvPr>
-        </p:nvSpPr>
-        <p:spPr>
-          <a:xfrm flipV="1">
-            <a:off x="0" y="0"/>
-            <a:ext cx="7092985" cy="6858000"/>
-          </a:xfrm>
-          <a:custGeom>
-            <a:avLst/>
-            <a:gdLst>
-              <a:gd name="connsiteX0" fmla="*/ 7092985 w 7092985"/>
-              <a:gd name="connsiteY0" fmla="*/ 6858000 h 6858000"/>
-              <a:gd name="connsiteX1" fmla="*/ 0 w 7092985"/>
-              <a:gd name="connsiteY1" fmla="*/ 6858000 h 6858000"/>
-              <a:gd name="connsiteX2" fmla="*/ 0 w 7092985"/>
-              <a:gd name="connsiteY2" fmla="*/ 0 h 6858000"/>
-              <a:gd name="connsiteX3" fmla="*/ 3916831 w 7092985"/>
-              <a:gd name="connsiteY3" fmla="*/ 0 h 6858000"/>
-            </a:gdLst>
-            <a:ahLst/>
-            <a:cxnLst>
-              <a:cxn ang="0">
-                <a:pos x="connsiteX0" y="connsiteY0"/>
-              </a:cxn>
-              <a:cxn ang="0">
-                <a:pos x="connsiteX1" y="connsiteY1"/>
-              </a:cxn>
-              <a:cxn ang="0">
-                <a:pos x="connsiteX2" y="connsiteY2"/>
-              </a:cxn>
-              <a:cxn ang="0">
-                <a:pos x="connsiteX3" y="connsiteY3"/>
-              </a:cxn>
-            </a:cxnLst>
-            <a:rect l="l" t="t" r="r" b="b"/>
-            <a:pathLst>
-              <a:path w="7092985" h="6858000">
-                <a:moveTo>
-                  <a:pt x="7092985" y="6858000"/>
-                </a:moveTo>
-                <a:lnTo>
-                  <a:pt x="0" y="6858000"/>
-                </a:lnTo>
-                <a:lnTo>
-                  <a:pt x="0" y="0"/>
-                </a:lnTo>
-                <a:lnTo>
-                  <a:pt x="3916831" y="0"/>
-                </a:lnTo>
-                <a:close/>
-              </a:path>
-            </a:pathLst>
-          </a:custGeom>
-          <a:solidFill>
-            <a:schemeClr val="bg1">
-              <a:lumMod val="85000"/>
-              <a:lumOff val="15000"/>
-            </a:schemeClr>
-          </a:solidFill>
-          <a:ln>
-            <a:noFill/>
-          </a:ln>
-        </p:spPr>
-        <p:style>
-          <a:lnRef idx="2">
-            <a:schemeClr val="accent1">
-              <a:shade val="50000"/>
-            </a:schemeClr>
-          </a:lnRef>
-          <a:fillRef idx="1">
-            <a:schemeClr val="accent1"/>
-          </a:fillRef>
-          <a:effectRef idx="0">
-            <a:schemeClr val="accent1"/>
-          </a:effectRef>
-          <a:fontRef idx="minor">
-            <a:schemeClr val="lt1"/>
-          </a:fontRef>
-        </p:style>
-        <p:txBody>
-          <a:bodyPr wrap="square" rtlCol="0" anchor="ctr">
-            <a:noAutofit/>
-          </a:bodyPr>
-          <a:lstStyle/>
-          <a:p>
-            <a:pPr algn="ctr"/>
-            <a:endParaRPr lang="en-US"/>
+            <a:endParaRPr lang="en-US" dirty="0">
+              <a:solidFill>
+                <a:schemeClr val="tx1"/>
+              </a:solidFill>
+            </a:endParaRPr>
           </a:p>
         </p:txBody>
       </p:sp>
@@ -7934,23 +14495,79 @@
         </p:nvSpPr>
         <p:spPr>
           <a:xfrm>
-            <a:off x="838199" y="365125"/>
-            <a:ext cx="5529943" cy="1325563"/>
+            <a:off x="1295400" y="669925"/>
+            <a:ext cx="4800600" cy="1325563"/>
           </a:xfrm>
         </p:spPr>
         <p:txBody>
-          <a:bodyPr>
+          <a:bodyPr anchor="b">
             <a:normAutofit/>
           </a:bodyPr>
           <a:lstStyle/>
           <a:p>
             <a:r>
-              <a:rPr lang="en-US" dirty="0"/>
-              <a:t>Cost Analysis (by City)</a:t>
+              <a:rPr lang="en-US">
+                <a:solidFill>
+                  <a:schemeClr val="bg1"/>
+                </a:solidFill>
+              </a:rPr>
+              <a:t>Cost Analysis</a:t>
             </a:r>
           </a:p>
         </p:txBody>
       </p:sp>
+      <p:cxnSp>
+        <p:nvCxnSpPr>
+          <p:cNvPr id="51" name="Straight Connector 50">
+            <a:extLst>
+              <a:ext uri="{FF2B5EF4-FFF2-40B4-BE49-F238E27FC236}">
+                <a16:creationId xmlns:a16="http://schemas.microsoft.com/office/drawing/2014/main" id="{EE504C98-6397-41C1-A8D8-2D9C4ED307E0}"/>
+              </a:ext>
+              <a:ext uri="{C183D7F6-B498-43B3-948B-1728B52AA6E4}">
+                <adec:decorative xmlns:adec="http://schemas.microsoft.com/office/drawing/2017/decorative" val="1"/>
+              </a:ext>
+            </a:extLst>
+          </p:cNvPr>
+          <p:cNvCxnSpPr>
+            <a:cxnSpLocks noGrp="1" noRot="1" noChangeAspect="1" noMove="1" noResize="1" noEditPoints="1" noAdjustHandles="1" noChangeArrowheads="1" noChangeShapeType="1"/>
+          </p:cNvCxnSpPr>
+          <p:nvPr>
+            <p:extLst>
+              <p:ext uri="{386F3935-93C4-4BCD-93E2-E3B085C9AB24}">
+                <p16:designElem xmlns:p16="http://schemas.microsoft.com/office/powerpoint/2015/main" val="1"/>
+              </p:ext>
+            </p:extLst>
+          </p:nvPr>
+        </p:nvCxnSpPr>
+        <p:spPr>
+          <a:xfrm flipH="1">
+            <a:off x="1" y="2026340"/>
+            <a:ext cx="6095999" cy="0"/>
+          </a:xfrm>
+          <a:prstGeom prst="line">
+            <a:avLst/>
+          </a:prstGeom>
+          <a:ln w="12700">
+            <a:solidFill>
+              <a:schemeClr val="accent2"/>
+            </a:solidFill>
+          </a:ln>
+        </p:spPr>
+        <p:style>
+          <a:lnRef idx="1">
+            <a:schemeClr val="accent1"/>
+          </a:lnRef>
+          <a:fillRef idx="0">
+            <a:schemeClr val="accent1"/>
+          </a:fillRef>
+          <a:effectRef idx="0">
+            <a:schemeClr val="accent1"/>
+          </a:effectRef>
+          <a:fontRef idx="minor">
+            <a:schemeClr val="tx1"/>
+          </a:fontRef>
+        </p:style>
+      </p:cxnSp>
       <p:sp>
         <p:nvSpPr>
           <p:cNvPr id="37" name="Content Placeholder 36">
@@ -7969,8 +14586,8 @@
         </p:nvSpPr>
         <p:spPr>
           <a:xfrm>
-            <a:off x="838199" y="1825625"/>
-            <a:ext cx="4142091" cy="3399518"/>
+            <a:off x="1295400" y="2288833"/>
+            <a:ext cx="4800600" cy="3711571"/>
           </a:xfrm>
         </p:spPr>
         <p:txBody>
@@ -7980,25 +14597,42 @@
           <a:lstStyle/>
           <a:p>
             <a:r>
-              <a:rPr lang="en-US" sz="1800" dirty="0"/>
+              <a:rPr lang="en-US" sz="1700">
+                <a:solidFill>
+                  <a:schemeClr val="bg1"/>
+                </a:solidFill>
+              </a:rPr>
               <a:t>As we can see, over the span of 3 years (i.e. 2016-2018), the average cost per km of distance travelled hasn’t changed too much for either company. However, the difference between this cost is almost $2. This could be because of higher quality service offered by the Yellow Company.</a:t>
             </a:r>
           </a:p>
           <a:p>
             <a:r>
-              <a:rPr lang="en-US" sz="1800"/>
-              <a:t>The a</a:t>
-            </a:r>
-            <a:endParaRPr lang="en-US" sz="1800" dirty="0"/>
+              <a:rPr lang="en-US" sz="1700">
+                <a:solidFill>
+                  <a:schemeClr val="bg1"/>
+                </a:solidFill>
+              </a:rPr>
+              <a:t>The Average cost of each ride in different cities is quite stable, without too large fluctuations in the cost. We can see, however, that the average cost of the Yellow Company exceeds that of the Pink company by almost $45 in all cities. </a:t>
+            </a:r>
+          </a:p>
+          <a:p>
+            <a:r>
+              <a:rPr lang="en-US" sz="1700">
+                <a:solidFill>
+                  <a:schemeClr val="bg1"/>
+                </a:solidFill>
+              </a:rPr>
+              <a:t>This could be a matter of concern for them as they are incurring much higher costs for providing the same service as their competitors. </a:t>
+            </a:r>
           </a:p>
         </p:txBody>
       </p:sp>
       <p:pic>
         <p:nvPicPr>
-          <p:cNvPr id="14" name="Picture 13" descr="Table&#10;&#10;Description automatically generated">
+          <p:cNvPr id="11" name="Content Placeholder 10" descr="Chart, line chart&#10;&#10;Description automatically generated">
             <a:extLst>
               <a:ext uri="{FF2B5EF4-FFF2-40B4-BE49-F238E27FC236}">
-                <a16:creationId xmlns:a16="http://schemas.microsoft.com/office/drawing/2014/main" id="{31DE37FD-76EF-A147-BD6D-A5303EFA6A9E}"/>
+                <a16:creationId xmlns:a16="http://schemas.microsoft.com/office/drawing/2014/main" id="{6FFE50AB-6942-B645-BABD-EF628F27E19C}"/>
               </a:ext>
             </a:extLst>
           </p:cNvPr>
@@ -8021,20 +14655,83 @@
         </p:blipFill>
         <p:spPr>
           <a:xfrm>
-            <a:off x="7583141" y="508200"/>
-            <a:ext cx="3936488" cy="2125702"/>
+            <a:off x="6431603" y="397893"/>
+            <a:ext cx="3996261" cy="2747428"/>
           </a:xfrm>
           <a:prstGeom prst="rect">
             <a:avLst/>
           </a:prstGeom>
         </p:spPr>
       </p:pic>
+      <p:sp>
+        <p:nvSpPr>
+          <p:cNvPr id="53" name="Rectangle 52">
+            <a:extLst>
+              <a:ext uri="{FF2B5EF4-FFF2-40B4-BE49-F238E27FC236}">
+                <a16:creationId xmlns:a16="http://schemas.microsoft.com/office/drawing/2014/main" id="{C87417AF-190E-4D6E-AFA6-7D3E84B0B430}"/>
+              </a:ext>
+              <a:ext uri="{C183D7F6-B498-43B3-948B-1728B52AA6E4}">
+                <adec:decorative xmlns:adec="http://schemas.microsoft.com/office/drawing/2017/decorative" val="1"/>
+              </a:ext>
+            </a:extLst>
+          </p:cNvPr>
+          <p:cNvSpPr>
+            <a:spLocks noGrp="1" noRot="1" noChangeAspect="1" noMove="1" noResize="1" noEditPoints="1" noAdjustHandles="1" noChangeArrowheads="1" noChangeShapeType="1" noTextEdit="1"/>
+          </p:cNvSpPr>
+          <p:nvPr>
+            <p:extLst>
+              <p:ext uri="{386F3935-93C4-4BCD-93E2-E3B085C9AB24}">
+                <p16:designElem xmlns:p16="http://schemas.microsoft.com/office/powerpoint/2015/main" val="1"/>
+              </p:ext>
+            </p:extLst>
+          </p:nvPr>
+        </p:nvSpPr>
+        <p:spPr>
+          <a:xfrm>
+            <a:off x="6431603" y="182859"/>
+            <a:ext cx="3996261" cy="3177496"/>
+          </a:xfrm>
+          <a:prstGeom prst="rect">
+            <a:avLst/>
+          </a:prstGeom>
+          <a:noFill/>
+          <a:ln w="12700">
+            <a:solidFill>
+              <a:schemeClr val="accent2"/>
+            </a:solidFill>
+          </a:ln>
+        </p:spPr>
+        <p:style>
+          <a:lnRef idx="2">
+            <a:schemeClr val="accent1">
+              <a:shade val="50000"/>
+            </a:schemeClr>
+          </a:lnRef>
+          <a:fillRef idx="1">
+            <a:schemeClr val="accent1"/>
+          </a:fillRef>
+          <a:effectRef idx="0">
+            <a:schemeClr val="accent1"/>
+          </a:effectRef>
+          <a:fontRef idx="minor">
+            <a:schemeClr val="lt1"/>
+          </a:fontRef>
+        </p:style>
+        <p:txBody>
+          <a:bodyPr rtlCol="0" anchor="ctr"/>
+          <a:lstStyle/>
+          <a:p>
+            <a:pPr algn="ctr"/>
+            <a:endParaRPr lang="en-US"/>
+          </a:p>
+        </p:txBody>
+      </p:sp>
       <p:pic>
         <p:nvPicPr>
-          <p:cNvPr id="11" name="Content Placeholder 10" descr="Chart, line chart&#10;&#10;Description automatically generated">
+          <p:cNvPr id="14" name="Picture 13" descr="Table&#10;&#10;Description automatically generated">
             <a:extLst>
               <a:ext uri="{FF2B5EF4-FFF2-40B4-BE49-F238E27FC236}">
-                <a16:creationId xmlns:a16="http://schemas.microsoft.com/office/drawing/2014/main" id="{6FFE50AB-6942-B645-BABD-EF628F27E19C}"/>
+                <a16:creationId xmlns:a16="http://schemas.microsoft.com/office/drawing/2014/main" id="{31DE37FD-76EF-A147-BD6D-A5303EFA6A9E}"/>
               </a:ext>
             </a:extLst>
           </p:cNvPr>
@@ -8057,14 +14754,77 @@
         </p:blipFill>
         <p:spPr>
           <a:xfrm>
-            <a:off x="6907863" y="2994128"/>
-            <a:ext cx="4611765" cy="3170589"/>
+            <a:off x="7803856" y="4041516"/>
+            <a:ext cx="4038689" cy="2180890"/>
           </a:xfrm>
           <a:prstGeom prst="rect">
             <a:avLst/>
           </a:prstGeom>
         </p:spPr>
       </p:pic>
+      <p:sp>
+        <p:nvSpPr>
+          <p:cNvPr id="55" name="Rectangle 54">
+            <a:extLst>
+              <a:ext uri="{FF2B5EF4-FFF2-40B4-BE49-F238E27FC236}">
+                <a16:creationId xmlns:a16="http://schemas.microsoft.com/office/drawing/2014/main" id="{80B30ED8-273E-4C07-8568-2FE5CC5C483D}"/>
+              </a:ext>
+              <a:ext uri="{C183D7F6-B498-43B3-948B-1728B52AA6E4}">
+                <adec:decorative xmlns:adec="http://schemas.microsoft.com/office/drawing/2017/decorative" val="1"/>
+              </a:ext>
+            </a:extLst>
+          </p:cNvPr>
+          <p:cNvSpPr>
+            <a:spLocks noGrp="1" noRot="1" noChangeAspect="1" noMove="1" noResize="1" noEditPoints="1" noAdjustHandles="1" noChangeArrowheads="1" noChangeShapeType="1" noTextEdit="1"/>
+          </p:cNvSpPr>
+          <p:nvPr>
+            <p:extLst>
+              <p:ext uri="{386F3935-93C4-4BCD-93E2-E3B085C9AB24}">
+                <p16:designElem xmlns:p16="http://schemas.microsoft.com/office/powerpoint/2015/main" val="1"/>
+              </p:ext>
+            </p:extLst>
+          </p:nvPr>
+        </p:nvSpPr>
+        <p:spPr>
+          <a:xfrm>
+            <a:off x="7825071" y="3543213"/>
+            <a:ext cx="3996261" cy="3177496"/>
+          </a:xfrm>
+          <a:prstGeom prst="rect">
+            <a:avLst/>
+          </a:prstGeom>
+          <a:noFill/>
+          <a:ln w="12700">
+            <a:solidFill>
+              <a:schemeClr val="accent2"/>
+            </a:solidFill>
+          </a:ln>
+        </p:spPr>
+        <p:style>
+          <a:lnRef idx="2">
+            <a:schemeClr val="accent1">
+              <a:shade val="50000"/>
+            </a:schemeClr>
+          </a:lnRef>
+          <a:fillRef idx="1">
+            <a:schemeClr val="accent1"/>
+          </a:fillRef>
+          <a:effectRef idx="0">
+            <a:schemeClr val="accent1"/>
+          </a:effectRef>
+          <a:fontRef idx="minor">
+            <a:schemeClr val="lt1"/>
+          </a:fontRef>
+        </p:style>
+        <p:txBody>
+          <a:bodyPr rtlCol="0" anchor="ctr"/>
+          <a:lstStyle/>
+          <a:p>
+            <a:pPr algn="ctr"/>
+            <a:endParaRPr lang="en-US"/>
+          </a:p>
+        </p:txBody>
+      </p:sp>
     </p:spTree>
     <p:extLst>
       <p:ext uri="{BB962C8B-B14F-4D97-AF65-F5344CB8AC3E}">
@@ -8073,14 +14833,22 @@
     </p:extLst>
   </p:cSld>
   <p:clrMapOvr>
-    <a:overrideClrMapping bg1="dk1" tx1="lt1" bg2="dk2" tx2="lt2" accent1="accent1" accent2="accent2" accent3="accent3" accent4="accent4" accent5="accent5" accent6="accent6" hlink="hlink" folHlink="folHlink"/>
+    <a:masterClrMapping/>
   </p:clrMapOvr>
 </p:sld>
 </file>
 
-<file path=ppt/slides/slide8.xml><?xml version="1.0" encoding="utf-8"?>
+<file path=ppt/slides/slide9.xml><?xml version="1.0" encoding="utf-8"?>
 <p:sld xmlns:a="http://schemas.openxmlformats.org/drawingml/2006/main" xmlns:r="http://schemas.openxmlformats.org/officeDocument/2006/relationships" xmlns:p="http://schemas.openxmlformats.org/presentationml/2006/main">
   <p:cSld>
+    <p:bg>
+      <p:bgPr>
+        <a:solidFill>
+          <a:schemeClr val="accent2"/>
+        </a:solidFill>
+        <a:effectLst/>
+      </p:bgPr>
+    </p:bg>
     <p:spTree>
       <p:nvGrpSpPr>
         <p:cNvPr id="1" name=""/>
@@ -8097,10 +14865,110 @@
       </p:grpSpPr>
       <p:sp>
         <p:nvSpPr>
+          <p:cNvPr id="17" name="Rectangle 13">
+            <a:extLst>
+              <a:ext uri="{FF2B5EF4-FFF2-40B4-BE49-F238E27FC236}">
+                <a16:creationId xmlns:a16="http://schemas.microsoft.com/office/drawing/2014/main" id="{5E52985E-2553-471E-82AA-5ED7A329890A}"/>
+              </a:ext>
+              <a:ext uri="{C183D7F6-B498-43B3-948B-1728B52AA6E4}">
+                <adec:decorative xmlns:adec="http://schemas.microsoft.com/office/drawing/2017/decorative" val="1"/>
+              </a:ext>
+            </a:extLst>
+          </p:cNvPr>
+          <p:cNvSpPr>
+            <a:spLocks noGrp="1" noRot="1" noChangeAspect="1" noMove="1" noResize="1" noEditPoints="1" noAdjustHandles="1" noChangeArrowheads="1" noChangeShapeType="1" noTextEdit="1"/>
+          </p:cNvSpPr>
+          <p:nvPr>
+            <p:extLst>
+              <p:ext uri="{386F3935-93C4-4BCD-93E2-E3B085C9AB24}">
+                <p16:designElem xmlns:p16="http://schemas.microsoft.com/office/powerpoint/2015/main" val="1"/>
+              </p:ext>
+            </p:extLst>
+          </p:nvPr>
+        </p:nvSpPr>
+        <p:spPr bwMode="ltGray">
+          <a:xfrm>
+            <a:off x="393308" y="352931"/>
+            <a:ext cx="11438793" cy="1844256"/>
+          </a:xfrm>
+          <a:prstGeom prst="rect">
+            <a:avLst/>
+          </a:prstGeom>
+          <a:solidFill>
+            <a:schemeClr val="tx1">
+              <a:lumMod val="75000"/>
+              <a:lumOff val="25000"/>
+            </a:schemeClr>
+          </a:solidFill>
+          <a:ln w="127000" cap="sq" cmpd="thinThick">
+            <a:solidFill>
+              <a:schemeClr val="tx1">
+                <a:lumMod val="75000"/>
+                <a:lumOff val="25000"/>
+              </a:schemeClr>
+            </a:solidFill>
+          </a:ln>
+        </p:spPr>
+        <p:style>
+          <a:lnRef idx="2">
+            <a:schemeClr val="accent1">
+              <a:shade val="50000"/>
+            </a:schemeClr>
+          </a:lnRef>
+          <a:fillRef idx="1">
+            <a:schemeClr val="accent1"/>
+          </a:fillRef>
+          <a:effectRef idx="0">
+            <a:schemeClr val="accent1"/>
+          </a:effectRef>
+          <a:fontRef idx="minor">
+            <a:schemeClr val="lt1"/>
+          </a:fontRef>
+        </p:style>
+        <p:txBody>
+          <a:bodyPr rtlCol="0" anchor="ctr"/>
+          <a:lstStyle/>
+          <a:p>
+            <a:pPr marL="0" marR="0" lvl="0" indent="0" algn="ctr" defTabSz="914400" rtl="0" eaLnBrk="1" fontAlgn="auto" latinLnBrk="0" hangingPunct="1">
+              <a:lnSpc>
+                <a:spcPct val="100000"/>
+              </a:lnSpc>
+              <a:spcBef>
+                <a:spcPts val="0"/>
+              </a:spcBef>
+              <a:spcAft>
+                <a:spcPts val="0"/>
+              </a:spcAft>
+              <a:buClrTx/>
+              <a:buSzTx/>
+              <a:buFontTx/>
+              <a:buNone/>
+              <a:tabLst/>
+              <a:defRPr/>
+            </a:pPr>
+            <a:endParaRPr kumimoji="0" lang="en-US" sz="1800" b="0" i="0" u="none" strike="noStrike" kern="1200" cap="none" spc="0" normalizeH="0" baseline="0" noProof="0">
+              <a:ln>
+                <a:noFill/>
+              </a:ln>
+              <a:solidFill>
+                <a:prstClr val="white"/>
+              </a:solidFill>
+              <a:effectLst/>
+              <a:uLnTx/>
+              <a:uFillTx/>
+              <a:latin typeface="Calibri" panose="020F0502020204030204"/>
+              <a:ea typeface="+mn-ea"/>
+              <a:cs typeface="+mn-cs"/>
+            </a:endParaRPr>
+          </a:p>
+        </p:txBody>
+      </p:sp>
+      <p:sp>
+        <p:nvSpPr>
           <p:cNvPr id="2" name="Title 1">
             <a:extLst>
               <a:ext uri="{FF2B5EF4-FFF2-40B4-BE49-F238E27FC236}">
-                <a16:creationId xmlns:a16="http://schemas.microsoft.com/office/drawing/2014/main" id="{E8B8F26E-9345-4747-9094-972E38700A17}"/>
+                <a16:creationId xmlns:a16="http://schemas.microsoft.com/office/drawing/2014/main" id="{0FA61CEF-82D7-464B-9F83-6A2C2CEE9A73}"/>
               </a:ext>
             </a:extLst>
           </p:cNvPr>
@@ -8108,36 +14976,142 @@
             <a:spLocks noGrp="1"/>
           </p:cNvSpPr>
           <p:nvPr>
-            <p:ph type="ctrTitle"/>
+            <p:ph type="title"/>
           </p:nvPr>
         </p:nvSpPr>
         <p:spPr>
-          <a:xfrm rot="5400000">
-            <a:off x="-562431" y="562430"/>
-            <a:ext cx="6858002" cy="5733142"/>
+          <a:xfrm>
+            <a:off x="649270" y="506727"/>
+            <a:ext cx="3885141" cy="1526741"/>
           </a:xfrm>
-          <a:solidFill>
-            <a:srgbClr val="3B3B3B"/>
-          </a:solidFill>
         </p:spPr>
         <p:txBody>
-          <a:bodyPr vert="vert270" anchor="t" anchorCtr="0"/>
+          <a:bodyPr>
+            <a:normAutofit/>
+          </a:bodyPr>
           <a:lstStyle/>
           <a:p>
-            <a:endParaRPr lang="en-US" b="1" dirty="0">
-              <a:solidFill>
-                <a:srgbClr val="FF6600"/>
-              </a:solidFill>
-            </a:endParaRPr>
+            <a:pPr algn="r"/>
+            <a:r>
+              <a:rPr lang="en-CA" sz="3000" dirty="0">
+                <a:solidFill>
+                  <a:schemeClr val="bg1"/>
+                </a:solidFill>
+              </a:rPr>
+              <a:t>Price Analysis</a:t>
+            </a:r>
+          </a:p>
+        </p:txBody>
+      </p:sp>
+      <p:cxnSp>
+        <p:nvCxnSpPr>
+          <p:cNvPr id="16" name="Straight Connector 15">
+            <a:extLst>
+              <a:ext uri="{FF2B5EF4-FFF2-40B4-BE49-F238E27FC236}">
+                <a16:creationId xmlns:a16="http://schemas.microsoft.com/office/drawing/2014/main" id="{DAE3ABC6-4042-4293-A7DF-F01181363B7E}"/>
+              </a:ext>
+              <a:ext uri="{C183D7F6-B498-43B3-948B-1728B52AA6E4}">
+                <adec:decorative xmlns:adec="http://schemas.microsoft.com/office/drawing/2017/decorative" val="1"/>
+              </a:ext>
+            </a:extLst>
+          </p:cNvPr>
+          <p:cNvCxnSpPr>
+            <a:cxnSpLocks noGrp="1" noRot="1" noChangeAspect="1" noMove="1" noResize="1" noEditPoints="1" noAdjustHandles="1" noChangeArrowheads="1" noChangeShapeType="1"/>
+          </p:cNvCxnSpPr>
+          <p:nvPr>
+            <p:extLst>
+              <p:ext uri="{386F3935-93C4-4BCD-93E2-E3B085C9AB24}">
+                <p16:designElem xmlns:p16="http://schemas.microsoft.com/office/powerpoint/2015/main" val="1"/>
+              </p:ext>
+            </p:extLst>
+          </p:nvPr>
+        </p:nvCxnSpPr>
+        <p:spPr>
+          <a:xfrm flipV="1">
+            <a:off x="4739873" y="580963"/>
+            <a:ext cx="0" cy="1371600"/>
+          </a:xfrm>
+          <a:prstGeom prst="line">
+            <a:avLst/>
+          </a:prstGeom>
+          <a:ln w="19050">
+            <a:solidFill>
+              <a:schemeClr val="bg1">
+                <a:alpha val="75000"/>
+              </a:schemeClr>
+            </a:solidFill>
+          </a:ln>
+        </p:spPr>
+        <p:style>
+          <a:lnRef idx="1">
+            <a:schemeClr val="accent1"/>
+          </a:lnRef>
+          <a:fillRef idx="0">
+            <a:schemeClr val="accent1"/>
+          </a:fillRef>
+          <a:effectRef idx="0">
+            <a:schemeClr val="accent1"/>
+          </a:effectRef>
+          <a:fontRef idx="minor">
+            <a:schemeClr val="tx1"/>
+          </a:fontRef>
+        </p:style>
+      </p:cxnSp>
+      <p:sp>
+        <p:nvSpPr>
+          <p:cNvPr id="18" name="Content Placeholder 10">
+            <a:extLst>
+              <a:ext uri="{FF2B5EF4-FFF2-40B4-BE49-F238E27FC236}">
+                <a16:creationId xmlns:a16="http://schemas.microsoft.com/office/drawing/2014/main" id="{444057EB-4CEC-41C1-9DCF-CE169B0EE217}"/>
+              </a:ext>
+            </a:extLst>
+          </p:cNvPr>
+          <p:cNvSpPr>
+            <a:spLocks noGrp="1"/>
+          </p:cNvSpPr>
+          <p:nvPr>
+            <p:ph idx="1"/>
+          </p:nvPr>
+        </p:nvSpPr>
+        <p:spPr>
+          <a:xfrm>
+            <a:off x="4945336" y="506727"/>
+            <a:ext cx="6609921" cy="1526741"/>
+          </a:xfrm>
+        </p:spPr>
+        <p:txBody>
+          <a:bodyPr anchor="ctr">
+            <a:normAutofit fontScale="62500" lnSpcReduction="20000"/>
+          </a:bodyPr>
+          <a:lstStyle/>
+          <a:p>
+            <a:r>
+              <a:rPr lang="en-US" sz="2200" dirty="0">
+                <a:solidFill>
+                  <a:schemeClr val="bg1"/>
+                </a:solidFill>
+              </a:rPr>
+              <a:t>We observe that the Average price per KM over the 3 years (2016-2018), for both the companies, follows a similar pattern. We see that the price/KM charged by both in 2018 is quite lower than in 2016 and 2017 (where it stayed constant). We also see that the Yellow company charges almost $7/KM higher than the Pink Company.</a:t>
+            </a:r>
+          </a:p>
+          <a:p>
+            <a:r>
+              <a:rPr lang="en-US" sz="2200" dirty="0">
+                <a:solidFill>
+                  <a:schemeClr val="bg1"/>
+                </a:solidFill>
+              </a:rPr>
+              <a:t>Next, let us observe the average price of each ride in different cities of operation. We notice that the price is quite varying for both companies, with New York being the most expensive city for cab rides from these 2 companies. We can also see that the Yellow Company has a higher price that they charge their customers.</a:t>
+            </a:r>
           </a:p>
         </p:txBody>
       </p:sp>
       <p:pic>
         <p:nvPicPr>
-          <p:cNvPr id="4" name="Picture 3">
+          <p:cNvPr id="7" name="Picture 6" descr="Table&#10;&#10;Description automatically generated with medium confidence">
             <a:extLst>
               <a:ext uri="{FF2B5EF4-FFF2-40B4-BE49-F238E27FC236}">
-                <a16:creationId xmlns:a16="http://schemas.microsoft.com/office/drawing/2014/main" id="{7A465064-0714-5743-882B-8875105A7023}"/>
+                <a16:creationId xmlns:a16="http://schemas.microsoft.com/office/drawing/2014/main" id="{6AFEC2F2-27A7-E24E-A562-C3469D221921}"/>
               </a:ext>
             </a:extLst>
           </p:cNvPr>
@@ -8160,64 +15134,54 @@
         </p:blipFill>
         <p:spPr>
           <a:xfrm>
-            <a:off x="0" y="5863771"/>
-            <a:ext cx="1654627" cy="994232"/>
+            <a:off x="393308" y="2876528"/>
+            <a:ext cx="5559480" cy="3043813"/>
           </a:xfrm>
           <a:prstGeom prst="rect">
             <a:avLst/>
           </a:prstGeom>
         </p:spPr>
       </p:pic>
-      <p:sp>
-        <p:nvSpPr>
-          <p:cNvPr id="6" name="Subtitle 5">
+      <p:pic>
+        <p:nvPicPr>
+          <p:cNvPr id="5" name="Content Placeholder 4" descr="Chart, line chart&#10;&#10;Description automatically generated">
             <a:extLst>
               <a:ext uri="{FF2B5EF4-FFF2-40B4-BE49-F238E27FC236}">
-                <a16:creationId xmlns:a16="http://schemas.microsoft.com/office/drawing/2014/main" id="{2D4BA697-580E-5544-8F2F-194AD99B859F}"/>
+                <a16:creationId xmlns:a16="http://schemas.microsoft.com/office/drawing/2014/main" id="{295B6AE2-E627-2947-BE86-0404F731D7E3}"/>
               </a:ext>
             </a:extLst>
           </p:cNvPr>
-          <p:cNvSpPr>
-            <a:spLocks noGrp="1"/>
-          </p:cNvSpPr>
-          <p:nvPr>
-            <p:ph type="subTitle" idx="1"/>
-          </p:nvPr>
-        </p:nvSpPr>
+          <p:cNvPicPr>
+            <a:picLocks noChangeAspect="1"/>
+          </p:cNvPicPr>
+          <p:nvPr/>
+        </p:nvPicPr>
+        <p:blipFill>
+          <a:blip r:embed="rId3">
+            <a:extLst>
+              <a:ext uri="{28A0092B-C50C-407E-A947-70E740481C1C}">
+                <a14:useLocalDpi xmlns:a14="http://schemas.microsoft.com/office/drawing/2010/main" val="0"/>
+              </a:ext>
+            </a:extLst>
+          </a:blip>
+          <a:stretch>
+            <a:fillRect/>
+          </a:stretch>
+        </p:blipFill>
         <p:spPr>
           <a:xfrm>
-            <a:off x="5152570" y="2481943"/>
-            <a:ext cx="5558973" cy="1655762"/>
+            <a:off x="6308517" y="2527997"/>
+            <a:ext cx="5433392" cy="3749040"/>
           </a:xfrm>
+          <a:prstGeom prst="rect">
+            <a:avLst/>
+          </a:prstGeom>
         </p:spPr>
-        <p:txBody>
-          <a:bodyPr>
-            <a:normAutofit/>
-          </a:bodyPr>
-          <a:lstStyle/>
-          <a:p>
-            <a:r>
-              <a:rPr lang="en-US" sz="6600" dirty="0">
-                <a:solidFill>
-                  <a:srgbClr val="FF6600"/>
-                </a:solidFill>
-              </a:rPr>
-              <a:t>Thank You</a:t>
-            </a:r>
-          </a:p>
-          <a:p>
-            <a:endParaRPr lang="en-US" sz="6600" dirty="0">
-              <a:solidFill>
-                <a:srgbClr val="FF6600"/>
-              </a:solidFill>
-            </a:endParaRPr>
-          </a:p>
-        </p:txBody>
-      </p:sp>
+      </p:pic>
     </p:spTree>
     <p:extLst>
       <p:ext uri="{BB962C8B-B14F-4D97-AF65-F5344CB8AC3E}">
-        <p14:creationId xmlns:p14="http://schemas.microsoft.com/office/powerpoint/2010/main" val="116821060"/>
+        <p14:creationId xmlns:p14="http://schemas.microsoft.com/office/powerpoint/2010/main" val="1267253849"/>
       </p:ext>
     </p:extLst>
   </p:cSld>
